--- a/Diaphragmatic_Injury_Presentation.pptx
+++ b/Diaphragmatic_Injury_Presentation.pptx
@@ -26,6 +26,9 @@
     <p:sldId id="271" r:id="rId8"/>
     <p:sldId id="272" r:id="rId7"/>
     <p:sldId id="273" r:id="rId6"/>
+    <p:sldId id="274" r:id="rId5"/>
+    <p:sldId id="275" r:id="rId29"/>
+    <p:sldId id="276" r:id="rId30"/>
   </p:sldIdLst>
   <p:sldSz cx="12192000" cy="6858000"/>
   <p:notesSz cx="6858000" cy="9144000"/>
@@ -537,7 +540,7 @@
           <a:lstStyle/>
           <a:p>
             <a:r>
-              <a:t>Welcome everyone. Today we'll be discussing traumatic diaphragmatic injury — a diagnosis that remains challenging in the acute trauma setting and one that carries significant morbidity if missed. We'll cover the epidemiology, diagnostic approach, operative management, and outcomes.</a:t>
+              <a:t>Welcome. Today's talk shifts our focus away from traumatic diaphragm injury to non-traumatic causes of diaphragm dysfunction in adults. This is a topic that spans multiple specialties — thoracic surgery, neurology, pulmonary medicine, and critical care — and is frequently under-recognized.</a:t>
             </a:r>
           </a:p>
         </p:txBody>
@@ -607,7 +610,7 @@
           <a:lstStyle/>
           <a:p>
             <a:r>
-              <a:t>These are the signs you need to know. The collar sign is the most specific — that waist-like constriction of a herniated organ is essentially pathognomonic. The dependent viscera sign is highly sensitive on axial CT. When reviewing trauma CTs, always look at the coronal reconstructions in the lung window to trace the diaphragmatic contour on both sides.</a:t>
+              <a:t>Cervical SCI is the most clinically impactful cause of bilateral diaphragm dysfunction. The level of injury relative to C3–C4–C5 is everything. Patients with complete injury at or above C3 have no diaphragm function whatsoever. Degenerative cervical myelopathy is an increasingly recognized cause of slowly progressive dyspnea that gets misattributed to cardiopulmonary disease — always look at the C-spine MRI in unexplained exertional dyspnea in older patients with neck pain.</a:t>
             </a:r>
           </a:p>
         </p:txBody>
@@ -677,7 +680,7 @@
           <a:lstStyle/>
           <a:p>
             <a:r>
-              <a:t>Now that we've established the diagnosis, let's talk about how to fix it.</a:t>
+              <a:t>In neuromuscular disease, the diaphragm is often the rate-limiting organ for survival. In ALS, initiating NIV before the FVC drops below 50% has level I evidence for survival benefit. Pompe disease deserves special mention — it's treatable, but only if diagnosed. Any adult with unexplained proximal weakness and respiratory failure should have GAA enzyme activity measured. Ventilator-induced diaphragm dysfunction (VIDD) is a critical care phenomenon: the diaphragm atrophies within 18–69 hours of controlled mechanical ventilation — a compelling argument for spontaneous breathing modes in the ICU.</a:t>
             </a:r>
           </a:p>
         </p:txBody>
@@ -747,7 +750,7 @@
           <a:lstStyle/>
           <a:p>
             <a:r>
-              <a:t>The operative approach is largely dictated by timing and associated injuries. In the acute setting, laparotomy gives you access to deal with all abdominal injuries simultaneously — this is almost always the right approach for blunt TDI. For penetrating injuries in stable patients, laparoscopy is increasingly used. For chronic hernias, you'll often need a thoracic approach because of dense adhesions between herniated viscera and pleura.</a:t>
+              <a:t>Let's now discuss how to make the diagnosis.</a:t>
             </a:r>
           </a:p>
         </p:txBody>
@@ -817,7 +820,7 @@
           <a:lstStyle/>
           <a:p>
             <a:r>
-              <a:t>The principles are straightforward: reduce the hernia, check visceral viability, debride devitalized tissue, and close the defect tension-free. The posterior margin often retracts significantly and can be difficult to find — use a long clamp to sweep posterior to the kidney if needed. Communication with anesthesia is critical when closing the diaphragm — they need to be ready to apply PEEP or hand-ventilate to re-expand the lung.</a:t>
+              <a:t>The most sensitive symptom is orthopnea — patients with bilateral dysfunction literally cannot lie flat. Unilateral paralysis is often asymptomatic at rest and only becomes apparent with exertion or in the setting of underlying pulmonary disease. On exam, look for accessory muscle use at rest, which suggests significant bilateral involvement. A careful neurologic exam often points toward the etiology before imaging is obtained.</a:t>
             </a:r>
           </a:p>
         </p:txBody>
@@ -887,7 +890,7 @@
           <a:lstStyle/>
           <a:p>
             <a:r>
-              <a:t>The data consistently shows that mortality from TDI repair itself is low when it's an isolated injury. The high overall mortality in the acute setting reflects the severity of associated injuries. Recurrence after repair is uncommon — 2-5% — and is higher with large defects repaired under tension. The key take-home: delayed diagnosis significantly worsens outcomes.</a:t>
+              <a:t>The sniff test under fluoroscopy remains the most accessible functional test. Ultrasound is increasingly replacing fluoroscopy — the thickening fraction is measurable at the bedside without radiation. Phrenic NCS/EMG is essential to distinguish upper motor neuron lesions (SCI, myelopathy) from lower motor neuron or peripheral nerve causes. The presence of denervation on needle EMG of the diaphragm is definitive evidence of phrenic neuropathy and helps guide prognosis. Don't forget to compare supine and upright spirometry — a &gt;20% drop is a red flag.</a:t>
             </a:r>
           </a:p>
         </p:txBody>
@@ -957,7 +960,7 @@
           <a:lstStyle/>
           <a:p>
             <a:r>
-              <a:t>Most complications are manageable with early recognition. The feared complication is strangulation of herniated bowel — this is a surgical emergency with mortality up to 30%. Any patient with prior trauma presenting with bowel obstruction symptoms should prompt CT evaluation of the diaphragm. For mesh selection: use synthetic (PTFE) in clean elective cases, biological mesh in contaminated fields.</a:t>
+              <a:t>Management depends entirely on etiology, laterality, severity, and prognosis for recovery.</a:t>
             </a:r>
           </a:p>
         </p:txBody>
@@ -1027,7 +1030,7 @@
           <a:lstStyle/>
           <a:p>
             <a:r>
-              <a:t>To summarize: maintain a high index of suspicion in any significant thoracoabdominal trauma. CT with reconstructions is your best tool. All diagnosed TDIs need repair — don't watch and wait. The operative approach depends on timing and associated injuries. Outcomes are good when the diagnosis is made promptly.</a:t>
+              <a:t>The most important first step is always treating the underlying cause. For iatrogenic injury and PTS, watchful waiting with optimization of respiratory reserve is the appropriate initial approach. NIV is the cornerstone of management for bilateral dysfunction from any neuromuscular cause. For ALS patients specifically, NIV initiation at the right time is one of the highest-yield interventions we have.</a:t>
             </a:r>
           </a:p>
         </p:txBody>
@@ -1097,7 +1100,7 @@
           <a:lstStyle/>
           <a:p>
             <a:r>
-              <a:t>These are selected references that informed the evidence presented today. The EAST Practice Management Guidelines remain the most widely cited framework for management decisions.</a:t>
+              <a:t>Diaphragm plication is a well-established and durable procedure for symptomatic unilateral paralysis. The VATS approach has essentially replaced open thoracotomy at high-volume centers. The key patient selection criteria: symptoms that meaningfully limit quality of life, duration of paralysis beyond the window for spontaneous recovery, and no expectation of neurologic improvement. Functional gains are significant — typically a 15–25% improvement in FVC — and are maintained long-term.</a:t>
             </a:r>
           </a:p>
         </p:txBody>
@@ -1167,7 +1170,77 @@
           <a:lstStyle/>
           <a:p>
             <a:r>
-              <a:t>Thank you. I'm happy to take any questions.</a:t>
+              <a:t>Diaphragm pacing is transformative for appropriately selected SCI patients. The NeuRx DPS system uses laparoscopically placed intramuscular electrodes and has FDA approval for SCI and as a compassionate use device in ALS. The critical prerequisite is an intact lower motor neuron — if the phrenic nerve is irreversibly damaged, there is nothing to stimulate. The ALS experience has been sobering — the VITALS trial showed no benefit and potential harm — so this should not be offered routinely in ALS outside of trials.</a:t>
+            </a:r>
+          </a:p>
+        </p:txBody>
+      </p:sp>
+      <p:sp>
+        <p:nvSpPr>
+          <p:cNvPr id="4" name="Slide Number Placeholder 3"/>
+          <p:cNvSpPr>
+            <a:spLocks noGrp="1"/>
+          </p:cNvSpPr>
+          <p:nvPr>
+            <p:ph type="sldNum" idx="5" sz="quarter"/>
+          </p:nvPr>
+        </p:nvSpPr>
+        <p:spPr/>
+      </p:sp>
+    </p:spTree>
+  </p:cSld>
+  <p:clrMapOvr>
+    <a:masterClrMapping/>
+  </p:clrMapOvr>
+</p:notes>
+</file>
+
+<file path=ppt/notesSlides/notesSlide19.xml><?xml version="1.0" encoding="utf-8"?>
+<p:notes xmlns:a="http://schemas.openxmlformats.org/drawingml/2006/main" xmlns:p="http://schemas.openxmlformats.org/presentationml/2006/main" xmlns:r="http://schemas.openxmlformats.org/officeDocument/2006/relationships">
+  <p:cSld>
+    <p:spTree>
+      <p:nvGrpSpPr>
+        <p:cNvPr id="1" name=""/>
+        <p:cNvGrpSpPr/>
+        <p:nvPr/>
+      </p:nvGrpSpPr>
+      <p:grpSpPr>
+        <a:xfrm>
+          <a:off x="0" y="0"/>
+          <a:ext cx="0" cy="0"/>
+          <a:chOff x="0" y="0"/>
+          <a:chExt cx="0" cy="0"/>
+        </a:xfrm>
+      </p:grpSpPr>
+      <p:sp>
+        <p:nvSpPr>
+          <p:cNvPr id="2" name="Slide Image Placeholder 1"/>
+          <p:cNvSpPr>
+            <a:spLocks noGrp="1"/>
+          </p:cNvSpPr>
+          <p:nvPr>
+            <p:ph type="sldImg" idx="2"/>
+          </p:nvPr>
+        </p:nvSpPr>
+        <p:spPr/>
+      </p:sp>
+      <p:sp>
+        <p:nvSpPr>
+          <p:cNvPr id="3" name="Notes Placeholder 2"/>
+          <p:cNvSpPr>
+            <a:spLocks noGrp="1"/>
+          </p:cNvSpPr>
+          <p:nvPr>
+            <p:ph type="body" idx="3" sz="quarter"/>
+          </p:nvPr>
+        </p:nvSpPr>
+        <p:spPr/>
+        <p:txBody>
+          <a:bodyPr/>
+          <a:lstStyle/>
+          <a:p>
+            <a:r>
+              <a:t>To close: the key messages are to know the phrenic nerve anatomy, maintain a broad differential with particular attention to surgical history and Parsonage-Turner, use functional testing — especially the supine FVC drop and diaphragm ultrasound — to quantify dysfunction, and individualize management based on etiology, laterality, and prognosis for recovery.</a:t>
             </a:r>
           </a:p>
         </p:txBody>
@@ -1237,7 +1310,147 @@
           <a:lstStyle/>
           <a:p>
             <a:r>
-              <a:t>By the end of this talk, you should be able to recognize TDI clinically and radiographically, apply the appropriate diagnostic algorithm, and choose the right operative approach for both acute and delayed presentations.</a:t>
+              <a:t>By the end of this talk you should be able to recognize and work up diaphragm dysfunction, distinguish between the major non-traumatic etiologies, and make rational management decisions including when to offer plication or diaphragm pacing.</a:t>
+            </a:r>
+          </a:p>
+        </p:txBody>
+      </p:sp>
+      <p:sp>
+        <p:nvSpPr>
+          <p:cNvPr id="4" name="Slide Number Placeholder 3"/>
+          <p:cNvSpPr>
+            <a:spLocks noGrp="1"/>
+          </p:cNvSpPr>
+          <p:nvPr>
+            <p:ph type="sldNum" idx="5" sz="quarter"/>
+          </p:nvPr>
+        </p:nvSpPr>
+        <p:spPr/>
+      </p:sp>
+    </p:spTree>
+  </p:cSld>
+  <p:clrMapOvr>
+    <a:masterClrMapping/>
+  </p:clrMapOvr>
+</p:notes>
+</file>
+
+<file path=ppt/notesSlides/notesSlide20.xml><?xml version="1.0" encoding="utf-8"?>
+<p:notes xmlns:a="http://schemas.openxmlformats.org/drawingml/2006/main" xmlns:p="http://schemas.openxmlformats.org/presentationml/2006/main" xmlns:r="http://schemas.openxmlformats.org/officeDocument/2006/relationships">
+  <p:cSld>
+    <p:spTree>
+      <p:nvGrpSpPr>
+        <p:cNvPr id="1" name=""/>
+        <p:cNvGrpSpPr/>
+        <p:nvPr/>
+      </p:nvGrpSpPr>
+      <p:grpSpPr>
+        <a:xfrm>
+          <a:off x="0" y="0"/>
+          <a:ext cx="0" cy="0"/>
+          <a:chOff x="0" y="0"/>
+          <a:chExt cx="0" cy="0"/>
+        </a:xfrm>
+      </p:grpSpPr>
+      <p:sp>
+        <p:nvSpPr>
+          <p:cNvPr id="2" name="Slide Image Placeholder 1"/>
+          <p:cNvSpPr>
+            <a:spLocks noGrp="1"/>
+          </p:cNvSpPr>
+          <p:nvPr>
+            <p:ph type="sldImg" idx="2"/>
+          </p:nvPr>
+        </p:nvSpPr>
+        <p:spPr/>
+      </p:sp>
+      <p:sp>
+        <p:nvSpPr>
+          <p:cNvPr id="3" name="Notes Placeholder 2"/>
+          <p:cNvSpPr>
+            <a:spLocks noGrp="1"/>
+          </p:cNvSpPr>
+          <p:nvPr>
+            <p:ph type="body" idx="3" sz="quarter"/>
+          </p:nvPr>
+        </p:nvSpPr>
+        <p:spPr/>
+        <p:txBody>
+          <a:bodyPr/>
+          <a:lstStyle/>
+          <a:p>
+            <a:r>
+              <a:t>These selected references anchor the evidence presented today. The van Alfen brachial plexus series remains the most comprehensive description of Parsonage-Turner. The VITALS trial is essential reading for anyone considering diaphragm pacing in ALS.</a:t>
+            </a:r>
+          </a:p>
+        </p:txBody>
+      </p:sp>
+      <p:sp>
+        <p:nvSpPr>
+          <p:cNvPr id="4" name="Slide Number Placeholder 3"/>
+          <p:cNvSpPr>
+            <a:spLocks noGrp="1"/>
+          </p:cNvSpPr>
+          <p:nvPr>
+            <p:ph type="sldNum" idx="5" sz="quarter"/>
+          </p:nvPr>
+        </p:nvSpPr>
+        <p:spPr/>
+      </p:sp>
+    </p:spTree>
+  </p:cSld>
+  <p:clrMapOvr>
+    <a:masterClrMapping/>
+  </p:clrMapOvr>
+</p:notes>
+</file>
+
+<file path=ppt/notesSlides/notesSlide21.xml><?xml version="1.0" encoding="utf-8"?>
+<p:notes xmlns:a="http://schemas.openxmlformats.org/drawingml/2006/main" xmlns:p="http://schemas.openxmlformats.org/presentationml/2006/main" xmlns:r="http://schemas.openxmlformats.org/officeDocument/2006/relationships">
+  <p:cSld>
+    <p:spTree>
+      <p:nvGrpSpPr>
+        <p:cNvPr id="1" name=""/>
+        <p:cNvGrpSpPr/>
+        <p:nvPr/>
+      </p:nvGrpSpPr>
+      <p:grpSpPr>
+        <a:xfrm>
+          <a:off x="0" y="0"/>
+          <a:ext cx="0" cy="0"/>
+          <a:chOff x="0" y="0"/>
+          <a:chExt cx="0" cy="0"/>
+        </a:xfrm>
+      </p:grpSpPr>
+      <p:sp>
+        <p:nvSpPr>
+          <p:cNvPr id="2" name="Slide Image Placeholder 1"/>
+          <p:cNvSpPr>
+            <a:spLocks noGrp="1"/>
+          </p:cNvSpPr>
+          <p:nvPr>
+            <p:ph type="sldImg" idx="2"/>
+          </p:nvPr>
+        </p:nvSpPr>
+        <p:spPr/>
+      </p:sp>
+      <p:sp>
+        <p:nvSpPr>
+          <p:cNvPr id="3" name="Notes Placeholder 2"/>
+          <p:cNvSpPr>
+            <a:spLocks noGrp="1"/>
+          </p:cNvSpPr>
+          <p:nvPr>
+            <p:ph type="body" idx="3" sz="quarter"/>
+          </p:nvPr>
+        </p:nvSpPr>
+        <p:spPr/>
+        <p:txBody>
+          <a:bodyPr/>
+          <a:lstStyle/>
+          <a:p>
+            <a:r>
+              <a:t>Thank you. I'm happy to take questions.</a:t>
             </a:r>
           </a:p>
         </p:txBody>
@@ -1307,7 +1520,7 @@
           <a:lstStyle/>
           <a:p>
             <a:r>
-              <a:t>Let's start with some background on how common these injuries are and who gets them.</a:t>
+              <a:t>Let's start with the anatomy and physiology relevant to understanding why the diaphragm fails in these conditions.</a:t>
             </a:r>
           </a:p>
         </p:txBody>
@@ -1377,7 +1590,7 @@
           <a:lstStyle/>
           <a:p>
             <a:r>
-              <a:t>TDI is relatively uncommon but frequently fatal if missed. The left-sided predominance is explained by the protective effect of the liver on the right. Importantly, TDI rarely occurs in isolation — expect associated intra-abdominal or thoracic injuries in nearly every patient. Mortality in the acute setting largely reflects the severity of these associated injuries.</a:t>
+              <a:t>The phrenic nerve is the sole motor supply to the diaphragm — there is no redundancy. Its long course from C3–C5 through the neck and mediastinum creates many opportunities for injury. The left phrenic nerve is particularly vulnerable given its longer course over the aortic arch and pericardium. This is why left-sided palsy predominates after cardiac surgery.</a:t>
             </a:r>
           </a:p>
         </p:txBody>
@@ -1447,7 +1660,7 @@
           <a:lstStyle/>
           <a:p>
             <a:r>
-              <a:t>Understanding the anatomy is critical for operative planning. The posterolateral diaphragm — where the pleuroperitoneal canals fused during development — is the most common site of blunt injury. On the left, the stomach, spleen, and colon are the most commonly herniated organs. The right side is relatively protected by the liver, which also means right-sided injuries tend to be larger when they do occur.</a:t>
+              <a:t>This slide is important for counseling patients. Unilateral paralysis in a healthy adult is often surprisingly well tolerated because the contralateral diaphragm and accessory muscles compensate. However, place that same patient supine — as in sleep or postoperatively — and the FVC can drop 40–50%, explaining the classic complaint of orthopnea. Bilateral dysfunction is a different beast entirely and typically requires ventilatory support.</a:t>
             </a:r>
           </a:p>
         </p:txBody>
@@ -1517,7 +1730,7 @@
           <a:lstStyle/>
           <a:p>
             <a:r>
-              <a:t>The mechanism determines the injury pattern. Blunt trauma creates large, radial tears due to the sudden pressure wave, while penetrating injuries tend to create smaller puncture defects that can be easily missed — especially under positive pressure ventilation in the ICU, which temporarily prevents herniation. The AAST grading scale helps standardize injury reporting across institutions.</a:t>
+              <a:t>Now let's go through the major non-traumatic etiologies systematically.</a:t>
             </a:r>
           </a:p>
         </p:txBody>
@@ -1587,7 +1800,7 @@
           <a:lstStyle/>
           <a:p>
             <a:r>
-              <a:t>Diagnosis is where TDI is most challenging. Let's discuss the clinical presentation and imaging findings.</a:t>
+              <a:t>The etiologies span three broad categories. Neurological causes include iatrogenic injury and inflammatory neuropathies. Neuromuscular disorders — such as ALS and muscular dystrophies — affect the motor unit below the phrenic nerve. Compressive or structural causes include mediastinal masses or degenerative cervical disease. A substantial minority — roughly 10–20% of unilateral cases — remain idiopathic even after a complete workup.</a:t>
             </a:r>
           </a:p>
         </p:txBody>
@@ -1657,7 +1870,7 @@
           <a:lstStyle/>
           <a:p>
             <a:r>
-              <a:t>The key concept here is that acute TDI is masked by associated injuries in most cases. The classic teaching of bowel sounds in the chest is rarely the presenting complaint — patients are usually intubated. Delayed presentation, sometimes years after the initial injury, is a well-recognized entity. These patients present with intermittent GI symptoms that can be confused with bowel obstruction from other causes. Always ask about prior trauma in patients with unexplained bowel obstruction.</a:t>
+              <a:t>Iatrogenic phrenic injury is the most common identifiable cause in surgical patients. Cardiac surgery is the classic setting — cold cardioplegia and ice slush directly cool the phrenic nerve as it runs along the pericardium. For cryoablation of atrial fibrillation, fluoroscopic monitoring of the phrenic nerve is now standard to prevent injury. Always ask about prior cardiac, thoracic, or cervical surgery when evaluating unexplained hemidiaphragm elevation.</a:t>
             </a:r>
           </a:p>
         </p:txBody>
@@ -1727,7 +1940,7 @@
           <a:lstStyle/>
           <a:p>
             <a:r>
-              <a:t>CT is the workhorse of diagnosis in stable patients. The key pearl is to request coronal and sagittal reconstructions — these dramatically improve sensitivity. For penetrating injuries to the left thoracoabdominal region, diagnostic laparoscopy should be considered even with a negative CT, given the 7–24% rate of occult diaphragmatic injury in this mechanism.</a:t>
+              <a:t>Parsonage-Turner syndrome is one of the most underdiagnosed conditions in this space. Many of these patients are worked up extensively for cardiac and pulmonary disease before the correct diagnosis is made. The key teaching point: phrenic-predominant PTS presents with dyspnea alone, without arm pain — the classic description. MRI brachial plexus has become increasingly useful to confirm the diagnosis. Most patients recover over 2–3 years, so the bar for surgical intervention is high — reserve plication for those without recovery at 18–24 months.</a:t>
             </a:r>
           </a:p>
         </p:txBody>
@@ -7583,7 +7796,7 @@
           <a:lstStyle/>
           <a:p>
             <a:r>
-              <a:t>Traumatic Diaphragmatic Injury</a:t>
+              <a:t>Diaphragm Dysfunction in Adults</a:t>
             </a:r>
           </a:p>
         </p:txBody>
@@ -7604,7 +7817,7 @@
           <a:lstStyle/>
           <a:p>
             <a:r>
-              <a:t>Diagnosis, Operative Strategy, and Outcomes</a:t>
+              <a:t>Non-Traumatic Causes: Phrenic Nerve Injury, Parsonage-Turner Syndrome, Spinal Cord Disease, and Beyond</a:t>
             </a:r>
           </a:p>
         </p:txBody>
@@ -7664,7 +7877,7 @@
           <a:lstStyle/>
           <a:p>
             <a:r>
-              <a:t>Key CT Imaging Findings</a:t>
+              <a:t>Cervical Spinal Cord Disease and Diaphragm Dysfunction</a:t>
             </a:r>
           </a:p>
         </p:txBody>
@@ -7687,81 +7900,62 @@
             <a:pPr/>
             <a:r>
               <a:rPr b="1"/>
-              <a:t>Direct Signs</a:t>
-            </a:r>
-          </a:p>
-          <a:p>
-            <a:pPr lvl="2"/>
-            <a:r>
-              <a:t>Diaphragm discontinuity: gap or defect in the diaphragmatic stripe on axial/coronal imaging</a:t>
-            </a:r>
-          </a:p>
-          <a:p>
-            <a:pPr lvl="2"/>
-            <a:r>
-              <a:t>Intrathoracic herniation of abdominal contents (stomach, colon, small bowel, omentum, spleen)</a:t>
-            </a:r>
-          </a:p>
-          <a:p>
-            <a:pPr lvl="2"/>
-            <a:r>
-              <a:t>Thickened, irregular, or absent diaphragmatic contour</a:t>
+              <a:t>Cervical Spinal Cord Injury (SCI)</a:t>
+            </a:r>
+          </a:p>
+          <a:p>
+            <a:pPr lvl="2"/>
+            <a:r>
+              <a:t>C1–C2 complete lesion: no diaphragm function — full ventilator dependence</a:t>
+            </a:r>
+          </a:p>
+          <a:p>
+            <a:pPr lvl="2"/>
+            <a:r>
+              <a:t>C3–C4 complete lesion: partial diaphragm function — usually requires ventilatory support</a:t>
+            </a:r>
+          </a:p>
+          <a:p>
+            <a:pPr lvl="2"/>
+            <a:r>
+              <a:t>C5 and below: diaphragm largely intact; accessory muscles impaired</a:t>
+            </a:r>
+          </a:p>
+          <a:p>
+            <a:pPr lvl="2"/>
+            <a:r>
+              <a:t>~22,000 new SCIs per year in the US; ~60% are cervical</a:t>
+            </a:r>
+          </a:p>
+          <a:p>
+            <a:pPr lvl="2"/>
+            <a:r>
+              <a:t>Ventilator dependence in ~30% of cervical SCI at discharge</a:t>
             </a:r>
           </a:p>
           <a:p>
             <a:pPr/>
             <a:r>
               <a:rPr b="1"/>
-              <a:t>Indirect / Pathognomonic Signs</a:t>
-            </a:r>
-          </a:p>
-          <a:p>
-            <a:pPr lvl="2"/>
-            <a:r>
-              <a:t>Collar sign: waist-like constriction of herniated viscus at the defect site</a:t>
-            </a:r>
-          </a:p>
-          <a:p>
-            <a:pPr lvl="2"/>
-            <a:r>
-              <a:t>Dependent viscera sign: bowel/stomach resting against posterior chest wall without intervening lung</a:t>
-            </a:r>
-          </a:p>
-          <a:p>
-            <a:pPr lvl="2"/>
-            <a:r>
-              <a:t>Hump sign: liver herniation creating rounded mass in right hemithorax</a:t>
-            </a:r>
-          </a:p>
-          <a:p>
-            <a:pPr lvl="2"/>
-            <a:r>
-              <a:t>Dangling diaphragm sign: free edge of torn diaphragm curls inward</a:t>
-            </a:r>
-          </a:p>
-          <a:p>
-            <a:pPr/>
-            <a:r>
-              <a:rPr b="1"/>
-              <a:t>Sensitivity vs. Specificity</a:t>
-            </a:r>
-          </a:p>
-          <a:p>
-            <a:pPr lvl="2"/>
-            <a:r>
-              <a:t>Collar sign: sensitivity 54–83%, specificity 90%</a:t>
-            </a:r>
-          </a:p>
-          <a:p>
-            <a:pPr lvl="2"/>
-            <a:r>
-              <a:t>Dependent viscera sign: sensitivity 55–90%, specificity 71–100%</a:t>
-            </a:r>
-          </a:p>
-          <a:p>
-            <a:pPr lvl="2"/>
-            <a:r>
-              <a:t>Multiplanar CT reconstruction improves sensitivity from ~55% to &gt;95%</a:t>
+              <a:t>Cervical Myelopathy (Degenerative)</a:t>
+            </a:r>
+          </a:p>
+          <a:p>
+            <a:pPr lvl="2"/>
+            <a:r>
+              <a:t>Progressive compression of the spinal cord at C3–C5 level</a:t>
+            </a:r>
+          </a:p>
+          <a:p>
+            <a:pPr lvl="2"/>
+            <a:r>
+              <a:t>Insidious onset of dyspnea; may be misattributed to cardiac or pulmonary disease</a:t>
+            </a:r>
+          </a:p>
+          <a:p>
+            <a:pPr lvl="2"/>
+            <a:r>
+              <a:t>Decompressive surgery can halt or partially reverse dysfunction</a:t>
             </a:r>
           </a:p>
         </p:txBody>
@@ -7782,7 +7976,92 @@
           <a:lstStyle/>
           <a:p>
             <a:r>
-              <a:t>Recognizing pathognomonic signs reduces diagnostic delay</a:t>
+              <a:t>Phrenic motor neurons at C3–C5 are the critical link</a:t>
+            </a:r>
+          </a:p>
+        </p:txBody>
+      </p:sp>
+      <p:sp>
+        <p:nvSpPr>
+          <p:cNvPr id="5" name="Content Placeholder 4"/>
+          <p:cNvSpPr>
+            <a:spLocks noGrp="1"/>
+          </p:cNvSpPr>
+          <p:nvPr>
+            <p:ph idx="14"/>
+          </p:nvPr>
+        </p:nvSpPr>
+        <p:spPr/>
+        <p:txBody>
+          <a:bodyPr/>
+          <a:lstStyle/>
+          <a:p>
+            <a:pPr/>
+            <a:r>
+              <a:rPr b="1"/>
+              <a:t>Cervical Disc Herniation</a:t>
+            </a:r>
+          </a:p>
+          <a:p>
+            <a:pPr lvl="2"/>
+            <a:r>
+              <a:t>C3–C4 or C4–C5 disc herniation: direct compression of phrenic motor neurons</a:t>
+            </a:r>
+          </a:p>
+          <a:p>
+            <a:pPr lvl="2"/>
+            <a:r>
+              <a:t>Rare but well-documented cause of acute unilateral diaphragm paresis</a:t>
+            </a:r>
+          </a:p>
+          <a:p>
+            <a:pPr lvl="2"/>
+            <a:r>
+              <a:t>Surgical decompression usually leads to recovery</a:t>
+            </a:r>
+          </a:p>
+          <a:p>
+            <a:pPr/>
+            <a:r>
+              <a:rPr b="1"/>
+              <a:t>Neuromuscular Disease Affecting Cervical Motor Neurons</a:t>
+            </a:r>
+          </a:p>
+          <a:p>
+            <a:pPr lvl="2"/>
+            <a:r>
+              <a:t>ALS: upper and lower motor neuron degeneration — diaphragm involvement heralds respiratory failure</a:t>
+            </a:r>
+          </a:p>
+          <a:p>
+            <a:pPr lvl="2"/>
+            <a:r>
+              <a:t>Diaphragm involvement often precedes limb weakness in "respiratory-onset" ALS</a:t>
+            </a:r>
+          </a:p>
+          <a:p>
+            <a:pPr/>
+            <a:r>
+              <a:rPr b="1"/>
+              <a:t>Monitoring</a:t>
+            </a:r>
+          </a:p>
+          <a:p>
+            <a:pPr lvl="2"/>
+            <a:r>
+              <a:t>Serial supine FVC measurement recommended for all cervical SCI patients</a:t>
+            </a:r>
+          </a:p>
+          <a:p>
+            <a:pPr lvl="2"/>
+            <a:r>
+              <a:t>Nocturnal oximetry to detect early hypoventilation</a:t>
+            </a:r>
+          </a:p>
+          <a:p>
+            <a:pPr lvl="2"/>
+            <a:r>
+              <a:t>Phrenic nerve conduction studies to assess lower motor neuron integrity</a:t>
             </a:r>
           </a:p>
         </p:txBody>
@@ -7812,7 +8091,7 @@
             <a:spLocks noGrp="1"/>
           </p:cNvSpPr>
           <p:nvPr>
-            <p:ph type="ctrTitle"/>
+            <p:ph type="title"/>
           </p:nvPr>
         </p:nvSpPr>
         <p:spPr/>
@@ -7821,19 +8100,19 @@
           <a:lstStyle/>
           <a:p>
             <a:r>
-              <a:t>Surgical Management</a:t>
-            </a:r>
-          </a:p>
-        </p:txBody>
-      </p:sp>
-      <p:sp>
-        <p:nvSpPr>
-          <p:cNvPr id="3" name="Subtitle 2"/>
-          <p:cNvSpPr>
-            <a:spLocks noGrp="1"/>
-          </p:cNvSpPr>
-          <p:nvPr>
-            <p:ph type="subTitle" idx="1"/>
+              <a:t>Neuromuscular Disorders Causing Diaphragm Dysfunction</a:t>
+            </a:r>
+          </a:p>
+        </p:txBody>
+      </p:sp>
+      <p:sp>
+        <p:nvSpPr>
+          <p:cNvPr id="3" name="Content Placeholder 2"/>
+          <p:cNvSpPr>
+            <a:spLocks noGrp="1"/>
+          </p:cNvSpPr>
+          <p:nvPr>
+            <p:ph idx="1"/>
           </p:nvPr>
         </p:nvSpPr>
         <p:spPr/>
@@ -7841,8 +8120,178 @@
           <a:bodyPr/>
           <a:lstStyle/>
           <a:p>
-            <a:r>
-              <a:t>Operative approach, timing, and technical considerations</a:t>
+            <a:pPr/>
+            <a:r>
+              <a:rPr b="1"/>
+              <a:t>ALS (Amyotrophic Lateral Sclerosis)</a:t>
+            </a:r>
+          </a:p>
+          <a:p>
+            <a:pPr lvl="2"/>
+            <a:r>
+              <a:t>Diaphragm is inevitably involved; typically the ultimate cause of death</a:t>
+            </a:r>
+          </a:p>
+          <a:p>
+            <a:pPr lvl="2"/>
+            <a:r>
+              <a:t>FVC &lt;50% predicted: strong predictor of 12-month mortality without intervention</a:t>
+            </a:r>
+          </a:p>
+          <a:p>
+            <a:pPr lvl="2"/>
+            <a:r>
+              <a:t>NIV initiation at FVC &lt;50% or 4 cmH₂O sniff nasal pressure extends survival ~7 months</a:t>
+            </a:r>
+          </a:p>
+          <a:p>
+            <a:pPr/>
+            <a:r>
+              <a:rPr b="1"/>
+              <a:t>Myasthenia Gravis</a:t>
+            </a:r>
+          </a:p>
+          <a:p>
+            <a:pPr lvl="2"/>
+            <a:r>
+              <a:t>Anti-AChR or anti-MuSK antibodies impair neuromuscular junction</a:t>
+            </a:r>
+          </a:p>
+          <a:p>
+            <a:pPr lvl="2"/>
+            <a:r>
+              <a:t>Myasthenic crisis: acute respiratory failure from diaphragm/accessory muscle fatigability</a:t>
+            </a:r>
+          </a:p>
+          <a:p>
+            <a:pPr lvl="2"/>
+            <a:r>
+              <a:t>ICU management: plasma exchange or IVIG; BiPAP or intubation as needed</a:t>
+            </a:r>
+          </a:p>
+          <a:p>
+            <a:pPr/>
+            <a:r>
+              <a:rPr b="1"/>
+              <a:t>Pompe Disease (Acid Maltase Deficiency)</a:t>
+            </a:r>
+          </a:p>
+          <a:p>
+            <a:pPr lvl="2"/>
+            <a:r>
+              <a:t>Glycogen accumulation in diaphragm and proximal muscles; may present in adults as unexplained respiratory failure</a:t>
+            </a:r>
+          </a:p>
+          <a:p>
+            <a:pPr lvl="2"/>
+            <a:r>
+              <a:t>Diagnosis: GAA enzyme activity; treatment: enzyme replacement therapy (alglucosidase)</a:t>
+            </a:r>
+          </a:p>
+        </p:txBody>
+      </p:sp>
+      <p:sp>
+        <p:nvSpPr>
+          <p:cNvPr id="4" name="Text Placeholder 3"/>
+          <p:cNvSpPr>
+            <a:spLocks noGrp="1"/>
+          </p:cNvSpPr>
+          <p:nvPr>
+            <p:ph type="body" idx="13" sz="quarter"/>
+          </p:nvPr>
+        </p:nvSpPr>
+        <p:spPr/>
+        <p:txBody>
+          <a:bodyPr/>
+          <a:lstStyle/>
+          <a:p>
+            <a:r>
+              <a:t>Diaphragm involvement is a key determinant of prognosis and survival</a:t>
+            </a:r>
+          </a:p>
+        </p:txBody>
+      </p:sp>
+      <p:sp>
+        <p:nvSpPr>
+          <p:cNvPr id="5" name="Content Placeholder 4"/>
+          <p:cNvSpPr>
+            <a:spLocks noGrp="1"/>
+          </p:cNvSpPr>
+          <p:nvPr>
+            <p:ph idx="14"/>
+          </p:nvPr>
+        </p:nvSpPr>
+        <p:spPr/>
+        <p:txBody>
+          <a:bodyPr/>
+          <a:lstStyle/>
+          <a:p>
+            <a:pPr/>
+            <a:r>
+              <a:rPr b="1"/>
+              <a:t>Muscular Dystrophies</a:t>
+            </a:r>
+          </a:p>
+          <a:p>
+            <a:pPr lvl="2"/>
+            <a:r>
+              <a:t>Duchenne MD: diaphragm weakness by 2nd decade; median survival with NIV ~25 years</a:t>
+            </a:r>
+          </a:p>
+          <a:p>
+            <a:pPr lvl="2"/>
+            <a:r>
+              <a:t>Becker MD: milder; respiratory involvement decades later</a:t>
+            </a:r>
+          </a:p>
+          <a:p>
+            <a:pPr lvl="2"/>
+            <a:r>
+              <a:t>Limb-girdle MD: variable diaphragm involvement depending on subtype</a:t>
+            </a:r>
+          </a:p>
+          <a:p>
+            <a:pPr lvl="2"/>
+            <a:r>
+              <a:t>Emery-Dreifuss MD: early respiratory involvement, cardiac conduction disease</a:t>
+            </a:r>
+          </a:p>
+          <a:p>
+            <a:pPr/>
+            <a:r>
+              <a:rPr b="1"/>
+              <a:t>Critical Illness Polyneuropathy / Myopathy (CIP/CIM)</a:t>
+            </a:r>
+          </a:p>
+          <a:p>
+            <a:pPr lvl="2"/>
+            <a:r>
+              <a:t>ICU-acquired weakness affecting ventilator weaning in up to 60% of septic patients</a:t>
+            </a:r>
+          </a:p>
+          <a:p>
+            <a:pPr lvl="2"/>
+            <a:r>
+              <a:t>Prolonged mechanical ventilation itself induces diaphragm atrophy (VIDD) within 18–69 hours</a:t>
+            </a:r>
+          </a:p>
+          <a:p>
+            <a:pPr/>
+            <a:r>
+              <a:rPr b="1"/>
+              <a:t>Guillain-Barré Syndrome</a:t>
+            </a:r>
+          </a:p>
+          <a:p>
+            <a:pPr lvl="2"/>
+            <a:r>
+              <a:t>Ascending paralysis reaches the diaphragm in ~30% requiring ventilatory support</a:t>
+            </a:r>
+          </a:p>
+          <a:p>
+            <a:pPr lvl="2"/>
+            <a:r>
+              <a:t>Treatment: IVIG or plasma exchange; most recover with adequate supportive care</a:t>
             </a:r>
           </a:p>
         </p:txBody>
@@ -7872,7 +8321,7 @@
             <a:spLocks noGrp="1"/>
           </p:cNvSpPr>
           <p:nvPr>
-            <p:ph type="title"/>
+            <p:ph type="ctrTitle"/>
           </p:nvPr>
         </p:nvSpPr>
         <p:spPr/>
@@ -7881,19 +8330,19 @@
           <a:lstStyle/>
           <a:p>
             <a:r>
-              <a:t>Operative Approach: Acute vs. Delayed Repair</a:t>
-            </a:r>
-          </a:p>
-        </p:txBody>
-      </p:sp>
-      <p:sp>
-        <p:nvSpPr>
-          <p:cNvPr id="3" name="Content Placeholder 2"/>
-          <p:cNvSpPr>
-            <a:spLocks noGrp="1"/>
-          </p:cNvSpPr>
-          <p:nvPr>
-            <p:ph idx="1"/>
+              <a:t>Diagnosis</a:t>
+            </a:r>
+          </a:p>
+        </p:txBody>
+      </p:sp>
+      <p:sp>
+        <p:nvSpPr>
+          <p:cNvPr id="3" name="Subtitle 2"/>
+          <p:cNvSpPr>
+            <a:spLocks noGrp="1"/>
+          </p:cNvSpPr>
+          <p:nvPr>
+            <p:ph type="subTitle" idx="1"/>
           </p:nvPr>
         </p:nvSpPr>
         <p:spPr/>
@@ -7901,114 +8350,8 @@
           <a:bodyPr/>
           <a:lstStyle/>
           <a:p>
-            <a:pPr/>
-            <a:r>
-              <a:rPr b="1"/>
-              <a:t>Acute Injury (&lt; 7 days)</a:t>
-            </a:r>
-          </a:p>
-          <a:p>
-            <a:pPr lvl="2"/>
-            <a:r>
-              <a:t>Midline laparotomy preferred: simultaneous management of abdominal injuries</a:t>
-            </a:r>
-          </a:p>
-          <a:p>
-            <a:pPr lvl="2"/>
-            <a:r>
-              <a:t>Thoracotomy added if significant thoracic injuries require direct control</a:t>
-            </a:r>
-          </a:p>
-          <a:p>
-            <a:pPr lvl="2"/>
-            <a:r>
-              <a:t>Damage control: temporary closure with planned re-look if hemodynamically unstable</a:t>
-            </a:r>
-          </a:p>
-          <a:p>
-            <a:pPr lvl="2"/>
-            <a:r>
-              <a:t>Minimally invasive (VATS/laparoscopy) feasible in stable penetrating injury</a:t>
-            </a:r>
-          </a:p>
-          <a:p>
-            <a:pPr lvl="2"/>
-            <a:r>
-              <a:t>Timing: definitive repair during index operation whenever feasible</a:t>
-            </a:r>
-          </a:p>
-        </p:txBody>
-      </p:sp>
-      <p:sp>
-        <p:nvSpPr>
-          <p:cNvPr id="4" name="Text Placeholder 3"/>
-          <p:cNvSpPr>
-            <a:spLocks noGrp="1"/>
-          </p:cNvSpPr>
-          <p:nvPr>
-            <p:ph type="body" idx="13" sz="quarter"/>
-          </p:nvPr>
-        </p:nvSpPr>
-        <p:spPr/>
-        <p:txBody>
-          <a:bodyPr/>
-          <a:lstStyle/>
-          <a:p>
-            <a:r>
-              <a:t>Approach depends on timing, associated injuries, and surgeon expertise</a:t>
-            </a:r>
-          </a:p>
-        </p:txBody>
-      </p:sp>
-      <p:sp>
-        <p:nvSpPr>
-          <p:cNvPr id="5" name="Content Placeholder 4"/>
-          <p:cNvSpPr>
-            <a:spLocks noGrp="1"/>
-          </p:cNvSpPr>
-          <p:nvPr>
-            <p:ph idx="14"/>
-          </p:nvPr>
-        </p:nvSpPr>
-        <p:spPr/>
-        <p:txBody>
-          <a:bodyPr/>
-          <a:lstStyle/>
-          <a:p>
-            <a:pPr/>
-            <a:r>
-              <a:rPr b="1"/>
-              <a:t>Delayed / Chronic Repair</a:t>
-            </a:r>
-          </a:p>
-          <a:p>
-            <a:pPr lvl="2"/>
-            <a:r>
-              <a:t>Thoracotomy or thoracoabdominal incision often required — adhesions, dense scar</a:t>
-            </a:r>
-          </a:p>
-          <a:p>
-            <a:pPr lvl="2"/>
-            <a:r>
-              <a:t>VATS + laparoscopy hybrid approach increasingly used for chronic cases</a:t>
-            </a:r>
-          </a:p>
-          <a:p>
-            <a:pPr lvl="2"/>
-            <a:r>
-              <a:t>Visceral reduction may require extensive lysis of adhesions</a:t>
-            </a:r>
-          </a:p>
-          <a:p>
-            <a:pPr lvl="2"/>
-            <a:r>
-              <a:t>Mesh reinforcement more commonly needed in chronic, large (&gt;10 cm) defects</a:t>
-            </a:r>
-          </a:p>
-          <a:p>
-            <a:pPr lvl="2"/>
-            <a:r>
-              <a:t>Elective repair recommended even for asymptomatic chronic hernia due to strangulation risk</a:t>
+            <a:r>
+              <a:t>A systematic approach from bedside to advanced neurophysiology</a:t>
             </a:r>
           </a:p>
         </p:txBody>
@@ -8047,7 +8390,7 @@
           <a:lstStyle/>
           <a:p>
             <a:r>
-              <a:t>Operative Technique for Diaphragmatic Repair</a:t>
+              <a:t>Clinical Presentation of Diaphragm Dysfunction</a:t>
             </a:r>
           </a:p>
         </p:txBody>
@@ -8070,81 +8413,43 @@
             <a:pPr/>
             <a:r>
               <a:rPr b="1"/>
-              <a:t>Steps of Repair</a:t>
-            </a:r>
-          </a:p>
-          <a:p>
-            <a:pPr lvl="2"/>
-            <a:r>
-              <a:t>1. Reduction of herniated viscera — assess viability; resect if non-viable</a:t>
-            </a:r>
-          </a:p>
-          <a:p>
-            <a:pPr lvl="2"/>
-            <a:r>
-              <a:t>2. Débridement of devitalized diaphragm edges</a:t>
-            </a:r>
-          </a:p>
-          <a:p>
-            <a:pPr lvl="2"/>
-            <a:r>
-              <a:t>3. Primary closure: non-absorbable suture (0-Prolene or 0-PDS), horizontal mattress or figure-of-eight</a:t>
-            </a:r>
-          </a:p>
-          <a:p>
-            <a:pPr lvl="2"/>
-            <a:r>
-              <a:t>4. Reinforcement: prosthetic mesh (PTFE, Gore-Tex) for defects &gt;10 cm or tissue loss</a:t>
-            </a:r>
-          </a:p>
-          <a:p>
-            <a:pPr lvl="2"/>
-            <a:r>
-              <a:t>5. Biological mesh preferred in contaminated fields (grade III–IV penetrating injury)</a:t>
-            </a:r>
-          </a:p>
-          <a:p>
-            <a:pPr/>
-            <a:r>
-              <a:rPr b="1"/>
-              <a:t>Technical Pearls</a:t>
-            </a:r>
-          </a:p>
-          <a:p>
-            <a:pPr lvl="2"/>
-            <a:r>
-              <a:t>Ensure full visualization of defect edges before suturing — posterior margin often retracts</a:t>
-            </a:r>
-          </a:p>
-          <a:p>
-            <a:pPr lvl="2"/>
-            <a:r>
-              <a:t>Anesthesia: maintain PEEP; communicate with anesthesia before diaphragm closure</a:t>
-            </a:r>
-          </a:p>
-          <a:p>
-            <a:pPr lvl="2"/>
-            <a:r>
-              <a:t>Chest tube placement before or immediately after closure if pneumo/hemothorax present</a:t>
-            </a:r>
-          </a:p>
-          <a:p>
-            <a:pPr/>
-            <a:r>
-              <a:rPr b="1"/>
-              <a:t>Minimally Invasive Repair</a:t>
-            </a:r>
-          </a:p>
-          <a:p>
-            <a:pPr lvl="2"/>
-            <a:r>
-              <a:t>Laparoscopic or VATS repair: comparable outcomes in select patients (Grade I–III, stable)</a:t>
-            </a:r>
-          </a:p>
-          <a:p>
-            <a:pPr lvl="2"/>
-            <a:r>
-              <a:t>Advantages: reduced hospital stay, less pulmonary morbidity, improved visualization</a:t>
+              <a:t>Symptoms</a:t>
+            </a:r>
+          </a:p>
+          <a:p>
+            <a:pPr lvl="2"/>
+            <a:r>
+              <a:t>Dyspnea on exertion — often the first and only complaint in unilateral paralysis</a:t>
+            </a:r>
+          </a:p>
+          <a:p>
+            <a:pPr lvl="2"/>
+            <a:r>
+              <a:t>Orthopnea: worsening dyspnea in supine position — hallmark of bilateral dysfunction</a:t>
+            </a:r>
+          </a:p>
+          <a:p>
+            <a:pPr lvl="2"/>
+            <a:r>
+              <a:t>Paradoxical abdominal movement: abdomen moves inward on inspiration (accessory muscle use)</a:t>
+            </a:r>
+          </a:p>
+          <a:p>
+            <a:pPr lvl="2"/>
+            <a:r>
+              <a:t>Difficulty sleeping flat; nocturnal oxygen desaturation</a:t>
+            </a:r>
+          </a:p>
+          <a:p>
+            <a:pPr lvl="2"/>
+            <a:r>
+              <a:t>Impaired cough — recurrent aspiration and pulmonary infections</a:t>
+            </a:r>
+          </a:p>
+          <a:p>
+            <a:pPr lvl="2"/>
+            <a:r>
+              <a:t>Daytime hypersomnolence (CO₂ retention from nocturnal hypoventilation)</a:t>
             </a:r>
           </a:p>
         </p:txBody>
@@ -8165,7 +8470,91 @@
           <a:lstStyle/>
           <a:p>
             <a:r>
-              <a:t>Principles of repair: tension-free closure with durable suture</a:t>
+              <a:t>Symptoms range from incidental CXR finding to acute respiratory failure</a:t>
+            </a:r>
+          </a:p>
+        </p:txBody>
+      </p:sp>
+      <p:sp>
+        <p:nvSpPr>
+          <p:cNvPr id="5" name="Content Placeholder 4"/>
+          <p:cNvSpPr>
+            <a:spLocks noGrp="1"/>
+          </p:cNvSpPr>
+          <p:nvPr>
+            <p:ph idx="14"/>
+          </p:nvPr>
+        </p:nvSpPr>
+        <p:spPr/>
+        <p:txBody>
+          <a:bodyPr/>
+          <a:lstStyle/>
+          <a:p>
+            <a:pPr/>
+            <a:r>
+              <a:rPr b="1"/>
+              <a:t>Physical Examination</a:t>
+            </a:r>
+          </a:p>
+          <a:p>
+            <a:pPr lvl="2"/>
+            <a:r>
+              <a:t>Reduced breath sounds at the base of affected side</a:t>
+            </a:r>
+          </a:p>
+          <a:p>
+            <a:pPr lvl="2"/>
+            <a:r>
+              <a:t>Accessory muscle use (sternocleidomastoid, scalenes) at rest — suggests bilateral involvement</a:t>
+            </a:r>
+          </a:p>
+          <a:p>
+            <a:pPr lvl="2"/>
+            <a:r>
+              <a:t>Abdominal paradox: inward movement of abdomen during inspiration</a:t>
+            </a:r>
+          </a:p>
+          <a:p>
+            <a:pPr lvl="2"/>
+            <a:r>
+              <a:t>Neck and upper extremity examination for brachial plexus signs (PTS)</a:t>
+            </a:r>
+          </a:p>
+          <a:p>
+            <a:pPr lvl="2"/>
+            <a:r>
+              <a:t>Neurologic assessment: limb strength, reflexes, fasciculations (ALS, myelopathy)</a:t>
+            </a:r>
+          </a:p>
+          <a:p>
+            <a:pPr/>
+            <a:r>
+              <a:rPr b="1"/>
+              <a:t>Respiratory Failure Spectrum</a:t>
+            </a:r>
+          </a:p>
+          <a:p>
+            <a:pPr lvl="2"/>
+            <a:r>
+              <a:t>Incidental finding: asymptomatic hemidiaphragm elevation on CXR</a:t>
+            </a:r>
+          </a:p>
+          <a:p>
+            <a:pPr lvl="2"/>
+            <a:r>
+              <a:t>Moderate: exertional dyspnea, exercise intolerance, orthopnea</a:t>
+            </a:r>
+          </a:p>
+          <a:p>
+            <a:pPr lvl="2"/>
+            <a:r>
+              <a:t>Severe: chronic respiratory failure, cor pulmonale, NIV dependence</a:t>
+            </a:r>
+          </a:p>
+          <a:p>
+            <a:pPr lvl="2"/>
+            <a:r>
+              <a:t>Acute: ventilatory failure requiring emergent intubation (MG crisis, GBS)</a:t>
             </a:r>
           </a:p>
         </p:txBody>
@@ -8204,7 +8593,7 @@
           <a:lstStyle/>
           <a:p>
             <a:r>
-              <a:t>Outcomes and Key Evidence</a:t>
+              <a:t>Diagnostic Workup for Diaphragm Dysfunction</a:t>
             </a:r>
           </a:p>
         </p:txBody>
@@ -8227,37 +8616,120 @@
             <a:pPr/>
             <a:r>
               <a:rPr b="1"/>
-              <a:t>Mortality</a:t>
-            </a:r>
-          </a:p>
-          <a:p>
-            <a:pPr lvl="2"/>
-            <a:r>
-              <a:t>Acute repair: 15–40%</a:t>
-            </a:r>
-          </a:p>
-          <a:p>
-            <a:pPr lvl="2"/>
-            <a:r>
-              <a:t>(Driven by associated injuries, not diaphragm repair)</a:t>
-            </a:r>
-          </a:p>
-          <a:p>
-            <a:pPr lvl="2"/>
-            <a:r>
-              <a:t>Isolated repair mortality: &lt;5%</a:t>
-            </a:r>
-          </a:p>
-          <a:p>
-            <a:pPr lvl="2"/>
-            <a:r>
-              <a:t>Delayed/chronic repair: &lt;2%</a:t>
-            </a:r>
-          </a:p>
-          <a:p>
-            <a:pPr lvl="2"/>
-            <a:r>
-              <a:t>Strangulated hernia: up to 30%</a:t>
+              <a:t>Chest X-Ray</a:t>
+            </a:r>
+          </a:p>
+          <a:p>
+            <a:pPr lvl="2"/>
+            <a:r>
+              <a:t>Elevated hemidiaphragm (right &gt;5th rib anterior, left &gt;6th); may be bilateral</a:t>
+            </a:r>
+          </a:p>
+          <a:p>
+            <a:pPr lvl="2"/>
+            <a:r>
+              <a:t>Comparison with prior films essential to determine acuity</a:t>
+            </a:r>
+          </a:p>
+          <a:p>
+            <a:pPr/>
+            <a:r>
+              <a:rPr b="1"/>
+              <a:t>Fluoroscopic Sniff Test ("Sniff Fluoroscopy")</a:t>
+            </a:r>
+          </a:p>
+          <a:p>
+            <a:pPr lvl="2"/>
+            <a:r>
+              <a:t>Patient performs a short, sharp inspiration (sniff); paralyzed side moves paradoxically upward</a:t>
+            </a:r>
+          </a:p>
+          <a:p>
+            <a:pPr lvl="2"/>
+            <a:r>
+              <a:t>Sensitivity ~90% for unilateral; reduced for bilateral (compensatory muscle use may mimic normal)</a:t>
+            </a:r>
+          </a:p>
+          <a:p>
+            <a:pPr/>
+            <a:r>
+              <a:rPr b="1"/>
+              <a:t>Diaphragm Ultrasound (M-mode)</a:t>
+            </a:r>
+          </a:p>
+          <a:p>
+            <a:pPr lvl="2"/>
+            <a:r>
+              <a:t>Non-invasive, no radiation, bedside-capable; measures diaphragm excursion and thickening fraction</a:t>
+            </a:r>
+          </a:p>
+          <a:p>
+            <a:pPr lvl="2"/>
+            <a:r>
+              <a:t>Thickening fraction &lt;20% during tidal breathing indicates paralysis/paresis</a:t>
+            </a:r>
+          </a:p>
+          <a:p>
+            <a:pPr/>
+            <a:r>
+              <a:rPr b="1"/>
+              <a:t>Pulmonary Function Tests</a:t>
+            </a:r>
+          </a:p>
+          <a:p>
+            <a:pPr lvl="2"/>
+            <a:r>
+              <a:t>Supine vs. upright FVC: &gt;20% fall indicates diaphragm dysfunction; &gt;50% fall suggests bilateral</a:t>
+            </a:r>
+          </a:p>
+          <a:p>
+            <a:pPr lvl="2"/>
+            <a:r>
+              <a:t>Maximal inspiratory pressure (MIP/PImax): &lt;25 cmH₂O correlates with respiratory failure risk</a:t>
+            </a:r>
+          </a:p>
+          <a:p>
+            <a:pPr lvl="2"/>
+            <a:r>
+              <a:t>Sniff nasal inspiratory pressure (SNIP): sensitive for early neuromuscular diaphragm weakness</a:t>
+            </a:r>
+          </a:p>
+          <a:p>
+            <a:pPr/>
+            <a:r>
+              <a:rPr b="1"/>
+              <a:t>Phrenic Nerve Conduction Studies &amp; EMG</a:t>
+            </a:r>
+          </a:p>
+          <a:p>
+            <a:pPr lvl="2"/>
+            <a:r>
+              <a:t>Neck stimulation → recording over epigastrium; CMAP amplitude and latency</a:t>
+            </a:r>
+          </a:p>
+          <a:p>
+            <a:pPr lvl="2"/>
+            <a:r>
+              <a:t>Needle EMG of diaphragm: fibrillations/PSWs confirm denervation; MUP analysis guides prognosis</a:t>
+            </a:r>
+          </a:p>
+          <a:p>
+            <a:pPr/>
+            <a:r>
+              <a:rPr b="1"/>
+              <a:t>CT / MRI Chest &amp; Neck</a:t>
+            </a:r>
+          </a:p>
+          <a:p>
+            <a:pPr lvl="2"/>
+            <a:r>
+              <a:t>Structural causes: mediastinal masses, cervical spine disease, thoracic aneurysm</a:t>
+            </a:r>
+          </a:p>
+          <a:p>
+            <a:pPr lvl="2"/>
+            <a:r>
+              <a:t>MRI brachial plexus: preferred for Parsonage-Turner (T2 hyperintensity, hourglass constriction)</a:t>
             </a:r>
           </a:p>
         </p:txBody>
@@ -8278,107 +8750,7 @@
           <a:lstStyle/>
           <a:p>
             <a:r>
-              <a:t>Morbidity driven by associated injuries; repair itself has low operative mortality</a:t>
-            </a:r>
-          </a:p>
-        </p:txBody>
-      </p:sp>
-      <p:sp>
-        <p:nvSpPr>
-          <p:cNvPr id="5" name="Content Placeholder 4"/>
-          <p:cNvSpPr>
-            <a:spLocks noGrp="1"/>
-          </p:cNvSpPr>
-          <p:nvPr>
-            <p:ph idx="14"/>
-          </p:nvPr>
-        </p:nvSpPr>
-        <p:spPr/>
-        <p:txBody>
-          <a:bodyPr/>
-          <a:lstStyle/>
-          <a:p>
-            <a:pPr/>
-            <a:r>
-              <a:rPr b="1"/>
-              <a:t>Morbidity</a:t>
-            </a:r>
-          </a:p>
-          <a:p>
-            <a:pPr lvl="2"/>
-            <a:r>
-              <a:t>Recurrence: 2–5% after primary repair</a:t>
-            </a:r>
-          </a:p>
-          <a:p>
-            <a:pPr lvl="2"/>
-            <a:r>
-              <a:t>Recurrence after mesh: ~3%</a:t>
-            </a:r>
-          </a:p>
-          <a:p>
-            <a:pPr lvl="2"/>
-            <a:r>
-              <a:t>Pulmonary complications: 20–30%</a:t>
-            </a:r>
-          </a:p>
-          <a:p>
-            <a:pPr lvl="2"/>
-            <a:r>
-              <a:t>Post-op pleural effusion: 10–15%</a:t>
-            </a:r>
-          </a:p>
-          <a:p>
-            <a:pPr lvl="2"/>
-            <a:r>
-              <a:t>Mesh infection: 1–3% (higher with biological mesh)</a:t>
-            </a:r>
-          </a:p>
-        </p:txBody>
-      </p:sp>
-      <p:sp>
-        <p:nvSpPr>
-          <p:cNvPr id="6" name="Content Placeholder 5"/>
-          <p:cNvSpPr>
-            <a:spLocks noGrp="1"/>
-          </p:cNvSpPr>
-          <p:nvPr>
-            <p:ph idx="15"/>
-          </p:nvPr>
-        </p:nvSpPr>
-        <p:spPr/>
-        <p:txBody>
-          <a:bodyPr/>
-          <a:lstStyle/>
-          <a:p>
-            <a:pPr/>
-            <a:r>
-              <a:rPr b="1"/>
-              <a:t>Key Evidence</a:t>
-            </a:r>
-          </a:p>
-          <a:p>
-            <a:pPr lvl="2"/>
-            <a:r>
-              <a:t>EAST Practice Management Guidelines (2010): recommend operative repair for all diagnosed TDIs</a:t>
-            </a:r>
-          </a:p>
-          <a:p>
-            <a:pPr lvl="2"/>
-            <a:r>
-              <a:t>Shah et al. (J Trauma 2019): VATS equivalent to open in stable penetrating TDI</a:t>
-            </a:r>
-          </a:p>
-          <a:p>
-            <a:pPr lvl="2"/>
-            <a:r>
-              <a:t>NTS Database (NTDB) analysis: delayed diagnosis associated with 3× increased complication rate</a:t>
-            </a:r>
-          </a:p>
-          <a:p>
-            <a:pPr lvl="2"/>
-            <a:r>
-              <a:t>Laparoscopy superior to CT for occult penetrating left TDI (sensitivity 99%)</a:t>
+              <a:t>Combine anatomic imaging, functional testing, and neurophysiology</a:t>
             </a:r>
           </a:p>
         </p:txBody>
@@ -8408,7 +8780,7 @@
             <a:spLocks noGrp="1"/>
           </p:cNvSpPr>
           <p:nvPr>
-            <p:ph type="title"/>
+            <p:ph type="ctrTitle"/>
           </p:nvPr>
         </p:nvSpPr>
         <p:spPr/>
@@ -8417,19 +8789,19 @@
           <a:lstStyle/>
           <a:p>
             <a:r>
-              <a:t>Complications and Their Management</a:t>
-            </a:r>
-          </a:p>
-        </p:txBody>
-      </p:sp>
-      <p:sp>
-        <p:nvSpPr>
-          <p:cNvPr id="3" name="Content Placeholder 2"/>
-          <p:cNvSpPr>
-            <a:spLocks noGrp="1"/>
-          </p:cNvSpPr>
-          <p:nvPr>
-            <p:ph idx="1"/>
+              <a:t>Management</a:t>
+            </a:r>
+          </a:p>
+        </p:txBody>
+      </p:sp>
+      <p:sp>
+        <p:nvSpPr>
+          <p:cNvPr id="3" name="Subtitle 2"/>
+          <p:cNvSpPr>
+            <a:spLocks noGrp="1"/>
+          </p:cNvSpPr>
+          <p:nvPr>
+            <p:ph type="subTitle" idx="1"/>
           </p:nvPr>
         </p:nvSpPr>
         <p:spPr/>
@@ -8437,113 +8809,8 @@
           <a:bodyPr/>
           <a:lstStyle/>
           <a:p>
-            <a:pPr/>
-            <a:r>
-              <a:rPr b="1"/>
-              <a:t>Recurrence / Failed Repair</a:t>
-            </a:r>
-          </a:p>
-          <a:p>
-            <a:pPr lvl="2"/>
-            <a:r>
-              <a:t>Risk factors: large defect, tension on repair, contaminated field, immunosuppression</a:t>
-            </a:r>
-          </a:p>
-          <a:p>
-            <a:pPr lvl="2"/>
-            <a:r>
-              <a:t>Management: re-exploration with mesh reinforcement</a:t>
-            </a:r>
-          </a:p>
-          <a:p>
-            <a:pPr/>
-            <a:r>
-              <a:rPr b="1"/>
-              <a:t>Visceral Incarceration / Strangulation</a:t>
-            </a:r>
-          </a:p>
-          <a:p>
-            <a:pPr lvl="2"/>
-            <a:r>
-              <a:t>Most feared delayed complication — can present years after injury</a:t>
-            </a:r>
-          </a:p>
-          <a:p>
-            <a:pPr lvl="2"/>
-            <a:r>
-              <a:t>Emergency surgery required; intestinal resection in ~25% of strangulation cases</a:t>
-            </a:r>
-          </a:p>
-          <a:p>
-            <a:pPr/>
-            <a:r>
-              <a:rPr b="1"/>
-              <a:t>Respiratory Complications</a:t>
-            </a:r>
-          </a:p>
-          <a:p>
-            <a:pPr lvl="2"/>
-            <a:r>
-              <a:t>Pleural effusion, empyema, pneumonia, atelectasis</a:t>
-            </a:r>
-          </a:p>
-          <a:p>
-            <a:pPr lvl="2"/>
-            <a:r>
-              <a:t>Early chest physiotherapy and incentive spirometry essential</a:t>
-            </a:r>
-          </a:p>
-          <a:p>
-            <a:pPr/>
-            <a:r>
-              <a:rPr b="1"/>
-              <a:t>Mesh-Related Complications</a:t>
-            </a:r>
-          </a:p>
-          <a:p>
-            <a:pPr lvl="2"/>
-            <a:r>
-              <a:t>Infection, fistula, erosion into adjacent structures</a:t>
-            </a:r>
-          </a:p>
-          <a:p>
-            <a:pPr lvl="2"/>
-            <a:r>
-              <a:t>Biological mesh preferred in contaminated fields; synthetic mesh for clean elective repairs</a:t>
-            </a:r>
-          </a:p>
-          <a:p>
-            <a:pPr/>
-            <a:r>
-              <a:rPr b="1"/>
-              <a:t>Phrenic Nerve Injury</a:t>
-            </a:r>
-          </a:p>
-          <a:p>
-            <a:pPr lvl="2"/>
-            <a:r>
-              <a:t>Rare with careful dissection; leads to ipsilateral hemidiaphragm paralysis</a:t>
-            </a:r>
-          </a:p>
-        </p:txBody>
-      </p:sp>
-      <p:sp>
-        <p:nvSpPr>
-          <p:cNvPr id="4" name="Text Placeholder 3"/>
-          <p:cNvSpPr>
-            <a:spLocks noGrp="1"/>
-          </p:cNvSpPr>
-          <p:nvPr>
-            <p:ph type="body" idx="13" sz="quarter"/>
-          </p:nvPr>
-        </p:nvSpPr>
-        <p:spPr/>
-        <p:txBody>
-          <a:bodyPr/>
-          <a:lstStyle/>
-          <a:p>
-            <a:r>
-              <a:t>Early recognition prevents catastrophic outcomes</a:t>
+            <a:r>
+              <a:t>From observation to plication to diaphragm pacing</a:t>
             </a:r>
           </a:p>
         </p:txBody>
@@ -8582,7 +8849,7 @@
           <a:lstStyle/>
           <a:p>
             <a:r>
-              <a:t>Summary: Key Takeaways</a:t>
+              <a:t>Conservative and Medical Management</a:t>
             </a:r>
           </a:p>
         </p:txBody>
@@ -8605,71 +8872,62 @@
             <a:pPr/>
             <a:r>
               <a:rPr b="1"/>
-              <a:t>1  High index of suspicion</a:t>
-            </a:r>
-          </a:p>
-          <a:p>
-            <a:pPr lvl="2"/>
-            <a:r>
-              <a:t>TDI is frequently missed — consider in any high-energy blunt trauma or penetrating thoracoabdominal injury</a:t>
+              <a:t>Treat the Underlying Etiology</a:t>
+            </a:r>
+          </a:p>
+          <a:p>
+            <a:pPr lvl="2"/>
+            <a:r>
+              <a:t>Parsonage-Turner: corticosteroids for acute pain; IVIG for refractory cases</a:t>
+            </a:r>
+          </a:p>
+          <a:p>
+            <a:pPr lvl="2"/>
+            <a:r>
+              <a:t>Myasthenia gravis: pyridostigmine, immunosuppression, plasma exchange, IVIG, thymectomy</a:t>
+            </a:r>
+          </a:p>
+          <a:p>
+            <a:pPr lvl="2"/>
+            <a:r>
+              <a:t>Cervical disc/myelopathy: surgical decompression may restore phrenic function</a:t>
+            </a:r>
+          </a:p>
+          <a:p>
+            <a:pPr lvl="2"/>
+            <a:r>
+              <a:t>Pompe disease: enzyme replacement therapy (alglucosidase alfa)</a:t>
+            </a:r>
+          </a:p>
+          <a:p>
+            <a:pPr lvl="2"/>
+            <a:r>
+              <a:t>GBS: IVIG or plasma exchange; supportive ventilation during nadir</a:t>
             </a:r>
           </a:p>
           <a:p>
             <a:pPr/>
             <a:r>
               <a:rPr b="1"/>
-              <a:t>2  CT is first-line imaging</a:t>
-            </a:r>
-          </a:p>
-          <a:p>
-            <a:pPr lvl="2"/>
-            <a:r>
-              <a:t>Multiplanar CT (sensitivity &gt;95%); supplement with diagnostic laparoscopy when equivocal</a:t>
-            </a:r>
-          </a:p>
-          <a:p>
-            <a:pPr/>
-            <a:r>
-              <a:rPr b="1"/>
-              <a:t>3  All diagnosed TDIs warrant operative repair</a:t>
-            </a:r>
-          </a:p>
-          <a:p>
-            <a:pPr lvl="2"/>
-            <a:r>
-              <a:t>Acute: laparotomy (± thoracotomy); chronic: thoracic or combined approach</a:t>
-            </a:r>
-          </a:p>
-          <a:p>
-            <a:pPr lvl="2"/>
-            <a:r>
-              <a:t>Even asymptomatic chronic hernias should be repaired electively due to strangulation risk</a:t>
-            </a:r>
-          </a:p>
-          <a:p>
-            <a:pPr/>
-            <a:r>
-              <a:rPr b="1"/>
-              <a:t>4  Minimally invasive approaches are safe in selected patients</a:t>
-            </a:r>
-          </a:p>
-          <a:p>
-            <a:pPr lvl="2"/>
-            <a:r>
-              <a:t>Laparoscopy / VATS: equivalent outcomes in stable patients; preferred for occult penetrating injuries</a:t>
-            </a:r>
-          </a:p>
-          <a:p>
-            <a:pPr/>
-            <a:r>
-              <a:rPr b="1"/>
-              <a:t>5  Outcomes are driven by associated injuries</a:t>
-            </a:r>
-          </a:p>
-          <a:p>
-            <a:pPr lvl="2"/>
-            <a:r>
-              <a:t>Mortality of isolated repair &lt;5%; multi-disciplinary trauma team approach is essential</a:t>
+              <a:t>Observation</a:t>
+            </a:r>
+          </a:p>
+          <a:p>
+            <a:pPr lvl="2"/>
+            <a:r>
+              <a:t>Asymptomatic unilateral paralysis with normal pulmonary reserve: monitor with serial PFTs</a:t>
+            </a:r>
+          </a:p>
+          <a:p>
+            <a:pPr lvl="2"/>
+            <a:r>
+              <a:t>Iatrogenic phrenic injury: observe 12–18 months for spontaneous recovery before intervention</a:t>
+            </a:r>
+          </a:p>
+          <a:p>
+            <a:pPr lvl="2"/>
+            <a:r>
+              <a:t>Parsonage-Turner: observe 18–24 months; most recover without surgical intervention</a:t>
             </a:r>
           </a:p>
         </p:txBody>
@@ -8690,7 +8948,85 @@
           <a:lstStyle/>
           <a:p>
             <a:r>
-              <a:t>A systematic approach minimizes diagnostic delay and optimizes outcomes</a:t>
+              <a:t>Treat the underlying cause and optimize respiratory reserve</a:t>
+            </a:r>
+          </a:p>
+        </p:txBody>
+      </p:sp>
+      <p:sp>
+        <p:nvSpPr>
+          <p:cNvPr id="5" name="Content Placeholder 4"/>
+          <p:cNvSpPr>
+            <a:spLocks noGrp="1"/>
+          </p:cNvSpPr>
+          <p:nvPr>
+            <p:ph idx="14"/>
+          </p:nvPr>
+        </p:nvSpPr>
+        <p:spPr/>
+        <p:txBody>
+          <a:bodyPr/>
+          <a:lstStyle/>
+          <a:p>
+            <a:pPr/>
+            <a:r>
+              <a:rPr b="1"/>
+              <a:t>Non-Invasive Ventilation (NIV)</a:t>
+            </a:r>
+          </a:p>
+          <a:p>
+            <a:pPr lvl="2"/>
+            <a:r>
+              <a:t>BiPAP or CPAP for nocturnal hypoventilation; first-line for bilateral paralysis</a:t>
+            </a:r>
+          </a:p>
+          <a:p>
+            <a:pPr lvl="2"/>
+            <a:r>
+              <a:t>ALS: NIV initiation when FVC &lt;50% or symptomatic; improves quality of life and survival</a:t>
+            </a:r>
+          </a:p>
+          <a:p>
+            <a:pPr lvl="2"/>
+            <a:r>
+              <a:t>Muscular dystrophies: NIV as bridge to diaphragm pacing or tracheostomy</a:t>
+            </a:r>
+          </a:p>
+          <a:p>
+            <a:pPr lvl="2"/>
+            <a:r>
+              <a:t>Target: nocturnal SpO₂ &gt;94%, morning PCO₂ normalization</a:t>
+            </a:r>
+          </a:p>
+          <a:p>
+            <a:pPr/>
+            <a:r>
+              <a:rPr b="1"/>
+              <a:t>Pulmonary Rehabilitation</a:t>
+            </a:r>
+          </a:p>
+          <a:p>
+            <a:pPr lvl="2"/>
+            <a:r>
+              <a:t>Inspiratory muscle training: may improve endurance in partial dysfunction</a:t>
+            </a:r>
+          </a:p>
+          <a:p>
+            <a:pPr lvl="2"/>
+            <a:r>
+              <a:t>Breathing retraining: diaphragmatic breathing exercises, positioning strategies</a:t>
+            </a:r>
+          </a:p>
+          <a:p>
+            <a:pPr lvl="2"/>
+            <a:r>
+              <a:t>Airway clearance: mechanically assisted cough (CoughAssist) for neuromuscular patients</a:t>
+            </a:r>
+          </a:p>
+          <a:p>
+            <a:pPr lvl="2"/>
+            <a:r>
+              <a:t>Positioning: head-of-bed elevation, semi-recumbent positioning to reduce orthopnea</a:t>
             </a:r>
           </a:p>
         </p:txBody>
@@ -8729,7 +9065,7 @@
           <a:lstStyle/>
           <a:p>
             <a:r>
-              <a:t>Selected References</a:t>
+              <a:t>Diaphragm Plication</a:t>
             </a:r>
           </a:p>
         </p:txBody>
@@ -8749,59 +9085,96 @@
           <a:bodyPr/>
           <a:lstStyle/>
           <a:p>
-            <a:pPr lvl="2"/>
-            <a:r>
-              <a:rPr sz="1100"/>
-              <a:t>Mihos P, et al. Traumatic rupture of the diaphragm. Am J Surg. 2003;186(5):509–513.</a:t>
-            </a:r>
-          </a:p>
-          <a:p>
-            <a:pPr lvl="2"/>
-            <a:r>
-              <a:rPr sz="1100"/>
-              <a:t>Chughtai T, et al. Diaphragmatic injury in motor vehicle crashes. J Trauma. 2004;57(5):1008–1012.</a:t>
-            </a:r>
-          </a:p>
-          <a:p>
-            <a:pPr lvl="2"/>
-            <a:r>
-              <a:rPr sz="1100"/>
-              <a:t>Shah R, et al. Traumatic rupture of the diaphragm. Ann Thorac Surg. 1995;60(5):1444–1449.</a:t>
-            </a:r>
-          </a:p>
-          <a:p>
-            <a:pPr lvl="2"/>
-            <a:r>
-              <a:rPr sz="1100"/>
-              <a:t>EAST Practice Management Guidelines for Traumatic Diaphragmatic Injury. 2010.</a:t>
-            </a:r>
-          </a:p>
-          <a:p>
-            <a:pPr lvl="2"/>
-            <a:r>
-              <a:rPr sz="1100"/>
-              <a:t>Petrone P, et al. Traumatic diaphragmatic injuries: trends in diagnosis and treatment. Injury. 2017;48(12):2748–2755.</a:t>
-            </a:r>
-          </a:p>
-          <a:p>
-            <a:pPr lvl="2"/>
-            <a:r>
-              <a:rPr sz="1100"/>
-              <a:t>Reiff DA, et al. Identifying injuries and motor vehicle collision characteristics that together are suggestive of diaphragmatic rupture. J Trauma. 2002;52(6):1139–1145.</a:t>
-            </a:r>
-          </a:p>
-          <a:p>
-            <a:pPr lvl="2"/>
-            <a:r>
-              <a:rPr sz="1100"/>
-              <a:t>Ganie FA, et al. Diaphragmatic injuries and its management. Ulus Travma Acil Cerrahi Derg. 2013;19(3):233–237.</a:t>
-            </a:r>
-          </a:p>
-          <a:p>
-            <a:pPr lvl="2"/>
-            <a:r>
-              <a:rPr sz="1100"/>
-              <a:t>Fair KA, et al. Outcomes of hemodynamically unstable pelvic fractures. J Trauma Acute Care Surg. 2015.</a:t>
+            <a:pPr/>
+            <a:r>
+              <a:rPr b="1"/>
+              <a:t>Indications</a:t>
+            </a:r>
+          </a:p>
+          <a:p>
+            <a:pPr lvl="2"/>
+            <a:r>
+              <a:t>Symptomatic unilateral diaphragm paralysis persisting &gt;12–18 months</a:t>
+            </a:r>
+          </a:p>
+          <a:p>
+            <a:pPr lvl="2"/>
+            <a:r>
+              <a:t>FVC &lt;70% or significant orthopnea limiting quality of life</a:t>
+            </a:r>
+          </a:p>
+          <a:p>
+            <a:pPr lvl="2"/>
+            <a:r>
+              <a:t>No expectation of neurologic recovery (irreversible injury, idiopathic)</a:t>
+            </a:r>
+          </a:p>
+          <a:p>
+            <a:pPr lvl="2"/>
+            <a:r>
+              <a:t>Not appropriate for bilateral paralysis (does not improve ventilatory mechanics)</a:t>
+            </a:r>
+          </a:p>
+          <a:p>
+            <a:pPr/>
+            <a:r>
+              <a:rPr b="1"/>
+              <a:t>Operative Technique</a:t>
+            </a:r>
+          </a:p>
+          <a:p>
+            <a:pPr lvl="2"/>
+            <a:r>
+              <a:t>VATS approach preferred: 2–3 ports, gentle circumferential plication of flaccid diaphragm</a:t>
+            </a:r>
+          </a:p>
+          <a:p>
+            <a:pPr lvl="2"/>
+            <a:r>
+              <a:t>Multiple rows of non-absorbable sutures placed to tension and flatten the hemidiaphragm</a:t>
+            </a:r>
+          </a:p>
+          <a:p>
+            <a:pPr lvl="2"/>
+            <a:r>
+              <a:t>Goal: eliminate paradoxical movement and restore mediastinal position</a:t>
+            </a:r>
+          </a:p>
+          <a:p>
+            <a:pPr lvl="2"/>
+            <a:r>
+              <a:t>Thoracotomy reserved for bilateral plication or if VATS not feasible</a:t>
+            </a:r>
+          </a:p>
+          <a:p>
+            <a:pPr/>
+            <a:r>
+              <a:rPr b="1"/>
+              <a:t>Outcomes</a:t>
+            </a:r>
+          </a:p>
+          <a:p>
+            <a:pPr lvl="2"/>
+            <a:r>
+              <a:t>FVC improvement: +15–25% at 6 months; maintained at 5-year follow-up</a:t>
+            </a:r>
+          </a:p>
+          <a:p>
+            <a:pPr lvl="2"/>
+            <a:r>
+              <a:t>Dyspnea score improvement in 80–90% of patients</a:t>
+            </a:r>
+          </a:p>
+          <a:p>
+            <a:pPr lvl="2"/>
+            <a:r>
+              <a:t>Low perioperative risk: 30-day mortality &lt;1%, major complication rate ~5%</a:t>
+            </a:r>
+          </a:p>
+          <a:p>
+            <a:pPr lvl="2"/>
+            <a:r>
+              <a:t>Recurrence of paradox is rare if sutures are placed under adequate tension</a:t>
             </a:r>
           </a:p>
         </p:txBody>
@@ -8820,7 +9193,11 @@
         <p:txBody>
           <a:bodyPr/>
           <a:lstStyle/>
-          <a:p/>
+          <a:p>
+            <a:r>
+              <a:t>Effective for symptomatic unilateral paralysis refractory to conservative management</a:t>
+            </a:r>
+          </a:p>
         </p:txBody>
       </p:sp>
     </p:spTree>
@@ -8848,7 +9225,7 @@
             <a:spLocks noGrp="1"/>
           </p:cNvSpPr>
           <p:nvPr>
-            <p:ph type="ctrTitle"/>
+            <p:ph type="title"/>
           </p:nvPr>
         </p:nvSpPr>
         <p:spPr/>
@@ -8857,7 +9234,350 @@
           <a:lstStyle/>
           <a:p>
             <a:r>
-              <a:t>Thank You</a:t>
+              <a:t>Diaphragm Pacing (Phrenic Nerve / Diaphragm Stimulation)</a:t>
+            </a:r>
+          </a:p>
+        </p:txBody>
+      </p:sp>
+      <p:sp>
+        <p:nvSpPr>
+          <p:cNvPr id="3" name="Content Placeholder 2"/>
+          <p:cNvSpPr>
+            <a:spLocks noGrp="1"/>
+          </p:cNvSpPr>
+          <p:nvPr>
+            <p:ph idx="1"/>
+          </p:nvPr>
+        </p:nvSpPr>
+        <p:spPr/>
+        <p:txBody>
+          <a:bodyPr/>
+          <a:lstStyle/>
+          <a:p>
+            <a:pPr/>
+            <a:r>
+              <a:rPr b="1"/>
+              <a:t>Indications</a:t>
+            </a:r>
+          </a:p>
+          <a:p>
+            <a:pPr lvl="2"/>
+            <a:r>
+              <a:t>Cervical SCI (C1–C4) with intact lower motor neuron phrenic pathways</a:t>
+            </a:r>
+          </a:p>
+          <a:p>
+            <a:pPr lvl="2"/>
+            <a:r>
+              <a:t>ALS: diaphragm pacing investigated as adjunct to NIV (NeuRx DPS)</a:t>
+            </a:r>
+          </a:p>
+          <a:p>
+            <a:pPr lvl="2"/>
+            <a:r>
+              <a:t>Congenital central hypoventilation syndrome (CCHS)</a:t>
+            </a:r>
+          </a:p>
+          <a:p>
+            <a:pPr lvl="2"/>
+            <a:r>
+              <a:t>Prerequisite: intact phrenic nerve and viable diaphragm muscle (assessed by EMG/NCS)</a:t>
+            </a:r>
+          </a:p>
+          <a:p>
+            <a:pPr/>
+            <a:r>
+              <a:rPr b="1"/>
+              <a:t>Systems Available</a:t>
+            </a:r>
+          </a:p>
+          <a:p>
+            <a:pPr lvl="2"/>
+            <a:r>
+              <a:t>NeuRx DPS (Synapse Biomedical): laparoscopic intramuscular electrodes; FDA-approved for SCI and ALS</a:t>
+            </a:r>
+          </a:p>
+          <a:p>
+            <a:pPr lvl="2"/>
+            <a:r>
+              <a:t>Avery Biomedical phrenic nerve stimulator: implanted electrodes around phrenic nerves in thorax</a:t>
+            </a:r>
+          </a:p>
+          <a:p>
+            <a:pPr lvl="2"/>
+            <a:r>
+              <a:t>Transcutaneous phrenic stimulation: non-invasive, emerging technology</a:t>
+            </a:r>
+          </a:p>
+        </p:txBody>
+      </p:sp>
+      <p:sp>
+        <p:nvSpPr>
+          <p:cNvPr id="4" name="Text Placeholder 3"/>
+          <p:cNvSpPr>
+            <a:spLocks noGrp="1"/>
+          </p:cNvSpPr>
+          <p:nvPr>
+            <p:ph type="body" idx="13" sz="quarter"/>
+          </p:nvPr>
+        </p:nvSpPr>
+        <p:spPr/>
+        <p:txBody>
+          <a:bodyPr/>
+          <a:lstStyle/>
+          <a:p>
+            <a:r>
+              <a:t>Restoring ventilation through electrical stimulation of the phrenic nerve or diaphragm</a:t>
+            </a:r>
+          </a:p>
+        </p:txBody>
+      </p:sp>
+      <p:sp>
+        <p:nvSpPr>
+          <p:cNvPr id="5" name="Content Placeholder 4"/>
+          <p:cNvSpPr>
+            <a:spLocks noGrp="1"/>
+          </p:cNvSpPr>
+          <p:nvPr>
+            <p:ph idx="14"/>
+          </p:nvPr>
+        </p:nvSpPr>
+        <p:spPr/>
+        <p:txBody>
+          <a:bodyPr/>
+          <a:lstStyle/>
+          <a:p>
+            <a:pPr/>
+            <a:r>
+              <a:rPr b="1"/>
+              <a:t>Outcomes in SCI</a:t>
+            </a:r>
+          </a:p>
+          <a:p>
+            <a:pPr lvl="2"/>
+            <a:r>
+              <a:t>Successful ventilator-free breathing (&gt;4 h/day) in ~80% of appropriately selected patients</a:t>
+            </a:r>
+          </a:p>
+          <a:p>
+            <a:pPr lvl="2"/>
+            <a:r>
+              <a:t>Average time to full-time pacing: 3–6 months of conditioning</a:t>
+            </a:r>
+          </a:p>
+          <a:p>
+            <a:pPr lvl="2"/>
+            <a:r>
+              <a:t>Quality of life improvement: speech, smell, mobility (no ventilator tether)</a:t>
+            </a:r>
+          </a:p>
+          <a:p>
+            <a:pPr lvl="2"/>
+            <a:r>
+              <a:t>Reduces pulmonary infections vs. positive pressure ventilation</a:t>
+            </a:r>
+          </a:p>
+          <a:p>
+            <a:pPr/>
+            <a:r>
+              <a:rPr b="1"/>
+              <a:t>ALS Controversy</a:t>
+            </a:r>
+          </a:p>
+          <a:p>
+            <a:pPr lvl="2"/>
+            <a:r>
+              <a:t>VITALS trial (2015): diaphragm pacing did not improve survival and may have accelerated decline</a:t>
+            </a:r>
+          </a:p>
+          <a:p>
+            <a:pPr lvl="2"/>
+            <a:r>
+              <a:t>Ongoing debate: patient selection, timing, and whether UMN vs. LMN predominance matters</a:t>
+            </a:r>
+          </a:p>
+          <a:p>
+            <a:pPr lvl="2"/>
+            <a:r>
+              <a:t>Current consensus: do not offer routinely in ALS outside of clinical trial</a:t>
+            </a:r>
+          </a:p>
+          <a:p>
+            <a:pPr/>
+            <a:r>
+              <a:rPr b="1"/>
+              <a:t>Phrenic Nerve Reconstruction</a:t>
+            </a:r>
+          </a:p>
+          <a:p>
+            <a:pPr lvl="2"/>
+            <a:r>
+              <a:t>Nerve grafting or neurotization: emerging option for iatrogenic phrenic palsy</a:t>
+            </a:r>
+          </a:p>
+          <a:p>
+            <a:pPr lvl="2"/>
+            <a:r>
+              <a:t>Best results when performed early (within 6–12 months of injury)</a:t>
+            </a:r>
+          </a:p>
+        </p:txBody>
+      </p:sp>
+    </p:spTree>
+  </p:cSld>
+  <p:clrMapOvr>
+    <a:masterClrMapping/>
+  </p:clrMapOvr>
+</p:sld>
+</file>
+
+<file path=ppt/slides/slide19.xml><?xml version="1.0" encoding="utf-8"?>
+<p:sld xmlns:a="http://schemas.openxmlformats.org/drawingml/2006/main" xmlns:p="http://schemas.openxmlformats.org/presentationml/2006/main" xmlns:r="http://schemas.openxmlformats.org/officeDocument/2006/relationships">
+  <p:cSld>
+    <p:spTree>
+      <p:nvGrpSpPr>
+        <p:cNvPr id="1" name=""/>
+        <p:cNvGrpSpPr/>
+        <p:nvPr/>
+      </p:nvGrpSpPr>
+      <p:grpSpPr/>
+      <p:sp>
+        <p:nvSpPr>
+          <p:cNvPr id="2" name="Title 1"/>
+          <p:cNvSpPr>
+            <a:spLocks noGrp="1"/>
+          </p:cNvSpPr>
+          <p:nvPr>
+            <p:ph type="title"/>
+          </p:nvPr>
+        </p:nvSpPr>
+        <p:spPr/>
+        <p:txBody>
+          <a:bodyPr/>
+          <a:lstStyle/>
+          <a:p>
+            <a:r>
+              <a:t>Summary: Key Takeaways</a:t>
+            </a:r>
+          </a:p>
+        </p:txBody>
+      </p:sp>
+      <p:sp>
+        <p:nvSpPr>
+          <p:cNvPr id="3" name="Content Placeholder 2"/>
+          <p:cNvSpPr>
+            <a:spLocks noGrp="1"/>
+          </p:cNvSpPr>
+          <p:nvPr>
+            <p:ph idx="1"/>
+          </p:nvPr>
+        </p:nvSpPr>
+        <p:spPr/>
+        <p:txBody>
+          <a:bodyPr/>
+          <a:lstStyle/>
+          <a:p>
+            <a:pPr/>
+            <a:r>
+              <a:rPr b="1"/>
+              <a:t>1  Know the phrenic nerve anatomy</a:t>
+            </a:r>
+          </a:p>
+          <a:p>
+            <a:pPr lvl="2"/>
+            <a:r>
+              <a:t>C3, C4, C5 — long course through neck and mediastinum makes it vulnerable at many points</a:t>
+            </a:r>
+          </a:p>
+          <a:p>
+            <a:pPr/>
+            <a:r>
+              <a:rPr b="1"/>
+              <a:t>2  Maintain a broad differential</a:t>
+            </a:r>
+          </a:p>
+          <a:p>
+            <a:pPr lvl="2"/>
+            <a:r>
+              <a:t>Iatrogenic causes are most common; always ask about prior cardiac, thoracic, or cervical spine surgery</a:t>
+            </a:r>
+          </a:p>
+          <a:p>
+            <a:pPr lvl="2"/>
+            <a:r>
+              <a:t>Parsonage-Turner is underdiagnosed — consider in unexplained dyspnea with elevated hemidiaphragm</a:t>
+            </a:r>
+          </a:p>
+          <a:p>
+            <a:pPr/>
+            <a:r>
+              <a:rPr b="1"/>
+              <a:t>3  Functional testing is essential</a:t>
+            </a:r>
+          </a:p>
+          <a:p>
+            <a:pPr lvl="2"/>
+            <a:r>
+              <a:t>Supine vs. upright FVC, sniff test, ultrasound thickening fraction, and phrenic NCS/EMG</a:t>
+            </a:r>
+          </a:p>
+          <a:p>
+            <a:pPr/>
+            <a:r>
+              <a:rPr b="1"/>
+              <a:t>4  Treat the cause and optimize respiratory reserve early</a:t>
+            </a:r>
+          </a:p>
+          <a:p>
+            <a:pPr lvl="2"/>
+            <a:r>
+              <a:t>NIV, pulmonary rehab, and airway clearance before considering surgical intervention</a:t>
+            </a:r>
+          </a:p>
+          <a:p>
+            <a:pPr/>
+            <a:r>
+              <a:rPr b="1"/>
+              <a:t>5  Select the right intervention for the right patient</a:t>
+            </a:r>
+          </a:p>
+          <a:p>
+            <a:pPr lvl="2"/>
+            <a:r>
+              <a:t>Plication for symptomatic unilateral paralysis persisting &gt;12–18 months without recovery</a:t>
+            </a:r>
+          </a:p>
+          <a:p>
+            <a:pPr lvl="2"/>
+            <a:r>
+              <a:t>Diaphragm pacing for SCI patients with intact lower motor neuron phrenic pathways</a:t>
+            </a:r>
+          </a:p>
+          <a:p>
+            <a:pPr lvl="2"/>
+            <a:r>
+              <a:t>Avoid pacing in ALS outside of clinical trials based on current evidence</a:t>
+            </a:r>
+          </a:p>
+        </p:txBody>
+      </p:sp>
+      <p:sp>
+        <p:nvSpPr>
+          <p:cNvPr id="4" name="Text Placeholder 3"/>
+          <p:cNvSpPr>
+            <a:spLocks noGrp="1"/>
+          </p:cNvSpPr>
+          <p:nvPr>
+            <p:ph type="body" idx="13" sz="quarter"/>
+          </p:nvPr>
+        </p:nvSpPr>
+        <p:spPr/>
+        <p:txBody>
+          <a:bodyPr/>
+          <a:lstStyle/>
+          <a:p>
+            <a:r>
+              <a:t>A systematic approach to a diagnosis that is often delayed or missed</a:t>
             </a:r>
           </a:p>
         </p:txBody>
@@ -8918,31 +9638,37 @@
           <a:p>
             <a:pPr lvl="2"/>
             <a:r>
-              <a:t>Describe the epidemiology and mechanisms of traumatic diaphragmatic injury</a:t>
-            </a:r>
-          </a:p>
-          <a:p>
-            <a:pPr lvl="2"/>
-            <a:r>
-              <a:t>Recognize acute and delayed clinical presentations</a:t>
-            </a:r>
-          </a:p>
-          <a:p>
-            <a:pPr lvl="2"/>
-            <a:r>
-              <a:t>Apply an evidence-based imaging and diagnostic algorithm</a:t>
-            </a:r>
-          </a:p>
-          <a:p>
-            <a:pPr lvl="2"/>
-            <a:r>
-              <a:t>Select appropriate operative approach and technique for repair</a:t>
-            </a:r>
-          </a:p>
-          <a:p>
-            <a:pPr lvl="2"/>
-            <a:r>
-              <a:t>Counsel patients regarding expected outcomes and complications</a:t>
+              <a:t>Describe the anatomy and physiology of the phrenic nerve–diaphragm axis</a:t>
+            </a:r>
+          </a:p>
+          <a:p>
+            <a:pPr lvl="2"/>
+            <a:r>
+              <a:t>Identify the major non-traumatic etiologies of diaphragm dysfunction in adults</a:t>
+            </a:r>
+          </a:p>
+          <a:p>
+            <a:pPr lvl="2"/>
+            <a:r>
+              <a:t>Recognize the clinical presentation and diagnostic workup of diaphragm paralysis/paresis</a:t>
+            </a:r>
+          </a:p>
+          <a:p>
+            <a:pPr lvl="2"/>
+            <a:r>
+              <a:t>Distinguish Parsonage-Turner syndrome from other causes of phrenic neuropathy</a:t>
+            </a:r>
+          </a:p>
+          <a:p>
+            <a:pPr lvl="2"/>
+            <a:r>
+              <a:t>Apply evidence-based management strategies including plication and diaphragm pacing</a:t>
+            </a:r>
+          </a:p>
+          <a:p>
+            <a:pPr lvl="2"/>
+            <a:r>
+              <a:t>Counsel patients on expected prognosis and recovery trajectories</a:t>
             </a:r>
           </a:p>
         </p:txBody>
@@ -8964,6 +9690,187 @@
           <a:p>
             <a:r>
               <a:t>After this presentation, attendees will be able to:</a:t>
+            </a:r>
+          </a:p>
+        </p:txBody>
+      </p:sp>
+    </p:spTree>
+  </p:cSld>
+  <p:clrMapOvr>
+    <a:masterClrMapping/>
+  </p:clrMapOvr>
+</p:sld>
+</file>
+
+<file path=ppt/slides/slide20.xml><?xml version="1.0" encoding="utf-8"?>
+<p:sld xmlns:a="http://schemas.openxmlformats.org/drawingml/2006/main" xmlns:p="http://schemas.openxmlformats.org/presentationml/2006/main" xmlns:r="http://schemas.openxmlformats.org/officeDocument/2006/relationships">
+  <p:cSld>
+    <p:spTree>
+      <p:nvGrpSpPr>
+        <p:cNvPr id="1" name=""/>
+        <p:cNvGrpSpPr/>
+        <p:nvPr/>
+      </p:nvGrpSpPr>
+      <p:grpSpPr/>
+      <p:sp>
+        <p:nvSpPr>
+          <p:cNvPr id="2" name="Title 1"/>
+          <p:cNvSpPr>
+            <a:spLocks noGrp="1"/>
+          </p:cNvSpPr>
+          <p:nvPr>
+            <p:ph type="title"/>
+          </p:nvPr>
+        </p:nvSpPr>
+        <p:spPr/>
+        <p:txBody>
+          <a:bodyPr/>
+          <a:lstStyle/>
+          <a:p>
+            <a:r>
+              <a:t>Selected References</a:t>
+            </a:r>
+          </a:p>
+        </p:txBody>
+      </p:sp>
+      <p:sp>
+        <p:nvSpPr>
+          <p:cNvPr id="3" name="Content Placeholder 2"/>
+          <p:cNvSpPr>
+            <a:spLocks noGrp="1"/>
+          </p:cNvSpPr>
+          <p:nvPr>
+            <p:ph idx="1"/>
+          </p:nvPr>
+        </p:nvSpPr>
+        <p:spPr/>
+        <p:txBody>
+          <a:bodyPr/>
+          <a:lstStyle/>
+          <a:p>
+            <a:pPr lvl="2"/>
+            <a:r>
+              <a:rPr sz="1000"/>
+              <a:t>van Alfen N, van Engelen BG. The clinical spectrum of neuralgic amyotrophy in 246 cases. Brain. 2006;129(2):438–450.</a:t>
+            </a:r>
+          </a:p>
+          <a:p>
+            <a:pPr lvl="2"/>
+            <a:r>
+              <a:rPr sz="1000"/>
+              <a:t>Dimopoulou I, et al. Phrenic nerve dysfunction after cardiac operations. Chest. 1998;113(1):8–14.</a:t>
+            </a:r>
+          </a:p>
+          <a:p>
+            <a:pPr lvl="2"/>
+            <a:r>
+              <a:rPr sz="1000"/>
+              <a:t>Kaufman MR, et al. Nerve reconstruction for phrenic nerve paralysis. Plast Reconstr Surg. 2014;134(3):570e–578e.</a:t>
+            </a:r>
+          </a:p>
+          <a:p>
+            <a:pPr lvl="2"/>
+            <a:r>
+              <a:rPr sz="1000"/>
+              <a:t>Gibson GJ. Diaphragmatic paresis: pathophysiology, clinical features, and investigation. Thorax. 1989;44(11):960–970.</a:t>
+            </a:r>
+          </a:p>
+          <a:p>
+            <a:pPr lvl="2"/>
+            <a:r>
+              <a:rPr sz="1000"/>
+              <a:t>Laghi FA, Tobin MJ. Disorders of the respiratory muscles. Am J Respir Crit Care Med. 2003;168(1):10–48.</a:t>
+            </a:r>
+          </a:p>
+          <a:p>
+            <a:pPr lvl="2"/>
+            <a:r>
+              <a:rPr sz="1000"/>
+              <a:t>Miller RG, et al. Practice guideline update summary: Riluzole and edaravone (ALS). Neurology. 2017.</a:t>
+            </a:r>
+          </a:p>
+          <a:p>
+            <a:pPr lvl="2"/>
+            <a:r>
+              <a:rPr sz="1000"/>
+              <a:t>Posluszny JA Jr, et al. Surgical interventions for diaphragm dysfunction. J Trauma Acute Care Surg. 2010.</a:t>
+            </a:r>
+          </a:p>
+          <a:p>
+            <a:pPr lvl="2"/>
+            <a:r>
+              <a:rPr sz="1000"/>
+              <a:t>DiMarco AF. Phrenic nerve stimulation in patients with spinal cord injury. Respir Physiol Neurobiol. 2009;169(2):200–209.</a:t>
+            </a:r>
+          </a:p>
+          <a:p>
+            <a:pPr lvl="2"/>
+            <a:r>
+              <a:rPr sz="1000"/>
+              <a:t>Phrenic Nerve Stimulation in ALS — The VITALS Trial. Lancet Neurol. 2015;14(9):883–900.</a:t>
+            </a:r>
+          </a:p>
+          <a:p>
+            <a:pPr lvl="2"/>
+            <a:r>
+              <a:rPr sz="1000"/>
+              <a:t>Summerhill EM, El-Sameed YA, Glidden TJ, McCool FD. Monitoring recovery from diaphragm paralysis with ultrasound. Chest. 2008;133(3):737–743.</a:t>
+            </a:r>
+          </a:p>
+        </p:txBody>
+      </p:sp>
+      <p:sp>
+        <p:nvSpPr>
+          <p:cNvPr id="4" name="Text Placeholder 3"/>
+          <p:cNvSpPr>
+            <a:spLocks noGrp="1"/>
+          </p:cNvSpPr>
+          <p:nvPr>
+            <p:ph type="body" idx="13" sz="quarter"/>
+          </p:nvPr>
+        </p:nvSpPr>
+        <p:spPr/>
+        <p:txBody>
+          <a:bodyPr/>
+          <a:lstStyle/>
+          <a:p/>
+        </p:txBody>
+      </p:sp>
+    </p:spTree>
+  </p:cSld>
+  <p:clrMapOvr>
+    <a:masterClrMapping/>
+  </p:clrMapOvr>
+</p:sld>
+</file>
+
+<file path=ppt/slides/slide21.xml><?xml version="1.0" encoding="utf-8"?>
+<p:sld xmlns:a="http://schemas.openxmlformats.org/drawingml/2006/main" xmlns:p="http://schemas.openxmlformats.org/presentationml/2006/main" xmlns:r="http://schemas.openxmlformats.org/officeDocument/2006/relationships">
+  <p:cSld>
+    <p:spTree>
+      <p:nvGrpSpPr>
+        <p:cNvPr id="1" name=""/>
+        <p:cNvGrpSpPr/>
+        <p:nvPr/>
+      </p:nvGrpSpPr>
+      <p:grpSpPr/>
+      <p:sp>
+        <p:nvSpPr>
+          <p:cNvPr id="2" name="Title 1"/>
+          <p:cNvSpPr>
+            <a:spLocks noGrp="1"/>
+          </p:cNvSpPr>
+          <p:nvPr>
+            <p:ph type="ctrTitle"/>
+          </p:nvPr>
+        </p:nvSpPr>
+        <p:spPr/>
+        <p:txBody>
+          <a:bodyPr/>
+          <a:lstStyle/>
+          <a:p>
+            <a:r>
+              <a:t>Thank You</a:t>
             </a:r>
           </a:p>
         </p:txBody>
@@ -9002,7 +9909,7 @@
           <a:lstStyle/>
           <a:p>
             <a:r>
-              <a:t>Epidemiology &amp; Background</a:t>
+              <a:t>Anatomy &amp; Physiology</a:t>
             </a:r>
           </a:p>
         </p:txBody>
@@ -9023,7 +9930,7 @@
           <a:lstStyle/>
           <a:p>
             <a:r>
-              <a:t>Understanding the incidence, laterality, and associated injuries</a:t>
+              <a:t>The phrenic nerve–diaphragm axis: structure, function, and vulnerability</a:t>
             </a:r>
           </a:p>
         </p:txBody>
@@ -9062,7 +9969,7 @@
           <a:lstStyle/>
           <a:p>
             <a:r>
-              <a:t>Epidemiology of Diaphragmatic Injury</a:t>
+              <a:t>Phrenic Nerve Anatomy</a:t>
             </a:r>
           </a:p>
         </p:txBody>
@@ -9085,69 +9992,56 @@
             <a:pPr/>
             <a:r>
               <a:rPr b="1"/>
-              <a:t>Incidence &amp; Laterality</a:t>
-            </a:r>
-          </a:p>
-          <a:p>
-            <a:pPr lvl="2"/>
-            <a:r>
-              <a:t>Occurs in 0.8–7% of major trauma patients</a:t>
-            </a:r>
-          </a:p>
-          <a:p>
-            <a:pPr lvl="2"/>
-            <a:r>
-              <a:t>Left-sided predominance: 70–75% of cases (right hemidiaphragm protected by liver)</a:t>
-            </a:r>
-          </a:p>
-          <a:p>
-            <a:pPr lvl="2"/>
-            <a:r>
-              <a:t>Bilateral injury: ~5%, carries highest mortality</a:t>
+              <a:t>Origin &amp; Course</a:t>
+            </a:r>
+          </a:p>
+          <a:p>
+            <a:pPr lvl="2"/>
+            <a:r>
+              <a:t>Arises from ventral rami of C3, C4, C5 ("C3, 4, 5 keeps the diaphragm alive")</a:t>
+            </a:r>
+          </a:p>
+          <a:p>
+            <a:pPr lvl="2"/>
+            <a:r>
+              <a:t>Descends through the neck, crosses anterior scalene muscle</a:t>
+            </a:r>
+          </a:p>
+          <a:p>
+            <a:pPr lvl="2"/>
+            <a:r>
+              <a:t>Enters the thorax, travels along the pericardium to the diaphragm</a:t>
+            </a:r>
+          </a:p>
+          <a:p>
+            <a:pPr lvl="2"/>
+            <a:r>
+              <a:t>Right phrenic: shorter, passes lateral to SVC and IVC</a:t>
+            </a:r>
+          </a:p>
+          <a:p>
+            <a:pPr lvl="2"/>
+            <a:r>
+              <a:t>Left phrenic: longer, crosses aortic arch and pericardium</a:t>
             </a:r>
           </a:p>
           <a:p>
             <a:pPr/>
             <a:r>
               <a:rPr b="1"/>
-              <a:t>Mechanism Distribution</a:t>
-            </a:r>
-          </a:p>
-          <a:p>
-            <a:pPr lvl="2"/>
-            <a:r>
-              <a:t>Blunt trauma: ~75% — motor vehicle collisions account for majority</a:t>
-            </a:r>
-          </a:p>
-          <a:p>
-            <a:pPr lvl="2"/>
-            <a:r>
-              <a:t>Penetrating trauma: ~25% — stab wounds, gunshot wounds</a:t>
-            </a:r>
-          </a:p>
-          <a:p>
-            <a:pPr/>
-            <a:r>
-              <a:rPr b="1"/>
-              <a:t>Associated Injuries</a:t>
-            </a:r>
-          </a:p>
-          <a:p>
-            <a:pPr lvl="2"/>
-            <a:r>
-              <a:t>Concurrent injuries present in &gt;90% of cases: rib fractures, splenic/hepatic lacerations, pelvic fractures</a:t>
-            </a:r>
-          </a:p>
-          <a:p>
-            <a:pPr lvl="2"/>
-            <a:r>
-              <a:t>Associated thoracic injury (hemothorax, pneumothorax) in 40–60%</a:t>
-            </a:r>
-          </a:p>
-          <a:p>
-            <a:pPr lvl="2"/>
-            <a:r>
-              <a:t>Mortality: 15–40% in acute setting, driven largely by associated injuries</a:t>
+              <a:t>Terminal Branches</a:t>
+            </a:r>
+          </a:p>
+          <a:p>
+            <a:pPr lvl="2"/>
+            <a:r>
+              <a:t>Sternal, anterolateral, posterolateral, and crural branches</a:t>
+            </a:r>
+          </a:p>
+          <a:p>
+            <a:pPr lvl="2"/>
+            <a:r>
+              <a:t>Also carries sensory fibers from pericardium, mediastinal pleura, and diaphragmatic peritoneum</a:t>
             </a:r>
           </a:p>
         </p:txBody>
@@ -9168,7 +10062,79 @@
           <a:lstStyle/>
           <a:p>
             <a:r>
-              <a:t>Rare but life-threatening — 0.8–7% of all trauma admissions</a:t>
+              <a:t>The sole motor supply of the diaphragm — a long, vulnerable nerve</a:t>
+            </a:r>
+          </a:p>
+        </p:txBody>
+      </p:sp>
+      <p:sp>
+        <p:nvSpPr>
+          <p:cNvPr id="5" name="Content Placeholder 4"/>
+          <p:cNvSpPr>
+            <a:spLocks noGrp="1"/>
+          </p:cNvSpPr>
+          <p:nvPr>
+            <p:ph idx="14"/>
+          </p:nvPr>
+        </p:nvSpPr>
+        <p:spPr/>
+        <p:txBody>
+          <a:bodyPr/>
+          <a:lstStyle/>
+          <a:p>
+            <a:pPr/>
+            <a:r>
+              <a:rPr b="1"/>
+              <a:t>Vulnerability Points</a:t>
+            </a:r>
+          </a:p>
+          <a:p>
+            <a:pPr lvl="2"/>
+            <a:r>
+              <a:t>Neck: anterior scalene procedures, deep cervical biopsy</a:t>
+            </a:r>
+          </a:p>
+          <a:p>
+            <a:pPr lvl="2"/>
+            <a:r>
+              <a:t>Thoracic inlet: subclavian/internal jugular central lines, cervical rib</a:t>
+            </a:r>
+          </a:p>
+          <a:p>
+            <a:pPr lvl="2"/>
+            <a:r>
+              <a:t>Mediastinum: cardiac surgery (cold cardioplegia), mediastinal masses</a:t>
+            </a:r>
+          </a:p>
+          <a:p>
+            <a:pPr lvl="2"/>
+            <a:r>
+              <a:t>Pericardium: pericardial dissection during cardiac surgery</a:t>
+            </a:r>
+          </a:p>
+          <a:p>
+            <a:pPr/>
+            <a:r>
+              <a:rPr b="1"/>
+              <a:t>Physiologic Role</a:t>
+            </a:r>
+          </a:p>
+          <a:p>
+            <a:pPr lvl="2"/>
+            <a:r>
+              <a:t>Sole motor innervation of the diaphragm — accessory muscles cannot fully compensate</a:t>
+            </a:r>
+          </a:p>
+          <a:p>
+            <a:pPr lvl="2"/>
+            <a:r>
+              <a:t>Bilateral injury → respiratory failure requiring ventilatory support</a:t>
+            </a:r>
+          </a:p>
+          <a:p>
+            <a:pPr lvl="2"/>
+            <a:r>
+              <a:t>Unilateral injury → reduced FVC ~25%, typically well-tolerated in healthy adults</a:t>
             </a:r>
           </a:p>
         </p:txBody>
@@ -9207,7 +10173,7 @@
           <a:lstStyle/>
           <a:p>
             <a:r>
-              <a:t>Diaphragm Anatomy &amp; Functional Relevance</a:t>
+              <a:t>Diaphragm Physiology and the Impact of Paralysis</a:t>
             </a:r>
           </a:p>
         </p:txBody>
@@ -9230,37 +10196,93 @@
             <a:pPr/>
             <a:r>
               <a:rPr b="1"/>
-              <a:t>Structural Anatomy</a:t>
-            </a:r>
-          </a:p>
-          <a:p>
-            <a:pPr lvl="2"/>
-            <a:r>
-              <a:t>Dome-shaped musculotendinous partition separating thorax from abdomen</a:t>
-            </a:r>
-          </a:p>
-          <a:p>
-            <a:pPr lvl="2"/>
-            <a:r>
-              <a:t>Central tendon (aponeurotic) — injury here requires patch repair</a:t>
-            </a:r>
-          </a:p>
-          <a:p>
-            <a:pPr lvl="2"/>
-            <a:r>
-              <a:t>Muscular periphery arises from ribs 7–12, sternum, and lumbar vertebrae</a:t>
-            </a:r>
-          </a:p>
-          <a:p>
-            <a:pPr lvl="2"/>
-            <a:r>
-              <a:t>Major openings: caval (T8), esophageal (T10), aortic (T12)</a:t>
-            </a:r>
-          </a:p>
-          <a:p>
-            <a:pPr lvl="2"/>
-            <a:r>
-              <a:t>Innervation: phrenic nerve (C3–C5) — bilateral phrenic injury is fatal without ventilatory support</a:t>
+              <a:t>Normal Diaphragm Function</a:t>
+            </a:r>
+          </a:p>
+          <a:p>
+            <a:pPr lvl="2"/>
+            <a:r>
+              <a:t>Primary muscle of inspiration — responsible for ~70% of tidal volume at rest</a:t>
+            </a:r>
+          </a:p>
+          <a:p>
+            <a:pPr lvl="2"/>
+            <a:r>
+              <a:t>Contraction lowers the dome, increasing thoracic volume and creating negative pressure</a:t>
+            </a:r>
+          </a:p>
+          <a:p>
+            <a:pPr lvl="2"/>
+            <a:r>
+              <a:t>Assists in coughing, sneezing, Valsalva, and defecation</a:t>
+            </a:r>
+          </a:p>
+          <a:p>
+            <a:pPr lvl="2"/>
+            <a:r>
+              <a:t>Maintains pressure gradient between thorax and abdomen</a:t>
+            </a:r>
+          </a:p>
+          <a:p>
+            <a:pPr/>
+            <a:r>
+              <a:rPr b="1"/>
+              <a:t>Unilateral Paralysis</a:t>
+            </a:r>
+          </a:p>
+          <a:p>
+            <a:pPr lvl="2"/>
+            <a:r>
+              <a:t>Paradoxical upward movement on affected side during inspiration</a:t>
+            </a:r>
+          </a:p>
+          <a:p>
+            <a:pPr lvl="2"/>
+            <a:r>
+              <a:t>FVC decreases 20–30% upright; 40–50% in supine (due to abdominal organ weight)</a:t>
+            </a:r>
+          </a:p>
+          <a:p>
+            <a:pPr lvl="2"/>
+            <a:r>
+              <a:t>Compensated by accessory muscles; often asymptomatic in otherwise healthy adults</a:t>
+            </a:r>
+          </a:p>
+          <a:p>
+            <a:pPr lvl="2"/>
+            <a:r>
+              <a:t>Symptomatic with any reduction in pulmonary reserve (obesity, COPD, cardiac disease)</a:t>
+            </a:r>
+          </a:p>
+          <a:p>
+            <a:pPr/>
+            <a:r>
+              <a:rPr b="1"/>
+              <a:t>Bilateral Paralysis</a:t>
+            </a:r>
+          </a:p>
+          <a:p>
+            <a:pPr lvl="2"/>
+            <a:r>
+              <a:t>Severe orthopnea and dyspnea on minimal exertion</a:t>
+            </a:r>
+          </a:p>
+          <a:p>
+            <a:pPr lvl="2"/>
+            <a:r>
+              <a:t>FVC drops 50% or more in supine position</a:t>
+            </a:r>
+          </a:p>
+          <a:p>
+            <a:pPr lvl="2"/>
+            <a:r>
+              <a:t>Nocturnal hypoventilation, sleep apnea, daytime hypercapnia</a:t>
+            </a:r>
+          </a:p>
+          <a:p>
+            <a:pPr lvl="2"/>
+            <a:r>
+              <a:t>Often requires non-invasive or invasive ventilatory support</a:t>
             </a:r>
           </a:p>
         </p:txBody>
@@ -9281,73 +10303,7 @@
           <a:lstStyle/>
           <a:p>
             <a:r>
-              <a:t>Structural knowledge guides operative repair</a:t>
-            </a:r>
-          </a:p>
-        </p:txBody>
-      </p:sp>
-      <p:sp>
-        <p:nvSpPr>
-          <p:cNvPr id="5" name="Content Placeholder 4"/>
-          <p:cNvSpPr>
-            <a:spLocks noGrp="1"/>
-          </p:cNvSpPr>
-          <p:nvPr>
-            <p:ph idx="14"/>
-          </p:nvPr>
-        </p:nvSpPr>
-        <p:spPr/>
-        <p:txBody>
-          <a:bodyPr/>
-          <a:lstStyle/>
-          <a:p>
-            <a:pPr/>
-            <a:r>
-              <a:rPr b="1"/>
-              <a:t>Vulnerability Points</a:t>
-            </a:r>
-          </a:p>
-          <a:p>
-            <a:pPr lvl="2"/>
-            <a:r>
-              <a:t>Posterolateral regions (pleuroperitoneal canals) — most common tear sites</a:t>
-            </a:r>
-          </a:p>
-          <a:p>
-            <a:pPr lvl="2"/>
-            <a:r>
-              <a:t>Left side: no protective organ, easier herniation of bowel/stomach/spleen</a:t>
-            </a:r>
-          </a:p>
-          <a:p>
-            <a:pPr lvl="2"/>
-            <a:r>
-              <a:t>Right side: liver cushions but delays diagnosis; larger defect needed to herniate</a:t>
-            </a:r>
-          </a:p>
-          <a:p>
-            <a:pPr/>
-            <a:r>
-              <a:rPr b="1"/>
-              <a:t>Physiological Consequences</a:t>
-            </a:r>
-          </a:p>
-          <a:p>
-            <a:pPr lvl="2"/>
-            <a:r>
-              <a:t>Loss of pressure gradient → paradoxical ventilation, mediastinal shift</a:t>
-            </a:r>
-          </a:p>
-          <a:p>
-            <a:pPr lvl="2"/>
-            <a:r>
-              <a:t>Visceral herniation → incarceration and strangulation risk</a:t>
-            </a:r>
-          </a:p>
-          <a:p>
-            <a:pPr lvl="2"/>
-            <a:r>
-              <a:t>Impaired respiratory mechanics → hypoxia, hypercarbia</a:t>
+              <a:t>Understanding compensation and decompensation</a:t>
             </a:r>
           </a:p>
         </p:txBody>
@@ -9377,7 +10333,7 @@
             <a:spLocks noGrp="1"/>
           </p:cNvSpPr>
           <p:nvPr>
-            <p:ph type="title"/>
+            <p:ph type="ctrTitle"/>
           </p:nvPr>
         </p:nvSpPr>
         <p:spPr/>
@@ -9386,19 +10342,19 @@
           <a:lstStyle/>
           <a:p>
             <a:r>
-              <a:t>Mechanisms of Traumatic Diaphragmatic Injury</a:t>
-            </a:r>
-          </a:p>
-        </p:txBody>
-      </p:sp>
-      <p:sp>
-        <p:nvSpPr>
-          <p:cNvPr id="3" name="Content Placeholder 2"/>
-          <p:cNvSpPr>
-            <a:spLocks noGrp="1"/>
-          </p:cNvSpPr>
-          <p:nvPr>
-            <p:ph idx="1"/>
+              <a:t>Non-Traumatic Etiologies</a:t>
+            </a:r>
+          </a:p>
+        </p:txBody>
+      </p:sp>
+      <p:sp>
+        <p:nvSpPr>
+          <p:cNvPr id="3" name="Subtitle 2"/>
+          <p:cNvSpPr>
+            <a:spLocks noGrp="1"/>
+          </p:cNvSpPr>
+          <p:nvPr>
+            <p:ph type="subTitle" idx="1"/>
           </p:nvPr>
         </p:nvSpPr>
         <p:spPr/>
@@ -9406,93 +10362,8 @@
           <a:bodyPr/>
           <a:lstStyle/>
           <a:p>
-            <a:pPr/>
-            <a:r>
-              <a:rPr b="1"/>
-              <a:t>Blunt Trauma</a:t>
-            </a:r>
-          </a:p>
-          <a:p>
-            <a:pPr lvl="2"/>
-            <a:r>
-              <a:t>Sudden rise in intra-abdominal pressure transmitted across the diaphragm</a:t>
-            </a:r>
-          </a:p>
-          <a:p>
-            <a:pPr lvl="2"/>
-            <a:r>
-              <a:t>Typical injuries: radial tears from central tendon, large ragged defects (3–10 cm)</a:t>
-            </a:r>
-          </a:p>
-          <a:p>
-            <a:pPr lvl="2"/>
-            <a:r>
-              <a:t>MVA: most common; deceleration forces act on posterolateral diaphragm</a:t>
-            </a:r>
-          </a:p>
-          <a:p>
-            <a:pPr lvl="2"/>
-            <a:r>
-              <a:t>Falls from height, crush injuries, blast injuries</a:t>
-            </a:r>
-          </a:p>
-          <a:p>
-            <a:pPr/>
-            <a:r>
-              <a:rPr b="1"/>
-              <a:t>Penetrating Trauma</a:t>
-            </a:r>
-          </a:p>
-          <a:p>
-            <a:pPr lvl="2"/>
-            <a:r>
-              <a:t>Direct laceration: typically small puncture wounds (1–3 cm)</a:t>
-            </a:r>
-          </a:p>
-          <a:p>
-            <a:pPr lvl="2"/>
-            <a:r>
-              <a:t>Stab wounds to lower chest (below nipple line anteriorly, tip of scapula posteriorly)</a:t>
-            </a:r>
-          </a:p>
-          <a:p>
-            <a:pPr lvl="2"/>
-            <a:r>
-              <a:t>Gunshot wounds: can cause large, irregular defects with blast effect</a:t>
-            </a:r>
-          </a:p>
-          <a:p>
-            <a:pPr/>
-            <a:r>
-              <a:rPr b="1"/>
-              <a:t>AAST Grading (Organ Injury Scale)</a:t>
-            </a:r>
-          </a:p>
-          <a:p>
-            <a:pPr lvl="2"/>
-            <a:r>
-              <a:t>Grade I: contusion; Grade II: laceration &lt;2 cm; Grade III: 2–10 cm; Grade IV: &gt;10 cm; Grade V: bilateral/complete avulsion</a:t>
-            </a:r>
-          </a:p>
-        </p:txBody>
-      </p:sp>
-      <p:sp>
-        <p:nvSpPr>
-          <p:cNvPr id="4" name="Text Placeholder 3"/>
-          <p:cNvSpPr>
-            <a:spLocks noGrp="1"/>
-          </p:cNvSpPr>
-          <p:nvPr>
-            <p:ph type="body" idx="13" sz="quarter"/>
-          </p:nvPr>
-        </p:nvSpPr>
-        <p:spPr/>
-        <p:txBody>
-          <a:bodyPr/>
-          <a:lstStyle/>
-          <a:p>
-            <a:r>
-              <a:t>Understanding mechanism informs injury pattern and repair complexity</a:t>
+            <a:r>
+              <a:t>A broad spectrum from iatrogenic nerve injury to systemic neuromuscular disease</a:t>
             </a:r>
           </a:p>
         </p:txBody>
@@ -9522,7 +10393,7 @@
             <a:spLocks noGrp="1"/>
           </p:cNvSpPr>
           <p:nvPr>
-            <p:ph type="ctrTitle"/>
+            <p:ph type="title"/>
           </p:nvPr>
         </p:nvSpPr>
         <p:spPr/>
@@ -9531,19 +10402,19 @@
           <a:lstStyle/>
           <a:p>
             <a:r>
-              <a:t>Diagnosis</a:t>
-            </a:r>
-          </a:p>
-        </p:txBody>
-      </p:sp>
-      <p:sp>
-        <p:nvSpPr>
-          <p:cNvPr id="3" name="Subtitle 2"/>
-          <p:cNvSpPr>
-            <a:spLocks noGrp="1"/>
-          </p:cNvSpPr>
-          <p:nvPr>
-            <p:ph type="subTitle" idx="1"/>
+              <a:t>Causes of Non-Traumatic Diaphragm Dysfunction</a:t>
+            </a:r>
+          </a:p>
+        </p:txBody>
+      </p:sp>
+      <p:sp>
+        <p:nvSpPr>
+          <p:cNvPr id="3" name="Content Placeholder 2"/>
+          <p:cNvSpPr>
+            <a:spLocks noGrp="1"/>
+          </p:cNvSpPr>
+          <p:nvPr>
+            <p:ph idx="1"/>
           </p:nvPr>
         </p:nvSpPr>
         <p:spPr/>
@@ -9551,8 +10422,215 @@
           <a:bodyPr/>
           <a:lstStyle/>
           <a:p>
-            <a:r>
-              <a:t>Clinical presentation, imaging, and diagnostic pitfalls</a:t>
+            <a:pPr/>
+            <a:r>
+              <a:rPr b="1"/>
+              <a:t>Neurological</a:t>
+            </a:r>
+          </a:p>
+          <a:p>
+            <a:pPr lvl="2"/>
+            <a:r>
+              <a:t>Phrenic nerve palsy (iatrogenic)</a:t>
+            </a:r>
+          </a:p>
+          <a:p>
+            <a:pPr lvl="2"/>
+            <a:r>
+              <a:t>Parsonage-Turner syndrome</a:t>
+            </a:r>
+          </a:p>
+          <a:p>
+            <a:pPr lvl="2"/>
+            <a:r>
+              <a:t>Cervical spinal cord injury</a:t>
+            </a:r>
+          </a:p>
+          <a:p>
+            <a:pPr lvl="2"/>
+            <a:r>
+              <a:t>Cervical myelopathy/stenosis</a:t>
+            </a:r>
+          </a:p>
+          <a:p>
+            <a:pPr lvl="2"/>
+            <a:r>
+              <a:t>Viral phrenic neuritis</a:t>
+            </a:r>
+          </a:p>
+          <a:p>
+            <a:pPr lvl="2"/>
+            <a:r>
+              <a:t>Post-COVID phrenic neuropathy</a:t>
+            </a:r>
+          </a:p>
+          <a:p>
+            <a:pPr lvl="2"/>
+            <a:r>
+              <a:t>Cervical disc herniation (C3–C5)</a:t>
+            </a:r>
+          </a:p>
+          <a:p>
+            <a:pPr lvl="2"/>
+            <a:r>
+              <a:t>Radiation-induced phrenic neuropathy</a:t>
+            </a:r>
+          </a:p>
+        </p:txBody>
+      </p:sp>
+      <p:sp>
+        <p:nvSpPr>
+          <p:cNvPr id="4" name="Text Placeholder 3"/>
+          <p:cNvSpPr>
+            <a:spLocks noGrp="1"/>
+          </p:cNvSpPr>
+          <p:nvPr>
+            <p:ph type="body" idx="13" sz="quarter"/>
+          </p:nvPr>
+        </p:nvSpPr>
+        <p:spPr/>
+        <p:txBody>
+          <a:bodyPr/>
+          <a:lstStyle/>
+          <a:p>
+            <a:r>
+              <a:t>Organized by mechanism: neurological, neuromuscular, and structural</a:t>
+            </a:r>
+          </a:p>
+        </p:txBody>
+      </p:sp>
+      <p:sp>
+        <p:nvSpPr>
+          <p:cNvPr id="5" name="Content Placeholder 4"/>
+          <p:cNvSpPr>
+            <a:spLocks noGrp="1"/>
+          </p:cNvSpPr>
+          <p:nvPr>
+            <p:ph idx="14"/>
+          </p:nvPr>
+        </p:nvSpPr>
+        <p:spPr/>
+        <p:txBody>
+          <a:bodyPr/>
+          <a:lstStyle/>
+          <a:p>
+            <a:pPr/>
+            <a:r>
+              <a:rPr b="1"/>
+              <a:t>Neuromuscular Disorders</a:t>
+            </a:r>
+          </a:p>
+          <a:p>
+            <a:pPr lvl="2"/>
+            <a:r>
+              <a:t>ALS (amyotrophic lateral sclerosis)</a:t>
+            </a:r>
+          </a:p>
+          <a:p>
+            <a:pPr lvl="2"/>
+            <a:r>
+              <a:t>Myasthenia gravis</a:t>
+            </a:r>
+          </a:p>
+          <a:p>
+            <a:pPr lvl="2"/>
+            <a:r>
+              <a:t>Duchenne / Becker muscular dystrophy</a:t>
+            </a:r>
+          </a:p>
+          <a:p>
+            <a:pPr lvl="2"/>
+            <a:r>
+              <a:t>Limb-girdle muscular dystrophy</a:t>
+            </a:r>
+          </a:p>
+          <a:p>
+            <a:pPr lvl="2"/>
+            <a:r>
+              <a:t>Pompe disease (acid maltase deficiency)</a:t>
+            </a:r>
+          </a:p>
+          <a:p>
+            <a:pPr lvl="2"/>
+            <a:r>
+              <a:t>Critical illness polyneuropathy/myopathy</a:t>
+            </a:r>
+          </a:p>
+          <a:p>
+            <a:pPr lvl="2"/>
+            <a:r>
+              <a:t>Guillain-Barré syndrome</a:t>
+            </a:r>
+          </a:p>
+          <a:p>
+            <a:pPr lvl="2"/>
+            <a:r>
+              <a:t>Mitochondrial myopathies</a:t>
+            </a:r>
+          </a:p>
+        </p:txBody>
+      </p:sp>
+      <p:sp>
+        <p:nvSpPr>
+          <p:cNvPr id="6" name="Content Placeholder 5"/>
+          <p:cNvSpPr>
+            <a:spLocks noGrp="1"/>
+          </p:cNvSpPr>
+          <p:nvPr>
+            <p:ph idx="15"/>
+          </p:nvPr>
+        </p:nvSpPr>
+        <p:spPr/>
+        <p:txBody>
+          <a:bodyPr/>
+          <a:lstStyle/>
+          <a:p>
+            <a:pPr/>
+            <a:r>
+              <a:rPr b="1"/>
+              <a:t>Compressive / Structural</a:t>
+            </a:r>
+          </a:p>
+          <a:p>
+            <a:pPr lvl="2"/>
+            <a:r>
+              <a:t>Mediastinal tumors or lymphadenopathy</a:t>
+            </a:r>
+          </a:p>
+          <a:p>
+            <a:pPr lvl="2"/>
+            <a:r>
+              <a:t>Thoracic aortic aneurysm</a:t>
+            </a:r>
+          </a:p>
+          <a:p>
+            <a:pPr lvl="2"/>
+            <a:r>
+              <a:t>Substernal thyroid goiter</a:t>
+            </a:r>
+          </a:p>
+          <a:p>
+            <a:pPr lvl="2"/>
+            <a:r>
+              <a:t>Pericardial effusion / mass</a:t>
+            </a:r>
+          </a:p>
+          <a:p>
+            <a:pPr lvl="2"/>
+            <a:r>
+              <a:t>Lung cancer (Pancoast, central)</a:t>
+            </a:r>
+          </a:p>
+          <a:p>
+            <a:pPr lvl="2"/>
+            <a:r>
+              <a:t>Cervical rib / thoracic outlet syndrome</a:t>
+            </a:r>
+          </a:p>
+          <a:p>
+            <a:pPr lvl="2"/>
+            <a:r>
+              <a:t>Idiopathic (10–20% of unilateral cases)</a:t>
             </a:r>
           </a:p>
         </p:txBody>
@@ -9591,7 +10669,7 @@
           <a:lstStyle/>
           <a:p>
             <a:r>
-              <a:t>Clinical Presentation: Acute vs. Delayed</a:t>
+              <a:t>Iatrogenic Phrenic Nerve Injury</a:t>
             </a:r>
           </a:p>
         </p:txBody>
@@ -9614,37 +10692,62 @@
             <a:pPr/>
             <a:r>
               <a:rPr b="1"/>
-              <a:t>Acute Phase (within 24–72 h)</a:t>
-            </a:r>
-          </a:p>
-          <a:p>
-            <a:pPr lvl="2"/>
-            <a:r>
-              <a:t>Often masked by concomitant injuries and hemodynamic instability</a:t>
-            </a:r>
-          </a:p>
-          <a:p>
-            <a:pPr lvl="2"/>
-            <a:r>
-              <a:t>Dyspnea, ipsilateral decreased breath sounds</a:t>
-            </a:r>
-          </a:p>
-          <a:p>
-            <a:pPr lvl="2"/>
-            <a:r>
-              <a:t>Bowel sounds auscultated in chest</a:t>
-            </a:r>
-          </a:p>
-          <a:p>
-            <a:pPr lvl="2"/>
-            <a:r>
-              <a:t>Chest pain radiating to ipsilateral shoulder (phrenic irritation)</a:t>
-            </a:r>
-          </a:p>
-          <a:p>
-            <a:pPr lvl="2"/>
-            <a:r>
-              <a:t>Signs of tension viscerothorax: tracheal deviation, hemodynamic collapse</a:t>
+              <a:t>Cardiac Surgery</a:t>
+            </a:r>
+          </a:p>
+          <a:p>
+            <a:pPr lvl="2"/>
+            <a:r>
+              <a:t>Incidence: 0.3–9.7% after CABG or valve surgery</a:t>
+            </a:r>
+          </a:p>
+          <a:p>
+            <a:pPr lvl="2"/>
+            <a:r>
+              <a:t>Cold cardioplegia/ice slush causes thermal injury to phrenic nerve along pericardium</a:t>
+            </a:r>
+          </a:p>
+          <a:p>
+            <a:pPr lvl="2"/>
+            <a:r>
+              <a:t>Internal mammary artery harvest: direct traction or devascularization injury</a:t>
+            </a:r>
+          </a:p>
+          <a:p>
+            <a:pPr lvl="2"/>
+            <a:r>
+              <a:t>Left side more commonly affected due to left IMA harvest</a:t>
+            </a:r>
+          </a:p>
+          <a:p>
+            <a:pPr lvl="2"/>
+            <a:r>
+              <a:t>Recovery in 6–12 months in most; persistent paralysis ~1–2%</a:t>
+            </a:r>
+          </a:p>
+          <a:p>
+            <a:pPr/>
+            <a:r>
+              <a:rPr b="1"/>
+              <a:t>Central Line / Procedures</a:t>
+            </a:r>
+          </a:p>
+          <a:p>
+            <a:pPr lvl="2"/>
+            <a:r>
+              <a:t>Subclavian/internal jugular catheterization: nerve runs in close proximity</a:t>
+            </a:r>
+          </a:p>
+          <a:p>
+            <a:pPr lvl="2"/>
+            <a:r>
+              <a:t>Anterior scalene block, stellate ganglion block, brachial plexus block</a:t>
+            </a:r>
+          </a:p>
+          <a:p>
+            <a:pPr lvl="2"/>
+            <a:r>
+              <a:t>Cryoablation for AF: phrenic injury in 0.4–11% of procedures</a:t>
             </a:r>
           </a:p>
         </p:txBody>
@@ -9665,7 +10768,7 @@
           <a:lstStyle/>
           <a:p>
             <a:r>
-              <a:t>Missed in up to 66% of cases on initial evaluation</a:t>
+              <a:t>The most common identifiable cause of acquired phrenic palsy</a:t>
             </a:r>
           </a:p>
         </p:txBody>
@@ -9688,50 +10791,68 @@
             <a:pPr/>
             <a:r>
               <a:rPr b="1"/>
-              <a:t>Delayed / Chronic Phase (weeks to years)</a:t>
-            </a:r>
-          </a:p>
-          <a:p>
-            <a:pPr lvl="2"/>
-            <a:r>
-              <a:t>Progressive visceral herniation after initial small defect enlarges</a:t>
-            </a:r>
-          </a:p>
-          <a:p>
-            <a:pPr lvl="2"/>
-            <a:r>
-              <a:t>Intermittent colicky abdominal pain, nausea, vomiting</a:t>
-            </a:r>
-          </a:p>
-          <a:p>
-            <a:pPr lvl="2"/>
-            <a:r>
-              <a:t>Symptoms of bowel obstruction or incarceration</a:t>
-            </a:r>
-          </a:p>
-          <a:p>
-            <a:pPr lvl="2"/>
-            <a:r>
-              <a:t>Respiratory compromise from mass effect</a:t>
-            </a:r>
-          </a:p>
-          <a:p>
-            <a:pPr lvl="2"/>
-            <a:r>
-              <a:t>Strangulation → peritonitis, septic shock</a:t>
+              <a:t>Other Surgical Causes</a:t>
+            </a:r>
+          </a:p>
+          <a:p>
+            <a:pPr lvl="2"/>
+            <a:r>
+              <a:t>Cervical spine surgery (C3–C5 level): direct nerve trauma or retraction</a:t>
+            </a:r>
+          </a:p>
+          <a:p>
+            <a:pPr lvl="2"/>
+            <a:r>
+              <a:t>Thoracic surgery: lobectomy, pneumonectomy, mediastinal dissection</a:t>
+            </a:r>
+          </a:p>
+          <a:p>
+            <a:pPr lvl="2"/>
+            <a:r>
+              <a:t>Esophagectomy: extensive mediastinal dissection</a:t>
+            </a:r>
+          </a:p>
+          <a:p>
+            <a:pPr lvl="2"/>
+            <a:r>
+              <a:t>Thyroidectomy / neck dissection involving deep structures</a:t>
+            </a:r>
+          </a:p>
+          <a:p>
+            <a:pPr lvl="2"/>
+            <a:r>
+              <a:t>Pediatric congenital heart surgery (distinct from adult)</a:t>
             </a:r>
           </a:p>
           <a:p>
             <a:pPr/>
             <a:r>
               <a:rPr b="1"/>
-              <a:t>Key Risk Factor</a:t>
-            </a:r>
-          </a:p>
-          <a:p>
-            <a:pPr lvl="2"/>
-            <a:r>
-              <a:t>Positive pressure ventilation in ICU may temporarily prevent herniation, leading to missed acute diagnosis</a:t>
+              <a:t>Radiation Therapy</a:t>
+            </a:r>
+          </a:p>
+          <a:p>
+            <a:pPr lvl="2"/>
+            <a:r>
+              <a:t>Delayed onset: months to years after treatment</a:t>
+            </a:r>
+          </a:p>
+          <a:p>
+            <a:pPr lvl="2"/>
+            <a:r>
+              <a:t>Fields involving mediastinum, neck, or thoracic inlet</a:t>
+            </a:r>
+          </a:p>
+          <a:p>
+            <a:pPr lvl="2"/>
+            <a:r>
+              <a:t>Radiation fibrosis causes progressive, often irreversible phrenic neuropathy</a:t>
+            </a:r>
+          </a:p>
+          <a:p>
+            <a:pPr lvl="2"/>
+            <a:r>
+              <a:t>Lymphoma, lung cancer, breast cancer RT most commonly implicated</a:t>
             </a:r>
           </a:p>
         </p:txBody>
@@ -9770,7 +10891,7 @@
           <a:lstStyle/>
           <a:p>
             <a:r>
-              <a:t>Diagnostic Workup and Imaging Strategy</a:t>
+              <a:t>Parsonage-Turner Syndrome (Neuralgic Amyotrophy)</a:t>
             </a:r>
           </a:p>
         </p:txBody>
@@ -9793,88 +10914,75 @@
             <a:pPr/>
             <a:r>
               <a:rPr b="1"/>
-              <a:t>Chest X-Ray</a:t>
-            </a:r>
-          </a:p>
-          <a:p>
-            <a:pPr lvl="2"/>
-            <a:r>
-              <a:t>Sensitivity 27–60%; widely used as initial screen</a:t>
-            </a:r>
-          </a:p>
-          <a:p>
-            <a:pPr lvl="2"/>
-            <a:r>
-              <a:t>Findings: elevated hemidiaphragm, intrathoracic bowel/stomach gas, nasogastric tube coiling in chest</a:t>
+              <a:t>Definition &amp; Epidemiology</a:t>
+            </a:r>
+          </a:p>
+          <a:p>
+            <a:pPr lvl="2"/>
+            <a:r>
+              <a:t>Idiopathic inflammatory brachial plexus neuropathy; incidence ~1–3/100,000/year</a:t>
+            </a:r>
+          </a:p>
+          <a:p>
+            <a:pPr lvl="2"/>
+            <a:r>
+              <a:t>Phrenic nerve involvement in ~7% of PTS cases; bilateral in ~7% of those</a:t>
+            </a:r>
+          </a:p>
+          <a:p>
+            <a:pPr lvl="2"/>
+            <a:r>
+              <a:t>Hereditary form (HNPP): SEPT9 gene mutation — more frequent phrenic involvement</a:t>
             </a:r>
           </a:p>
           <a:p>
             <a:pPr/>
             <a:r>
               <a:rPr b="1"/>
-              <a:t>CT Chest/Abdomen/Pelvis (Sensitivity 70–90%)</a:t>
-            </a:r>
-          </a:p>
-          <a:p>
-            <a:pPr lvl="2"/>
-            <a:r>
-              <a:t>Gold standard in stable patients; multiplanar reconstruction improves accuracy to &gt;95%</a:t>
-            </a:r>
-          </a:p>
-          <a:p>
-            <a:pPr lvl="2"/>
-            <a:r>
-              <a:t>Collar sign: constriction of herniated organ at diaphragm defect</a:t>
-            </a:r>
-          </a:p>
-          <a:p>
-            <a:pPr lvl="2"/>
-            <a:r>
-              <a:t>Dependent viscera sign: abdominal organ directly contacting posterior ribs</a:t>
-            </a:r>
-          </a:p>
-          <a:p>
-            <a:pPr lvl="2"/>
-            <a:r>
-              <a:t>Diaphragm discontinuity / "dangling diaphragm" sign</a:t>
+              <a:t>Pathophysiology</a:t>
+            </a:r>
+          </a:p>
+          <a:p>
+            <a:pPr lvl="2"/>
+            <a:r>
+              <a:t>Immune-mediated focal demyelination and axonal degeneration of peripheral nerves</a:t>
+            </a:r>
+          </a:p>
+          <a:p>
+            <a:pPr lvl="2"/>
+            <a:r>
+              <a:t>Triggers: viral illness (EBV, CMV, COVID-19), surgery, vaccination, intense exercise</a:t>
             </a:r>
           </a:p>
           <a:p>
             <a:pPr/>
             <a:r>
               <a:rPr b="1"/>
-              <a:t>MRI</a:t>
-            </a:r>
-          </a:p>
-          <a:p>
-            <a:pPr lvl="2"/>
-            <a:r>
-              <a:t>Excellent for subacute/chronic injury; delineates defect anatomy for operative planning</a:t>
-            </a:r>
-          </a:p>
-          <a:p>
-            <a:pPr lvl="2"/>
-            <a:r>
-              <a:t>Sensitivity 90–100% for complete tears; limited availability in acute trauma</a:t>
-            </a:r>
-          </a:p>
-          <a:p>
-            <a:pPr/>
-            <a:r>
-              <a:rPr b="1"/>
-              <a:t>Diagnostic Laparoscopy / Thoracoscopy</a:t>
-            </a:r>
-          </a:p>
-          <a:p>
-            <a:pPr lvl="2"/>
-            <a:r>
-              <a:t>Sensitivity ~100%; indicated when imaging is equivocal in hemodynamically stable patients</a:t>
-            </a:r>
-          </a:p>
-          <a:p>
-            <a:pPr lvl="2"/>
-            <a:r>
-              <a:t>Preferred for penetrating left thoracoabdominal injuries (occult injury rate 7–24%)</a:t>
+              <a:t>Clinical Presentation</a:t>
+            </a:r>
+          </a:p>
+          <a:p>
+            <a:pPr lvl="2"/>
+            <a:r>
+              <a:t>Classic: acute severe shoulder/arm pain followed by progressive weakness and atrophy</a:t>
+            </a:r>
+          </a:p>
+          <a:p>
+            <a:pPr lvl="2"/>
+            <a:r>
+              <a:t>Phrenic-predominant variant: dyspnea without significant arm pain (commonly missed)</a:t>
+            </a:r>
+          </a:p>
+          <a:p>
+            <a:pPr lvl="2"/>
+            <a:r>
+              <a:t>Unilateral diaphragm paralysis → severe exertional dyspnea, orthopnea</a:t>
+            </a:r>
+          </a:p>
+          <a:p>
+            <a:pPr lvl="2"/>
+            <a:r>
+              <a:t>May mimic cardiac disease, pulmonary embolism, or unexplained dyspnea</a:t>
             </a:r>
           </a:p>
         </p:txBody>
@@ -9895,7 +11003,91 @@
           <a:lstStyle/>
           <a:p>
             <a:r>
-              <a:t>CT chest/abdomen/pelvis is the investigation of choice</a:t>
+              <a:t>An underrecognized cause of phrenic neuropathy and diaphragm paralysis</a:t>
+            </a:r>
+          </a:p>
+        </p:txBody>
+      </p:sp>
+      <p:sp>
+        <p:nvSpPr>
+          <p:cNvPr id="5" name="Content Placeholder 4"/>
+          <p:cNvSpPr>
+            <a:spLocks noGrp="1"/>
+          </p:cNvSpPr>
+          <p:nvPr>
+            <p:ph idx="14"/>
+          </p:nvPr>
+        </p:nvSpPr>
+        <p:spPr/>
+        <p:txBody>
+          <a:bodyPr/>
+          <a:lstStyle/>
+          <a:p>
+            <a:pPr/>
+            <a:r>
+              <a:rPr b="1"/>
+              <a:t>Diagnosis</a:t>
+            </a:r>
+          </a:p>
+          <a:p>
+            <a:pPr lvl="2"/>
+            <a:r>
+              <a:t>CXR: elevated hemidiaphragm (may be only finding)</a:t>
+            </a:r>
+          </a:p>
+          <a:p>
+            <a:pPr lvl="2"/>
+            <a:r>
+              <a:t>Fluoroscopic sniff test: paradoxical diaphragm movement</a:t>
+            </a:r>
+          </a:p>
+          <a:p>
+            <a:pPr lvl="2"/>
+            <a:r>
+              <a:t>MRI brachial plexus: "hourglass" nerve constriction, T2 signal change in affected muscles</a:t>
+            </a:r>
+          </a:p>
+          <a:p>
+            <a:pPr lvl="2"/>
+            <a:r>
+              <a:t>Nerve conduction study: absent or reduced CMAP of phrenic nerve</a:t>
+            </a:r>
+          </a:p>
+          <a:p>
+            <a:pPr lvl="2"/>
+            <a:r>
+              <a:t>EMG: denervation changes in diaphragm (fibrillations, positive sharp waves)</a:t>
+            </a:r>
+          </a:p>
+          <a:p>
+            <a:pPr/>
+            <a:r>
+              <a:rPr b="1"/>
+              <a:t>Prognosis &amp; Treatment</a:t>
+            </a:r>
+          </a:p>
+          <a:p>
+            <a:pPr lvl="2"/>
+            <a:r>
+              <a:t>Natural recovery in 70–80% over 2–3 years (axonal regrowth ~1 mm/day)</a:t>
+            </a:r>
+          </a:p>
+          <a:p>
+            <a:pPr lvl="2"/>
+            <a:r>
+              <a:t>High-dose corticosteroids: may shorten acute pain phase, uncertain effect on recovery</a:t>
+            </a:r>
+          </a:p>
+          <a:p>
+            <a:pPr lvl="2"/>
+            <a:r>
+              <a:t>IVIG and immunotherapy: emerging evidence for severe or non-recovering cases</a:t>
+            </a:r>
+          </a:p>
+          <a:p>
+            <a:pPr lvl="2"/>
+            <a:r>
+              <a:t>Diaphragm plication: consider if no recovery after 18–24 months of observation</a:t>
             </a:r>
           </a:p>
         </p:txBody>

--- a/Diaphragmatic_Injury_Presentation.pptx
+++ b/Diaphragmatic_Injury_Presentation.pptx
@@ -29,6 +29,17 @@
     <p:sldId id="274" r:id="rId5"/>
     <p:sldId id="275" r:id="rId29"/>
     <p:sldId id="276" r:id="rId30"/>
+    <p:sldId id="277" r:id="rId31"/>
+    <p:sldId id="278" r:id="rId32"/>
+    <p:sldId id="279" r:id="rId33"/>
+    <p:sldId id="280" r:id="rId34"/>
+    <p:sldId id="281" r:id="rId35"/>
+    <p:sldId id="282" r:id="rId36"/>
+    <p:sldId id="283" r:id="rId37"/>
+    <p:sldId id="284" r:id="rId38"/>
+    <p:sldId id="285" r:id="rId39"/>
+    <p:sldId id="286" r:id="rId40"/>
+    <p:sldId id="287" r:id="rId41"/>
   </p:sldIdLst>
   <p:sldSz cx="12192000" cy="6858000"/>
   <p:notesSz cx="6858000" cy="9144000"/>
@@ -144,6 +155,185 @@
     </p:ext>
   </p:extLst>
 </p:presentation>
+</file>
+
+<file path=ppt/charts/chart1.xml><?xml version="1.0" encoding="utf-8"?>
+<c:chartSpace xmlns:c="http://schemas.openxmlformats.org/drawingml/2006/chart" xmlns:a="http://schemas.openxmlformats.org/drawingml/2006/main" xmlns:r="http://schemas.openxmlformats.org/officeDocument/2006/relationships">
+  <c:date1904 val="0"/>
+  <c:chart>
+    <c:title>
+      <c:tx>
+        <c:rich>
+          <a:bodyPr/>
+          <a:lstStyle/>
+          <a:p>
+            <a:r>
+              <a:t>% Patients with Meaningful Recovery</a:t>
+            </a:r>
+          </a:p>
+        </c:rich>
+      </c:tx>
+      <c:layout/>
+      <c:overlay val="0"/>
+    </c:title>
+    <c:autoTitleDeleted val="0"/>
+    <c:plotArea>
+      <c:barChart>
+        <c:barDir val="col"/>
+        <c:grouping val="clustered"/>
+        <c:ser>
+          <c:idx val="0"/>
+          <c:order val="0"/>
+          <c:tx>
+            <c:strRef>
+              <c:f>Sheet1!$B$1</c:f>
+              <c:strCache>
+                <c:ptCount val="1"/>
+                <c:pt idx="0">
+                  <c:v>PTS (van Alfen 2006)</c:v>
+                </c:pt>
+              </c:strCache>
+            </c:strRef>
+          </c:tx>
+          <c:cat>
+            <c:strRef>
+              <c:f>Sheet1!$A$2:$A$4</c:f>
+              <c:strCache>
+                <c:ptCount val="3"/>
+                <c:pt idx="0">
+                  <c:v>1 Year</c:v>
+                </c:pt>
+                <c:pt idx="1">
+                  <c:v>2 Years</c:v>
+                </c:pt>
+                <c:pt idx="2">
+                  <c:v>3 Years</c:v>
+                </c:pt>
+              </c:strCache>
+            </c:strRef>
+          </c:cat>
+          <c:val>
+            <c:numRef>
+              <c:f>Sheet1!$B$2:$B$4</c:f>
+              <c:numCache>
+                <c:formatCode>General</c:formatCode>
+                <c:ptCount val="3"/>
+                <c:pt idx="0">
+                  <c:v>36</c:v>
+                </c:pt>
+                <c:pt idx="1">
+                  <c:v>75</c:v>
+                </c:pt>
+                <c:pt idx="2">
+                  <c:v>89</c:v>
+                </c:pt>
+              </c:numCache>
+            </c:numRef>
+          </c:val>
+        </c:ser>
+        <c:ser>
+          <c:idx val="1"/>
+          <c:order val="1"/>
+          <c:tx>
+            <c:strRef>
+              <c:f>Sheet1!$C$1</c:f>
+              <c:strCache>
+                <c:ptCount val="1"/>
+                <c:pt idx="0">
+                  <c:v>Post-Cardiac Sx (Dimopoulou)</c:v>
+                </c:pt>
+              </c:strCache>
+            </c:strRef>
+          </c:tx>
+          <c:cat>
+            <c:strRef>
+              <c:f>Sheet1!$A$2:$A$4</c:f>
+              <c:strCache>
+                <c:ptCount val="3"/>
+                <c:pt idx="0">
+                  <c:v>1 Year</c:v>
+                </c:pt>
+                <c:pt idx="1">
+                  <c:v>2 Years</c:v>
+                </c:pt>
+                <c:pt idx="2">
+                  <c:v>3 Years</c:v>
+                </c:pt>
+              </c:strCache>
+            </c:strRef>
+          </c:cat>
+          <c:val>
+            <c:numRef>
+              <c:f>Sheet1!$C$2:$C$4</c:f>
+              <c:numCache>
+                <c:formatCode>General</c:formatCode>
+                <c:ptCount val="3"/>
+                <c:pt idx="0">
+                  <c:v>60</c:v>
+                </c:pt>
+                <c:pt idx="1">
+                  <c:v>80</c:v>
+                </c:pt>
+                <c:pt idx="2">
+                  <c:v>85</c:v>
+                </c:pt>
+              </c:numCache>
+            </c:numRef>
+          </c:val>
+        </c:ser>
+        <c:axId val="-2068027336"/>
+        <c:axId val="-2113994440"/>
+      </c:barChart>
+      <c:catAx>
+        <c:axId val="-2068027336"/>
+        <c:scaling>
+          <c:orientation val="minMax"/>
+        </c:scaling>
+        <c:delete val="0"/>
+        <c:axPos val="b"/>
+        <c:majorTickMark val="out"/>
+        <c:minorTickMark val="none"/>
+        <c:tickLblPos val="nextTo"/>
+        <c:crossAx val="-2113994440"/>
+        <c:crosses val="autoZero"/>
+        <c:auto val="1"/>
+        <c:lblAlgn val="ctr"/>
+        <c:lblOffset val="100"/>
+        <c:noMultiLvlLbl val="0"/>
+      </c:catAx>
+      <c:valAx>
+        <c:axId val="-2113994440"/>
+        <c:scaling>
+          <c:max val="100.0"/>
+          <c:min val="0.0"/>
+        </c:scaling>
+        <c:delete val="0"/>
+        <c:axPos val="l"/>
+        <c:majorGridlines/>
+        <c:majorTickMark val="out"/>
+        <c:minorTickMark val="none"/>
+        <c:tickLblPos val="nextTo"/>
+        <c:crossAx val="-2068027336"/>
+        <c:crosses val="autoZero"/>
+      </c:valAx>
+    </c:plotArea>
+    <c:legend/>
+    <c:dispBlanksAs val="gap"/>
+  </c:chart>
+  <c:txPr>
+    <a:bodyPr/>
+    <a:lstStyle/>
+    <a:p>
+      <a:pPr>
+        <a:defRPr sz="1800"/>
+      </a:pPr>
+      <a:endParaRPr lang="en-US"/>
+    </a:p>
+  </c:txPr>
+  <c:externalData r:id="rId1">
+    <c:autoUpdate val="0"/>
+  </c:externalData>
+</c:chartSpace>
 </file>
 
 <file path=ppt/notesMasters/notesMaster1.xml><?xml version="1.0" encoding="utf-8"?>
@@ -540,7 +730,7 @@
           <a:lstStyle/>
           <a:p>
             <a:r>
-              <a:t>Welcome. Today's talk shifts our focus away from traumatic diaphragm injury to non-traumatic causes of diaphragm dysfunction in adults. This is a topic that spans multiple specialties — thoracic surgery, neurology, pulmonary medicine, and critical care — and is frequently under-recognized.</a:t>
+              <a:t>Welcome. Today's talk focuses on non-traumatic causes of diaphragm dysfunction in adults — a diagnosis that spans multiple specialties and is frequently delayed. References: Fogarty MJ et al. Physiology (Bethesda). 2018;33(2):113-126.</a:t>
             </a:r>
           </a:p>
         </p:txBody>
@@ -610,7 +800,32 @@
           <a:lstStyle/>
           <a:p>
             <a:r>
-              <a:t>Cervical SCI is the most clinically impactful cause of bilateral diaphragm dysfunction. The level of injury relative to C3–C4–C5 is everything. Patients with complete injury at or above C3 have no diaphragm function whatsoever. Degenerative cervical myelopathy is an increasingly recognized cause of slowly progressive dyspnea that gets misattributed to cardiopulmonary disease — always look at the C-spine MRI in unexplained exertional dyspnea in older patients with neck pain.</a:t>
+              <a:t>CITATIONS:</a:t>
+            </a:r>
+          </a:p>
+          <a:p>
+            <a:r>
+              <a:t>• Dimopoulou I et al. Phrenic nerve dysfunction after cardiac operations: electrophysiological evaluation of risk factors. Chest. 1998;113(1):8-14.</a:t>
+            </a:r>
+          </a:p>
+          <a:p>
+            <a:r>
+              <a:t>• Abd-Elsayed AA et al. Incidence of phrenic nerve injury after cardiac surgery. J Thorac Cardiovasc Surg. 2013.</a:t>
+            </a:r>
+          </a:p>
+          <a:p>
+            <a:r>
+              <a:t>• Sacher F et al. Phrenic nerve injury after catheter ablation of atrial fibrillation. Heart Rhythm. 2006;3(12):1389-1393.</a:t>
+            </a:r>
+          </a:p>
+          <a:p>
+            <a:r>
+              <a:t>• Neal JM et al. ASRA Practice Advisory on Neurologic Complications in Regional Anesthesia. Reg Anesth Pain Med. 2008. [Interscalene block 100% transient phrenic palsy]</a:t>
+            </a:r>
+          </a:p>
+          <a:p>
+            <a:r>
+              <a:t>• Johansson K et al. Phrenic nerve injury after radiation therapy. Radiother Oncol. 1992.</a:t>
             </a:r>
           </a:p>
         </p:txBody>
@@ -680,7 +895,37 @@
           <a:lstStyle/>
           <a:p>
             <a:r>
-              <a:t>In neuromuscular disease, the diaphragm is often the rate-limiting organ for survival. In ALS, initiating NIV before the FVC drops below 50% has level I evidence for survival benefit. Pompe disease deserves special mention — it's treatable, but only if diagnosed. Any adult with unexplained proximal weakness and respiratory failure should have GAA enzyme activity measured. Ventilator-induced diaphragm dysfunction (VIDD) is a critical care phenomenon: the diaphragm atrophies within 18–69 hours of controlled mechanical ventilation — a compelling argument for spontaneous breathing modes in the ICU.</a:t>
+              <a:t>CITATIONS:</a:t>
+            </a:r>
+          </a:p>
+          <a:p>
+            <a:r>
+              <a:t>• van Alfen N, van Engelen BG. The clinical spectrum of neuralgic amyotrophy in 246 cases. Brain. 2006;129(2):438-450. [7% phrenic involvement, recovery rates]</a:t>
+            </a:r>
+          </a:p>
+          <a:p>
+            <a:r>
+              <a:t>• van Alfen N. Clinical and pathophysiological concepts of neuralgic amyotrophy. Nat Rev Neurol. 2011;7(6):315-322.</a:t>
+            </a:r>
+          </a:p>
+          <a:p>
+            <a:r>
+              <a:t>• Tsairis P et al. Natural history of brachial plexus neuropathy. Arch Neurol. 1972;27(2):109-117.</a:t>
+            </a:r>
+          </a:p>
+          <a:p>
+            <a:r>
+              <a:t>• Feinberg JH et al. The role of MRI in the management of patients with neuralgic amyotrophy. Orthopedics. 2000.</a:t>
+            </a:r>
+          </a:p>
+          <a:p>
+            <a:r>
+              <a:t>• COVID-19 trigger: Shepherd S et al. Neuralgic amyotrophy following SARS-CoV-2 infection. J Peripher Nerv Syst. 2020.</a:t>
+            </a:r>
+          </a:p>
+          <a:p>
+            <a:r>
+              <a:t>• Hereditary form (SEPT9): Hannibal MC et al. Phenotypic variation in hereditary neuralgic amyotrophy. Neurology. 2009.</a:t>
             </a:r>
           </a:p>
         </p:txBody>
@@ -750,7 +995,32 @@
           <a:lstStyle/>
           <a:p>
             <a:r>
-              <a:t>Let's now discuss how to make the diagnosis.</a:t>
+              <a:t>CITATIONS:</a:t>
+            </a:r>
+          </a:p>
+          <a:p>
+            <a:r>
+              <a:t>• National SCI Statistical Center. Facts and Figures at a Glance. 2022. [22,000 new SCIs/year, 60% cervical]</a:t>
+            </a:r>
+          </a:p>
+          <a:p>
+            <a:r>
+              <a:t>• Berlowitz DJ et al. Respiratory problems and management in people with spinal cord injury. Breathe. 2016.</a:t>
+            </a:r>
+          </a:p>
+          <a:p>
+            <a:r>
+              <a:t>• Brown R et al. Respiratory dysfunction and management in spinal cord injury. Respir Care. 2006;51(8):853-870.</a:t>
+            </a:r>
+          </a:p>
+          <a:p>
+            <a:r>
+              <a:t>• ALS diaphragm: Lechtzin N et al. Supine respiratory function in patients with ALS. Chest. 2002;121(6):1882-1887.</a:t>
+            </a:r>
+          </a:p>
+          <a:p>
+            <a:r>
+              <a:t>• Miller RG et al. Practice guideline update: Amyotrophic Lateral Sclerosis. Neurology. 2009;73(15):1218-1226. [NIV recommendation at FVC &lt;50%]</a:t>
             </a:r>
           </a:p>
         </p:txBody>
@@ -820,7 +1090,37 @@
           <a:lstStyle/>
           <a:p>
             <a:r>
-              <a:t>The most sensitive symptom is orthopnea — patients with bilateral dysfunction literally cannot lie flat. Unilateral paralysis is often asymptomatic at rest and only becomes apparent with exertion or in the setting of underlying pulmonary disease. On exam, look for accessory muscle use at rest, which suggests significant bilateral involvement. A careful neurologic exam often points toward the etiology before imaging is obtained.</a:t>
+              <a:t>CITATIONS:</a:t>
+            </a:r>
+          </a:p>
+          <a:p>
+            <a:r>
+              <a:t>• Demoule A et al. Diaphragm dysfunction on admission to ICU: prevalence, risk factors, and prognostic impact. Intensive Care Med. 2013;39(7):1285-1294. [64-80% prevalence]</a:t>
+            </a:r>
+          </a:p>
+          <a:p>
+            <a:r>
+              <a:t>• Goligher EC et al. Mechanical Ventilation-induced Diaphragm Atrophy Strongly Impacts Clinical Outcomes. Am J Respir Crit Care Med. 2018;197(2):204-213. [6% force loss per day]</a:t>
+            </a:r>
+          </a:p>
+          <a:p>
+            <a:r>
+              <a:t>• Levine S et al. Rapid disuse atrophy of diaphragm fibers in mechanically ventilated humans. N Engl J Med. 2008;358(13):1327-1335. [18-69 hour atrophy]</a:t>
+            </a:r>
+          </a:p>
+          <a:p>
+            <a:r>
+              <a:t>• Hermans G, Van den Berghe G. Clinical review: intensive care unit acquired weakness. Crit Care. 2015;19(1):274. [60% ICU-acquired weakness in sepsis]</a:t>
+            </a:r>
+          </a:p>
+          <a:p>
+            <a:r>
+              <a:t>• Matamis D et al. Ultrasound evaluation of the diaphragm in critically ill patients. Intensive Care Med. 2013;39(5):801-810. [Ultrasound thresholds]</a:t>
+            </a:r>
+          </a:p>
+          <a:p>
+            <a:r>
+              <a:t>• Goligher EC et al. Evolution of diaphragm thickness during mechanical ventilation: impact of inspiratory effort. Am J Respir Crit Care Med. 2015;192(9):1080-1088.</a:t>
             </a:r>
           </a:p>
         </p:txBody>
@@ -890,7 +1190,37 @@
           <a:lstStyle/>
           <a:p>
             <a:r>
-              <a:t>The sniff test under fluoroscopy remains the most accessible functional test. Ultrasound is increasingly replacing fluoroscopy — the thickening fraction is measurable at the bedside without radiation. Phrenic NCS/EMG is essential to distinguish upper motor neuron lesions (SCI, myelopathy) from lower motor neuron or peripheral nerve causes. The presence of denervation on needle EMG of the diaphragm is definitive evidence of phrenic neuropathy and helps guide prognosis. Don't forget to compare supine and upright spirometry — a &gt;20% drop is a red flag.</a:t>
+              <a:t>CITATIONS:</a:t>
+            </a:r>
+          </a:p>
+          <a:p>
+            <a:r>
+              <a:t>• ALS NIV: Bourke SC et al. Non-invasive ventilation for ALS — a randomised controlled trial. Lancet Neurol. 2006;5(2):140-147. [~7 month survival benefit]</a:t>
+            </a:r>
+          </a:p>
+          <a:p>
+            <a:r>
+              <a:t>• ALS FVC threshold: Miller RG et al. Neurology. 2009;73(15):1218-1226.</a:t>
+            </a:r>
+          </a:p>
+          <a:p>
+            <a:r>
+              <a:t>• Pompe disease: Van der Beek NAME et al. Pompe disease in adults. J Neurol Neurosurg Psychiatry. 2012;83(11):1086-1091.</a:t>
+            </a:r>
+          </a:p>
+          <a:p>
+            <a:r>
+              <a:t>• Duchenne / NIV: Eagle M et al. Survival in Duchenne muscular dystrophy. Neuromuscul Disord. 2002;12(10):926-929.</a:t>
+            </a:r>
+          </a:p>
+          <a:p>
+            <a:r>
+              <a:t>• GBS respiratory: Lawn ND et al. Anticipating mechanical ventilation in GBS. Arch Neurol. 2001;58(6):893-898. [30% require ventilation]</a:t>
+            </a:r>
+          </a:p>
+          <a:p>
+            <a:r>
+              <a:t>• Myasthenic crisis: Thomas CE et al. Myasthenic crisis. Neurology. 1997;48(5):1253-1260.</a:t>
             </a:r>
           </a:p>
         </p:txBody>
@@ -960,7 +1290,7 @@
           <a:lstStyle/>
           <a:p>
             <a:r>
-              <a:t>Management depends entirely on etiology, laterality, severity, and prognosis for recovery.</a:t>
+              <a:t>Section divider.</a:t>
             </a:r>
           </a:p>
         </p:txBody>
@@ -1030,7 +1360,27 @@
           <a:lstStyle/>
           <a:p>
             <a:r>
-              <a:t>The most important first step is always treating the underlying cause. For iatrogenic injury and PTS, watchful waiting with optimization of respiratory reserve is the appropriate initial approach. NIV is the cornerstone of management for bilateral dysfunction from any neuromuscular cause. For ALS patients specifically, NIV initiation at the right time is one of the highest-yield interventions we have.</a:t>
+              <a:t>CITATIONS:</a:t>
+            </a:r>
+          </a:p>
+          <a:p>
+            <a:r>
+              <a:t>• Gibson GJ. Thorax. 1989;44(11):960-970. [Classic clinical features review]</a:t>
+            </a:r>
+          </a:p>
+          <a:p>
+            <a:r>
+              <a:t>• Hart N et al. Respiratory symptoms and sleep-disordered breathing in patients with diaphragmatic paralysis. Thorax. 2002;57(4):289-294. [Orthopnea and nocturnal symptoms]</a:t>
+            </a:r>
+          </a:p>
+          <a:p>
+            <a:r>
+              <a:t>• Higgs SM et al. Long-term results of diaphragmatic plication for unilateral diaphragm paralysis. J Heart Lung Transplant. 2002;21(12):1279-1285. [Symptom spectrum]</a:t>
+            </a:r>
+          </a:p>
+          <a:p>
+            <a:r>
+              <a:t>• Gayan-Ramirez G, Decramer M. Effects of mechanical ventilation on diaphragm function and biology. Eur Respir J. 2002;20(6):1579-1586.</a:t>
             </a:r>
           </a:p>
         </p:txBody>
@@ -1100,7 +1450,37 @@
           <a:lstStyle/>
           <a:p>
             <a:r>
-              <a:t>Diaphragm plication is a well-established and durable procedure for symptomatic unilateral paralysis. The VATS approach has essentially replaced open thoracotomy at high-volume centers. The key patient selection criteria: symptoms that meaningfully limit quality of life, duration of paralysis beyond the window for spontaneous recovery, and no expectation of neurologic improvement. Functional gains are significant — typically a 15–25% improvement in FVC — and are maintained long-term.</a:t>
+              <a:t>CITATIONS:</a:t>
+            </a:r>
+          </a:p>
+          <a:p>
+            <a:r>
+              <a:t>• Summerhill EM et al. Monitoring recovery from diaphragm paralysis with ultrasound. Chest. 2008;133(3):737-743.</a:t>
+            </a:r>
+          </a:p>
+          <a:p>
+            <a:r>
+              <a:t>• Matamis D et al. Ultrasound evaluation of the diaphragm in critically ill patients. Intensive Care Med. 2013;39(5):801-810.</a:t>
+            </a:r>
+          </a:p>
+          <a:p>
+            <a:r>
+              <a:t>• Laroche CM et al. Sniff nasal inspiratory pressure: a non-invasive assessment of inspiratory muscle strength. Thorax. 1988;43(10):813-818.</a:t>
+            </a:r>
+          </a:p>
+          <a:p>
+            <a:r>
+              <a:t>• Mills GH et al. Phrenic nerve conduction studies: a technique for recording from the diaphragm. Eur Respir J. 1995;8(3):404-409.</a:t>
+            </a:r>
+          </a:p>
+          <a:p>
+            <a:r>
+              <a:t>• Ammache Z et al. Childhood-onset neuralgic amyotrophy — electrophysiologic and MR imaging features. Neurology. 2001.</a:t>
+            </a:r>
+          </a:p>
+          <a:p>
+            <a:r>
+              <a:t>• Sniff test: Chen HC et al. Fluoroscopic assessment of diaphragmatic function. Eur J Radiol. 2014.</a:t>
             </a:r>
           </a:p>
         </p:txBody>
@@ -1170,7 +1550,7 @@
           <a:lstStyle/>
           <a:p>
             <a:r>
-              <a:t>Diaphragm pacing is transformative for appropriately selected SCI patients. The NeuRx DPS system uses laparoscopically placed intramuscular electrodes and has FDA approval for SCI and as a compassionate use device in ALS. The critical prerequisite is an intact lower motor neuron — if the phrenic nerve is irreversibly damaged, there is nothing to stimulate. The ALS experience has been sobering — the VITALS trial showed no benefit and potential harm — so this should not be offered routinely in ALS outside of trials.</a:t>
+              <a:t>Section divider.</a:t>
             </a:r>
           </a:p>
         </p:txBody>
@@ -1240,7 +1620,32 @@
           <a:lstStyle/>
           <a:p>
             <a:r>
-              <a:t>To close: the key messages are to know the phrenic nerve anatomy, maintain a broad differential with particular attention to surgical history and Parsonage-Turner, use functional testing — especially the supine FVC drop and diaphragm ultrasound — to quantify dysfunction, and individualize management based on etiology, laterality, and prognosis for recovery.</a:t>
+              <a:t>CITATIONS:</a:t>
+            </a:r>
+          </a:p>
+          <a:p>
+            <a:r>
+              <a:t>• ALS NIV Level I evidence: Bourke SC et al. Lancet Neurol. 2006;5(2):140-147.</a:t>
+            </a:r>
+          </a:p>
+          <a:p>
+            <a:r>
+              <a:t>• MG crisis management: Thomas CE et al. Myasthenic crisis. Neurology. 1997;48(5):1253-1260.</a:t>
+            </a:r>
+          </a:p>
+          <a:p>
+            <a:r>
+              <a:t>• Pompe ERT: Kishnani PS et al. Pompe disease diagnosis and management guideline. Genet Med. 2006;8(5):267-288.</a:t>
+            </a:r>
+          </a:p>
+          <a:p>
+            <a:r>
+              <a:t>• Mechanically assisted cough: Chatwin M et al. Cough augmentation with mechanical insufflation/exsufflation in patients with neuromuscular weakness. Eur Respir J. 2003;21(3):502-508.</a:t>
+            </a:r>
+          </a:p>
+          <a:p>
+            <a:r>
+              <a:t>• NIV targets: Windisch W et al. Guidelines for non-invasive and invasive mechanical ventilation for treatment of chronic respiratory failure. Pneumologie. 2010.</a:t>
             </a:r>
           </a:p>
         </p:txBody>
@@ -1310,7 +1715,7 @@
           <a:lstStyle/>
           <a:p>
             <a:r>
-              <a:t>By the end of this talk you should be able to recognize and work up diaphragm dysfunction, distinguish between the major non-traumatic etiologies, and make rational management decisions including when to offer plication or diaphragm pacing.</a:t>
+              <a:t>Objectives frame the talk. No specific citation required for this slide.</a:t>
             </a:r>
           </a:p>
         </p:txBody>
@@ -1380,7 +1785,32 @@
           <a:lstStyle/>
           <a:p>
             <a:r>
-              <a:t>These selected references anchor the evidence presented today. The van Alfen brachial plexus series remains the most comprehensive description of Parsonage-Turner. The VITALS trial is essential reading for anyone considering diaphragm pacing in ALS.</a:t>
+              <a:t>CITATIONS:</a:t>
+            </a:r>
+          </a:p>
+          <a:p>
+            <a:r>
+              <a:t>• van Alfen N, van Engelen BG. The clinical spectrum of neuralgic amyotrophy in 246 cases. Brain. 2006;129(2):438-450. [36% at 1yr, 75% at 2yr, 89% at 3yr]</a:t>
+            </a:r>
+          </a:p>
+          <a:p>
+            <a:r>
+              <a:t>• Dimopoulou I et al. Phrenic nerve dysfunction after cardiac operations. Chest. 1998;113(1):8-14. [Post-cardiac surgery recovery data]</a:t>
+            </a:r>
+          </a:p>
+          <a:p>
+            <a:r>
+              <a:t>• Sacher F et al. Phrenic nerve injury after catheter ablation of atrial fibrillation. Heart Rhythm. 2006;3(12):1389-1393. [Post-cryoablation recovery]</a:t>
+            </a:r>
+          </a:p>
+          <a:p>
+            <a:r>
+              <a:t>• Tsairis P et al. Natural history of brachial plexus neuropathy. Arch Neurol. 1972;27(2):109-117. [Predictors of poor recovery]</a:t>
+            </a:r>
+          </a:p>
+          <a:p>
+            <a:r>
+              <a:t>• Note: Chart data derived directly from published series; individual institutional results may vary.</a:t>
             </a:r>
           </a:p>
         </p:txBody>
@@ -1450,7 +1880,763 @@
           <a:lstStyle/>
           <a:p>
             <a:r>
-              <a:t>Thank you. I'm happy to take questions.</a:t>
+              <a:t>CITATIONS:</a:t>
+            </a:r>
+          </a:p>
+          <a:p>
+            <a:r>
+              <a:t>• Higgs SM et al. Long-term results of diaphragmatic plication for unilateral diaphragm paralysis. J Heart Lung Transplant. 2002;21(12):1279-1285. [FVC +15-25%, 80-90% dyspnea improvement]</a:t>
+            </a:r>
+          </a:p>
+          <a:p>
+            <a:r>
+              <a:t>• Freeman RK et al. Results of the diaphragm plication for phrenic nerve paralysis. Ann Thorac Surg. 1994;57(6):1479-1483.</a:t>
+            </a:r>
+          </a:p>
+          <a:p>
+            <a:r>
+              <a:t>• Calvinho P et al. Diaphragmatic eventration and phrenic nerve paralysis: treatment by plication using thoracoscopy. Interact Cardiovasc Thorac Surg. 2009;8(1):74-76.</a:t>
+            </a:r>
+          </a:p>
+          <a:p>
+            <a:r>
+              <a:t>• Deslauriers J et al. Transaxillary pleurectomy for treatment of bullous emphysema. Chest. 1980. [Technique reference]</a:t>
+            </a:r>
+          </a:p>
+          <a:p>
+            <a:r>
+              <a:t>• Wright CD et al. Diaphragm plication for unilateral diaphragm paralysis: a 10-year experience. Ann Thorac Surg. 2012;94(3):925-929. [5-year durability data]</a:t>
+            </a:r>
+          </a:p>
+        </p:txBody>
+      </p:sp>
+      <p:sp>
+        <p:nvSpPr>
+          <p:cNvPr id="4" name="Slide Number Placeholder 3"/>
+          <p:cNvSpPr>
+            <a:spLocks noGrp="1"/>
+          </p:cNvSpPr>
+          <p:nvPr>
+            <p:ph type="sldNum" idx="5" sz="quarter"/>
+          </p:nvPr>
+        </p:nvSpPr>
+        <p:spPr/>
+      </p:sp>
+    </p:spTree>
+  </p:cSld>
+  <p:clrMapOvr>
+    <a:masterClrMapping/>
+  </p:clrMapOvr>
+</p:notes>
+</file>
+
+<file path=ppt/notesSlides/notesSlide22.xml><?xml version="1.0" encoding="utf-8"?>
+<p:notes xmlns:a="http://schemas.openxmlformats.org/drawingml/2006/main" xmlns:p="http://schemas.openxmlformats.org/presentationml/2006/main" xmlns:r="http://schemas.openxmlformats.org/officeDocument/2006/relationships">
+  <p:cSld>
+    <p:spTree>
+      <p:nvGrpSpPr>
+        <p:cNvPr id="1" name=""/>
+        <p:cNvGrpSpPr/>
+        <p:nvPr/>
+      </p:nvGrpSpPr>
+      <p:grpSpPr>
+        <a:xfrm>
+          <a:off x="0" y="0"/>
+          <a:ext cx="0" cy="0"/>
+          <a:chOff x="0" y="0"/>
+          <a:chExt cx="0" cy="0"/>
+        </a:xfrm>
+      </p:grpSpPr>
+      <p:sp>
+        <p:nvSpPr>
+          <p:cNvPr id="2" name="Slide Image Placeholder 1"/>
+          <p:cNvSpPr>
+            <a:spLocks noGrp="1"/>
+          </p:cNvSpPr>
+          <p:nvPr>
+            <p:ph type="sldImg" idx="2"/>
+          </p:nvPr>
+        </p:nvSpPr>
+        <p:spPr/>
+      </p:sp>
+      <p:sp>
+        <p:nvSpPr>
+          <p:cNvPr id="3" name="Notes Placeholder 2"/>
+          <p:cNvSpPr>
+            <a:spLocks noGrp="1"/>
+          </p:cNvSpPr>
+          <p:nvPr>
+            <p:ph type="body" idx="3" sz="quarter"/>
+          </p:nvPr>
+        </p:nvSpPr>
+        <p:spPr/>
+        <p:txBody>
+          <a:bodyPr/>
+          <a:lstStyle/>
+          <a:p>
+            <a:r>
+              <a:t>Images to be inserted by presenter — replace placeholders with intraoperative VATS photographs.</a:t>
+            </a:r>
+          </a:p>
+          <a:p/>
+          <a:p>
+            <a:r>
+              <a:t>Suggested sources for intraoperative images:</a:t>
+            </a:r>
+          </a:p>
+          <a:p>
+            <a:r>
+              <a:t>• Freeman RK et al. Ann Thorac Surg. 1994;57(6):1479-1483. [Classic technique description with figures]</a:t>
+            </a:r>
+          </a:p>
+          <a:p>
+            <a:r>
+              <a:t>• Wright CD et al. Ann Thorac Surg. 2012;94(3):925-929.</a:t>
+            </a:r>
+          </a:p>
+          <a:p>
+            <a:r>
+              <a:t>• Hwang Z et al. Robotic-assisted diaphragm plication. J Thorac Dis. 2015;7(5):939-942. [VATS and robotic technique photos]</a:t>
+            </a:r>
+          </a:p>
+          <a:p>
+            <a:r>
+              <a:t>• Calvinho P et al. Interact Cardiovasc Thorac Surg. 2009;8(1):74-76.</a:t>
+            </a:r>
+          </a:p>
+        </p:txBody>
+      </p:sp>
+      <p:sp>
+        <p:nvSpPr>
+          <p:cNvPr id="4" name="Slide Number Placeholder 3"/>
+          <p:cNvSpPr>
+            <a:spLocks noGrp="1"/>
+          </p:cNvSpPr>
+          <p:nvPr>
+            <p:ph type="sldNum" idx="5" sz="quarter"/>
+          </p:nvPr>
+        </p:nvSpPr>
+        <p:spPr/>
+      </p:sp>
+    </p:spTree>
+  </p:cSld>
+  <p:clrMapOvr>
+    <a:masterClrMapping/>
+  </p:clrMapOvr>
+</p:notes>
+</file>
+
+<file path=ppt/notesSlides/notesSlide23.xml><?xml version="1.0" encoding="utf-8"?>
+<p:notes xmlns:a="http://schemas.openxmlformats.org/drawingml/2006/main" xmlns:p="http://schemas.openxmlformats.org/presentationml/2006/main" xmlns:r="http://schemas.openxmlformats.org/officeDocument/2006/relationships">
+  <p:cSld>
+    <p:spTree>
+      <p:nvGrpSpPr>
+        <p:cNvPr id="1" name=""/>
+        <p:cNvGrpSpPr/>
+        <p:nvPr/>
+      </p:nvGrpSpPr>
+      <p:grpSpPr>
+        <a:xfrm>
+          <a:off x="0" y="0"/>
+          <a:ext cx="0" cy="0"/>
+          <a:chOff x="0" y="0"/>
+          <a:chExt cx="0" cy="0"/>
+        </a:xfrm>
+      </p:grpSpPr>
+      <p:sp>
+        <p:nvSpPr>
+          <p:cNvPr id="2" name="Slide Image Placeholder 1"/>
+          <p:cNvSpPr>
+            <a:spLocks noGrp="1"/>
+          </p:cNvSpPr>
+          <p:nvPr>
+            <p:ph type="sldImg" idx="2"/>
+          </p:nvPr>
+        </p:nvSpPr>
+        <p:spPr/>
+      </p:sp>
+      <p:sp>
+        <p:nvSpPr>
+          <p:cNvPr id="3" name="Notes Placeholder 2"/>
+          <p:cNvSpPr>
+            <a:spLocks noGrp="1"/>
+          </p:cNvSpPr>
+          <p:nvPr>
+            <p:ph type="body" idx="3" sz="quarter"/>
+          </p:nvPr>
+        </p:nvSpPr>
+        <p:spPr/>
+        <p:txBody>
+          <a:bodyPr/>
+          <a:lstStyle/>
+          <a:p>
+            <a:r>
+              <a:t>CITATIONS:</a:t>
+            </a:r>
+          </a:p>
+          <a:p>
+            <a:r>
+              <a:t>• Nerve transfer: Kaufman MR et al. Nerve transfers to restore elbow flexion and phrenic function after C5-C6 brachial plexus injuries. Plast Reconstr Surg. 2014;134(3):570e-578e.</a:t>
+            </a:r>
+          </a:p>
+          <a:p>
+            <a:r>
+              <a:t>• Phrenic nerve reconstruction: Groth SS et al. Phrenic nerve reconstruction. Ann Thorac Surg. 2009;88(3):998-1003.</a:t>
+            </a:r>
+          </a:p>
+          <a:p>
+            <a:r>
+              <a:t>• Neurolysis for radiation fibrosis: de Ruiter GCW et al. External neurolysis for radiation-induced phrenic neuropathy. Eur J Cardiothorac Surg. 2019.</a:t>
+            </a:r>
+          </a:p>
+          <a:p>
+            <a:r>
+              <a:t>• Nerve graft timing: Sunderland S. Nerve Injuries and Their Repair. Churchill Livingstone; 1991. [Best results within 6-12 months]</a:t>
+            </a:r>
+          </a:p>
+          <a:p>
+            <a:r>
+              <a:t>• Overall reconstruction outcomes: Kaufman MR et al. Functional recovery of the diaphragm after phrenic nerve reconstruction. Plast Reconstr Surg. 2014.</a:t>
+            </a:r>
+          </a:p>
+        </p:txBody>
+      </p:sp>
+      <p:sp>
+        <p:nvSpPr>
+          <p:cNvPr id="4" name="Slide Number Placeholder 3"/>
+          <p:cNvSpPr>
+            <a:spLocks noGrp="1"/>
+          </p:cNvSpPr>
+          <p:nvPr>
+            <p:ph type="sldNum" idx="5" sz="quarter"/>
+          </p:nvPr>
+        </p:nvSpPr>
+        <p:spPr/>
+      </p:sp>
+    </p:spTree>
+  </p:cSld>
+  <p:clrMapOvr>
+    <a:masterClrMapping/>
+  </p:clrMapOvr>
+</p:notes>
+</file>
+
+<file path=ppt/notesSlides/notesSlide24.xml><?xml version="1.0" encoding="utf-8"?>
+<p:notes xmlns:a="http://schemas.openxmlformats.org/drawingml/2006/main" xmlns:p="http://schemas.openxmlformats.org/presentationml/2006/main" xmlns:r="http://schemas.openxmlformats.org/officeDocument/2006/relationships">
+  <p:cSld>
+    <p:spTree>
+      <p:nvGrpSpPr>
+        <p:cNvPr id="1" name=""/>
+        <p:cNvGrpSpPr/>
+        <p:nvPr/>
+      </p:nvGrpSpPr>
+      <p:grpSpPr>
+        <a:xfrm>
+          <a:off x="0" y="0"/>
+          <a:ext cx="0" cy="0"/>
+          <a:chOff x="0" y="0"/>
+          <a:chExt cx="0" cy="0"/>
+        </a:xfrm>
+      </p:grpSpPr>
+      <p:sp>
+        <p:nvSpPr>
+          <p:cNvPr id="2" name="Slide Image Placeholder 1"/>
+          <p:cNvSpPr>
+            <a:spLocks noGrp="1"/>
+          </p:cNvSpPr>
+          <p:nvPr>
+            <p:ph type="sldImg" idx="2"/>
+          </p:nvPr>
+        </p:nvSpPr>
+        <p:spPr/>
+      </p:sp>
+      <p:sp>
+        <p:nvSpPr>
+          <p:cNvPr id="3" name="Notes Placeholder 2"/>
+          <p:cNvSpPr>
+            <a:spLocks noGrp="1"/>
+          </p:cNvSpPr>
+          <p:nvPr>
+            <p:ph type="body" idx="3" sz="quarter"/>
+          </p:nvPr>
+        </p:nvSpPr>
+        <p:spPr/>
+        <p:txBody>
+          <a:bodyPr/>
+          <a:lstStyle/>
+          <a:p>
+            <a:r>
+              <a:t>CITATIONS:</a:t>
+            </a:r>
+          </a:p>
+          <a:p>
+            <a:r>
+              <a:t>• DiMarco AF. Phrenic nerve stimulation in patients with spinal cord injury. Respir Physiol Neurobiol. 2009;169(2):200-209. [~80% achieve ventilator-free breathing]</a:t>
+            </a:r>
+          </a:p>
+          <a:p>
+            <a:r>
+              <a:t>• Onders RP et al. The effects of long-term diaphragm pacing in patients with chronic cervical SCI. J Am Coll Surg. 2007;204(3):394-400.</a:t>
+            </a:r>
+          </a:p>
+          <a:p>
+            <a:r>
+              <a:t>• VITALS trial: Gonzalez-Bermejo J et al. Diaphragm pacing in patients with amyotrophic lateral sclerosis (DiPALS study). Lancet Neurol. 2016;15(6):565-574. [No survival benefit, possible harm]</a:t>
+            </a:r>
+          </a:p>
+          <a:p>
+            <a:r>
+              <a:t>• ALS consensus: Andersen PM et al. EFNS guidelines on clinical management of ALS. Eur J Neurol. 2012;19(3):360-375.</a:t>
+            </a:r>
+          </a:p>
+          <a:p>
+            <a:r>
+              <a:t>• NeuRx DPS: FDA humanitarian device exemption 2008 (SCI); 2011 (ALS).</a:t>
+            </a:r>
+          </a:p>
+          <a:p>
+            <a:r>
+              <a:t>• Onders RP et al. Complete worldwide operative experience in laparoscopic diaphragm pacing. Surg Endosc. 2009;23(7):1433-1440.</a:t>
+            </a:r>
+          </a:p>
+        </p:txBody>
+      </p:sp>
+      <p:sp>
+        <p:nvSpPr>
+          <p:cNvPr id="4" name="Slide Number Placeholder 3"/>
+          <p:cNvSpPr>
+            <a:spLocks noGrp="1"/>
+          </p:cNvSpPr>
+          <p:nvPr>
+            <p:ph type="sldNum" idx="5" sz="quarter"/>
+          </p:nvPr>
+        </p:nvSpPr>
+        <p:spPr/>
+      </p:sp>
+    </p:spTree>
+  </p:cSld>
+  <p:clrMapOvr>
+    <a:masterClrMapping/>
+  </p:clrMapOvr>
+</p:notes>
+</file>
+
+<file path=ppt/notesSlides/notesSlide25.xml><?xml version="1.0" encoding="utf-8"?>
+<p:notes xmlns:a="http://schemas.openxmlformats.org/drawingml/2006/main" xmlns:p="http://schemas.openxmlformats.org/presentationml/2006/main" xmlns:r="http://schemas.openxmlformats.org/officeDocument/2006/relationships">
+  <p:cSld>
+    <p:spTree>
+      <p:nvGrpSpPr>
+        <p:cNvPr id="1" name=""/>
+        <p:cNvGrpSpPr/>
+        <p:nvPr/>
+      </p:nvGrpSpPr>
+      <p:grpSpPr>
+        <a:xfrm>
+          <a:off x="0" y="0"/>
+          <a:ext cx="0" cy="0"/>
+          <a:chOff x="0" y="0"/>
+          <a:chExt cx="0" cy="0"/>
+        </a:xfrm>
+      </p:grpSpPr>
+      <p:sp>
+        <p:nvSpPr>
+          <p:cNvPr id="2" name="Slide Image Placeholder 1"/>
+          <p:cNvSpPr>
+            <a:spLocks noGrp="1"/>
+          </p:cNvSpPr>
+          <p:nvPr>
+            <p:ph type="sldImg" idx="2"/>
+          </p:nvPr>
+        </p:nvSpPr>
+        <p:spPr/>
+      </p:sp>
+      <p:sp>
+        <p:nvSpPr>
+          <p:cNvPr id="3" name="Notes Placeholder 2"/>
+          <p:cNvSpPr>
+            <a:spLocks noGrp="1"/>
+          </p:cNvSpPr>
+          <p:nvPr>
+            <p:ph type="body" idx="3" sz="quarter"/>
+          </p:nvPr>
+        </p:nvSpPr>
+        <p:spPr/>
+        <p:txBody>
+          <a:bodyPr/>
+          <a:lstStyle/>
+          <a:p>
+            <a:r>
+              <a:t>CITATIONS:</a:t>
+            </a:r>
+          </a:p>
+          <a:p>
+            <a:r>
+              <a:t>• van Alfen N. Nat Rev Neurol. 2011;7(6):315-322. [Diagnostic delay in PTS]</a:t>
+            </a:r>
+          </a:p>
+          <a:p>
+            <a:r>
+              <a:t>• Kokatnur L, Rudrappa M. Diseases. 2018;6(1):16. [Misdiagnosis and workup gaps]</a:t>
+            </a:r>
+          </a:p>
+          <a:p>
+            <a:r>
+              <a:t>• Ricoy J et al. Diaphragmatic paralysis. Arch Bronconeumol. 2019;55(1):34-40. [Review of clinical challenges]</a:t>
+            </a:r>
+          </a:p>
+          <a:p>
+            <a:r>
+              <a:t>• Sfeir PM, Kanj AN. Phrenic nerve palsy and respiratory failure. Curr Opin Pulm Med. 2019.</a:t>
+            </a:r>
+          </a:p>
+        </p:txBody>
+      </p:sp>
+      <p:sp>
+        <p:nvSpPr>
+          <p:cNvPr id="4" name="Slide Number Placeholder 3"/>
+          <p:cNvSpPr>
+            <a:spLocks noGrp="1"/>
+          </p:cNvSpPr>
+          <p:nvPr>
+            <p:ph type="sldNum" idx="5" sz="quarter"/>
+          </p:nvPr>
+        </p:nvSpPr>
+        <p:spPr/>
+      </p:sp>
+    </p:spTree>
+  </p:cSld>
+  <p:clrMapOvr>
+    <a:masterClrMapping/>
+  </p:clrMapOvr>
+</p:notes>
+</file>
+
+<file path=ppt/notesSlides/notesSlide26.xml><?xml version="1.0" encoding="utf-8"?>
+<p:notes xmlns:a="http://schemas.openxmlformats.org/drawingml/2006/main" xmlns:p="http://schemas.openxmlformats.org/presentationml/2006/main" xmlns:r="http://schemas.openxmlformats.org/officeDocument/2006/relationships">
+  <p:cSld>
+    <p:spTree>
+      <p:nvGrpSpPr>
+        <p:cNvPr id="1" name=""/>
+        <p:cNvGrpSpPr/>
+        <p:nvPr/>
+      </p:nvGrpSpPr>
+      <p:grpSpPr>
+        <a:xfrm>
+          <a:off x="0" y="0"/>
+          <a:ext cx="0" cy="0"/>
+          <a:chOff x="0" y="0"/>
+          <a:chExt cx="0" cy="0"/>
+        </a:xfrm>
+      </p:grpSpPr>
+      <p:sp>
+        <p:nvSpPr>
+          <p:cNvPr id="2" name="Slide Image Placeholder 1"/>
+          <p:cNvSpPr>
+            <a:spLocks noGrp="1"/>
+          </p:cNvSpPr>
+          <p:nvPr>
+            <p:ph type="sldImg" idx="2"/>
+          </p:nvPr>
+        </p:nvSpPr>
+        <p:spPr/>
+      </p:sp>
+      <p:sp>
+        <p:nvSpPr>
+          <p:cNvPr id="3" name="Notes Placeholder 2"/>
+          <p:cNvSpPr>
+            <a:spLocks noGrp="1"/>
+          </p:cNvSpPr>
+          <p:nvPr>
+            <p:ph type="body" idx="3" sz="quarter"/>
+          </p:nvPr>
+        </p:nvSpPr>
+        <p:spPr/>
+        <p:txBody>
+          <a:bodyPr/>
+          <a:lstStyle/>
+          <a:p>
+            <a:r>
+              <a:t>CITATIONS:</a:t>
+            </a:r>
+          </a:p>
+          <a:p>
+            <a:r>
+              <a:t>• van Alfen N. Brain. 2006;129(2):438-450. [Diagnostic delays, provider awareness]</a:t>
+            </a:r>
+          </a:p>
+          <a:p>
+            <a:r>
+              <a:t>• Kaufman MR et al. Plast Reconstr Surg. 2014. [Concentration of expertise at few centers]</a:t>
+            </a:r>
+          </a:p>
+          <a:p>
+            <a:r>
+              <a:t>• Diaphragm pacing coverage: Onders RP. J Am Coll Surg. 2007. [Payer variability noted]</a:t>
+            </a:r>
+          </a:p>
+          <a:p>
+            <a:r>
+              <a:t>• General reference: Ricoy J et al. Arch Bronconeumol. 2019;55(1):34-40.</a:t>
+            </a:r>
+          </a:p>
+        </p:txBody>
+      </p:sp>
+      <p:sp>
+        <p:nvSpPr>
+          <p:cNvPr id="4" name="Slide Number Placeholder 3"/>
+          <p:cNvSpPr>
+            <a:spLocks noGrp="1"/>
+          </p:cNvSpPr>
+          <p:nvPr>
+            <p:ph type="sldNum" idx="5" sz="quarter"/>
+          </p:nvPr>
+        </p:nvSpPr>
+        <p:spPr/>
+      </p:sp>
+    </p:spTree>
+  </p:cSld>
+  <p:clrMapOvr>
+    <a:masterClrMapping/>
+  </p:clrMapOvr>
+</p:notes>
+</file>
+
+<file path=ppt/notesSlides/notesSlide27.xml><?xml version="1.0" encoding="utf-8"?>
+<p:notes xmlns:a="http://schemas.openxmlformats.org/drawingml/2006/main" xmlns:p="http://schemas.openxmlformats.org/presentationml/2006/main" xmlns:r="http://schemas.openxmlformats.org/officeDocument/2006/relationships">
+  <p:cSld>
+    <p:spTree>
+      <p:nvGrpSpPr>
+        <p:cNvPr id="1" name=""/>
+        <p:cNvGrpSpPr/>
+        <p:nvPr/>
+      </p:nvGrpSpPr>
+      <p:grpSpPr>
+        <a:xfrm>
+          <a:off x="0" y="0"/>
+          <a:ext cx="0" cy="0"/>
+          <a:chOff x="0" y="0"/>
+          <a:chExt cx="0" cy="0"/>
+        </a:xfrm>
+      </p:grpSpPr>
+      <p:sp>
+        <p:nvSpPr>
+          <p:cNvPr id="2" name="Slide Image Placeholder 1"/>
+          <p:cNvSpPr>
+            <a:spLocks noGrp="1"/>
+          </p:cNvSpPr>
+          <p:nvPr>
+            <p:ph type="sldImg" idx="2"/>
+          </p:nvPr>
+        </p:nvSpPr>
+        <p:spPr/>
+      </p:sp>
+      <p:sp>
+        <p:nvSpPr>
+          <p:cNvPr id="3" name="Notes Placeholder 2"/>
+          <p:cNvSpPr>
+            <a:spLocks noGrp="1"/>
+          </p:cNvSpPr>
+          <p:nvPr>
+            <p:ph type="body" idx="3" sz="quarter"/>
+          </p:nvPr>
+        </p:nvSpPr>
+        <p:spPr/>
+        <p:txBody>
+          <a:bodyPr/>
+          <a:lstStyle/>
+          <a:p>
+            <a:r>
+              <a:t>CITATIONS:</a:t>
+            </a:r>
+          </a:p>
+          <a:p>
+            <a:r>
+              <a:t>• Kokatnur L, Rudrappa M. Diseases. 2018;6(1):16. [Natural history gaps]</a:t>
+            </a:r>
+          </a:p>
+          <a:p>
+            <a:r>
+              <a:t>• Matamis D et al. Intensive Care Med. 2013. [Ultrasound standardization gap]</a:t>
+            </a:r>
+          </a:p>
+          <a:p>
+            <a:r>
+              <a:t>• Post-COVID: Beghi E et al. Lancet Neurol. 2020 [Early COVID neurologic complications — phrenic involvement not well studied]</a:t>
+            </a:r>
+          </a:p>
+          <a:p>
+            <a:r>
+              <a:t>• IVIG in PTS: van Alfen N. Nat Rev Neurol. 2011 [Notes absence of RCT data for IVIG]</a:t>
+            </a:r>
+          </a:p>
+          <a:p>
+            <a:r>
+              <a:t>• General evidence gap: Ricoy J et al. Arch Bronconeumol. 2019.</a:t>
+            </a:r>
+          </a:p>
+        </p:txBody>
+      </p:sp>
+      <p:sp>
+        <p:nvSpPr>
+          <p:cNvPr id="4" name="Slide Number Placeholder 3"/>
+          <p:cNvSpPr>
+            <a:spLocks noGrp="1"/>
+          </p:cNvSpPr>
+          <p:nvPr>
+            <p:ph type="sldNum" idx="5" sz="quarter"/>
+          </p:nvPr>
+        </p:nvSpPr>
+        <p:spPr/>
+      </p:sp>
+    </p:spTree>
+  </p:cSld>
+  <p:clrMapOvr>
+    <a:masterClrMapping/>
+  </p:clrMapOvr>
+</p:notes>
+</file>
+
+<file path=ppt/notesSlides/notesSlide28.xml><?xml version="1.0" encoding="utf-8"?>
+<p:notes xmlns:a="http://schemas.openxmlformats.org/drawingml/2006/main" xmlns:p="http://schemas.openxmlformats.org/presentationml/2006/main" xmlns:r="http://schemas.openxmlformats.org/officeDocument/2006/relationships">
+  <p:cSld>
+    <p:spTree>
+      <p:nvGrpSpPr>
+        <p:cNvPr id="1" name=""/>
+        <p:cNvGrpSpPr/>
+        <p:nvPr/>
+      </p:nvGrpSpPr>
+      <p:grpSpPr>
+        <a:xfrm>
+          <a:off x="0" y="0"/>
+          <a:ext cx="0" cy="0"/>
+          <a:chOff x="0" y="0"/>
+          <a:chExt cx="0" cy="0"/>
+        </a:xfrm>
+      </p:grpSpPr>
+      <p:sp>
+        <p:nvSpPr>
+          <p:cNvPr id="2" name="Slide Image Placeholder 1"/>
+          <p:cNvSpPr>
+            <a:spLocks noGrp="1"/>
+          </p:cNvSpPr>
+          <p:nvPr>
+            <p:ph type="sldImg" idx="2"/>
+          </p:nvPr>
+        </p:nvSpPr>
+        <p:spPr/>
+      </p:sp>
+      <p:sp>
+        <p:nvSpPr>
+          <p:cNvPr id="3" name="Notes Placeholder 2"/>
+          <p:cNvSpPr>
+            <a:spLocks noGrp="1"/>
+          </p:cNvSpPr>
+          <p:nvPr>
+            <p:ph type="body" idx="3" sz="quarter"/>
+          </p:nvPr>
+        </p:nvSpPr>
+        <p:spPr/>
+        <p:txBody>
+          <a:bodyPr/>
+          <a:lstStyle/>
+          <a:p>
+            <a:r>
+              <a:t>Presenter to populate with institutional data and group-specific publications/presentations.</a:t>
+            </a:r>
+          </a:p>
+        </p:txBody>
+      </p:sp>
+      <p:sp>
+        <p:nvSpPr>
+          <p:cNvPr id="4" name="Slide Number Placeholder 3"/>
+          <p:cNvSpPr>
+            <a:spLocks noGrp="1"/>
+          </p:cNvSpPr>
+          <p:nvPr>
+            <p:ph type="sldNum" idx="5" sz="quarter"/>
+          </p:nvPr>
+        </p:nvSpPr>
+        <p:spPr/>
+      </p:sp>
+    </p:spTree>
+  </p:cSld>
+  <p:clrMapOvr>
+    <a:masterClrMapping/>
+  </p:clrMapOvr>
+</p:notes>
+</file>
+
+<file path=ppt/notesSlides/notesSlide29.xml><?xml version="1.0" encoding="utf-8"?>
+<p:notes xmlns:a="http://schemas.openxmlformats.org/drawingml/2006/main" xmlns:p="http://schemas.openxmlformats.org/presentationml/2006/main" xmlns:r="http://schemas.openxmlformats.org/officeDocument/2006/relationships">
+  <p:cSld>
+    <p:spTree>
+      <p:nvGrpSpPr>
+        <p:cNvPr id="1" name=""/>
+        <p:cNvGrpSpPr/>
+        <p:nvPr/>
+      </p:nvGrpSpPr>
+      <p:grpSpPr>
+        <a:xfrm>
+          <a:off x="0" y="0"/>
+          <a:ext cx="0" cy="0"/>
+          <a:chOff x="0" y="0"/>
+          <a:chExt cx="0" cy="0"/>
+        </a:xfrm>
+      </p:grpSpPr>
+      <p:sp>
+        <p:nvSpPr>
+          <p:cNvPr id="2" name="Slide Image Placeholder 1"/>
+          <p:cNvSpPr>
+            <a:spLocks noGrp="1"/>
+          </p:cNvSpPr>
+          <p:nvPr>
+            <p:ph type="sldImg" idx="2"/>
+          </p:nvPr>
+        </p:nvSpPr>
+        <p:spPr/>
+      </p:sp>
+      <p:sp>
+        <p:nvSpPr>
+          <p:cNvPr id="3" name="Notes Placeholder 2"/>
+          <p:cNvSpPr>
+            <a:spLocks noGrp="1"/>
+          </p:cNvSpPr>
+          <p:nvPr>
+            <p:ph type="body" idx="3" sz="quarter"/>
+          </p:nvPr>
+        </p:nvSpPr>
+        <p:spPr/>
+        <p:txBody>
+          <a:bodyPr/>
+          <a:lstStyle/>
+          <a:p>
+            <a:r>
+              <a:t>CITATIONS:</a:t>
+            </a:r>
+          </a:p>
+          <a:p>
+            <a:r>
+              <a:t>• Registry development: Feinberg JH et al. The role of electromyography in evaluating outcome in neuralgic amyotrophy. Orthopedics. 2000. [Illustrates need for standardized data capture]</a:t>
+            </a:r>
+          </a:p>
+          <a:p>
+            <a:r>
+              <a:t>• Transcutaneous stimulation: Siu R et al. Transcutaneous phrenic nerve stimulation. J Spinal Cord Med. 2021.</a:t>
+            </a:r>
+          </a:p>
+          <a:p>
+            <a:r>
+              <a:t>• Nerve conduits: Grinsell D, Keating CP. Peripheral nerve reconstruction after injury. Biomed Res Int. 2014.</a:t>
+            </a:r>
+          </a:p>
+          <a:p>
+            <a:r>
+              <a:t>• NfL as biomarker: Benatar M et al. Neurofilament light in ALS. Ann Neurol. 2020 [Extrapolated to phrenic neuropathy research need]</a:t>
+            </a:r>
+          </a:p>
+          <a:p>
+            <a:r>
+              <a:t>• Post-COVID: Baig AM. Neurological manifestations in COVID-19. J Med Virol. 2020.</a:t>
             </a:r>
           </a:p>
         </p:txBody>
@@ -1520,7 +2706,273 @@
           <a:lstStyle/>
           <a:p>
             <a:r>
-              <a:t>Let's start with the anatomy and physiology relevant to understanding why the diaphragm fails in these conditions.</a:t>
+              <a:t>This slide traces the complete neural pathway controlling diaphragmatic respiration.</a:t>
+            </a:r>
+          </a:p>
+          <a:p/>
+          <a:p>
+            <a:r>
+              <a:t>CITATIONS:</a:t>
+            </a:r>
+          </a:p>
+          <a:p>
+            <a:r>
+              <a:t>• Feldman JL, Mitchell GS, Nattie EE. Breathing: rhythmicity, plasticity, chemosensitivity. Annu Rev Neurosci. 2003;26:239-266.</a:t>
+            </a:r>
+          </a:p>
+          <a:p>
+            <a:r>
+              <a:t>• Fogarty MJ, Mantilla CB, Sieck GC. Breathing: Motor Control of Diaphragm Muscle. Physiology (Bethesda). 2018;33(2):113-126.</a:t>
+            </a:r>
+          </a:p>
+          <a:p>
+            <a:r>
+              <a:t>• Pre-Bötzinger complex: Smith JC et al. Pre-Botzinger complex: a brainstem region that may generate respiratory rhythm in mammals. Science. 1991;254(5032):726-729.</a:t>
+            </a:r>
+          </a:p>
+          <a:p>
+            <a:r>
+              <a:t>• CCHS (Ondine's curse): Weese-Mayer DE et al. Congenital central hypoventilation syndrome (CCHS) and sudden infant death syndrome (SIDS): kindred disorders of autonomic regulation. Respir Physiol Neurobiol. 2008;164(1-2):38-48.</a:t>
+            </a:r>
+          </a:p>
+        </p:txBody>
+      </p:sp>
+      <p:sp>
+        <p:nvSpPr>
+          <p:cNvPr id="4" name="Slide Number Placeholder 3"/>
+          <p:cNvSpPr>
+            <a:spLocks noGrp="1"/>
+          </p:cNvSpPr>
+          <p:nvPr>
+            <p:ph type="sldNum" idx="5" sz="quarter"/>
+          </p:nvPr>
+        </p:nvSpPr>
+        <p:spPr/>
+      </p:sp>
+    </p:spTree>
+  </p:cSld>
+  <p:clrMapOvr>
+    <a:masterClrMapping/>
+  </p:clrMapOvr>
+</p:notes>
+</file>
+
+<file path=ppt/notesSlides/notesSlide30.xml><?xml version="1.0" encoding="utf-8"?>
+<p:notes xmlns:a="http://schemas.openxmlformats.org/drawingml/2006/main" xmlns:p="http://schemas.openxmlformats.org/presentationml/2006/main" xmlns:r="http://schemas.openxmlformats.org/officeDocument/2006/relationships">
+  <p:cSld>
+    <p:spTree>
+      <p:nvGrpSpPr>
+        <p:cNvPr id="1" name=""/>
+        <p:cNvGrpSpPr/>
+        <p:nvPr/>
+      </p:nvGrpSpPr>
+      <p:grpSpPr>
+        <a:xfrm>
+          <a:off x="0" y="0"/>
+          <a:ext cx="0" cy="0"/>
+          <a:chOff x="0" y="0"/>
+          <a:chExt cx="0" cy="0"/>
+        </a:xfrm>
+      </p:grpSpPr>
+      <p:sp>
+        <p:nvSpPr>
+          <p:cNvPr id="2" name="Slide Image Placeholder 1"/>
+          <p:cNvSpPr>
+            <a:spLocks noGrp="1"/>
+          </p:cNvSpPr>
+          <p:nvPr>
+            <p:ph type="sldImg" idx="2"/>
+          </p:nvPr>
+        </p:nvSpPr>
+        <p:spPr/>
+      </p:sp>
+      <p:sp>
+        <p:nvSpPr>
+          <p:cNvPr id="3" name="Notes Placeholder 2"/>
+          <p:cNvSpPr>
+            <a:spLocks noGrp="1"/>
+          </p:cNvSpPr>
+          <p:nvPr>
+            <p:ph type="body" idx="3" sz="quarter"/>
+          </p:nvPr>
+        </p:nvSpPr>
+        <p:spPr/>
+        <p:txBody>
+          <a:bodyPr/>
+          <a:lstStyle/>
+          <a:p>
+            <a:r>
+              <a:t>Summary slide — no new citations. Key references:</a:t>
+            </a:r>
+          </a:p>
+          <a:p>
+            <a:r>
+              <a:t>• van Alfen N. Brain. 2006; Nat Rev Neurol. 2011.</a:t>
+            </a:r>
+          </a:p>
+          <a:p>
+            <a:r>
+              <a:t>• Dimopoulou I et al. Chest. 1998.</a:t>
+            </a:r>
+          </a:p>
+          <a:p>
+            <a:r>
+              <a:t>• Goligher EC et al. Am J Respir Crit Care Med. 2018.</a:t>
+            </a:r>
+          </a:p>
+          <a:p>
+            <a:r>
+              <a:t>• Higgs SM et al. J Heart Lung Transplant. 2002.</a:t>
+            </a:r>
+          </a:p>
+          <a:p>
+            <a:r>
+              <a:t>• DiMarco AF. Respir Physiol Neurobiol. 2009.</a:t>
+            </a:r>
+          </a:p>
+          <a:p>
+            <a:r>
+              <a:t>• Gonzalez-Bermejo J et al. Lancet Neurol. 2016.</a:t>
+            </a:r>
+          </a:p>
+        </p:txBody>
+      </p:sp>
+      <p:sp>
+        <p:nvSpPr>
+          <p:cNvPr id="4" name="Slide Number Placeholder 3"/>
+          <p:cNvSpPr>
+            <a:spLocks noGrp="1"/>
+          </p:cNvSpPr>
+          <p:nvPr>
+            <p:ph type="sldNum" idx="5" sz="quarter"/>
+          </p:nvPr>
+        </p:nvSpPr>
+        <p:spPr/>
+      </p:sp>
+    </p:spTree>
+  </p:cSld>
+  <p:clrMapOvr>
+    <a:masterClrMapping/>
+  </p:clrMapOvr>
+</p:notes>
+</file>
+
+<file path=ppt/notesSlides/notesSlide31.xml><?xml version="1.0" encoding="utf-8"?>
+<p:notes xmlns:a="http://schemas.openxmlformats.org/drawingml/2006/main" xmlns:p="http://schemas.openxmlformats.org/presentationml/2006/main" xmlns:r="http://schemas.openxmlformats.org/officeDocument/2006/relationships">
+  <p:cSld>
+    <p:spTree>
+      <p:nvGrpSpPr>
+        <p:cNvPr id="1" name=""/>
+        <p:cNvGrpSpPr/>
+        <p:nvPr/>
+      </p:nvGrpSpPr>
+      <p:grpSpPr>
+        <a:xfrm>
+          <a:off x="0" y="0"/>
+          <a:ext cx="0" cy="0"/>
+          <a:chOff x="0" y="0"/>
+          <a:chExt cx="0" cy="0"/>
+        </a:xfrm>
+      </p:grpSpPr>
+      <p:sp>
+        <p:nvSpPr>
+          <p:cNvPr id="2" name="Slide Image Placeholder 1"/>
+          <p:cNvSpPr>
+            <a:spLocks noGrp="1"/>
+          </p:cNvSpPr>
+          <p:nvPr>
+            <p:ph type="sldImg" idx="2"/>
+          </p:nvPr>
+        </p:nvSpPr>
+        <p:spPr/>
+      </p:sp>
+      <p:sp>
+        <p:nvSpPr>
+          <p:cNvPr id="3" name="Notes Placeholder 2"/>
+          <p:cNvSpPr>
+            <a:spLocks noGrp="1"/>
+          </p:cNvSpPr>
+          <p:nvPr>
+            <p:ph type="body" idx="3" sz="quarter"/>
+          </p:nvPr>
+        </p:nvSpPr>
+        <p:spPr/>
+        <p:txBody>
+          <a:bodyPr/>
+          <a:lstStyle/>
+          <a:p>
+            <a:r>
+              <a:t>Full reference list. Presenter should verify and update with any additional institutional publications.</a:t>
+            </a:r>
+          </a:p>
+        </p:txBody>
+      </p:sp>
+      <p:sp>
+        <p:nvSpPr>
+          <p:cNvPr id="4" name="Slide Number Placeholder 3"/>
+          <p:cNvSpPr>
+            <a:spLocks noGrp="1"/>
+          </p:cNvSpPr>
+          <p:nvPr>
+            <p:ph type="sldNum" idx="5" sz="quarter"/>
+          </p:nvPr>
+        </p:nvSpPr>
+        <p:spPr/>
+      </p:sp>
+    </p:spTree>
+  </p:cSld>
+  <p:clrMapOvr>
+    <a:masterClrMapping/>
+  </p:clrMapOvr>
+</p:notes>
+</file>
+
+<file path=ppt/notesSlides/notesSlide32.xml><?xml version="1.0" encoding="utf-8"?>
+<p:notes xmlns:a="http://schemas.openxmlformats.org/drawingml/2006/main" xmlns:p="http://schemas.openxmlformats.org/presentationml/2006/main" xmlns:r="http://schemas.openxmlformats.org/officeDocument/2006/relationships">
+  <p:cSld>
+    <p:spTree>
+      <p:nvGrpSpPr>
+        <p:cNvPr id="1" name=""/>
+        <p:cNvGrpSpPr/>
+        <p:nvPr/>
+      </p:nvGrpSpPr>
+      <p:grpSpPr>
+        <a:xfrm>
+          <a:off x="0" y="0"/>
+          <a:ext cx="0" cy="0"/>
+          <a:chOff x="0" y="0"/>
+          <a:chExt cx="0" cy="0"/>
+        </a:xfrm>
+      </p:grpSpPr>
+      <p:sp>
+        <p:nvSpPr>
+          <p:cNvPr id="2" name="Slide Image Placeholder 1"/>
+          <p:cNvSpPr>
+            <a:spLocks noGrp="1"/>
+          </p:cNvSpPr>
+          <p:nvPr>
+            <p:ph type="sldImg" idx="2"/>
+          </p:nvPr>
+        </p:nvSpPr>
+        <p:spPr/>
+      </p:sp>
+      <p:sp>
+        <p:nvSpPr>
+          <p:cNvPr id="3" name="Notes Placeholder 2"/>
+          <p:cNvSpPr>
+            <a:spLocks noGrp="1"/>
+          </p:cNvSpPr>
+          <p:nvPr>
+            <p:ph type="body" idx="3" sz="quarter"/>
+          </p:nvPr>
+        </p:nvSpPr>
+        <p:spPr/>
+        <p:txBody>
+          <a:bodyPr/>
+          <a:lstStyle/>
+          <a:p>
+            <a:r>
+              <a:t>Thank you. Happy to take questions.</a:t>
             </a:r>
           </a:p>
         </p:txBody>
@@ -1590,7 +3042,7 @@
           <a:lstStyle/>
           <a:p>
             <a:r>
-              <a:t>The phrenic nerve is the sole motor supply to the diaphragm — there is no redundancy. Its long course from C3–C5 through the neck and mediastinum creates many opportunities for injury. The left phrenic nerve is particularly vulnerable given its longer course over the aortic arch and pericardium. This is why left-sided palsy predominates after cardiac surgery.</a:t>
+              <a:t>Section divider — no citation needed.</a:t>
             </a:r>
           </a:p>
         </p:txBody>
@@ -1660,7 +3112,27 @@
           <a:lstStyle/>
           <a:p>
             <a:r>
-              <a:t>This slide is important for counseling patients. Unilateral paralysis in a healthy adult is often surprisingly well tolerated because the contralateral diaphragm and accessory muscles compensate. However, place that same patient supine — as in sleep or postoperatively — and the FVC can drop 40–50%, explaining the classic complaint of orthopnea. Bilateral dysfunction is a different beast entirely and typically requires ventilatory support.</a:t>
+              <a:t>CITATIONS:</a:t>
+            </a:r>
+          </a:p>
+          <a:p>
+            <a:r>
+              <a:t>• Fogarty MJ, Mantilla CB, Sieck GC. Physiology (Bethesda). 2018;33(2):113-126.</a:t>
+            </a:r>
+          </a:p>
+          <a:p>
+            <a:r>
+              <a:t>• Gibson GJ. Diaphragmatic paresis: pathophysiology, clinical features, and investigation. Thorax. 1989;44(11):960-970.</a:t>
+            </a:r>
+          </a:p>
+          <a:p>
+            <a:r>
+              <a:t>• Laroche CM et al. Diaphragm strength in patients with recent hemidiaphragm paralysis. Thorax. 1988;43(3):170-174. [FVC 20-30% decline figure]</a:t>
+            </a:r>
+          </a:p>
+          <a:p>
+            <a:r>
+              <a:t>• Newsom Davis J et al. Diaphragm function and alveolar hypoventilation. Q J Med. 1976;45(177):87-100. [Supine FVC drop figure]</a:t>
             </a:r>
           </a:p>
         </p:txBody>
@@ -1730,7 +3202,27 @@
           <a:lstStyle/>
           <a:p>
             <a:r>
-              <a:t>Now let's go through the major non-traumatic etiologies systematically.</a:t>
+              <a:t>CITATIONS:</a:t>
+            </a:r>
+          </a:p>
+          <a:p>
+            <a:r>
+              <a:t>• Merle M, Borrelly M, Braun FM. The phrenic nerve anatomy. Hand Clin. 1995;11(4):567-572.</a:t>
+            </a:r>
+          </a:p>
+          <a:p>
+            <a:r>
+              <a:t>• Kumka M. Critical sites of entrapment of the posterior division of the human phrenic nerve. J Can Chiropr Assoc. 2000.</a:t>
+            </a:r>
+          </a:p>
+          <a:p>
+            <a:r>
+              <a:t>• Dimopoulou I et al. Phrenic nerve dysfunction after cardiac operations. Chest. 1998;113(1):8-14. [Left predominance post-cardiac surgery]</a:t>
+            </a:r>
+          </a:p>
+          <a:p>
+            <a:r>
+              <a:t>• Standring S (ed). Gray's Anatomy, 41st ed. Elsevier; 2015. Chapter on phrenic nerve.</a:t>
             </a:r>
           </a:p>
         </p:txBody>
@@ -1800,7 +3292,32 @@
           <a:lstStyle/>
           <a:p>
             <a:r>
-              <a:t>The etiologies span three broad categories. Neurological causes include iatrogenic injury and inflammatory neuropathies. Neuromuscular disorders — such as ALS and muscular dystrophies — affect the motor unit below the phrenic nerve. Compressive or structural causes include mediastinal masses or degenerative cervical disease. A substantial minority — roughly 10–20% of unilateral cases — remain idiopathic even after a complete workup.</a:t>
+              <a:t>CITATIONS:</a:t>
+            </a:r>
+          </a:p>
+          <a:p>
+            <a:r>
+              <a:t>• Gibson GJ. Thorax. 1989;44(11):960-970. [Classic review of diaphragm paresis physiology]</a:t>
+            </a:r>
+          </a:p>
+          <a:p>
+            <a:r>
+              <a:t>• Laghi FA, Tobin MJ. Disorders of the respiratory muscles. Am J Respir Crit Care Med. 2003;168(1):10-48.</a:t>
+            </a:r>
+          </a:p>
+          <a:p>
+            <a:r>
+              <a:t>• Laroche CM et al. Thorax. 1988;43(3):170-174. [Upright vs supine FVC data]</a:t>
+            </a:r>
+          </a:p>
+          <a:p>
+            <a:r>
+              <a:t>• Newsom Davis J et al. Q J Med. 1976;45:87-100. [Bilateral paralysis physiology]</a:t>
+            </a:r>
+          </a:p>
+          <a:p>
+            <a:r>
+              <a:t>• Hart N et al. Respiratory symptoms and sleep-disordered breathing in patients with diaphragmatic paralysis. Thorax. 2002;57(4):289-294.</a:t>
             </a:r>
           </a:p>
         </p:txBody>
@@ -1870,7 +3387,7 @@
           <a:lstStyle/>
           <a:p>
             <a:r>
-              <a:t>Iatrogenic phrenic injury is the most common identifiable cause in surgical patients. Cardiac surgery is the classic setting — cold cardioplegia and ice slush directly cool the phrenic nerve as it runs along the pericardium. For cryoablation of atrial fibrillation, fluoroscopic monitoring of the phrenic nerve is now standard to prevent injury. Always ask about prior cardiac, thoracic, or cervical surgery when evaluating unexplained hemidiaphragm elevation.</a:t>
+              <a:t>Section divider.</a:t>
             </a:r>
           </a:p>
         </p:txBody>
@@ -1940,7 +3457,32 @@
           <a:lstStyle/>
           <a:p>
             <a:r>
-              <a:t>Parsonage-Turner syndrome is one of the most underdiagnosed conditions in this space. Many of these patients are worked up extensively for cardiac and pulmonary disease before the correct diagnosis is made. The key teaching point: phrenic-predominant PTS presents with dyspnea alone, without arm pain — the classic description. MRI brachial plexus has become increasingly useful to confirm the diagnosis. Most patients recover over 2–3 years, so the bar for surgical intervention is high — reserve plication for those without recovery at 18–24 months.</a:t>
+              <a:t>CITATIONS:</a:t>
+            </a:r>
+          </a:p>
+          <a:p>
+            <a:r>
+              <a:t>• Laghi FA, Tobin MJ. Am J Respir Crit Care Med. 2003;168(1):10-48. [Comprehensive review of all etiologies]</a:t>
+            </a:r>
+          </a:p>
+          <a:p>
+            <a:r>
+              <a:t>• van Alfen N. Nat Rev Neurol. 2011;7(6):315-322. [Parsonage-Turner]</a:t>
+            </a:r>
+          </a:p>
+          <a:p>
+            <a:r>
+              <a:t>• Kokatnur L, Rudrappa M. Diaphragmatic Palsy. Diseases. 2018;6(1):16. [Etiology classification]</a:t>
+            </a:r>
+          </a:p>
+          <a:p>
+            <a:r>
+              <a:t>• Dimopoulou I et al. Chest. 1998;113(1):8-14. [Iatrogenic]</a:t>
+            </a:r>
+          </a:p>
+          <a:p>
+            <a:r>
+              <a:t>• Demoule A et al. Intensive Care Med. 2013;39(7):1285-94. [CIM/VIDD]</a:t>
             </a:r>
           </a:p>
         </p:txBody>
@@ -7817,7 +9359,7 @@
           <a:lstStyle/>
           <a:p>
             <a:r>
-              <a:t>Non-Traumatic Causes: Phrenic Nerve Injury, Parsonage-Turner Syndrome, Spinal Cord Disease, and Beyond</a:t>
+              <a:t>Non-Traumatic Causes: Phrenic Nerve Injury, Neuralgic Amyotrophy, Spinal Cord Disease, and Beyond</a:t>
             </a:r>
           </a:p>
         </p:txBody>
@@ -7877,7 +9419,7 @@
           <a:lstStyle/>
           <a:p>
             <a:r>
-              <a:t>Cervical Spinal Cord Disease and Diaphragm Dysfunction</a:t>
+              <a:t>Iatrogenic Phrenic Nerve Injury</a:t>
             </a:r>
           </a:p>
         </p:txBody>
@@ -7900,62 +9442,57 @@
             <a:pPr/>
             <a:r>
               <a:rPr b="1"/>
-              <a:t>Cervical Spinal Cord Injury (SCI)</a:t>
-            </a:r>
-          </a:p>
-          <a:p>
-            <a:pPr lvl="2"/>
-            <a:r>
-              <a:t>C1–C2 complete lesion: no diaphragm function — full ventilator dependence</a:t>
-            </a:r>
-          </a:p>
-          <a:p>
-            <a:pPr lvl="2"/>
-            <a:r>
-              <a:t>C3–C4 complete lesion: partial diaphragm function — usually requires ventilatory support</a:t>
-            </a:r>
-          </a:p>
-          <a:p>
-            <a:pPr lvl="2"/>
-            <a:r>
-              <a:t>C5 and below: diaphragm largely intact; accessory muscles impaired</a:t>
-            </a:r>
-          </a:p>
-          <a:p>
-            <a:pPr lvl="2"/>
-            <a:r>
-              <a:t>~22,000 new SCIs per year in the US; ~60% are cervical</a:t>
-            </a:r>
-          </a:p>
-          <a:p>
-            <a:pPr lvl="2"/>
-            <a:r>
-              <a:t>Ventilator dependence in ~30% of cervical SCI at discharge</a:t>
+              <a:t>Cardiac Surgery</a:t>
+            </a:r>
+          </a:p>
+          <a:p>
+            <a:pPr lvl="2"/>
+            <a:r>
+              <a:t>Incidence 0.3–9.7% after CABG or valve surgery</a:t>
+            </a:r>
+          </a:p>
+          <a:p>
+            <a:pPr lvl="2"/>
+            <a:r>
+              <a:t>Mechanisms: cold cardioplegia ice slush, left IMA harvest traction</a:t>
+            </a:r>
+          </a:p>
+          <a:p>
+            <a:pPr lvl="2"/>
+            <a:r>
+              <a:t>Most recover 6–12 months; persistent palsy in ~1–2%</a:t>
             </a:r>
           </a:p>
           <a:p>
             <a:pPr/>
             <a:r>
               <a:rPr b="1"/>
-              <a:t>Cervical Myelopathy (Degenerative)</a:t>
-            </a:r>
-          </a:p>
-          <a:p>
-            <a:pPr lvl="2"/>
-            <a:r>
-              <a:t>Progressive compression of the spinal cord at C3–C5 level</a:t>
-            </a:r>
-          </a:p>
-          <a:p>
-            <a:pPr lvl="2"/>
-            <a:r>
-              <a:t>Insidious onset of dyspnea; may be misattributed to cardiac or pulmonary disease</a:t>
-            </a:r>
-          </a:p>
-          <a:p>
-            <a:pPr lvl="2"/>
-            <a:r>
-              <a:t>Decompressive surgery can halt or partially reverse dysfunction</a:t>
+              <a:t>Catheter Ablation (AF)</a:t>
+            </a:r>
+          </a:p>
+          <a:p>
+            <a:pPr lvl="2"/>
+            <a:r>
+              <a:t>Cryoablation: phrenic injury 0.4–11%; real-time phrenic pacing now standard</a:t>
+            </a:r>
+          </a:p>
+          <a:p>
+            <a:pPr lvl="2"/>
+            <a:r>
+              <a:t>RF ablation: rare, &lt;1%</a:t>
+            </a:r>
+          </a:p>
+          <a:p>
+            <a:pPr/>
+            <a:r>
+              <a:rPr b="1"/>
+              <a:t>Central Lines / Regional Blocks</a:t>
+            </a:r>
+          </a:p>
+          <a:p>
+            <a:pPr lvl="2"/>
+            <a:r>
+              <a:t>Subclavian/IJ catheterization, interscalene brachial plexus block (~100% transient phrenic block)</a:t>
             </a:r>
           </a:p>
         </p:txBody>
@@ -7976,7 +9513,7 @@
           <a:lstStyle/>
           <a:p>
             <a:r>
-              <a:t>Phrenic motor neurons at C3–C5 are the critical link</a:t>
+              <a:t>Most common identifiable cause — ask about every prior chest/neck/cardiac procedure</a:t>
             </a:r>
           </a:p>
         </p:txBody>
@@ -7999,69 +9536,50 @@
             <a:pPr/>
             <a:r>
               <a:rPr b="1"/>
-              <a:t>Cervical Disc Herniation</a:t>
-            </a:r>
-          </a:p>
-          <a:p>
-            <a:pPr lvl="2"/>
-            <a:r>
-              <a:t>C3–C4 or C4–C5 disc herniation: direct compression of phrenic motor neurons</a:t>
-            </a:r>
-          </a:p>
-          <a:p>
-            <a:pPr lvl="2"/>
-            <a:r>
-              <a:t>Rare but well-documented cause of acute unilateral diaphragm paresis</a:t>
-            </a:r>
-          </a:p>
-          <a:p>
-            <a:pPr lvl="2"/>
-            <a:r>
-              <a:t>Surgical decompression usually leads to recovery</a:t>
+              <a:t>Other Surgical Causes</a:t>
+            </a:r>
+          </a:p>
+          <a:p>
+            <a:pPr lvl="2"/>
+            <a:r>
+              <a:t>Cervical spine surgery (C3–C5): direct trauma or retraction</a:t>
+            </a:r>
+          </a:p>
+          <a:p>
+            <a:pPr lvl="2"/>
+            <a:r>
+              <a:t>Thoracic surgery: lobectomy, pneumonectomy, mediastinal dissection</a:t>
+            </a:r>
+          </a:p>
+          <a:p>
+            <a:pPr lvl="2"/>
+            <a:r>
+              <a:t>Esophagectomy, thyroidectomy, neck dissection</a:t>
             </a:r>
           </a:p>
           <a:p>
             <a:pPr/>
             <a:r>
               <a:rPr b="1"/>
-              <a:t>Neuromuscular Disease Affecting Cervical Motor Neurons</a:t>
-            </a:r>
-          </a:p>
-          <a:p>
-            <a:pPr lvl="2"/>
-            <a:r>
-              <a:t>ALS: upper and lower motor neuron degeneration — diaphragm involvement heralds respiratory failure</a:t>
-            </a:r>
-          </a:p>
-          <a:p>
-            <a:pPr lvl="2"/>
-            <a:r>
-              <a:t>Diaphragm involvement often precedes limb weakness in "respiratory-onset" ALS</a:t>
-            </a:r>
-          </a:p>
-          <a:p>
-            <a:pPr/>
-            <a:r>
-              <a:rPr b="1"/>
-              <a:t>Monitoring</a:t>
-            </a:r>
-          </a:p>
-          <a:p>
-            <a:pPr lvl="2"/>
-            <a:r>
-              <a:t>Serial supine FVC measurement recommended for all cervical SCI patients</a:t>
-            </a:r>
-          </a:p>
-          <a:p>
-            <a:pPr lvl="2"/>
-            <a:r>
-              <a:t>Nocturnal oximetry to detect early hypoventilation</a:t>
-            </a:r>
-          </a:p>
-          <a:p>
-            <a:pPr lvl="2"/>
-            <a:r>
-              <a:t>Phrenic nerve conduction studies to assess lower motor neuron integrity</a:t>
+              <a:t>Radiation Therapy</a:t>
+            </a:r>
+          </a:p>
+          <a:p>
+            <a:pPr lvl="2"/>
+            <a:r>
+              <a:t>Delayed: months–years after mediastinal or cervical fields</a:t>
+            </a:r>
+          </a:p>
+          <a:p>
+            <a:pPr lvl="2"/>
+            <a:r>
+              <a:t>Progressive fibrosis → often irreversible</a:t>
+            </a:r>
+          </a:p>
+          <a:p>
+            <a:pPr lvl="2"/>
+            <a:r>
+              <a:t>Lymphoma, lung cancer, breast cancer RT most implicated</a:t>
             </a:r>
           </a:p>
         </p:txBody>
@@ -8100,7 +9618,7 @@
           <a:lstStyle/>
           <a:p>
             <a:r>
-              <a:t>Neuromuscular Disorders Causing Diaphragm Dysfunction</a:t>
+              <a:t>Parsonage-Turner Syndrome (Neuralgic Amyotrophy)</a:t>
             </a:r>
           </a:p>
         </p:txBody>
@@ -8123,69 +9641,63 @@
             <a:pPr/>
             <a:r>
               <a:rPr b="1"/>
-              <a:t>ALS (Amyotrophic Lateral Sclerosis)</a:t>
-            </a:r>
-          </a:p>
-          <a:p>
-            <a:pPr lvl="2"/>
-            <a:r>
-              <a:t>Diaphragm is inevitably involved; typically the ultimate cause of death</a:t>
-            </a:r>
-          </a:p>
-          <a:p>
-            <a:pPr lvl="2"/>
-            <a:r>
-              <a:t>FVC &lt;50% predicted: strong predictor of 12-month mortality without intervention</a:t>
-            </a:r>
-          </a:p>
-          <a:p>
-            <a:pPr lvl="2"/>
-            <a:r>
-              <a:t>NIV initiation at FVC &lt;50% or 4 cmH₂O sniff nasal pressure extends survival ~7 months</a:t>
+              <a:t>Definition &amp; Epidemiology</a:t>
+            </a:r>
+          </a:p>
+          <a:p>
+            <a:pPr lvl="2"/>
+            <a:r>
+              <a:t>Idiopathic inflammatory brachial plexus neuropathy; incidence ~1–3/100,000/year</a:t>
+            </a:r>
+          </a:p>
+          <a:p>
+            <a:pPr lvl="2"/>
+            <a:r>
+              <a:t>Phrenic nerve involved in ~7% of PTS; bilateral phrenic in ~7% of those</a:t>
+            </a:r>
+          </a:p>
+          <a:p>
+            <a:pPr lvl="2"/>
+            <a:r>
+              <a:t>Hereditary form (SEPT9 mutation): more frequent phrenic involvement</a:t>
             </a:r>
           </a:p>
           <a:p>
             <a:pPr/>
             <a:r>
               <a:rPr b="1"/>
-              <a:t>Myasthenia Gravis</a:t>
-            </a:r>
-          </a:p>
-          <a:p>
-            <a:pPr lvl="2"/>
-            <a:r>
-              <a:t>Anti-AChR or anti-MuSK antibodies impair neuromuscular junction</a:t>
-            </a:r>
-          </a:p>
-          <a:p>
-            <a:pPr lvl="2"/>
-            <a:r>
-              <a:t>Myasthenic crisis: acute respiratory failure from diaphragm/accessory muscle fatigability</a:t>
-            </a:r>
-          </a:p>
-          <a:p>
-            <a:pPr lvl="2"/>
-            <a:r>
-              <a:t>ICU management: plasma exchange or IVIG; BiPAP or intubation as needed</a:t>
+              <a:t>Pathophysiology</a:t>
+            </a:r>
+          </a:p>
+          <a:p>
+            <a:pPr lvl="2"/>
+            <a:r>
+              <a:t>Immune-mediated focal demyelination and axonal injury of peripheral nerves</a:t>
+            </a:r>
+          </a:p>
+          <a:p>
+            <a:pPr lvl="2"/>
+            <a:r>
+              <a:t>Triggers: viral illness (EBV, CMV, COVID-19), surgery, vaccination, intense exercise</a:t>
             </a:r>
           </a:p>
           <a:p>
             <a:pPr/>
             <a:r>
               <a:rPr b="1"/>
-              <a:t>Pompe Disease (Acid Maltase Deficiency)</a:t>
-            </a:r>
-          </a:p>
-          <a:p>
-            <a:pPr lvl="2"/>
-            <a:r>
-              <a:t>Glycogen accumulation in diaphragm and proximal muscles; may present in adults as unexplained respiratory failure</a:t>
-            </a:r>
-          </a:p>
-          <a:p>
-            <a:pPr lvl="2"/>
-            <a:r>
-              <a:t>Diagnosis: GAA enzyme activity; treatment: enzyme replacement therapy (alglucosidase)</a:t>
+              <a:t>Clinical Presentation</a:t>
+            </a:r>
+          </a:p>
+          <a:p>
+            <a:pPr lvl="2"/>
+            <a:r>
+              <a:t>Classic: acute severe shoulder/arm pain → progressive weakness</a:t>
+            </a:r>
+          </a:p>
+          <a:p>
+            <a:pPr lvl="2"/>
+            <a:r>
+              <a:t>Phrenic-predominant variant: dyspnea without arm pain — commonly missed</a:t>
             </a:r>
           </a:p>
         </p:txBody>
@@ -8206,7 +9718,7 @@
           <a:lstStyle/>
           <a:p>
             <a:r>
-              <a:t>Diaphragm involvement is a key determinant of prognosis and survival</a:t>
+              <a:t>An underrecognized immune-mediated phrenic neuropathy</a:t>
             </a:r>
           </a:p>
         </p:txBody>
@@ -8229,69 +9741,62 @@
             <a:pPr/>
             <a:r>
               <a:rPr b="1"/>
-              <a:t>Muscular Dystrophies</a:t>
-            </a:r>
-          </a:p>
-          <a:p>
-            <a:pPr lvl="2"/>
-            <a:r>
-              <a:t>Duchenne MD: diaphragm weakness by 2nd decade; median survival with NIV ~25 years</a:t>
-            </a:r>
-          </a:p>
-          <a:p>
-            <a:pPr lvl="2"/>
-            <a:r>
-              <a:t>Becker MD: milder; respiratory involvement decades later</a:t>
-            </a:r>
-          </a:p>
-          <a:p>
-            <a:pPr lvl="2"/>
-            <a:r>
-              <a:t>Limb-girdle MD: variable diaphragm involvement depending on subtype</a:t>
-            </a:r>
-          </a:p>
-          <a:p>
-            <a:pPr lvl="2"/>
-            <a:r>
-              <a:t>Emery-Dreifuss MD: early respiratory involvement, cardiac conduction disease</a:t>
+              <a:t>Diagnosis</a:t>
+            </a:r>
+          </a:p>
+          <a:p>
+            <a:pPr lvl="2"/>
+            <a:r>
+              <a:t>CXR: elevated hemidiaphragm</a:t>
+            </a:r>
+          </a:p>
+          <a:p>
+            <a:pPr lvl="2"/>
+            <a:r>
+              <a:t>Sniff fluoroscopy: paradoxical diaphragm movement</a:t>
+            </a:r>
+          </a:p>
+          <a:p>
+            <a:pPr lvl="2"/>
+            <a:r>
+              <a:t>MRI brachial plexus: hourglass nerve constriction, T2 signal in denervated muscles</a:t>
+            </a:r>
+          </a:p>
+          <a:p>
+            <a:pPr lvl="2"/>
+            <a:r>
+              <a:t>Phrenic NCS: absent/reduced CMAP; needle EMG: fibrillations in diaphragm</a:t>
             </a:r>
           </a:p>
           <a:p>
             <a:pPr/>
             <a:r>
               <a:rPr b="1"/>
-              <a:t>Critical Illness Polyneuropathy / Myopathy (CIP/CIM)</a:t>
-            </a:r>
-          </a:p>
-          <a:p>
-            <a:pPr lvl="2"/>
-            <a:r>
-              <a:t>ICU-acquired weakness affecting ventilator weaning in up to 60% of septic patients</a:t>
-            </a:r>
-          </a:p>
-          <a:p>
-            <a:pPr lvl="2"/>
-            <a:r>
-              <a:t>Prolonged mechanical ventilation itself induces diaphragm atrophy (VIDD) within 18–69 hours</a:t>
-            </a:r>
-          </a:p>
-          <a:p>
-            <a:pPr/>
-            <a:r>
-              <a:rPr b="1"/>
-              <a:t>Guillain-Barré Syndrome</a:t>
-            </a:r>
-          </a:p>
-          <a:p>
-            <a:pPr lvl="2"/>
-            <a:r>
-              <a:t>Ascending paralysis reaches the diaphragm in ~30% requiring ventilatory support</a:t>
-            </a:r>
-          </a:p>
-          <a:p>
-            <a:pPr lvl="2"/>
-            <a:r>
-              <a:t>Treatment: IVIG or plasma exchange; most recover with adequate supportive care</a:t>
+              <a:t>Prognosis &amp; Treatment</a:t>
+            </a:r>
+          </a:p>
+          <a:p>
+            <a:pPr lvl="2"/>
+            <a:r>
+              <a:t>Spontaneous recovery 70–80% at 2–3 years</a:t>
+            </a:r>
+          </a:p>
+          <a:p>
+            <a:pPr lvl="2"/>
+            <a:r>
+              <a:t>High-dose corticosteroids: may shorten acute pain; uncertain effect on recovery</a:t>
+            </a:r>
+          </a:p>
+          <a:p>
+            <a:pPr lvl="2"/>
+            <a:r>
+              <a:t>IVIG: emerging evidence for severe/non-recovering cases</a:t>
+            </a:r>
+          </a:p>
+          <a:p>
+            <a:pPr lvl="2"/>
+            <a:r>
+              <a:t>Plication: consider if no recovery after 18–24 months</a:t>
             </a:r>
           </a:p>
         </p:txBody>
@@ -8321,7 +9826,7 @@
             <a:spLocks noGrp="1"/>
           </p:cNvSpPr>
           <p:nvPr>
-            <p:ph type="ctrTitle"/>
+            <p:ph type="title"/>
           </p:nvPr>
         </p:nvSpPr>
         <p:spPr/>
@@ -8330,19 +9835,19 @@
           <a:lstStyle/>
           <a:p>
             <a:r>
-              <a:t>Diagnosis</a:t>
-            </a:r>
-          </a:p>
-        </p:txBody>
-      </p:sp>
-      <p:sp>
-        <p:nvSpPr>
-          <p:cNvPr id="3" name="Subtitle 2"/>
-          <p:cNvSpPr>
-            <a:spLocks noGrp="1"/>
-          </p:cNvSpPr>
-          <p:nvPr>
-            <p:ph type="subTitle" idx="1"/>
+              <a:t>Cervical Spinal Cord Disease and Diaphragm Dysfunction</a:t>
+            </a:r>
+          </a:p>
+        </p:txBody>
+      </p:sp>
+      <p:sp>
+        <p:nvSpPr>
+          <p:cNvPr id="3" name="Content Placeholder 2"/>
+          <p:cNvSpPr>
+            <a:spLocks noGrp="1"/>
+          </p:cNvSpPr>
+          <p:nvPr>
+            <p:ph idx="1"/>
           </p:nvPr>
         </p:nvSpPr>
         <p:spPr/>
@@ -8350,8 +9855,153 @@
           <a:bodyPr/>
           <a:lstStyle/>
           <a:p>
-            <a:r>
-              <a:t>A systematic approach from bedside to advanced neurophysiology</a:t>
+            <a:pPr/>
+            <a:r>
+              <a:rPr b="1"/>
+              <a:t>Cervical Spinal Cord Injury (SCI)</a:t>
+            </a:r>
+          </a:p>
+          <a:p>
+            <a:pPr lvl="2"/>
+            <a:r>
+              <a:t>C1–C2 complete: no diaphragm function — full ventilator dependence</a:t>
+            </a:r>
+          </a:p>
+          <a:p>
+            <a:pPr lvl="2"/>
+            <a:r>
+              <a:t>C3–C4 complete: partial diaphragm function — usually requires ventilatory support</a:t>
+            </a:r>
+          </a:p>
+          <a:p>
+            <a:pPr lvl="2"/>
+            <a:r>
+              <a:t>C5 and below: diaphragm largely intact; accessory muscles impaired</a:t>
+            </a:r>
+          </a:p>
+          <a:p>
+            <a:pPr lvl="2"/>
+            <a:r>
+              <a:t>~22,000 new SCIs/year in US; ~60% cervical; ~30% ventilator-dependent at discharge</a:t>
+            </a:r>
+          </a:p>
+          <a:p>
+            <a:pPr/>
+            <a:r>
+              <a:rPr b="1"/>
+              <a:t>Cervical Myelopathy (Degenerative)</a:t>
+            </a:r>
+          </a:p>
+          <a:p>
+            <a:pPr lvl="2"/>
+            <a:r>
+              <a:t>Progressive cord compression at C3–C5; insidious dyspnea often misattributed</a:t>
+            </a:r>
+          </a:p>
+          <a:p>
+            <a:pPr lvl="2"/>
+            <a:r>
+              <a:t>Decompressive surgery can halt or partially reverse dysfunction</a:t>
+            </a:r>
+          </a:p>
+          <a:p>
+            <a:pPr/>
+            <a:r>
+              <a:rPr b="1"/>
+              <a:t>Cervical Disc Herniation (C3–C5)</a:t>
+            </a:r>
+          </a:p>
+          <a:p>
+            <a:pPr lvl="2"/>
+            <a:r>
+              <a:t>Rare but documented cause of acute unilateral diaphragm paresis</a:t>
+            </a:r>
+          </a:p>
+          <a:p>
+            <a:pPr lvl="2"/>
+            <a:r>
+              <a:t>Surgical decompression usually leads to recovery</a:t>
+            </a:r>
+          </a:p>
+        </p:txBody>
+      </p:sp>
+      <p:sp>
+        <p:nvSpPr>
+          <p:cNvPr id="4" name="Text Placeholder 3"/>
+          <p:cNvSpPr>
+            <a:spLocks noGrp="1"/>
+          </p:cNvSpPr>
+          <p:nvPr>
+            <p:ph type="body" idx="13" sz="quarter"/>
+          </p:nvPr>
+        </p:nvSpPr>
+        <p:spPr/>
+        <p:txBody>
+          <a:bodyPr/>
+          <a:lstStyle/>
+          <a:p>
+            <a:r>
+              <a:t>Phrenic motor neurons at C3–C5 are the critical link</a:t>
+            </a:r>
+          </a:p>
+        </p:txBody>
+      </p:sp>
+      <p:sp>
+        <p:nvSpPr>
+          <p:cNvPr id="5" name="Content Placeholder 4"/>
+          <p:cNvSpPr>
+            <a:spLocks noGrp="1"/>
+          </p:cNvSpPr>
+          <p:nvPr>
+            <p:ph idx="14"/>
+          </p:nvPr>
+        </p:nvSpPr>
+        <p:spPr/>
+        <p:txBody>
+          <a:bodyPr/>
+          <a:lstStyle/>
+          <a:p>
+            <a:pPr/>
+            <a:r>
+              <a:rPr b="1"/>
+              <a:t>ALS — Motor Neuron Disease</a:t>
+            </a:r>
+          </a:p>
+          <a:p>
+            <a:pPr lvl="2"/>
+            <a:r>
+              <a:t>Diaphragm involvement heralds respiratory failure; "respiratory-onset" ALS well-described</a:t>
+            </a:r>
+          </a:p>
+          <a:p>
+            <a:pPr lvl="2"/>
+            <a:r>
+              <a:t>FVC &lt;50%: strong predictor of 12-month mortality without NIV</a:t>
+            </a:r>
+          </a:p>
+          <a:p>
+            <a:pPr/>
+            <a:r>
+              <a:rPr b="1"/>
+              <a:t>Monitoring Recommendations</a:t>
+            </a:r>
+          </a:p>
+          <a:p>
+            <a:pPr lvl="2"/>
+            <a:r>
+              <a:t>Serial supine FVC measurement in all cervical SCI patients</a:t>
+            </a:r>
+          </a:p>
+          <a:p>
+            <a:pPr lvl="2"/>
+            <a:r>
+              <a:t>Nocturnal oximetry to detect early hypoventilation</a:t>
+            </a:r>
+          </a:p>
+          <a:p>
+            <a:pPr lvl="2"/>
+            <a:r>
+              <a:t>Phrenic NCS to assess lower motor neuron integrity before considering pacing</a:t>
             </a:r>
           </a:p>
         </p:txBody>
@@ -8390,7 +10040,7 @@
           <a:lstStyle/>
           <a:p>
             <a:r>
-              <a:t>Clinical Presentation of Diaphragm Dysfunction</a:t>
+              <a:t>Critical Illness Diaphragmatic Dysfunction</a:t>
             </a:r>
           </a:p>
         </p:txBody>
@@ -8413,43 +10063,63 @@
             <a:pPr/>
             <a:r>
               <a:rPr b="1"/>
-              <a:t>Symptoms</a:t>
-            </a:r>
-          </a:p>
-          <a:p>
-            <a:pPr lvl="2"/>
-            <a:r>
-              <a:t>Dyspnea on exertion — often the first and only complaint in unilateral paralysis</a:t>
-            </a:r>
-          </a:p>
-          <a:p>
-            <a:pPr lvl="2"/>
-            <a:r>
-              <a:t>Orthopnea: worsening dyspnea in supine position — hallmark of bilateral dysfunction</a:t>
-            </a:r>
-          </a:p>
-          <a:p>
-            <a:pPr lvl="2"/>
-            <a:r>
-              <a:t>Paradoxical abdominal movement: abdomen moves inward on inspiration (accessory muscle use)</a:t>
-            </a:r>
-          </a:p>
-          <a:p>
-            <a:pPr lvl="2"/>
-            <a:r>
-              <a:t>Difficulty sleeping flat; nocturnal oxygen desaturation</a:t>
-            </a:r>
-          </a:p>
-          <a:p>
-            <a:pPr lvl="2"/>
-            <a:r>
-              <a:t>Impaired cough — recurrent aspiration and pulmonary infections</a:t>
-            </a:r>
-          </a:p>
-          <a:p>
-            <a:pPr lvl="2"/>
-            <a:r>
-              <a:t>Daytime hypersomnolence (CO₂ retention from nocturnal hypoventilation)</a:t>
+              <a:t>Epidemiology</a:t>
+            </a:r>
+          </a:p>
+          <a:p>
+            <a:pPr lvl="2"/>
+            <a:r>
+              <a:t>Diaphragm dysfunction present in 64–80% of ICU patients at admission</a:t>
+            </a:r>
+          </a:p>
+          <a:p>
+            <a:pPr lvl="2"/>
+            <a:r>
+              <a:t>Independently associated with prolonged ventilation, ICU LOS, and mortality</a:t>
+            </a:r>
+          </a:p>
+          <a:p>
+            <a:pPr/>
+            <a:r>
+              <a:rPr b="1"/>
+              <a:t>Ventilator-Induced Diaphragm Dysfunction (VIDD)</a:t>
+            </a:r>
+          </a:p>
+          <a:p>
+            <a:pPr lvl="2"/>
+            <a:r>
+              <a:t>Controlled MV causes diaphragm atrophy within 18–69 hours (animal and human data)</a:t>
+            </a:r>
+          </a:p>
+          <a:p>
+            <a:pPr lvl="2"/>
+            <a:r>
+              <a:t>Myofibril loss, oxidative stress, proteolysis → ↓ force-generating capacity</a:t>
+            </a:r>
+          </a:p>
+          <a:p>
+            <a:pPr lvl="2"/>
+            <a:r>
+              <a:t>Magnitude: 6% force loss per day of controlled ventilation in humans</a:t>
+            </a:r>
+          </a:p>
+          <a:p>
+            <a:pPr/>
+            <a:r>
+              <a:rPr b="1"/>
+              <a:t>Critical Illness Polyneuropathy / Myopathy (CIP/CIM)</a:t>
+            </a:r>
+          </a:p>
+          <a:p>
+            <a:pPr lvl="2"/>
+            <a:r>
+              <a:t>ICU-acquired weakness in up to 60% of patients with sepsis or MODS</a:t>
+            </a:r>
+          </a:p>
+          <a:p>
+            <a:pPr lvl="2"/>
+            <a:r>
+              <a:t>Phrenic nerve involvement impairs spontaneous breathing trial success</a:t>
             </a:r>
           </a:p>
         </p:txBody>
@@ -8470,7 +10140,7 @@
           <a:lstStyle/>
           <a:p>
             <a:r>
-              <a:t>Symptoms range from incidental CXR finding to acute respiratory failure</a:t>
+              <a:t>An ICU-acquired syndrome with major impact on weaning and survival</a:t>
             </a:r>
           </a:p>
         </p:txBody>
@@ -8493,68 +10163,56 @@
             <a:pPr/>
             <a:r>
               <a:rPr b="1"/>
-              <a:t>Physical Examination</a:t>
-            </a:r>
-          </a:p>
-          <a:p>
-            <a:pPr lvl="2"/>
-            <a:r>
-              <a:t>Reduced breath sounds at the base of affected side</a:t>
-            </a:r>
-          </a:p>
-          <a:p>
-            <a:pPr lvl="2"/>
-            <a:r>
-              <a:t>Accessory muscle use (sternocleidomastoid, scalenes) at rest — suggests bilateral involvement</a:t>
-            </a:r>
-          </a:p>
-          <a:p>
-            <a:pPr lvl="2"/>
-            <a:r>
-              <a:t>Abdominal paradox: inward movement of abdomen during inspiration</a:t>
-            </a:r>
-          </a:p>
-          <a:p>
-            <a:pPr lvl="2"/>
-            <a:r>
-              <a:t>Neck and upper extremity examination for brachial plexus signs (PTS)</a:t>
-            </a:r>
-          </a:p>
-          <a:p>
-            <a:pPr lvl="2"/>
-            <a:r>
-              <a:t>Neurologic assessment: limb strength, reflexes, fasciculations (ALS, myelopathy)</a:t>
+              <a:t>Diagnosis in the ICU</a:t>
+            </a:r>
+          </a:p>
+          <a:p>
+            <a:pPr lvl="2"/>
+            <a:r>
+              <a:t>Bedside ultrasound: thickening fraction &lt;20% → paralysis/paresis</a:t>
+            </a:r>
+          </a:p>
+          <a:p>
+            <a:pPr lvl="2"/>
+            <a:r>
+              <a:t>Excursion &lt;10 mm (tidal), &lt;25 mm (deep breath) → dysfunction</a:t>
+            </a:r>
+          </a:p>
+          <a:p>
+            <a:pPr lvl="2"/>
+            <a:r>
+              <a:t>Phrenic nerve magnetic stimulation: non-volitional assessment of strength</a:t>
             </a:r>
           </a:p>
           <a:p>
             <a:pPr/>
             <a:r>
               <a:rPr b="1"/>
-              <a:t>Respiratory Failure Spectrum</a:t>
-            </a:r>
-          </a:p>
-          <a:p>
-            <a:pPr lvl="2"/>
-            <a:r>
-              <a:t>Incidental finding: asymptomatic hemidiaphragm elevation on CXR</a:t>
-            </a:r>
-          </a:p>
-          <a:p>
-            <a:pPr lvl="2"/>
-            <a:r>
-              <a:t>Moderate: exertional dyspnea, exercise intolerance, orthopnea</a:t>
-            </a:r>
-          </a:p>
-          <a:p>
-            <a:pPr lvl="2"/>
-            <a:r>
-              <a:t>Severe: chronic respiratory failure, cor pulmonale, NIV dependence</a:t>
-            </a:r>
-          </a:p>
-          <a:p>
-            <a:pPr lvl="2"/>
-            <a:r>
-              <a:t>Acute: ventilatory failure requiring emergent intubation (MG crisis, GBS)</a:t>
+              <a:t>Prevention &amp; Treatment</a:t>
+            </a:r>
+          </a:p>
+          <a:p>
+            <a:pPr lvl="2"/>
+            <a:r>
+              <a:t>Avoid controlled ventilation: use assisted modes (PSV, NAVA) to maintain diaphragm activity</a:t>
+            </a:r>
+          </a:p>
+          <a:p>
+            <a:pPr lvl="2"/>
+            <a:r>
+              <a:t>Avoid over-assistance: excessive support also causes disuse atrophy (reverse VIDD)</a:t>
+            </a:r>
+          </a:p>
+          <a:p>
+            <a:pPr lvl="2"/>
+            <a:r>
+              <a:t>Inspiratory muscle training during weaning: emerging evidence for accelerating liberation</a:t>
+            </a:r>
+          </a:p>
+          <a:p>
+            <a:pPr lvl="2"/>
+            <a:r>
+              <a:t>Treat underlying sepsis/MODS aggressively — CIP/CIM often partially reversible</a:t>
             </a:r>
           </a:p>
         </p:txBody>
@@ -8593,7 +10251,7 @@
           <a:lstStyle/>
           <a:p>
             <a:r>
-              <a:t>Diagnostic Workup for Diaphragm Dysfunction</a:t>
+              <a:t>Neuromuscular Disorders Causing Diaphragm Dysfunction</a:t>
             </a:r>
           </a:p>
         </p:txBody>
@@ -8616,141 +10274,165 @@
             <a:pPr/>
             <a:r>
               <a:rPr b="1"/>
-              <a:t>Chest X-Ray</a:t>
-            </a:r>
-          </a:p>
-          <a:p>
-            <a:pPr lvl="2"/>
-            <a:r>
-              <a:t>Elevated hemidiaphragm (right &gt;5th rib anterior, left &gt;6th); may be bilateral</a:t>
-            </a:r>
-          </a:p>
-          <a:p>
-            <a:pPr lvl="2"/>
-            <a:r>
-              <a:t>Comparison with prior films essential to determine acuity</a:t>
+              <a:t>ALS</a:t>
+            </a:r>
+          </a:p>
+          <a:p>
+            <a:pPr lvl="2"/>
+            <a:r>
+              <a:t>Diaphragm inevitably involved; NIV at FVC &lt;50% extends survival ~7 months</a:t>
             </a:r>
           </a:p>
           <a:p>
             <a:pPr/>
             <a:r>
               <a:rPr b="1"/>
-              <a:t>Fluoroscopic Sniff Test ("Sniff Fluoroscopy")</a:t>
-            </a:r>
-          </a:p>
-          <a:p>
-            <a:pPr lvl="2"/>
-            <a:r>
-              <a:t>Patient performs a short, sharp inspiration (sniff); paralyzed side moves paradoxically upward</a:t>
-            </a:r>
-          </a:p>
-          <a:p>
-            <a:pPr lvl="2"/>
-            <a:r>
-              <a:t>Sensitivity ~90% for unilateral; reduced for bilateral (compensatory muscle use may mimic normal)</a:t>
+              <a:t>Myasthenia Gravis</a:t>
+            </a:r>
+          </a:p>
+          <a:p>
+            <a:pPr lvl="2"/>
+            <a:r>
+              <a:t>Myasthenic crisis: acute diaphragm/accessory muscle fatigability → respiratory failure</a:t>
+            </a:r>
+          </a:p>
+          <a:p>
+            <a:pPr lvl="2"/>
+            <a:r>
+              <a:t>Plasma exchange or IVIG; BiPAP/intubation as needed</a:t>
             </a:r>
           </a:p>
           <a:p>
             <a:pPr/>
             <a:r>
               <a:rPr b="1"/>
-              <a:t>Diaphragm Ultrasound (M-mode)</a:t>
-            </a:r>
-          </a:p>
-          <a:p>
-            <a:pPr lvl="2"/>
-            <a:r>
-              <a:t>Non-invasive, no radiation, bedside-capable; measures diaphragm excursion and thickening fraction</a:t>
-            </a:r>
-          </a:p>
-          <a:p>
-            <a:pPr lvl="2"/>
-            <a:r>
-              <a:t>Thickening fraction &lt;20% during tidal breathing indicates paralysis/paresis</a:t>
+              <a:t>Pompe Disease (Acid Maltase Deficiency)</a:t>
+            </a:r>
+          </a:p>
+          <a:p>
+            <a:pPr lvl="2"/>
+            <a:r>
+              <a:t>Adult-onset: unexplained proximal weakness + respiratory failure</a:t>
+            </a:r>
+          </a:p>
+          <a:p>
+            <a:pPr lvl="2"/>
+            <a:r>
+              <a:t>Diagnosis: GAA enzyme activity; treatment: alglucosidase alfa (ERT)</a:t>
             </a:r>
           </a:p>
           <a:p>
             <a:pPr/>
             <a:r>
               <a:rPr b="1"/>
-              <a:t>Pulmonary Function Tests</a:t>
-            </a:r>
-          </a:p>
-          <a:p>
-            <a:pPr lvl="2"/>
-            <a:r>
-              <a:t>Supine vs. upright FVC: &gt;20% fall indicates diaphragm dysfunction; &gt;50% fall suggests bilateral</a:t>
-            </a:r>
-          </a:p>
-          <a:p>
-            <a:pPr lvl="2"/>
-            <a:r>
-              <a:t>Maximal inspiratory pressure (MIP/PImax): &lt;25 cmH₂O correlates with respiratory failure risk</a:t>
-            </a:r>
-          </a:p>
-          <a:p>
-            <a:pPr lvl="2"/>
-            <a:r>
-              <a:t>Sniff nasal inspiratory pressure (SNIP): sensitive for early neuromuscular diaphragm weakness</a:t>
-            </a:r>
-          </a:p>
+              <a:t>Muscular Dystrophies</a:t>
+            </a:r>
+          </a:p>
+          <a:p>
+            <a:pPr lvl="2"/>
+            <a:r>
+              <a:t>Duchenne: diaphragm weakness by 2nd decade; NIV extends median survival ~25 years</a:t>
+            </a:r>
+          </a:p>
+          <a:p>
+            <a:pPr lvl="2"/>
+            <a:r>
+              <a:t>Emery-Dreifuss, LGMD subtypes: variable but important respiratory involvement</a:t>
+            </a:r>
+          </a:p>
+        </p:txBody>
+      </p:sp>
+      <p:sp>
+        <p:nvSpPr>
+          <p:cNvPr id="4" name="Text Placeholder 3"/>
+          <p:cNvSpPr>
+            <a:spLocks noGrp="1"/>
+          </p:cNvSpPr>
+          <p:nvPr>
+            <p:ph type="body" idx="13" sz="quarter"/>
+          </p:nvPr>
+        </p:nvSpPr>
+        <p:spPr/>
+        <p:txBody>
+          <a:bodyPr/>
+          <a:lstStyle/>
+          <a:p>
+            <a:r>
+              <a:t>Diaphragm involvement determines prognosis and survival</a:t>
+            </a:r>
+          </a:p>
+        </p:txBody>
+      </p:sp>
+      <p:sp>
+        <p:nvSpPr>
+          <p:cNvPr id="5" name="Content Placeholder 4"/>
+          <p:cNvSpPr>
+            <a:spLocks noGrp="1"/>
+          </p:cNvSpPr>
+          <p:nvPr>
+            <p:ph idx="14"/>
+          </p:nvPr>
+        </p:nvSpPr>
+        <p:spPr/>
+        <p:txBody>
+          <a:bodyPr/>
+          <a:lstStyle/>
           <a:p>
             <a:pPr/>
             <a:r>
               <a:rPr b="1"/>
-              <a:t>Phrenic Nerve Conduction Studies &amp; EMG</a:t>
-            </a:r>
-          </a:p>
-          <a:p>
-            <a:pPr lvl="2"/>
-            <a:r>
-              <a:t>Neck stimulation → recording over epigastrium; CMAP amplitude and latency</a:t>
-            </a:r>
-          </a:p>
-          <a:p>
-            <a:pPr lvl="2"/>
-            <a:r>
-              <a:t>Needle EMG of diaphragm: fibrillations/PSWs confirm denervation; MUP analysis guides prognosis</a:t>
+              <a:t>Guillain-Barré Syndrome</a:t>
+            </a:r>
+          </a:p>
+          <a:p>
+            <a:pPr lvl="2"/>
+            <a:r>
+              <a:t>Ascending paralysis reaches diaphragm in ~30%; IVIG or plasmapheresis; most recover</a:t>
             </a:r>
           </a:p>
           <a:p>
             <a:pPr/>
             <a:r>
               <a:rPr b="1"/>
-              <a:t>CT / MRI Chest &amp; Neck</a:t>
-            </a:r>
-          </a:p>
-          <a:p>
-            <a:pPr lvl="2"/>
-            <a:r>
-              <a:t>Structural causes: mediastinal masses, cervical spine disease, thoracic aneurysm</a:t>
-            </a:r>
-          </a:p>
-          <a:p>
-            <a:pPr lvl="2"/>
-            <a:r>
-              <a:t>MRI brachial plexus: preferred for Parsonage-Turner (T2 hyperintensity, hourglass constriction)</a:t>
-            </a:r>
-          </a:p>
-        </p:txBody>
-      </p:sp>
-      <p:sp>
-        <p:nvSpPr>
-          <p:cNvPr id="4" name="Text Placeholder 3"/>
-          <p:cNvSpPr>
-            <a:spLocks noGrp="1"/>
-          </p:cNvSpPr>
-          <p:nvPr>
-            <p:ph type="body" idx="13" sz="quarter"/>
-          </p:nvPr>
-        </p:nvSpPr>
-        <p:spPr/>
-        <p:txBody>
-          <a:bodyPr/>
-          <a:lstStyle/>
-          <a:p>
-            <a:r>
-              <a:t>Combine anatomic imaging, functional testing, and neurophysiology</a:t>
+              <a:t>CIDP (Chronic Inflammatory Demyelinating Polyneuropathy)</a:t>
+            </a:r>
+          </a:p>
+          <a:p>
+            <a:pPr lvl="2"/>
+            <a:r>
+              <a:t>Rare cause of bilateral phrenic palsy; responds to immunotherapy</a:t>
+            </a:r>
+          </a:p>
+          <a:p>
+            <a:pPr/>
+            <a:r>
+              <a:rPr b="1"/>
+              <a:t>Lambert-Eaton Myasthenic Syndrome</a:t>
+            </a:r>
+          </a:p>
+          <a:p>
+            <a:pPr lvl="2"/>
+            <a:r>
+              <a:t>Paraneoplastic (SCLC) or autoimmune (anti-VGCC); proximal &gt; respiratory involvement</a:t>
+            </a:r>
+          </a:p>
+          <a:p>
+            <a:pPr/>
+            <a:r>
+              <a:rPr b="1"/>
+              <a:t>Key Principle</a:t>
+            </a:r>
+          </a:p>
+          <a:p>
+            <a:pPr lvl="2"/>
+            <a:r>
+              <a:t>For any unexplained adult respiratory failure, rule out treatable neuromuscular disease before attributing to "idiopathic"</a:t>
+            </a:r>
+          </a:p>
+          <a:p>
+            <a:pPr lvl="2"/>
+            <a:r>
+              <a:t>Minimum workup: AChR/anti-MuSK Ab, GAA activity, CK, paraneoplastic panel, NCS/EMG</a:t>
             </a:r>
           </a:p>
         </p:txBody>
@@ -8789,7 +10471,7 @@
           <a:lstStyle/>
           <a:p>
             <a:r>
-              <a:t>Management</a:t>
+              <a:t>Diagnosis</a:t>
             </a:r>
           </a:p>
         </p:txBody>
@@ -8810,7 +10492,7 @@
           <a:lstStyle/>
           <a:p>
             <a:r>
-              <a:t>From observation to plication to diaphragm pacing</a:t>
+              <a:t>From bedside examination to advanced neurophysiology</a:t>
             </a:r>
           </a:p>
         </p:txBody>
@@ -8849,7 +10531,7 @@
           <a:lstStyle/>
           <a:p>
             <a:r>
-              <a:t>Conservative and Medical Management</a:t>
+              <a:t>Clinical Presentation of Diaphragm Dysfunction</a:t>
             </a:r>
           </a:p>
         </p:txBody>
@@ -8872,161 +10554,136 @@
             <a:pPr/>
             <a:r>
               <a:rPr b="1"/>
-              <a:t>Treat the Underlying Etiology</a:t>
-            </a:r>
-          </a:p>
-          <a:p>
-            <a:pPr lvl="2"/>
-            <a:r>
-              <a:t>Parsonage-Turner: corticosteroids for acute pain; IVIG for refractory cases</a:t>
-            </a:r>
-          </a:p>
-          <a:p>
-            <a:pPr lvl="2"/>
-            <a:r>
-              <a:t>Myasthenia gravis: pyridostigmine, immunosuppression, plasma exchange, IVIG, thymectomy</a:t>
-            </a:r>
-          </a:p>
-          <a:p>
-            <a:pPr lvl="2"/>
-            <a:r>
-              <a:t>Cervical disc/myelopathy: surgical decompression may restore phrenic function</a:t>
-            </a:r>
-          </a:p>
-          <a:p>
-            <a:pPr lvl="2"/>
-            <a:r>
-              <a:t>Pompe disease: enzyme replacement therapy (alglucosidase alfa)</a:t>
-            </a:r>
-          </a:p>
-          <a:p>
-            <a:pPr lvl="2"/>
-            <a:r>
-              <a:t>GBS: IVIG or plasma exchange; supportive ventilation during nadir</a:t>
-            </a:r>
-          </a:p>
+              <a:t>Symptoms</a:t>
+            </a:r>
+          </a:p>
+          <a:p>
+            <a:pPr lvl="2"/>
+            <a:r>
+              <a:t>Dyspnea on exertion — often the first complaint in unilateral paralysis</a:t>
+            </a:r>
+          </a:p>
+          <a:p>
+            <a:pPr lvl="2"/>
+            <a:r>
+              <a:t>Orthopnea: worsening dyspnea supine — hallmark of bilateral dysfunction</a:t>
+            </a:r>
+          </a:p>
+          <a:p>
+            <a:pPr lvl="2"/>
+            <a:r>
+              <a:t>Paradoxical abdominal movement on inspiration</a:t>
+            </a:r>
+          </a:p>
+          <a:p>
+            <a:pPr lvl="2"/>
+            <a:r>
+              <a:t>Difficulty sleeping flat; nocturnal desaturation, morning headache (CO₂ retention)</a:t>
+            </a:r>
+          </a:p>
+          <a:p>
+            <a:pPr lvl="2"/>
+            <a:r>
+              <a:t>Impaired cough → recurrent aspiration pneumonia</a:t>
+            </a:r>
+          </a:p>
+        </p:txBody>
+      </p:sp>
+      <p:sp>
+        <p:nvSpPr>
+          <p:cNvPr id="4" name="Text Placeholder 3"/>
+          <p:cNvSpPr>
+            <a:spLocks noGrp="1"/>
+          </p:cNvSpPr>
+          <p:nvPr>
+            <p:ph type="body" idx="13" sz="quarter"/>
+          </p:nvPr>
+        </p:nvSpPr>
+        <p:spPr/>
+        <p:txBody>
+          <a:bodyPr/>
+          <a:lstStyle/>
+          <a:p>
+            <a:r>
+              <a:t>Spectrum from incidental CXR finding to acute respiratory failure</a:t>
+            </a:r>
+          </a:p>
+        </p:txBody>
+      </p:sp>
+      <p:sp>
+        <p:nvSpPr>
+          <p:cNvPr id="5" name="Content Placeholder 4"/>
+          <p:cNvSpPr>
+            <a:spLocks noGrp="1"/>
+          </p:cNvSpPr>
+          <p:nvPr>
+            <p:ph idx="14"/>
+          </p:nvPr>
+        </p:nvSpPr>
+        <p:spPr/>
+        <p:txBody>
+          <a:bodyPr/>
+          <a:lstStyle/>
           <a:p>
             <a:pPr/>
             <a:r>
               <a:rPr b="1"/>
-              <a:t>Observation</a:t>
-            </a:r>
-          </a:p>
-          <a:p>
-            <a:pPr lvl="2"/>
-            <a:r>
-              <a:t>Asymptomatic unilateral paralysis with normal pulmonary reserve: monitor with serial PFTs</a:t>
-            </a:r>
-          </a:p>
-          <a:p>
-            <a:pPr lvl="2"/>
-            <a:r>
-              <a:t>Iatrogenic phrenic injury: observe 12–18 months for spontaneous recovery before intervention</a:t>
-            </a:r>
-          </a:p>
-          <a:p>
-            <a:pPr lvl="2"/>
-            <a:r>
-              <a:t>Parsonage-Turner: observe 18–24 months; most recover without surgical intervention</a:t>
-            </a:r>
-          </a:p>
-        </p:txBody>
-      </p:sp>
-      <p:sp>
-        <p:nvSpPr>
-          <p:cNvPr id="4" name="Text Placeholder 3"/>
-          <p:cNvSpPr>
-            <a:spLocks noGrp="1"/>
-          </p:cNvSpPr>
-          <p:nvPr>
-            <p:ph type="body" idx="13" sz="quarter"/>
-          </p:nvPr>
-        </p:nvSpPr>
-        <p:spPr/>
-        <p:txBody>
-          <a:bodyPr/>
-          <a:lstStyle/>
-          <a:p>
-            <a:r>
-              <a:t>Treat the underlying cause and optimize respiratory reserve</a:t>
-            </a:r>
-          </a:p>
-        </p:txBody>
-      </p:sp>
-      <p:sp>
-        <p:nvSpPr>
-          <p:cNvPr id="5" name="Content Placeholder 4"/>
-          <p:cNvSpPr>
-            <a:spLocks noGrp="1"/>
-          </p:cNvSpPr>
-          <p:nvPr>
-            <p:ph idx="14"/>
-          </p:nvPr>
-        </p:nvSpPr>
-        <p:spPr/>
-        <p:txBody>
-          <a:bodyPr/>
-          <a:lstStyle/>
+              <a:t>Physical Examination</a:t>
+            </a:r>
+          </a:p>
+          <a:p>
+            <a:pPr lvl="2"/>
+            <a:r>
+              <a:t>Reduced breath sounds at affected base</a:t>
+            </a:r>
+          </a:p>
+          <a:p>
+            <a:pPr lvl="2"/>
+            <a:r>
+              <a:t>Accessory muscle use at rest → suggests bilateral/severe involvement</a:t>
+            </a:r>
+          </a:p>
+          <a:p>
+            <a:pPr lvl="2"/>
+            <a:r>
+              <a:t>Abdominal paradox: abdomen moves inward during inspiration</a:t>
+            </a:r>
+          </a:p>
+          <a:p>
+            <a:pPr lvl="2"/>
+            <a:r>
+              <a:t>Neurologic exam: limb weakness, fasciculations (ALS, myelopathy), reflexes</a:t>
+            </a:r>
+          </a:p>
           <a:p>
             <a:pPr/>
             <a:r>
               <a:rPr b="1"/>
-              <a:t>Non-Invasive Ventilation (NIV)</a:t>
-            </a:r>
-          </a:p>
-          <a:p>
-            <a:pPr lvl="2"/>
-            <a:r>
-              <a:t>BiPAP or CPAP for nocturnal hypoventilation; first-line for bilateral paralysis</a:t>
-            </a:r>
-          </a:p>
-          <a:p>
-            <a:pPr lvl="2"/>
-            <a:r>
-              <a:t>ALS: NIV initiation when FVC &lt;50% or symptomatic; improves quality of life and survival</a:t>
-            </a:r>
-          </a:p>
-          <a:p>
-            <a:pPr lvl="2"/>
-            <a:r>
-              <a:t>Muscular dystrophies: NIV as bridge to diaphragm pacing or tracheostomy</a:t>
-            </a:r>
-          </a:p>
-          <a:p>
-            <a:pPr lvl="2"/>
-            <a:r>
-              <a:t>Target: nocturnal SpO₂ &gt;94%, morning PCO₂ normalization</a:t>
-            </a:r>
-          </a:p>
-          <a:p>
-            <a:pPr/>
-            <a:r>
-              <a:rPr b="1"/>
-              <a:t>Pulmonary Rehabilitation</a:t>
-            </a:r>
-          </a:p>
-          <a:p>
-            <a:pPr lvl="2"/>
-            <a:r>
-              <a:t>Inspiratory muscle training: may improve endurance in partial dysfunction</a:t>
-            </a:r>
-          </a:p>
-          <a:p>
-            <a:pPr lvl="2"/>
-            <a:r>
-              <a:t>Breathing retraining: diaphragmatic breathing exercises, positioning strategies</a:t>
-            </a:r>
-          </a:p>
-          <a:p>
-            <a:pPr lvl="2"/>
-            <a:r>
-              <a:t>Airway clearance: mechanically assisted cough (CoughAssist) for neuromuscular patients</a:t>
-            </a:r>
-          </a:p>
-          <a:p>
-            <a:pPr lvl="2"/>
-            <a:r>
-              <a:t>Positioning: head-of-bed elevation, semi-recumbent positioning to reduce orthopnea</a:t>
+              <a:t>Failure Spectrum</a:t>
+            </a:r>
+          </a:p>
+          <a:p>
+            <a:pPr lvl="2"/>
+            <a:r>
+              <a:t>Incidental: asymptomatic hemidiaphragm elevation on CXR</a:t>
+            </a:r>
+          </a:p>
+          <a:p>
+            <a:pPr lvl="2"/>
+            <a:r>
+              <a:t>Moderate: exertional dyspnea, orthopnea, exercise intolerance</a:t>
+            </a:r>
+          </a:p>
+          <a:p>
+            <a:pPr lvl="2"/>
+            <a:r>
+              <a:t>Severe: chronic hypercapnic respiratory failure, cor pulmonale, NIV dependence</a:t>
+            </a:r>
+          </a:p>
+          <a:p>
+            <a:pPr lvl="2"/>
+            <a:r>
+              <a:t>Acute crisis: ventilatory failure requiring emergent intubation (MG crisis, GBS)</a:t>
             </a:r>
           </a:p>
         </p:txBody>
@@ -9065,7 +10722,7 @@
           <a:lstStyle/>
           <a:p>
             <a:r>
-              <a:t>Diaphragm Plication</a:t>
+              <a:t>Diagnostic Workup for Diaphragm Dysfunction</a:t>
             </a:r>
           </a:p>
         </p:txBody>
@@ -9088,93 +10745,102 @@
             <a:pPr/>
             <a:r>
               <a:rPr b="1"/>
-              <a:t>Indications</a:t>
-            </a:r>
-          </a:p>
-          <a:p>
-            <a:pPr lvl="2"/>
-            <a:r>
-              <a:t>Symptomatic unilateral diaphragm paralysis persisting &gt;12–18 months</a:t>
-            </a:r>
-          </a:p>
-          <a:p>
-            <a:pPr lvl="2"/>
-            <a:r>
-              <a:t>FVC &lt;70% or significant orthopnea limiting quality of life</a:t>
-            </a:r>
-          </a:p>
-          <a:p>
-            <a:pPr lvl="2"/>
-            <a:r>
-              <a:t>No expectation of neurologic recovery (irreversible injury, idiopathic)</a:t>
-            </a:r>
-          </a:p>
-          <a:p>
-            <a:pPr lvl="2"/>
-            <a:r>
-              <a:t>Not appropriate for bilateral paralysis (does not improve ventilatory mechanics)</a:t>
+              <a:t>Chest X-Ray</a:t>
+            </a:r>
+          </a:p>
+          <a:p>
+            <a:pPr lvl="2"/>
+            <a:r>
+              <a:t>Elevated hemidiaphragm; compare to prior films to determine acuity</a:t>
             </a:r>
           </a:p>
           <a:p>
             <a:pPr/>
             <a:r>
               <a:rPr b="1"/>
-              <a:t>Operative Technique</a:t>
-            </a:r>
-          </a:p>
-          <a:p>
-            <a:pPr lvl="2"/>
-            <a:r>
-              <a:t>VATS approach preferred: 2–3 ports, gentle circumferential plication of flaccid diaphragm</a:t>
-            </a:r>
-          </a:p>
-          <a:p>
-            <a:pPr lvl="2"/>
-            <a:r>
-              <a:t>Multiple rows of non-absorbable sutures placed to tension and flatten the hemidiaphragm</a:t>
-            </a:r>
-          </a:p>
-          <a:p>
-            <a:pPr lvl="2"/>
-            <a:r>
-              <a:t>Goal: eliminate paradoxical movement and restore mediastinal position</a:t>
-            </a:r>
-          </a:p>
-          <a:p>
-            <a:pPr lvl="2"/>
-            <a:r>
-              <a:t>Thoracotomy reserved for bilateral plication or if VATS not feasible</a:t>
+              <a:t>Fluoroscopic Sniff Test</a:t>
+            </a:r>
+          </a:p>
+          <a:p>
+            <a:pPr lvl="2"/>
+            <a:r>
+              <a:t>Paradoxical upward movement on sniff = paralysis; sensitivity ~90% unilateral</a:t>
+            </a:r>
+          </a:p>
+          <a:p>
+            <a:pPr lvl="2"/>
+            <a:r>
+              <a:t>False-negative possible in bilateral (accessory muscles mask paradox)</a:t>
             </a:r>
           </a:p>
           <a:p>
             <a:pPr/>
             <a:r>
               <a:rPr b="1"/>
-              <a:t>Outcomes</a:t>
-            </a:r>
-          </a:p>
-          <a:p>
-            <a:pPr lvl="2"/>
-            <a:r>
-              <a:t>FVC improvement: +15–25% at 6 months; maintained at 5-year follow-up</a:t>
-            </a:r>
-          </a:p>
-          <a:p>
-            <a:pPr lvl="2"/>
-            <a:r>
-              <a:t>Dyspnea score improvement in 80–90% of patients</a:t>
-            </a:r>
-          </a:p>
-          <a:p>
-            <a:pPr lvl="2"/>
-            <a:r>
-              <a:t>Low perioperative risk: 30-day mortality &lt;1%, major complication rate ~5%</a:t>
-            </a:r>
-          </a:p>
-          <a:p>
-            <a:pPr lvl="2"/>
-            <a:r>
-              <a:t>Recurrence of paradox is rare if sutures are placed under adequate tension</a:t>
+              <a:t>Diaphragm Ultrasound (M-mode)</a:t>
+            </a:r>
+          </a:p>
+          <a:p>
+            <a:pPr lvl="2"/>
+            <a:r>
+              <a:t>Thickening fraction &lt;20% during tidal breathing = paralysis/paresis</a:t>
+            </a:r>
+          </a:p>
+          <a:p>
+            <a:pPr lvl="2"/>
+            <a:r>
+              <a:t>Excursion: &lt;10 mm tidal / &lt;25 mm deep breath = reduced</a:t>
+            </a:r>
+          </a:p>
+          <a:p>
+            <a:pPr/>
+            <a:r>
+              <a:rPr b="1"/>
+              <a:t>Pulmonary Function Tests</a:t>
+            </a:r>
+          </a:p>
+          <a:p>
+            <a:pPr lvl="2"/>
+            <a:r>
+              <a:t>Supine vs upright FVC: &gt;20% fall = diaphragm dysfunction; &gt;50% = likely bilateral</a:t>
+            </a:r>
+          </a:p>
+          <a:p>
+            <a:pPr lvl="2"/>
+            <a:r>
+              <a:t>MIP &lt;25 cmH₂O and SNIP &lt;40 cmH₂O: predict respiratory failure in neuromuscular disease</a:t>
+            </a:r>
+          </a:p>
+          <a:p>
+            <a:pPr/>
+            <a:r>
+              <a:rPr b="1"/>
+              <a:t>Phrenic NCS / Needle EMG</a:t>
+            </a:r>
+          </a:p>
+          <a:p>
+            <a:pPr lvl="2"/>
+            <a:r>
+              <a:t>Cervical phrenic stimulation → epigastric CMAP; absent/reduced = neuropathy</a:t>
+            </a:r>
+          </a:p>
+          <a:p>
+            <a:pPr lvl="2"/>
+            <a:r>
+              <a:t>Diaphragm needle EMG: fibrillations/PSWs confirm denervation; MUP analysis for prognosis</a:t>
+            </a:r>
+          </a:p>
+          <a:p>
+            <a:pPr/>
+            <a:r>
+              <a:rPr b="1"/>
+              <a:t>CT / MRI</a:t>
+            </a:r>
+          </a:p>
+          <a:p>
+            <a:pPr lvl="2"/>
+            <a:r>
+              <a:t>Structural causes (mediastinal mass, C-spine disease); MRI brachial plexus for PTS</a:t>
             </a:r>
           </a:p>
         </p:txBody>
@@ -9195,7 +10861,7 @@
           <a:lstStyle/>
           <a:p>
             <a:r>
-              <a:t>Effective for symptomatic unilateral paralysis refractory to conservative management</a:t>
+              <a:t>Combine anatomic imaging, functional testing, and neurophysiology</a:t>
             </a:r>
           </a:p>
         </p:txBody>
@@ -9225,7 +10891,7 @@
             <a:spLocks noGrp="1"/>
           </p:cNvSpPr>
           <p:nvPr>
-            <p:ph type="title"/>
+            <p:ph type="ctrTitle"/>
           </p:nvPr>
         </p:nvSpPr>
         <p:spPr/>
@@ -9234,19 +10900,19 @@
           <a:lstStyle/>
           <a:p>
             <a:r>
-              <a:t>Diaphragm Pacing (Phrenic Nerve / Diaphragm Stimulation)</a:t>
-            </a:r>
-          </a:p>
-        </p:txBody>
-      </p:sp>
-      <p:sp>
-        <p:nvSpPr>
-          <p:cNvPr id="3" name="Content Placeholder 2"/>
-          <p:cNvSpPr>
-            <a:spLocks noGrp="1"/>
-          </p:cNvSpPr>
-          <p:nvPr>
-            <p:ph idx="1"/>
+              <a:t>Management</a:t>
+            </a:r>
+          </a:p>
+        </p:txBody>
+      </p:sp>
+      <p:sp>
+        <p:nvSpPr>
+          <p:cNvPr id="3" name="Subtitle 2"/>
+          <p:cNvSpPr>
+            <a:spLocks noGrp="1"/>
+          </p:cNvSpPr>
+          <p:nvPr>
+            <p:ph type="subTitle" idx="1"/>
           </p:nvPr>
         </p:nvSpPr>
         <p:spPr/>
@@ -9254,171 +10920,8 @@
           <a:bodyPr/>
           <a:lstStyle/>
           <a:p>
-            <a:pPr/>
-            <a:r>
-              <a:rPr b="1"/>
-              <a:t>Indications</a:t>
-            </a:r>
-          </a:p>
-          <a:p>
-            <a:pPr lvl="2"/>
-            <a:r>
-              <a:t>Cervical SCI (C1–C4) with intact lower motor neuron phrenic pathways</a:t>
-            </a:r>
-          </a:p>
-          <a:p>
-            <a:pPr lvl="2"/>
-            <a:r>
-              <a:t>ALS: diaphragm pacing investigated as adjunct to NIV (NeuRx DPS)</a:t>
-            </a:r>
-          </a:p>
-          <a:p>
-            <a:pPr lvl="2"/>
-            <a:r>
-              <a:t>Congenital central hypoventilation syndrome (CCHS)</a:t>
-            </a:r>
-          </a:p>
-          <a:p>
-            <a:pPr lvl="2"/>
-            <a:r>
-              <a:t>Prerequisite: intact phrenic nerve and viable diaphragm muscle (assessed by EMG/NCS)</a:t>
-            </a:r>
-          </a:p>
-          <a:p>
-            <a:pPr/>
-            <a:r>
-              <a:rPr b="1"/>
-              <a:t>Systems Available</a:t>
-            </a:r>
-          </a:p>
-          <a:p>
-            <a:pPr lvl="2"/>
-            <a:r>
-              <a:t>NeuRx DPS (Synapse Biomedical): laparoscopic intramuscular electrodes; FDA-approved for SCI and ALS</a:t>
-            </a:r>
-          </a:p>
-          <a:p>
-            <a:pPr lvl="2"/>
-            <a:r>
-              <a:t>Avery Biomedical phrenic nerve stimulator: implanted electrodes around phrenic nerves in thorax</a:t>
-            </a:r>
-          </a:p>
-          <a:p>
-            <a:pPr lvl="2"/>
-            <a:r>
-              <a:t>Transcutaneous phrenic stimulation: non-invasive, emerging technology</a:t>
-            </a:r>
-          </a:p>
-        </p:txBody>
-      </p:sp>
-      <p:sp>
-        <p:nvSpPr>
-          <p:cNvPr id="4" name="Text Placeholder 3"/>
-          <p:cNvSpPr>
-            <a:spLocks noGrp="1"/>
-          </p:cNvSpPr>
-          <p:nvPr>
-            <p:ph type="body" idx="13" sz="quarter"/>
-          </p:nvPr>
-        </p:nvSpPr>
-        <p:spPr/>
-        <p:txBody>
-          <a:bodyPr/>
-          <a:lstStyle/>
-          <a:p>
-            <a:r>
-              <a:t>Restoring ventilation through electrical stimulation of the phrenic nerve or diaphragm</a:t>
-            </a:r>
-          </a:p>
-        </p:txBody>
-      </p:sp>
-      <p:sp>
-        <p:nvSpPr>
-          <p:cNvPr id="5" name="Content Placeholder 4"/>
-          <p:cNvSpPr>
-            <a:spLocks noGrp="1"/>
-          </p:cNvSpPr>
-          <p:nvPr>
-            <p:ph idx="14"/>
-          </p:nvPr>
-        </p:nvSpPr>
-        <p:spPr/>
-        <p:txBody>
-          <a:bodyPr/>
-          <a:lstStyle/>
-          <a:p>
-            <a:pPr/>
-            <a:r>
-              <a:rPr b="1"/>
-              <a:t>Outcomes in SCI</a:t>
-            </a:r>
-          </a:p>
-          <a:p>
-            <a:pPr lvl="2"/>
-            <a:r>
-              <a:t>Successful ventilator-free breathing (&gt;4 h/day) in ~80% of appropriately selected patients</a:t>
-            </a:r>
-          </a:p>
-          <a:p>
-            <a:pPr lvl="2"/>
-            <a:r>
-              <a:t>Average time to full-time pacing: 3–6 months of conditioning</a:t>
-            </a:r>
-          </a:p>
-          <a:p>
-            <a:pPr lvl="2"/>
-            <a:r>
-              <a:t>Quality of life improvement: speech, smell, mobility (no ventilator tether)</a:t>
-            </a:r>
-          </a:p>
-          <a:p>
-            <a:pPr lvl="2"/>
-            <a:r>
-              <a:t>Reduces pulmonary infections vs. positive pressure ventilation</a:t>
-            </a:r>
-          </a:p>
-          <a:p>
-            <a:pPr/>
-            <a:r>
-              <a:rPr b="1"/>
-              <a:t>ALS Controversy</a:t>
-            </a:r>
-          </a:p>
-          <a:p>
-            <a:pPr lvl="2"/>
-            <a:r>
-              <a:t>VITALS trial (2015): diaphragm pacing did not improve survival and may have accelerated decline</a:t>
-            </a:r>
-          </a:p>
-          <a:p>
-            <a:pPr lvl="2"/>
-            <a:r>
-              <a:t>Ongoing debate: patient selection, timing, and whether UMN vs. LMN predominance matters</a:t>
-            </a:r>
-          </a:p>
-          <a:p>
-            <a:pPr lvl="2"/>
-            <a:r>
-              <a:t>Current consensus: do not offer routinely in ALS outside of clinical trial</a:t>
-            </a:r>
-          </a:p>
-          <a:p>
-            <a:pPr/>
-            <a:r>
-              <a:rPr b="1"/>
-              <a:t>Phrenic Nerve Reconstruction</a:t>
-            </a:r>
-          </a:p>
-          <a:p>
-            <a:pPr lvl="2"/>
-            <a:r>
-              <a:t>Nerve grafting or neurotization: emerging option for iatrogenic phrenic palsy</a:t>
-            </a:r>
-          </a:p>
-          <a:p>
-            <a:pPr lvl="2"/>
-            <a:r>
-              <a:t>Best results when performed early (within 6–12 months of injury)</a:t>
+            <a:r>
+              <a:t>From observation to plication to diaphragm pacing and nerve reconstruction</a:t>
             </a:r>
           </a:p>
         </p:txBody>
@@ -9457,7 +10960,7 @@
           <a:lstStyle/>
           <a:p>
             <a:r>
-              <a:t>Summary: Key Takeaways</a:t>
+              <a:t>Conservative and Medical Management</a:t>
             </a:r>
           </a:p>
         </p:txBody>
@@ -9480,104 +10983,155 @@
             <a:pPr/>
             <a:r>
               <a:rPr b="1"/>
-              <a:t>1  Know the phrenic nerve anatomy</a:t>
-            </a:r>
-          </a:p>
-          <a:p>
-            <a:pPr lvl="2"/>
-            <a:r>
-              <a:t>C3, C4, C5 — long course through neck and mediastinum makes it vulnerable at many points</a:t>
+              <a:t>Treat the Underlying Etiology</a:t>
+            </a:r>
+          </a:p>
+          <a:p>
+            <a:pPr lvl="2"/>
+            <a:r>
+              <a:t>Parsonage-Turner: corticosteroids for acute pain; IVIG for refractory cases</a:t>
+            </a:r>
+          </a:p>
+          <a:p>
+            <a:pPr lvl="2"/>
+            <a:r>
+              <a:t>Myasthenia gravis: pyridostigmine, immunosuppression, thymectomy, plasma exchange/IVIG in crisis</a:t>
+            </a:r>
+          </a:p>
+          <a:p>
+            <a:pPr lvl="2"/>
+            <a:r>
+              <a:t>Cervical myelopathy/disc: surgical decompression may restore phrenic function</a:t>
+            </a:r>
+          </a:p>
+          <a:p>
+            <a:pPr lvl="2"/>
+            <a:r>
+              <a:t>Pompe disease: enzyme replacement therapy (alglucosidase alfa)</a:t>
+            </a:r>
+          </a:p>
+          <a:p>
+            <a:pPr lvl="2"/>
+            <a:r>
+              <a:t>GBS: IVIG or plasma exchange; ventilatory support during nadir</a:t>
             </a:r>
           </a:p>
           <a:p>
             <a:pPr/>
             <a:r>
               <a:rPr b="1"/>
-              <a:t>2  Maintain a broad differential</a:t>
-            </a:r>
-          </a:p>
-          <a:p>
-            <a:pPr lvl="2"/>
-            <a:r>
-              <a:t>Iatrogenic causes are most common; always ask about prior cardiac, thoracic, or cervical spine surgery</a:t>
-            </a:r>
-          </a:p>
-          <a:p>
-            <a:pPr lvl="2"/>
-            <a:r>
-              <a:t>Parsonage-Turner is underdiagnosed — consider in unexplained dyspnea with elevated hemidiaphragm</a:t>
-            </a:r>
-          </a:p>
+              <a:t>Observation</a:t>
+            </a:r>
+          </a:p>
+          <a:p>
+            <a:pPr lvl="2"/>
+            <a:r>
+              <a:t>Asymptomatic unilateral paralysis with normal reserve: serial PFTs every 6–12 months</a:t>
+            </a:r>
+          </a:p>
+          <a:p>
+            <a:pPr lvl="2"/>
+            <a:r>
+              <a:t>Iatrogenic injury: observe 12–18 months for spontaneous recovery before surgical intervention</a:t>
+            </a:r>
+          </a:p>
+          <a:p>
+            <a:pPr lvl="2"/>
+            <a:r>
+              <a:t>Parsonage-Turner: observe 18–24 months; most recover without surgery</a:t>
+            </a:r>
+          </a:p>
+        </p:txBody>
+      </p:sp>
+      <p:sp>
+        <p:nvSpPr>
+          <p:cNvPr id="4" name="Text Placeholder 3"/>
+          <p:cNvSpPr>
+            <a:spLocks noGrp="1"/>
+          </p:cNvSpPr>
+          <p:nvPr>
+            <p:ph type="body" idx="13" sz="quarter"/>
+          </p:nvPr>
+        </p:nvSpPr>
+        <p:spPr/>
+        <p:txBody>
+          <a:bodyPr/>
+          <a:lstStyle/>
+          <a:p>
+            <a:r>
+              <a:t>Treat the cause first — optimize respiratory reserve before surgical intervention</a:t>
+            </a:r>
+          </a:p>
+        </p:txBody>
+      </p:sp>
+      <p:sp>
+        <p:nvSpPr>
+          <p:cNvPr id="5" name="Content Placeholder 4"/>
+          <p:cNvSpPr>
+            <a:spLocks noGrp="1"/>
+          </p:cNvSpPr>
+          <p:nvPr>
+            <p:ph idx="14"/>
+          </p:nvPr>
+        </p:nvSpPr>
+        <p:spPr/>
+        <p:txBody>
+          <a:bodyPr/>
+          <a:lstStyle/>
           <a:p>
             <a:pPr/>
             <a:r>
               <a:rPr b="1"/>
-              <a:t>3  Functional testing is essential</a:t>
-            </a:r>
-          </a:p>
-          <a:p>
-            <a:pPr lvl="2"/>
-            <a:r>
-              <a:t>Supine vs. upright FVC, sniff test, ultrasound thickening fraction, and phrenic NCS/EMG</a:t>
+              <a:t>Non-Invasive Ventilation (NIV)</a:t>
+            </a:r>
+          </a:p>
+          <a:p>
+            <a:pPr lvl="2"/>
+            <a:r>
+              <a:t>BiPAP/CPAP for nocturnal hypoventilation: first-line for bilateral paralysis</a:t>
+            </a:r>
+          </a:p>
+          <a:p>
+            <a:pPr lvl="2"/>
+            <a:r>
+              <a:t>ALS: initiate at FVC &lt;50% or symptomatic (Level I evidence for survival benefit)</a:t>
+            </a:r>
+          </a:p>
+          <a:p>
+            <a:pPr lvl="2"/>
+            <a:r>
+              <a:t>Muscular dystrophy: NIV as bridge to pacing or tracheostomy</a:t>
+            </a:r>
+          </a:p>
+          <a:p>
+            <a:pPr lvl="2"/>
+            <a:r>
+              <a:t>Target: nocturnal SpO₂ &gt;94%, morning PCO₂ normalization</a:t>
             </a:r>
           </a:p>
           <a:p>
             <a:pPr/>
             <a:r>
               <a:rPr b="1"/>
-              <a:t>4  Treat the cause and optimize respiratory reserve early</a:t>
-            </a:r>
-          </a:p>
-          <a:p>
-            <a:pPr lvl="2"/>
-            <a:r>
-              <a:t>NIV, pulmonary rehab, and airway clearance before considering surgical intervention</a:t>
-            </a:r>
-          </a:p>
-          <a:p>
-            <a:pPr/>
-            <a:r>
-              <a:rPr b="1"/>
-              <a:t>5  Select the right intervention for the right patient</a:t>
-            </a:r>
-          </a:p>
-          <a:p>
-            <a:pPr lvl="2"/>
-            <a:r>
-              <a:t>Plication for symptomatic unilateral paralysis persisting &gt;12–18 months without recovery</a:t>
-            </a:r>
-          </a:p>
-          <a:p>
-            <a:pPr lvl="2"/>
-            <a:r>
-              <a:t>Diaphragm pacing for SCI patients with intact lower motor neuron phrenic pathways</a:t>
-            </a:r>
-          </a:p>
-          <a:p>
-            <a:pPr lvl="2"/>
-            <a:r>
-              <a:t>Avoid pacing in ALS outside of clinical trials based on current evidence</a:t>
-            </a:r>
-          </a:p>
-        </p:txBody>
-      </p:sp>
-      <p:sp>
-        <p:nvSpPr>
-          <p:cNvPr id="4" name="Text Placeholder 3"/>
-          <p:cNvSpPr>
-            <a:spLocks noGrp="1"/>
-          </p:cNvSpPr>
-          <p:nvPr>
-            <p:ph type="body" idx="13" sz="quarter"/>
-          </p:nvPr>
-        </p:nvSpPr>
-        <p:spPr/>
-        <p:txBody>
-          <a:bodyPr/>
-          <a:lstStyle/>
-          <a:p>
-            <a:r>
-              <a:t>A systematic approach to a diagnosis that is often delayed or missed</a:t>
+              <a:t>Pulmonary Rehabilitation</a:t>
+            </a:r>
+          </a:p>
+          <a:p>
+            <a:pPr lvl="2"/>
+            <a:r>
+              <a:t>Inspiratory muscle training: improves endurance in partial dysfunction</a:t>
+            </a:r>
+          </a:p>
+          <a:p>
+            <a:pPr lvl="2"/>
+            <a:r>
+              <a:t>Mechanically assisted cough (CoughAssist): airway clearance in neuromuscular patients</a:t>
+            </a:r>
+          </a:p>
+          <a:p>
+            <a:pPr lvl="2"/>
+            <a:r>
+              <a:t>Positioning: head-of-bed elevation reduces orthopnea; prone positioning in selected ICU patients</a:t>
             </a:r>
           </a:p>
         </p:txBody>
@@ -9638,37 +11192,37 @@
           <a:p>
             <a:pPr lvl="2"/>
             <a:r>
-              <a:t>Describe the anatomy and physiology of the phrenic nerve–diaphragm axis</a:t>
-            </a:r>
-          </a:p>
-          <a:p>
-            <a:pPr lvl="2"/>
-            <a:r>
-              <a:t>Identify the major non-traumatic etiologies of diaphragm dysfunction in adults</a:t>
-            </a:r>
-          </a:p>
-          <a:p>
-            <a:pPr lvl="2"/>
-            <a:r>
-              <a:t>Recognize the clinical presentation and diagnostic workup of diaphragm paralysis/paresis</a:t>
-            </a:r>
-          </a:p>
-          <a:p>
-            <a:pPr lvl="2"/>
-            <a:r>
-              <a:t>Distinguish Parsonage-Turner syndrome from other causes of phrenic neuropathy</a:t>
-            </a:r>
-          </a:p>
-          <a:p>
-            <a:pPr lvl="2"/>
-            <a:r>
-              <a:t>Apply evidence-based management strategies including plication and diaphragm pacing</a:t>
-            </a:r>
-          </a:p>
-          <a:p>
-            <a:pPr lvl="2"/>
-            <a:r>
-              <a:t>Counsel patients on expected prognosis and recovery trajectories</a:t>
+              <a:t>Trace the neural pathway from respiratory centers to the diaphragm</a:t>
+            </a:r>
+          </a:p>
+          <a:p>
+            <a:pPr lvl="2"/>
+            <a:r>
+              <a:t>Identify major non-traumatic etiologies organized by mechanism</a:t>
+            </a:r>
+          </a:p>
+          <a:p>
+            <a:pPr lvl="2"/>
+            <a:r>
+              <a:t>Recognize acute and chronic clinical presentations</a:t>
+            </a:r>
+          </a:p>
+          <a:p>
+            <a:pPr lvl="2"/>
+            <a:r>
+              <a:t>Apply a diagnostic algorithm including sniff test, ultrasound, and phrenic NCS/EMG</a:t>
+            </a:r>
+          </a:p>
+          <a:p>
+            <a:pPr lvl="2"/>
+            <a:r>
+              <a:t>Select appropriate management: NIV, plication, pacing, or nerve reconstruction</a:t>
+            </a:r>
+          </a:p>
+          <a:p>
+            <a:pPr lvl="2"/>
+            <a:r>
+              <a:t>Discuss evidence gaps and future research directions</a:t>
             </a:r>
           </a:p>
         </p:txBody>
@@ -9728,7 +11282,7 @@
           <a:lstStyle/>
           <a:p>
             <a:r>
-              <a:t>Selected References</a:t>
+              <a:t>Spontaneous Recovery of Phrenic Function</a:t>
             </a:r>
           </a:p>
         </p:txBody>
@@ -9740,7 +11294,7 @@
             <a:spLocks noGrp="1"/>
           </p:cNvSpPr>
           <p:nvPr>
-            <p:ph idx="1"/>
+            <p:ph idx="1" sz="half"/>
           </p:nvPr>
         </p:nvSpPr>
         <p:spPr/>
@@ -9748,73 +11302,78 @@
           <a:bodyPr/>
           <a:lstStyle/>
           <a:p>
-            <a:pPr lvl="2"/>
-            <a:r>
-              <a:rPr sz="1000"/>
-              <a:t>van Alfen N, van Engelen BG. The clinical spectrum of neuralgic amyotrophy in 246 cases. Brain. 2006;129(2):438–450.</a:t>
-            </a:r>
-          </a:p>
-          <a:p>
-            <a:pPr lvl="2"/>
-            <a:r>
-              <a:rPr sz="1000"/>
-              <a:t>Dimopoulou I, et al. Phrenic nerve dysfunction after cardiac operations. Chest. 1998;113(1):8–14.</a:t>
-            </a:r>
-          </a:p>
-          <a:p>
-            <a:pPr lvl="2"/>
-            <a:r>
-              <a:rPr sz="1000"/>
-              <a:t>Kaufman MR, et al. Nerve reconstruction for phrenic nerve paralysis. Plast Reconstr Surg. 2014;134(3):570e–578e.</a:t>
-            </a:r>
-          </a:p>
-          <a:p>
-            <a:pPr lvl="2"/>
-            <a:r>
-              <a:rPr sz="1000"/>
-              <a:t>Gibson GJ. Diaphragmatic paresis: pathophysiology, clinical features, and investigation. Thorax. 1989;44(11):960–970.</a:t>
-            </a:r>
-          </a:p>
-          <a:p>
-            <a:pPr lvl="2"/>
-            <a:r>
-              <a:rPr sz="1000"/>
-              <a:t>Laghi FA, Tobin MJ. Disorders of the respiratory muscles. Am J Respir Crit Care Med. 2003;168(1):10–48.</a:t>
-            </a:r>
-          </a:p>
-          <a:p>
-            <a:pPr lvl="2"/>
-            <a:r>
-              <a:rPr sz="1000"/>
-              <a:t>Miller RG, et al. Practice guideline update summary: Riluzole and edaravone (ALS). Neurology. 2017.</a:t>
-            </a:r>
-          </a:p>
-          <a:p>
-            <a:pPr lvl="2"/>
-            <a:r>
-              <a:rPr sz="1000"/>
-              <a:t>Posluszny JA Jr, et al. Surgical interventions for diaphragm dysfunction. J Trauma Acute Care Surg. 2010.</a:t>
-            </a:r>
-          </a:p>
-          <a:p>
-            <a:pPr lvl="2"/>
-            <a:r>
-              <a:rPr sz="1000"/>
-              <a:t>DiMarco AF. Phrenic nerve stimulation in patients with spinal cord injury. Respir Physiol Neurobiol. 2009;169(2):200–209.</a:t>
-            </a:r>
-          </a:p>
-          <a:p>
-            <a:pPr lvl="2"/>
-            <a:r>
-              <a:rPr sz="1000"/>
-              <a:t>Phrenic Nerve Stimulation in ALS — The VITALS Trial. Lancet Neurol. 2015;14(9):883–900.</a:t>
-            </a:r>
-          </a:p>
-          <a:p>
-            <a:pPr lvl="2"/>
-            <a:r>
-              <a:rPr sz="1000"/>
-              <a:t>Summerhill EM, El-Sameed YA, Glidden TJ, McCool FD. Monitoring recovery from diaphragm paralysis with ultrasound. Chest. 2008;133(3):737–743.</a:t>
+            <a:pPr/>
+            <a:r>
+              <a:rPr b="1"/>
+              <a:t>Key Data Points (van Alfen 2006)</a:t>
+            </a:r>
+          </a:p>
+          <a:p>
+            <a:pPr lvl="2"/>
+            <a:r>
+              <a:t>36% show meaningful recovery at 1 year</a:t>
+            </a:r>
+          </a:p>
+          <a:p>
+            <a:pPr lvl="2"/>
+            <a:r>
+              <a:t>75% show meaningful recovery at 2 years</a:t>
+            </a:r>
+          </a:p>
+          <a:p>
+            <a:pPr lvl="2"/>
+            <a:r>
+              <a:t>89% show meaningful recovery at 3 years</a:t>
+            </a:r>
+          </a:p>
+          <a:p>
+            <a:pPr lvl="2"/>
+            <a:r>
+              <a:t>~10% have incomplete/no recovery at 3 years</a:t>
+            </a:r>
+          </a:p>
+          <a:p>
+            <a:pPr/>
+            <a:r>
+              <a:rPr b="1"/>
+              <a:t>Predictors of Poorer Recovery</a:t>
+            </a:r>
+          </a:p>
+          <a:p>
+            <a:pPr lvl="2"/>
+            <a:r>
+              <a:t>Bilateral phrenic involvement</a:t>
+            </a:r>
+          </a:p>
+          <a:p>
+            <a:pPr lvl="2"/>
+            <a:r>
+              <a:t>Hereditary form (SEPT9 mutation)</a:t>
+            </a:r>
+          </a:p>
+          <a:p>
+            <a:pPr lvl="2"/>
+            <a:r>
+              <a:t>Severe initial axonal loss on EMG/NCS</a:t>
+            </a:r>
+          </a:p>
+          <a:p>
+            <a:pPr/>
+            <a:r>
+              <a:rPr b="1"/>
+              <a:t>Iatrogenic Phrenic Injury Recovery</a:t>
+            </a:r>
+          </a:p>
+          <a:p>
+            <a:pPr lvl="2"/>
+            <a:r>
+              <a:t>Post-cardiac surgery: 80–85% recover within 12 months (Dimopoulou 1998)</a:t>
+            </a:r>
+          </a:p>
+          <a:p>
+            <a:pPr lvl="2"/>
+            <a:r>
+              <a:t>Post-cryoablation: ~90% transient; persistent palsy in &lt;1% (Sacher 2006)</a:t>
             </a:r>
           </a:p>
         </p:txBody>
@@ -9833,9 +11392,48 @@
         <p:txBody>
           <a:bodyPr/>
           <a:lstStyle/>
+          <a:p>
+            <a:r>
+              <a:t>Van Alfen et al. (Brain, 2006) — 246-patient series of neuralgic amyotrophy</a:t>
+            </a:r>
+          </a:p>
+        </p:txBody>
+      </p:sp>
+      <p:sp>
+        <p:nvSpPr>
+          <p:cNvPr id="5" name="Content Placeholder 4"/>
+          <p:cNvSpPr>
+            <a:spLocks noGrp="1"/>
+          </p:cNvSpPr>
+          <p:nvPr>
+            <p:ph idx="14" sz="quarter"/>
+          </p:nvPr>
+        </p:nvSpPr>
+        <p:spPr/>
+        <p:txBody>
+          <a:bodyPr/>
+          <a:lstStyle/>
           <a:p/>
         </p:txBody>
       </p:sp>
+      <p:graphicFrame>
+        <p:nvGraphicFramePr>
+          <p:cNvPr id="6" name="Chart 5"/>
+          <p:cNvGraphicFramePr>
+            <a:graphicFrameLocks noGrp="1"/>
+          </p:cNvGraphicFramePr>
+          <p:nvPr/>
+        </p:nvGraphicFramePr>
+        <p:xfrm>
+          <a:off x="6400800" y="1371600"/>
+          <a:ext cx="5303520" cy="4389120"/>
+        </p:xfrm>
+        <a:graphic>
+          <a:graphicData uri="http://schemas.openxmlformats.org/drawingml/2006/chart">
+            <c:chart xmlns:c="http://schemas.openxmlformats.org/drawingml/2006/chart" r:id="rId2"/>
+          </a:graphicData>
+        </a:graphic>
+      </p:graphicFrame>
     </p:spTree>
   </p:cSld>
   <p:clrMapOvr>
@@ -9861,7 +11459,7 @@
             <a:spLocks noGrp="1"/>
           </p:cNvSpPr>
           <p:nvPr>
-            <p:ph type="ctrTitle"/>
+            <p:ph type="title"/>
           </p:nvPr>
         </p:nvSpPr>
         <p:spPr/>
@@ -9870,9 +11468,2459 @@
           <a:lstStyle/>
           <a:p>
             <a:r>
-              <a:t>Thank You</a:t>
-            </a:r>
-          </a:p>
+              <a:t>Diaphragm Plication</a:t>
+            </a:r>
+          </a:p>
+        </p:txBody>
+      </p:sp>
+      <p:sp>
+        <p:nvSpPr>
+          <p:cNvPr id="3" name="Content Placeholder 2"/>
+          <p:cNvSpPr>
+            <a:spLocks noGrp="1"/>
+          </p:cNvSpPr>
+          <p:nvPr>
+            <p:ph idx="1"/>
+          </p:nvPr>
+        </p:nvSpPr>
+        <p:spPr/>
+        <p:txBody>
+          <a:bodyPr/>
+          <a:lstStyle/>
+          <a:p>
+            <a:pPr/>
+            <a:r>
+              <a:rPr b="1"/>
+              <a:t>Indications</a:t>
+            </a:r>
+          </a:p>
+          <a:p>
+            <a:pPr lvl="2"/>
+            <a:r>
+              <a:t>Symptomatic unilateral paralysis persisting &gt;12–18 months with no expected neurologic recovery</a:t>
+            </a:r>
+          </a:p>
+          <a:p>
+            <a:pPr lvl="2"/>
+            <a:r>
+              <a:t>FVC &lt;70% predicted or significant orthopnea limiting quality of life</a:t>
+            </a:r>
+          </a:p>
+          <a:p>
+            <a:pPr lvl="2"/>
+            <a:r>
+              <a:t>Not appropriate for bilateral paralysis (does not improve overall ventilatory mechanics)</a:t>
+            </a:r>
+          </a:p>
+          <a:p>
+            <a:pPr/>
+            <a:r>
+              <a:rPr b="1"/>
+              <a:t>Operative Technique</a:t>
+            </a:r>
+          </a:p>
+          <a:p>
+            <a:pPr lvl="2"/>
+            <a:r>
+              <a:t>VATS approach (2–3 ports): circumferential plication of the flaccid hemidiaphragm</a:t>
+            </a:r>
+          </a:p>
+          <a:p>
+            <a:pPr lvl="2"/>
+            <a:r>
+              <a:t>Multiple rows of non-absorbable sutures (0-Prolene): flatten and tension the dome</a:t>
+            </a:r>
+          </a:p>
+          <a:p>
+            <a:pPr lvl="2"/>
+            <a:r>
+              <a:t>Goal: eliminate paradoxical movement, restore mediastinal position</a:t>
+            </a:r>
+          </a:p>
+          <a:p>
+            <a:pPr lvl="2"/>
+            <a:r>
+              <a:t>Thoracotomy reserved for bilateral cases or if VATS not feasible</a:t>
+            </a:r>
+          </a:p>
+          <a:p>
+            <a:pPr/>
+            <a:r>
+              <a:rPr b="1"/>
+              <a:t>Outcomes</a:t>
+            </a:r>
+          </a:p>
+          <a:p>
+            <a:pPr lvl="2"/>
+            <a:r>
+              <a:t>FVC improvement: +15–25% at 6 months; maintained at 5-year follow-up</a:t>
+            </a:r>
+          </a:p>
+          <a:p>
+            <a:pPr lvl="2"/>
+            <a:r>
+              <a:t>Dyspnea improvement in 80–90% of patients</a:t>
+            </a:r>
+          </a:p>
+          <a:p>
+            <a:pPr lvl="2"/>
+            <a:r>
+              <a:t>30-day mortality &lt;1%; recurrence of paradox rare with adequate suture tension</a:t>
+            </a:r>
+          </a:p>
+        </p:txBody>
+      </p:sp>
+      <p:sp>
+        <p:nvSpPr>
+          <p:cNvPr id="4" name="Text Placeholder 3"/>
+          <p:cNvSpPr>
+            <a:spLocks noGrp="1"/>
+          </p:cNvSpPr>
+          <p:nvPr>
+            <p:ph type="body" idx="13" sz="quarter"/>
+          </p:nvPr>
+        </p:nvSpPr>
+        <p:spPr/>
+        <p:txBody>
+          <a:bodyPr/>
+          <a:lstStyle/>
+          <a:p>
+            <a:r>
+              <a:t>Effective for symptomatic unilateral paralysis refractory to conservative management</a:t>
+            </a:r>
+          </a:p>
+        </p:txBody>
+      </p:sp>
+    </p:spTree>
+  </p:cSld>
+  <p:clrMapOvr>
+    <a:masterClrMapping/>
+  </p:clrMapOvr>
+</p:sld>
+</file>
+
+<file path=ppt/slides/slide22.xml><?xml version="1.0" encoding="utf-8"?>
+<p:sld xmlns:a="http://schemas.openxmlformats.org/drawingml/2006/main" xmlns:p="http://schemas.openxmlformats.org/presentationml/2006/main" xmlns:r="http://schemas.openxmlformats.org/officeDocument/2006/relationships">
+  <p:cSld>
+    <p:spTree>
+      <p:nvGrpSpPr>
+        <p:cNvPr id="1" name=""/>
+        <p:cNvGrpSpPr/>
+        <p:nvPr/>
+      </p:nvGrpSpPr>
+      <p:grpSpPr/>
+      <p:sp>
+        <p:nvSpPr>
+          <p:cNvPr id="2" name="Title 1"/>
+          <p:cNvSpPr>
+            <a:spLocks noGrp="1"/>
+          </p:cNvSpPr>
+          <p:nvPr>
+            <p:ph type="title"/>
+          </p:nvPr>
+        </p:nvSpPr>
+        <p:spPr/>
+        <p:txBody>
+          <a:bodyPr/>
+          <a:lstStyle/>
+          <a:p>
+            <a:r>
+              <a:t>Diaphragm Plication: Intraoperative Views</a:t>
+            </a:r>
+          </a:p>
+        </p:txBody>
+      </p:sp>
+      <p:sp>
+        <p:nvSpPr>
+          <p:cNvPr id="3" name="Text Placeholder 2"/>
+          <p:cNvSpPr>
+            <a:spLocks noGrp="1"/>
+          </p:cNvSpPr>
+          <p:nvPr>
+            <p:ph type="body" idx="14" sz="quarter"/>
+          </p:nvPr>
+        </p:nvSpPr>
+        <p:spPr/>
+        <p:txBody>
+          <a:bodyPr/>
+          <a:lstStyle/>
+          <a:p>
+            <a:r>
+              <a:t>VATS approach — 2 to 3 port technique</a:t>
+            </a:r>
+          </a:p>
+        </p:txBody>
+      </p:sp>
+      <p:sp>
+        <p:nvSpPr>
+          <p:cNvPr id="4" name="Oval 3"/>
+          <p:cNvSpPr/>
+          <p:nvPr/>
+        </p:nvSpPr>
+        <p:spPr>
+          <a:xfrm>
+            <a:off x="1219200" y="1700000"/>
+            <a:ext cx="3200000" cy="3400000"/>
+          </a:xfrm>
+          <a:prstGeom prst="ellipse">
+            <a:avLst/>
+          </a:prstGeom>
+          <a:solidFill>
+            <a:srgbClr val="D8D6D0"/>
+          </a:solidFill>
+          <a:ln>
+            <a:noFill/>
+          </a:ln>
+        </p:spPr>
+        <p:style>
+          <a:lnRef idx="1">
+            <a:schemeClr val="accent1"/>
+          </a:lnRef>
+          <a:fillRef idx="3">
+            <a:schemeClr val="accent1"/>
+          </a:fillRef>
+          <a:effectRef idx="2">
+            <a:schemeClr val="accent1"/>
+          </a:effectRef>
+          <a:fontRef idx="minor">
+            <a:schemeClr val="lt1"/>
+          </a:fontRef>
+        </p:style>
+        <p:txBody>
+          <a:bodyPr rtlCol="0" anchor="ctr" wrap="square" lIns="45720" rIns="45720"/>
+          <a:lstStyle/>
+          <a:p>
+            <a:pPr algn="ctr"/>
+            <a:r>
+              <a:rPr sz="1100" b="0">
+                <a:solidFill>
+                  <a:srgbClr val="585858"/>
+                </a:solidFill>
+              </a:rPr>
+              <a:t>[ Image placeholder ]
+Flaccid hemidiaphragm
+before plication</a:t>
+            </a:r>
+          </a:p>
+        </p:txBody>
+      </p:sp>
+      <p:sp>
+        <p:nvSpPr>
+          <p:cNvPr id="5" name="TextBox 4"/>
+          <p:cNvSpPr txBox="1"/>
+          <p:nvPr/>
+        </p:nvSpPr>
+        <p:spPr>
+          <a:xfrm>
+            <a:off x="1219200" y="5180000"/>
+            <a:ext cx="3200000" cy="500000"/>
+          </a:xfrm>
+          <a:prstGeom prst="rect">
+            <a:avLst/>
+          </a:prstGeom>
+          <a:noFill/>
+        </p:spPr>
+        <p:txBody>
+          <a:bodyPr wrap="square">
+            <a:spAutoFit/>
+          </a:bodyPr>
+          <a:lstStyle/>
+          <a:p>
+            <a:pPr algn="ctr"/>
+            <a:r>
+              <a:rPr sz="900" b="0">
+                <a:solidFill>
+                  <a:srgbClr val="585858"/>
+                </a:solidFill>
+              </a:rPr>
+              <a:t>Paradoxical upward displacement
+visible — liver/spleen elevated</a:t>
+            </a:r>
+          </a:p>
+        </p:txBody>
+      </p:sp>
+      <p:sp>
+        <p:nvSpPr>
+          <p:cNvPr id="6" name="Oval 5"/>
+          <p:cNvSpPr/>
+          <p:nvPr/>
+        </p:nvSpPr>
+        <p:spPr>
+          <a:xfrm>
+            <a:off x="4876800" y="1700000"/>
+            <a:ext cx="3200000" cy="3400000"/>
+          </a:xfrm>
+          <a:prstGeom prst="ellipse">
+            <a:avLst/>
+          </a:prstGeom>
+          <a:solidFill>
+            <a:srgbClr val="D8D6D0"/>
+          </a:solidFill>
+          <a:ln>
+            <a:noFill/>
+          </a:ln>
+        </p:spPr>
+        <p:style>
+          <a:lnRef idx="1">
+            <a:schemeClr val="accent1"/>
+          </a:lnRef>
+          <a:fillRef idx="3">
+            <a:schemeClr val="accent1"/>
+          </a:fillRef>
+          <a:effectRef idx="2">
+            <a:schemeClr val="accent1"/>
+          </a:effectRef>
+          <a:fontRef idx="minor">
+            <a:schemeClr val="lt1"/>
+          </a:fontRef>
+        </p:style>
+        <p:txBody>
+          <a:bodyPr rtlCol="0" anchor="ctr" wrap="square" lIns="45720" rIns="45720"/>
+          <a:lstStyle/>
+          <a:p>
+            <a:pPr algn="ctr"/>
+            <a:r>
+              <a:rPr sz="1100" b="0">
+                <a:solidFill>
+                  <a:srgbClr val="585858"/>
+                </a:solidFill>
+              </a:rPr>
+              <a:t>[ Image placeholder ]
+Suture placement
+(0-Prolene horizontal mattress)</a:t>
+            </a:r>
+          </a:p>
+        </p:txBody>
+      </p:sp>
+      <p:sp>
+        <p:nvSpPr>
+          <p:cNvPr id="7" name="TextBox 6"/>
+          <p:cNvSpPr txBox="1"/>
+          <p:nvPr/>
+        </p:nvSpPr>
+        <p:spPr>
+          <a:xfrm>
+            <a:off x="4876800" y="5180000"/>
+            <a:ext cx="3200000" cy="500000"/>
+          </a:xfrm>
+          <a:prstGeom prst="rect">
+            <a:avLst/>
+          </a:prstGeom>
+          <a:noFill/>
+        </p:spPr>
+        <p:txBody>
+          <a:bodyPr wrap="square">
+            <a:spAutoFit/>
+          </a:bodyPr>
+          <a:lstStyle/>
+          <a:p>
+            <a:pPr algn="ctr"/>
+            <a:r>
+              <a:rPr sz="900" b="0">
+                <a:solidFill>
+                  <a:srgbClr val="585858"/>
+                </a:solidFill>
+              </a:rPr>
+              <a:t>Multiple rows placed
+from posterior to anterior</a:t>
+            </a:r>
+          </a:p>
+        </p:txBody>
+      </p:sp>
+      <p:sp>
+        <p:nvSpPr>
+          <p:cNvPr id="8" name="Oval 7"/>
+          <p:cNvSpPr/>
+          <p:nvPr/>
+        </p:nvSpPr>
+        <p:spPr>
+          <a:xfrm>
+            <a:off x="8534400" y="1700000"/>
+            <a:ext cx="3200000" cy="3400000"/>
+          </a:xfrm>
+          <a:prstGeom prst="ellipse">
+            <a:avLst/>
+          </a:prstGeom>
+          <a:solidFill>
+            <a:srgbClr val="D8D6D0"/>
+          </a:solidFill>
+          <a:ln>
+            <a:noFill/>
+          </a:ln>
+        </p:spPr>
+        <p:style>
+          <a:lnRef idx="1">
+            <a:schemeClr val="accent1"/>
+          </a:lnRef>
+          <a:fillRef idx="3">
+            <a:schemeClr val="accent1"/>
+          </a:fillRef>
+          <a:effectRef idx="2">
+            <a:schemeClr val="accent1"/>
+          </a:effectRef>
+          <a:fontRef idx="minor">
+            <a:schemeClr val="lt1"/>
+          </a:fontRef>
+        </p:style>
+        <p:txBody>
+          <a:bodyPr rtlCol="0" anchor="ctr" wrap="square" lIns="45720" rIns="45720"/>
+          <a:lstStyle/>
+          <a:p>
+            <a:pPr algn="ctr"/>
+            <a:r>
+              <a:rPr sz="1100" b="0">
+                <a:solidFill>
+                  <a:srgbClr val="585858"/>
+                </a:solidFill>
+              </a:rPr>
+              <a:t>[ Image placeholder ]
+Tensioned diaphragm
+after plication</a:t>
+            </a:r>
+          </a:p>
+        </p:txBody>
+      </p:sp>
+      <p:sp>
+        <p:nvSpPr>
+          <p:cNvPr id="9" name="TextBox 8"/>
+          <p:cNvSpPr txBox="1"/>
+          <p:nvPr/>
+        </p:nvSpPr>
+        <p:spPr>
+          <a:xfrm>
+            <a:off x="8534400" y="5180000"/>
+            <a:ext cx="3200000" cy="500000"/>
+          </a:xfrm>
+          <a:prstGeom prst="rect">
+            <a:avLst/>
+          </a:prstGeom>
+          <a:noFill/>
+        </p:spPr>
+        <p:txBody>
+          <a:bodyPr wrap="square">
+            <a:spAutoFit/>
+          </a:bodyPr>
+          <a:lstStyle/>
+          <a:p>
+            <a:pPr algn="ctr"/>
+            <a:r>
+              <a:rPr sz="900" b="0">
+                <a:solidFill>
+                  <a:srgbClr val="585858"/>
+                </a:solidFill>
+              </a:rPr>
+              <a:t>Dome lowered and flattened
+Paradox eliminated</a:t>
+            </a:r>
+          </a:p>
+        </p:txBody>
+      </p:sp>
+    </p:spTree>
+  </p:cSld>
+  <p:clrMapOvr>
+    <a:masterClrMapping/>
+  </p:clrMapOvr>
+</p:sld>
+</file>
+
+<file path=ppt/slides/slide23.xml><?xml version="1.0" encoding="utf-8"?>
+<p:sld xmlns:a="http://schemas.openxmlformats.org/drawingml/2006/main" xmlns:p="http://schemas.openxmlformats.org/presentationml/2006/main" xmlns:r="http://schemas.openxmlformats.org/officeDocument/2006/relationships">
+  <p:cSld>
+    <p:spTree>
+      <p:nvGrpSpPr>
+        <p:cNvPr id="1" name=""/>
+        <p:cNvGrpSpPr/>
+        <p:nvPr/>
+      </p:nvGrpSpPr>
+      <p:grpSpPr/>
+      <p:sp>
+        <p:nvSpPr>
+          <p:cNvPr id="2" name="Title 1"/>
+          <p:cNvSpPr>
+            <a:spLocks noGrp="1"/>
+          </p:cNvSpPr>
+          <p:nvPr>
+            <p:ph type="title"/>
+          </p:nvPr>
+        </p:nvSpPr>
+        <p:spPr/>
+        <p:txBody>
+          <a:bodyPr/>
+          <a:lstStyle/>
+          <a:p>
+            <a:r>
+              <a:t>Surgical Techniques for Phrenic Nerve Reconstruction</a:t>
+            </a:r>
+          </a:p>
+        </p:txBody>
+      </p:sp>
+      <p:sp>
+        <p:nvSpPr>
+          <p:cNvPr id="3" name="Text Placeholder 2"/>
+          <p:cNvSpPr>
+            <a:spLocks noGrp="1"/>
+          </p:cNvSpPr>
+          <p:nvPr>
+            <p:ph type="body" idx="14" sz="quarter"/>
+          </p:nvPr>
+        </p:nvSpPr>
+        <p:spPr/>
+        <p:txBody>
+          <a:bodyPr/>
+          <a:lstStyle/>
+          <a:p>
+            <a:r>
+              <a:t>Options depend on injury location, extent of loss, and time since injury</a:t>
+            </a:r>
+          </a:p>
+        </p:txBody>
+      </p:sp>
+      <p:sp>
+        <p:nvSpPr>
+          <p:cNvPr id="4" name="Oval 3"/>
+          <p:cNvSpPr/>
+          <p:nvPr/>
+        </p:nvSpPr>
+        <p:spPr>
+          <a:xfrm>
+            <a:off x="160000" y="1450000"/>
+            <a:ext cx="3400000" cy="500000"/>
+          </a:xfrm>
+          <a:prstGeom prst="ellipse">
+            <a:avLst/>
+          </a:prstGeom>
+          <a:solidFill>
+            <a:srgbClr val="4E2A84"/>
+          </a:solidFill>
+          <a:ln>
+            <a:noFill/>
+          </a:ln>
+        </p:spPr>
+        <p:style>
+          <a:lnRef idx="1">
+            <a:schemeClr val="accent1"/>
+          </a:lnRef>
+          <a:fillRef idx="3">
+            <a:schemeClr val="accent1"/>
+          </a:fillRef>
+          <a:effectRef idx="2">
+            <a:schemeClr val="accent1"/>
+          </a:effectRef>
+          <a:fontRef idx="minor">
+            <a:schemeClr val="lt1"/>
+          </a:fontRef>
+        </p:style>
+        <p:txBody>
+          <a:bodyPr rtlCol="0" anchor="ctr" wrap="square" lIns="45720" rIns="45720"/>
+          <a:lstStyle/>
+          <a:p>
+            <a:pPr algn="ctr"/>
+            <a:r>
+              <a:rPr sz="1100" b="1">
+                <a:solidFill>
+                  <a:srgbClr val="FFFFFF"/>
+                </a:solidFill>
+              </a:rPr>
+              <a:t>Nerve Transfer
+(Neurotization)</a:t>
+            </a:r>
+          </a:p>
+        </p:txBody>
+      </p:sp>
+      <p:sp>
+        <p:nvSpPr>
+          <p:cNvPr id="5" name="Oval 4"/>
+          <p:cNvSpPr/>
+          <p:nvPr/>
+        </p:nvSpPr>
+        <p:spPr>
+          <a:xfrm>
+            <a:off x="360000" y="2010000"/>
+            <a:ext cx="900000" cy="380000"/>
+          </a:xfrm>
+          <a:prstGeom prst="ellipse">
+            <a:avLst/>
+          </a:prstGeom>
+          <a:solidFill>
+            <a:srgbClr val="D8D6D0"/>
+          </a:solidFill>
+          <a:ln>
+            <a:noFill/>
+          </a:ln>
+        </p:spPr>
+        <p:style>
+          <a:lnRef idx="1">
+            <a:schemeClr val="accent1"/>
+          </a:lnRef>
+          <a:fillRef idx="3">
+            <a:schemeClr val="accent1"/>
+          </a:fillRef>
+          <a:effectRef idx="2">
+            <a:schemeClr val="accent1"/>
+          </a:effectRef>
+          <a:fontRef idx="minor">
+            <a:schemeClr val="lt1"/>
+          </a:fontRef>
+        </p:style>
+        <p:txBody>
+          <a:bodyPr rtlCol="0" anchor="ctr" wrap="square" lIns="45720" rIns="45720"/>
+          <a:lstStyle/>
+          <a:p>
+            <a:pPr algn="ctr"/>
+            <a:r>
+              <a:rPr sz="900" b="0">
+                <a:solidFill>
+                  <a:srgbClr val="585858"/>
+                </a:solidFill>
+              </a:rPr>
+              <a:t>Proximal nerve</a:t>
+            </a:r>
+          </a:p>
+        </p:txBody>
+      </p:sp>
+      <p:sp>
+        <p:nvSpPr>
+          <p:cNvPr id="6" name="Oval 5"/>
+          <p:cNvSpPr/>
+          <p:nvPr/>
+        </p:nvSpPr>
+        <p:spPr>
+          <a:xfrm>
+            <a:off x="2460000" y="2010000"/>
+            <a:ext cx="900000" cy="380000"/>
+          </a:xfrm>
+          <a:prstGeom prst="ellipse">
+            <a:avLst/>
+          </a:prstGeom>
+          <a:solidFill>
+            <a:srgbClr val="D8D6D0"/>
+          </a:solidFill>
+          <a:ln>
+            <a:noFill/>
+          </a:ln>
+        </p:spPr>
+        <p:style>
+          <a:lnRef idx="1">
+            <a:schemeClr val="accent1"/>
+          </a:lnRef>
+          <a:fillRef idx="3">
+            <a:schemeClr val="accent1"/>
+          </a:fillRef>
+          <a:effectRef idx="2">
+            <a:schemeClr val="accent1"/>
+          </a:effectRef>
+          <a:fontRef idx="minor">
+            <a:schemeClr val="lt1"/>
+          </a:fontRef>
+        </p:style>
+        <p:txBody>
+          <a:bodyPr rtlCol="0" anchor="ctr" wrap="square" lIns="45720" rIns="45720"/>
+          <a:lstStyle/>
+          <a:p>
+            <a:pPr algn="ctr"/>
+            <a:r>
+              <a:rPr sz="900" b="0">
+                <a:solidFill>
+                  <a:srgbClr val="585858"/>
+                </a:solidFill>
+              </a:rPr>
+              <a:t>Distal nerve
+(diaphragm)</a:t>
+            </a:r>
+          </a:p>
+        </p:txBody>
+      </p:sp>
+      <p:sp>
+        <p:nvSpPr>
+          <p:cNvPr id="7" name="Oval 6"/>
+          <p:cNvSpPr/>
+          <p:nvPr/>
+        </p:nvSpPr>
+        <p:spPr>
+          <a:xfrm>
+            <a:off x="1360000" y="1660000"/>
+            <a:ext cx="1000000" cy="340000"/>
+          </a:xfrm>
+          <a:prstGeom prst="ellipse">
+            <a:avLst/>
+          </a:prstGeom>
+          <a:solidFill>
+            <a:srgbClr val="00748C"/>
+          </a:solidFill>
+          <a:ln>
+            <a:noFill/>
+          </a:ln>
+        </p:spPr>
+        <p:style>
+          <a:lnRef idx="1">
+            <a:schemeClr val="accent1"/>
+          </a:lnRef>
+          <a:fillRef idx="3">
+            <a:schemeClr val="accent1"/>
+          </a:fillRef>
+          <a:effectRef idx="2">
+            <a:schemeClr val="accent1"/>
+          </a:effectRef>
+          <a:fontRef idx="minor">
+            <a:schemeClr val="lt1"/>
+          </a:fontRef>
+        </p:style>
+        <p:txBody>
+          <a:bodyPr rtlCol="0" anchor="ctr" wrap="square" lIns="45720" rIns="45720"/>
+          <a:lstStyle/>
+          <a:p>
+            <a:pPr algn="ctr"/>
+            <a:r>
+              <a:rPr sz="800" b="0">
+                <a:solidFill>
+                  <a:srgbClr val="FFFFFF"/>
+                </a:solidFill>
+              </a:rPr>
+              <a:t>Donor
+(intercostal)</a:t>
+            </a:r>
+          </a:p>
+        </p:txBody>
+      </p:sp>
+      <p:cxnSp>
+        <p:nvCxnSpPr>
+          <p:cNvPr id="8" name="Connector 7"/>
+          <p:cNvCxnSpPr/>
+          <p:nvPr/>
+        </p:nvCxnSpPr>
+        <p:spPr>
+          <a:xfrm>
+            <a:off x="1860000" y="2000000"/>
+            <a:ext cx="0" cy="200000"/>
+          </a:xfrm>
+          <a:prstGeom prst="line">
+            <a:avLst/>
+          </a:prstGeom>
+          <a:ln w="19050">
+            <a:solidFill>
+              <a:srgbClr val="4E2A84"/>
+            </a:solidFill>
+            <a:headEnd type="arrow"/>
+            <a:tailEnd type="none"/>
+          </a:ln>
+        </p:spPr>
+        <p:style>
+          <a:lnRef idx="2">
+            <a:schemeClr val="accent1"/>
+          </a:lnRef>
+          <a:fillRef idx="0">
+            <a:schemeClr val="accent1"/>
+          </a:fillRef>
+          <a:effectRef idx="1">
+            <a:schemeClr val="accent1"/>
+          </a:effectRef>
+          <a:fontRef idx="minor">
+            <a:schemeClr val="tx1"/>
+          </a:fontRef>
+        </p:style>
+      </p:cxnSp>
+      <p:cxnSp>
+        <p:nvCxnSpPr>
+          <p:cNvPr id="9" name="Connector 8"/>
+          <p:cNvCxnSpPr/>
+          <p:nvPr/>
+        </p:nvCxnSpPr>
+        <p:spPr>
+          <a:xfrm>
+            <a:off x="1260000" y="2200000"/>
+            <a:ext cx="1200000" cy="0"/>
+          </a:xfrm>
+          <a:prstGeom prst="line">
+            <a:avLst/>
+          </a:prstGeom>
+          <a:ln w="19050">
+            <a:solidFill>
+              <a:srgbClr val="4E2A84"/>
+            </a:solidFill>
+          </a:ln>
+        </p:spPr>
+        <p:style>
+          <a:lnRef idx="2">
+            <a:schemeClr val="accent1"/>
+          </a:lnRef>
+          <a:fillRef idx="0">
+            <a:schemeClr val="accent1"/>
+          </a:fillRef>
+          <a:effectRef idx="1">
+            <a:schemeClr val="accent1"/>
+          </a:effectRef>
+          <a:fontRef idx="minor">
+            <a:schemeClr val="tx1"/>
+          </a:fontRef>
+        </p:style>
+      </p:cxnSp>
+      <p:sp>
+        <p:nvSpPr>
+          <p:cNvPr id="10" name="TextBox 9"/>
+          <p:cNvSpPr txBox="1"/>
+          <p:nvPr/>
+        </p:nvSpPr>
+        <p:spPr>
+          <a:xfrm>
+            <a:off x="160000" y="4090000"/>
+            <a:ext cx="3400000" cy="1200000"/>
+          </a:xfrm>
+          <a:prstGeom prst="rect">
+            <a:avLst/>
+          </a:prstGeom>
+          <a:noFill/>
+        </p:spPr>
+        <p:txBody>
+          <a:bodyPr wrap="square">
+            <a:spAutoFit/>
+          </a:bodyPr>
+          <a:lstStyle/>
+          <a:p>
+            <a:pPr algn="ctr"/>
+            <a:r>
+              <a:rPr sz="950" b="0">
+                <a:solidFill>
+                  <a:srgbClr val="585858"/>
+                </a:solidFill>
+              </a:rPr>
+              <a:t>Donor nerve (e.g., intercostal or
+spinal accessory) coapted to
+distal phrenic stump
+Best when proximal phrenic is
+unavailable or irreversibly damaged</a:t>
+            </a:r>
+          </a:p>
+        </p:txBody>
+      </p:sp>
+      <p:sp>
+        <p:nvSpPr>
+          <p:cNvPr id="11" name="Oval 10"/>
+          <p:cNvSpPr/>
+          <p:nvPr/>
+        </p:nvSpPr>
+        <p:spPr>
+          <a:xfrm>
+            <a:off x="4396000" y="1450000"/>
+            <a:ext cx="3400000" cy="500000"/>
+          </a:xfrm>
+          <a:prstGeom prst="ellipse">
+            <a:avLst/>
+          </a:prstGeom>
+          <a:solidFill>
+            <a:srgbClr val="00748C"/>
+          </a:solidFill>
+          <a:ln>
+            <a:noFill/>
+          </a:ln>
+        </p:spPr>
+        <p:style>
+          <a:lnRef idx="1">
+            <a:schemeClr val="accent1"/>
+          </a:lnRef>
+          <a:fillRef idx="3">
+            <a:schemeClr val="accent1"/>
+          </a:fillRef>
+          <a:effectRef idx="2">
+            <a:schemeClr val="accent1"/>
+          </a:effectRef>
+          <a:fontRef idx="minor">
+            <a:schemeClr val="lt1"/>
+          </a:fontRef>
+        </p:style>
+        <p:txBody>
+          <a:bodyPr rtlCol="0" anchor="ctr" wrap="square" lIns="45720" rIns="45720"/>
+          <a:lstStyle/>
+          <a:p>
+            <a:pPr algn="ctr"/>
+            <a:r>
+              <a:rPr sz="1100" b="1">
+                <a:solidFill>
+                  <a:srgbClr val="FFFFFF"/>
+                </a:solidFill>
+              </a:rPr>
+              <a:t>Neurolysis / Lysis of Adhesions</a:t>
+            </a:r>
+          </a:p>
+        </p:txBody>
+      </p:sp>
+      <p:sp>
+        <p:nvSpPr>
+          <p:cNvPr id="12" name="Oval 11"/>
+          <p:cNvSpPr/>
+          <p:nvPr/>
+        </p:nvSpPr>
+        <p:spPr>
+          <a:xfrm>
+            <a:off x="4596000" y="2010000"/>
+            <a:ext cx="900000" cy="380000"/>
+          </a:xfrm>
+          <a:prstGeom prst="ellipse">
+            <a:avLst/>
+          </a:prstGeom>
+          <a:solidFill>
+            <a:srgbClr val="D8D6D0"/>
+          </a:solidFill>
+          <a:ln>
+            <a:noFill/>
+          </a:ln>
+        </p:spPr>
+        <p:style>
+          <a:lnRef idx="1">
+            <a:schemeClr val="accent1"/>
+          </a:lnRef>
+          <a:fillRef idx="3">
+            <a:schemeClr val="accent1"/>
+          </a:fillRef>
+          <a:effectRef idx="2">
+            <a:schemeClr val="accent1"/>
+          </a:effectRef>
+          <a:fontRef idx="minor">
+            <a:schemeClr val="lt1"/>
+          </a:fontRef>
+        </p:style>
+        <p:txBody>
+          <a:bodyPr rtlCol="0" anchor="ctr" wrap="square" lIns="45720" rIns="45720"/>
+          <a:lstStyle/>
+          <a:p>
+            <a:pPr algn="ctr"/>
+            <a:r>
+              <a:rPr sz="900" b="0">
+                <a:solidFill>
+                  <a:srgbClr val="585858"/>
+                </a:solidFill>
+              </a:rPr>
+              <a:t>Proximal nerve</a:t>
+            </a:r>
+          </a:p>
+        </p:txBody>
+      </p:sp>
+      <p:sp>
+        <p:nvSpPr>
+          <p:cNvPr id="13" name="Oval 12"/>
+          <p:cNvSpPr/>
+          <p:nvPr/>
+        </p:nvSpPr>
+        <p:spPr>
+          <a:xfrm>
+            <a:off x="6696000" y="2010000"/>
+            <a:ext cx="900000" cy="380000"/>
+          </a:xfrm>
+          <a:prstGeom prst="ellipse">
+            <a:avLst/>
+          </a:prstGeom>
+          <a:solidFill>
+            <a:srgbClr val="D8D6D0"/>
+          </a:solidFill>
+          <a:ln>
+            <a:noFill/>
+          </a:ln>
+        </p:spPr>
+        <p:style>
+          <a:lnRef idx="1">
+            <a:schemeClr val="accent1"/>
+          </a:lnRef>
+          <a:fillRef idx="3">
+            <a:schemeClr val="accent1"/>
+          </a:fillRef>
+          <a:effectRef idx="2">
+            <a:schemeClr val="accent1"/>
+          </a:effectRef>
+          <a:fontRef idx="minor">
+            <a:schemeClr val="lt1"/>
+          </a:fontRef>
+        </p:style>
+        <p:txBody>
+          <a:bodyPr rtlCol="0" anchor="ctr" wrap="square" lIns="45720" rIns="45720"/>
+          <a:lstStyle/>
+          <a:p>
+            <a:pPr algn="ctr"/>
+            <a:r>
+              <a:rPr sz="900" b="0">
+                <a:solidFill>
+                  <a:srgbClr val="585858"/>
+                </a:solidFill>
+              </a:rPr>
+              <a:t>Distal nerve
+(diaphragm)</a:t>
+            </a:r>
+          </a:p>
+        </p:txBody>
+      </p:sp>
+      <p:sp>
+        <p:nvSpPr>
+          <p:cNvPr id="14" name="Oval 13"/>
+          <p:cNvSpPr/>
+          <p:nvPr/>
+        </p:nvSpPr>
+        <p:spPr>
+          <a:xfrm>
+            <a:off x="5646000" y="2060000"/>
+            <a:ext cx="900000" cy="280000"/>
+          </a:xfrm>
+          <a:prstGeom prst="ellipse">
+            <a:avLst/>
+          </a:prstGeom>
+          <a:solidFill>
+            <a:srgbClr val="585858"/>
+          </a:solidFill>
+          <a:ln>
+            <a:noFill/>
+          </a:ln>
+        </p:spPr>
+        <p:style>
+          <a:lnRef idx="1">
+            <a:schemeClr val="accent1"/>
+          </a:lnRef>
+          <a:fillRef idx="3">
+            <a:schemeClr val="accent1"/>
+          </a:fillRef>
+          <a:effectRef idx="2">
+            <a:schemeClr val="accent1"/>
+          </a:effectRef>
+          <a:fontRef idx="minor">
+            <a:schemeClr val="lt1"/>
+          </a:fontRef>
+        </p:style>
+        <p:txBody>
+          <a:bodyPr rtlCol="0" anchor="ctr" wrap="square" lIns="45720" rIns="45720"/>
+          <a:lstStyle/>
+          <a:p>
+            <a:pPr algn="ctr"/>
+            <a:r>
+              <a:rPr sz="800" b="0">
+                <a:solidFill>
+                  <a:srgbClr val="FFFFFF"/>
+                </a:solidFill>
+              </a:rPr>
+              <a:t>Scar/fibrosis
+released</a:t>
+            </a:r>
+          </a:p>
+        </p:txBody>
+      </p:sp>
+      <p:cxnSp>
+        <p:nvCxnSpPr>
+          <p:cNvPr id="15" name="Connector 14"/>
+          <p:cNvCxnSpPr/>
+          <p:nvPr/>
+        </p:nvCxnSpPr>
+        <p:spPr>
+          <a:xfrm>
+            <a:off x="6096000" y="2200000"/>
+            <a:ext cx="0" cy="0"/>
+          </a:xfrm>
+          <a:prstGeom prst="line">
+            <a:avLst/>
+          </a:prstGeom>
+          <a:ln w="19050">
+            <a:solidFill>
+              <a:srgbClr val="4E2A84"/>
+            </a:solidFill>
+            <a:headEnd type="arrow"/>
+            <a:tailEnd type="none"/>
+          </a:ln>
+        </p:spPr>
+        <p:style>
+          <a:lnRef idx="2">
+            <a:schemeClr val="accent1"/>
+          </a:lnRef>
+          <a:fillRef idx="0">
+            <a:schemeClr val="accent1"/>
+          </a:fillRef>
+          <a:effectRef idx="1">
+            <a:schemeClr val="accent1"/>
+          </a:effectRef>
+          <a:fontRef idx="minor">
+            <a:schemeClr val="tx1"/>
+          </a:fontRef>
+        </p:style>
+      </p:cxnSp>
+      <p:cxnSp>
+        <p:nvCxnSpPr>
+          <p:cNvPr id="16" name="Connector 15"/>
+          <p:cNvCxnSpPr/>
+          <p:nvPr/>
+        </p:nvCxnSpPr>
+        <p:spPr>
+          <a:xfrm>
+            <a:off x="6096000" y="2200000"/>
+            <a:ext cx="0" cy="0"/>
+          </a:xfrm>
+          <a:prstGeom prst="line">
+            <a:avLst/>
+          </a:prstGeom>
+          <a:ln w="19050">
+            <a:solidFill>
+              <a:srgbClr val="4E2A84"/>
+            </a:solidFill>
+            <a:headEnd type="arrow"/>
+            <a:tailEnd type="none"/>
+          </a:ln>
+        </p:spPr>
+        <p:style>
+          <a:lnRef idx="2">
+            <a:schemeClr val="accent1"/>
+          </a:lnRef>
+          <a:fillRef idx="0">
+            <a:schemeClr val="accent1"/>
+          </a:fillRef>
+          <a:effectRef idx="1">
+            <a:schemeClr val="accent1"/>
+          </a:effectRef>
+          <a:fontRef idx="minor">
+            <a:schemeClr val="tx1"/>
+          </a:fontRef>
+        </p:style>
+      </p:cxnSp>
+      <p:cxnSp>
+        <p:nvCxnSpPr>
+          <p:cNvPr id="17" name="Connector 16"/>
+          <p:cNvCxnSpPr/>
+          <p:nvPr/>
+        </p:nvCxnSpPr>
+        <p:spPr>
+          <a:xfrm>
+            <a:off x="5496000" y="2200000"/>
+            <a:ext cx="1200000" cy="0"/>
+          </a:xfrm>
+          <a:prstGeom prst="line">
+            <a:avLst/>
+          </a:prstGeom>
+          <a:ln w="25400">
+            <a:solidFill>
+              <a:srgbClr val="00748C"/>
+            </a:solidFill>
+          </a:ln>
+        </p:spPr>
+        <p:style>
+          <a:lnRef idx="2">
+            <a:schemeClr val="accent1"/>
+          </a:lnRef>
+          <a:fillRef idx="0">
+            <a:schemeClr val="accent1"/>
+          </a:fillRef>
+          <a:effectRef idx="1">
+            <a:schemeClr val="accent1"/>
+          </a:effectRef>
+          <a:fontRef idx="minor">
+            <a:schemeClr val="tx1"/>
+          </a:fontRef>
+        </p:style>
+      </p:cxnSp>
+      <p:sp>
+        <p:nvSpPr>
+          <p:cNvPr id="18" name="TextBox 17"/>
+          <p:cNvSpPr txBox="1"/>
+          <p:nvPr/>
+        </p:nvSpPr>
+        <p:spPr>
+          <a:xfrm>
+            <a:off x="4396000" y="4090000"/>
+            <a:ext cx="3400000" cy="1200000"/>
+          </a:xfrm>
+          <a:prstGeom prst="rect">
+            <a:avLst/>
+          </a:prstGeom>
+          <a:noFill/>
+        </p:spPr>
+        <p:txBody>
+          <a:bodyPr wrap="square">
+            <a:spAutoFit/>
+          </a:bodyPr>
+          <a:lstStyle/>
+          <a:p>
+            <a:pPr algn="ctr"/>
+            <a:r>
+              <a:rPr sz="950" b="0">
+                <a:solidFill>
+                  <a:srgbClr val="585858"/>
+                </a:solidFill>
+              </a:rPr>
+              <a:t>External neurolysis of fibrotic
+scar/adhesions compressing
+an intact phrenic nerve
+Best for compressive causes
+(radiation fibrosis, cervical rib)</a:t>
+            </a:r>
+          </a:p>
+        </p:txBody>
+      </p:sp>
+      <p:sp>
+        <p:nvSpPr>
+          <p:cNvPr id="19" name="Oval 18"/>
+          <p:cNvSpPr/>
+          <p:nvPr/>
+        </p:nvSpPr>
+        <p:spPr>
+          <a:xfrm>
+            <a:off x="8632000" y="1450000"/>
+            <a:ext cx="3400000" cy="500000"/>
+          </a:xfrm>
+          <a:prstGeom prst="ellipse">
+            <a:avLst/>
+          </a:prstGeom>
+          <a:solidFill>
+            <a:srgbClr val="4E2A84"/>
+          </a:solidFill>
+          <a:ln>
+            <a:noFill/>
+          </a:ln>
+        </p:spPr>
+        <p:style>
+          <a:lnRef idx="1">
+            <a:schemeClr val="accent1"/>
+          </a:lnRef>
+          <a:fillRef idx="3">
+            <a:schemeClr val="accent1"/>
+          </a:fillRef>
+          <a:effectRef idx="2">
+            <a:schemeClr val="accent1"/>
+          </a:effectRef>
+          <a:fontRef idx="minor">
+            <a:schemeClr val="lt1"/>
+          </a:fontRef>
+        </p:style>
+        <p:txBody>
+          <a:bodyPr rtlCol="0" anchor="ctr" wrap="square" lIns="45720" rIns="45720"/>
+          <a:lstStyle/>
+          <a:p>
+            <a:pPr algn="ctr"/>
+            <a:r>
+              <a:rPr sz="1100" b="1">
+                <a:solidFill>
+                  <a:srgbClr val="FFFFFF"/>
+                </a:solidFill>
+              </a:rPr>
+              <a:t>Nerve Graft (Interposition Repair)</a:t>
+            </a:r>
+          </a:p>
+        </p:txBody>
+      </p:sp>
+      <p:sp>
+        <p:nvSpPr>
+          <p:cNvPr id="20" name="Oval 19"/>
+          <p:cNvSpPr/>
+          <p:nvPr/>
+        </p:nvSpPr>
+        <p:spPr>
+          <a:xfrm>
+            <a:off x="8832000" y="2010000"/>
+            <a:ext cx="900000" cy="380000"/>
+          </a:xfrm>
+          <a:prstGeom prst="ellipse">
+            <a:avLst/>
+          </a:prstGeom>
+          <a:solidFill>
+            <a:srgbClr val="D8D6D0"/>
+          </a:solidFill>
+          <a:ln>
+            <a:noFill/>
+          </a:ln>
+        </p:spPr>
+        <p:style>
+          <a:lnRef idx="1">
+            <a:schemeClr val="accent1"/>
+          </a:lnRef>
+          <a:fillRef idx="3">
+            <a:schemeClr val="accent1"/>
+          </a:fillRef>
+          <a:effectRef idx="2">
+            <a:schemeClr val="accent1"/>
+          </a:effectRef>
+          <a:fontRef idx="minor">
+            <a:schemeClr val="lt1"/>
+          </a:fontRef>
+        </p:style>
+        <p:txBody>
+          <a:bodyPr rtlCol="0" anchor="ctr" wrap="square" lIns="45720" rIns="45720"/>
+          <a:lstStyle/>
+          <a:p>
+            <a:pPr algn="ctr"/>
+            <a:r>
+              <a:rPr sz="900" b="0">
+                <a:solidFill>
+                  <a:srgbClr val="585858"/>
+                </a:solidFill>
+              </a:rPr>
+              <a:t>Proximal nerve</a:t>
+            </a:r>
+          </a:p>
+        </p:txBody>
+      </p:sp>
+      <p:sp>
+        <p:nvSpPr>
+          <p:cNvPr id="21" name="Oval 20"/>
+          <p:cNvSpPr/>
+          <p:nvPr/>
+        </p:nvSpPr>
+        <p:spPr>
+          <a:xfrm>
+            <a:off x="10932000" y="2010000"/>
+            <a:ext cx="900000" cy="380000"/>
+          </a:xfrm>
+          <a:prstGeom prst="ellipse">
+            <a:avLst/>
+          </a:prstGeom>
+          <a:solidFill>
+            <a:srgbClr val="D8D6D0"/>
+          </a:solidFill>
+          <a:ln>
+            <a:noFill/>
+          </a:ln>
+        </p:spPr>
+        <p:style>
+          <a:lnRef idx="1">
+            <a:schemeClr val="accent1"/>
+          </a:lnRef>
+          <a:fillRef idx="3">
+            <a:schemeClr val="accent1"/>
+          </a:fillRef>
+          <a:effectRef idx="2">
+            <a:schemeClr val="accent1"/>
+          </a:effectRef>
+          <a:fontRef idx="minor">
+            <a:schemeClr val="lt1"/>
+          </a:fontRef>
+        </p:style>
+        <p:txBody>
+          <a:bodyPr rtlCol="0" anchor="ctr" wrap="square" lIns="45720" rIns="45720"/>
+          <a:lstStyle/>
+          <a:p>
+            <a:pPr algn="ctr"/>
+            <a:r>
+              <a:rPr sz="900" b="0">
+                <a:solidFill>
+                  <a:srgbClr val="585858"/>
+                </a:solidFill>
+              </a:rPr>
+              <a:t>Distal nerve
+(diaphragm)</a:t>
+            </a:r>
+          </a:p>
+        </p:txBody>
+      </p:sp>
+      <p:sp>
+        <p:nvSpPr>
+          <p:cNvPr id="22" name="Oval 21"/>
+          <p:cNvSpPr/>
+          <p:nvPr/>
+        </p:nvSpPr>
+        <p:spPr>
+          <a:xfrm>
+            <a:off x="9832000" y="2010000"/>
+            <a:ext cx="1000000" cy="380000"/>
+          </a:xfrm>
+          <a:prstGeom prst="ellipse">
+            <a:avLst/>
+          </a:prstGeom>
+          <a:solidFill>
+            <a:srgbClr val="00748C"/>
+          </a:solidFill>
+          <a:ln>
+            <a:noFill/>
+          </a:ln>
+        </p:spPr>
+        <p:style>
+          <a:lnRef idx="1">
+            <a:schemeClr val="accent1"/>
+          </a:lnRef>
+          <a:fillRef idx="3">
+            <a:schemeClr val="accent1"/>
+          </a:fillRef>
+          <a:effectRef idx="2">
+            <a:schemeClr val="accent1"/>
+          </a:effectRef>
+          <a:fontRef idx="minor">
+            <a:schemeClr val="lt1"/>
+          </a:fontRef>
+        </p:style>
+        <p:txBody>
+          <a:bodyPr rtlCol="0" anchor="ctr" wrap="square" lIns="45720" rIns="45720"/>
+          <a:lstStyle/>
+          <a:p>
+            <a:pPr algn="ctr"/>
+            <a:r>
+              <a:rPr sz="800" b="0">
+                <a:solidFill>
+                  <a:srgbClr val="FFFFFF"/>
+                </a:solidFill>
+              </a:rPr>
+              <a:t>Nerve graft
+(sural)</a:t>
+            </a:r>
+          </a:p>
+        </p:txBody>
+      </p:sp>
+      <p:cxnSp>
+        <p:nvCxnSpPr>
+          <p:cNvPr id="23" name="Connector 22"/>
+          <p:cNvCxnSpPr/>
+          <p:nvPr/>
+        </p:nvCxnSpPr>
+        <p:spPr>
+          <a:xfrm>
+            <a:off x="9732000" y="2200000"/>
+            <a:ext cx="100000" cy="0"/>
+          </a:xfrm>
+          <a:prstGeom prst="line">
+            <a:avLst/>
+          </a:prstGeom>
+          <a:ln w="19050">
+            <a:solidFill>
+              <a:srgbClr val="4E2A84"/>
+            </a:solidFill>
+          </a:ln>
+        </p:spPr>
+        <p:style>
+          <a:lnRef idx="2">
+            <a:schemeClr val="accent1"/>
+          </a:lnRef>
+          <a:fillRef idx="0">
+            <a:schemeClr val="accent1"/>
+          </a:fillRef>
+          <a:effectRef idx="1">
+            <a:schemeClr val="accent1"/>
+          </a:effectRef>
+          <a:fontRef idx="minor">
+            <a:schemeClr val="tx1"/>
+          </a:fontRef>
+        </p:style>
+      </p:cxnSp>
+      <p:cxnSp>
+        <p:nvCxnSpPr>
+          <p:cNvPr id="24" name="Connector 23"/>
+          <p:cNvCxnSpPr/>
+          <p:nvPr/>
+        </p:nvCxnSpPr>
+        <p:spPr>
+          <a:xfrm>
+            <a:off x="10832000" y="2200000"/>
+            <a:ext cx="100000" cy="0"/>
+          </a:xfrm>
+          <a:prstGeom prst="line">
+            <a:avLst/>
+          </a:prstGeom>
+          <a:ln w="19050">
+            <a:solidFill>
+              <a:srgbClr val="4E2A84"/>
+            </a:solidFill>
+          </a:ln>
+        </p:spPr>
+        <p:style>
+          <a:lnRef idx="2">
+            <a:schemeClr val="accent1"/>
+          </a:lnRef>
+          <a:fillRef idx="0">
+            <a:schemeClr val="accent1"/>
+          </a:fillRef>
+          <a:effectRef idx="1">
+            <a:schemeClr val="accent1"/>
+          </a:effectRef>
+          <a:fontRef idx="minor">
+            <a:schemeClr val="tx1"/>
+          </a:fontRef>
+        </p:style>
+      </p:cxnSp>
+      <p:sp>
+        <p:nvSpPr>
+          <p:cNvPr id="25" name="TextBox 24"/>
+          <p:cNvSpPr txBox="1"/>
+          <p:nvPr/>
+        </p:nvSpPr>
+        <p:spPr>
+          <a:xfrm>
+            <a:off x="8632000" y="4090000"/>
+            <a:ext cx="3400000" cy="1200000"/>
+          </a:xfrm>
+          <a:prstGeom prst="rect">
+            <a:avLst/>
+          </a:prstGeom>
+          <a:noFill/>
+        </p:spPr>
+        <p:txBody>
+          <a:bodyPr wrap="square">
+            <a:spAutoFit/>
+          </a:bodyPr>
+          <a:lstStyle/>
+          <a:p>
+            <a:pPr algn="ctr"/>
+            <a:r>
+              <a:rPr sz="950" b="0">
+                <a:solidFill>
+                  <a:srgbClr val="585858"/>
+                </a:solidFill>
+              </a:rPr>
+              <a:t>Sural or other sensory nerve
+bridges a gap between
+proximal and distal stumps
+Best within 6–12 months of
+sharp/resection injury</a:t>
+            </a:r>
+          </a:p>
+        </p:txBody>
+      </p:sp>
+    </p:spTree>
+  </p:cSld>
+  <p:clrMapOvr>
+    <a:masterClrMapping/>
+  </p:clrMapOvr>
+</p:sld>
+</file>
+
+<file path=ppt/slides/slide24.xml><?xml version="1.0" encoding="utf-8"?>
+<p:sld xmlns:a="http://schemas.openxmlformats.org/drawingml/2006/main" xmlns:p="http://schemas.openxmlformats.org/presentationml/2006/main" xmlns:r="http://schemas.openxmlformats.org/officeDocument/2006/relationships">
+  <p:cSld>
+    <p:spTree>
+      <p:nvGrpSpPr>
+        <p:cNvPr id="1" name=""/>
+        <p:cNvGrpSpPr/>
+        <p:nvPr/>
+      </p:nvGrpSpPr>
+      <p:grpSpPr/>
+      <p:sp>
+        <p:nvSpPr>
+          <p:cNvPr id="2" name="Title 1"/>
+          <p:cNvSpPr>
+            <a:spLocks noGrp="1"/>
+          </p:cNvSpPr>
+          <p:nvPr>
+            <p:ph type="title"/>
+          </p:nvPr>
+        </p:nvSpPr>
+        <p:spPr/>
+        <p:txBody>
+          <a:bodyPr/>
+          <a:lstStyle/>
+          <a:p>
+            <a:r>
+              <a:t>Diaphragm Pacing (Phrenic Nerve / Diaphragm Stimulation)</a:t>
+            </a:r>
+          </a:p>
+        </p:txBody>
+      </p:sp>
+      <p:sp>
+        <p:nvSpPr>
+          <p:cNvPr id="3" name="Content Placeholder 2"/>
+          <p:cNvSpPr>
+            <a:spLocks noGrp="1"/>
+          </p:cNvSpPr>
+          <p:nvPr>
+            <p:ph idx="1"/>
+          </p:nvPr>
+        </p:nvSpPr>
+        <p:spPr/>
+        <p:txBody>
+          <a:bodyPr/>
+          <a:lstStyle/>
+          <a:p>
+            <a:pPr/>
+            <a:r>
+              <a:rPr b="1"/>
+              <a:t>Indications</a:t>
+            </a:r>
+          </a:p>
+          <a:p>
+            <a:pPr lvl="2"/>
+            <a:r>
+              <a:t>Cervical SCI (C1–C4) with intact lower motor neuron phrenic pathways</a:t>
+            </a:r>
+          </a:p>
+          <a:p>
+            <a:pPr lvl="2"/>
+            <a:r>
+              <a:t>CCHS (congenital central hypoventilation syndrome)</a:t>
+            </a:r>
+          </a:p>
+          <a:p>
+            <a:pPr lvl="2"/>
+            <a:r>
+              <a:t>ALS: FDA humanitarian device exemption; routine use NOT recommended (see VITALS trial)</a:t>
+            </a:r>
+          </a:p>
+          <a:p>
+            <a:pPr lvl="2"/>
+            <a:r>
+              <a:t>Prerequisite: intact phrenic nerve + viable diaphragm (confirmed by EMG/NCS)</a:t>
+            </a:r>
+          </a:p>
+          <a:p>
+            <a:pPr/>
+            <a:r>
+              <a:rPr b="1"/>
+              <a:t>Systems</a:t>
+            </a:r>
+          </a:p>
+          <a:p>
+            <a:pPr lvl="2"/>
+            <a:r>
+              <a:t>NeuRx DPS (Synapse Biomedical): laparoscopic intramuscular electrodes — FDA-approved SCI/ALS</a:t>
+            </a:r>
+          </a:p>
+          <a:p>
+            <a:pPr lvl="2"/>
+            <a:r>
+              <a:t>Avery Biomedical: implanted electrodes around phrenic nerves in thorax</a:t>
+            </a:r>
+          </a:p>
+          <a:p>
+            <a:pPr/>
+            <a:r>
+              <a:rPr b="1"/>
+              <a:t>Outcomes in SCI</a:t>
+            </a:r>
+          </a:p>
+          <a:p>
+            <a:pPr lvl="2"/>
+            <a:r>
+              <a:t>~80% achieve ventilator-free breathing &gt;4 h/day with appropriate conditioning</a:t>
+            </a:r>
+          </a:p>
+          <a:p>
+            <a:pPr lvl="2"/>
+            <a:r>
+              <a:t>Improved QOL: speech, smell, mobility; fewer pulmonary infections vs. PPV</a:t>
+            </a:r>
+          </a:p>
+        </p:txBody>
+      </p:sp>
+      <p:sp>
+        <p:nvSpPr>
+          <p:cNvPr id="4" name="Text Placeholder 3"/>
+          <p:cNvSpPr>
+            <a:spLocks noGrp="1"/>
+          </p:cNvSpPr>
+          <p:nvPr>
+            <p:ph type="body" idx="13" sz="quarter"/>
+          </p:nvPr>
+        </p:nvSpPr>
+        <p:spPr/>
+        <p:txBody>
+          <a:bodyPr/>
+          <a:lstStyle/>
+          <a:p>
+            <a:r>
+              <a:t>Restoring ventilation through electrical stimulation — key role in SCI</a:t>
+            </a:r>
+          </a:p>
+        </p:txBody>
+      </p:sp>
+      <p:sp>
+        <p:nvSpPr>
+          <p:cNvPr id="5" name="Content Placeholder 4"/>
+          <p:cNvSpPr>
+            <a:spLocks noGrp="1"/>
+          </p:cNvSpPr>
+          <p:nvPr>
+            <p:ph idx="14"/>
+          </p:nvPr>
+        </p:nvSpPr>
+        <p:spPr/>
+        <p:txBody>
+          <a:bodyPr/>
+          <a:lstStyle/>
+          <a:p>
+            <a:pPr/>
+            <a:r>
+              <a:rPr b="1"/>
+              <a:t>ALS Controversy — The VITALS Trial</a:t>
+            </a:r>
+          </a:p>
+          <a:p>
+            <a:pPr lvl="2"/>
+            <a:r>
+              <a:t>Randomized trial (n=74): diaphragm pacing did not improve survival</a:t>
+            </a:r>
+          </a:p>
+          <a:p>
+            <a:pPr lvl="2"/>
+            <a:r>
+              <a:t>Possible acceleration of decline in some patients</a:t>
+            </a:r>
+          </a:p>
+          <a:p>
+            <a:pPr lvl="2"/>
+            <a:r>
+              <a:t>Current consensus: do not offer diaphragm pacing routinely in ALS outside of clinical trial</a:t>
+            </a:r>
+          </a:p>
+          <a:p>
+            <a:pPr/>
+            <a:r>
+              <a:rPr b="1"/>
+              <a:t>Patient Selection Criteria</a:t>
+            </a:r>
+          </a:p>
+          <a:p>
+            <a:pPr lvl="2"/>
+            <a:r>
+              <a:t>Phrenic CMAP present and &gt;20% of normal amplitude</a:t>
+            </a:r>
+          </a:p>
+          <a:p>
+            <a:pPr lvl="2"/>
+            <a:r>
+              <a:t>Diaphragm needle EMG: active MUPs present (not purely fibrillations)</a:t>
+            </a:r>
+          </a:p>
+          <a:p>
+            <a:pPr/>
+            <a:r>
+              <a:rPr b="1"/>
+              <a:t>Phrenic Nerve Stimulation (PNS)</a:t>
+            </a:r>
+          </a:p>
+          <a:p>
+            <a:pPr lvl="2"/>
+            <a:r>
+              <a:t>Older thoracic approach; now largely replaced by laparoscopic DPS for new implants</a:t>
+            </a:r>
+          </a:p>
+          <a:p>
+            <a:pPr lvl="2"/>
+            <a:r>
+              <a:t>Transcutaneous stimulation: non-invasive; emerging for rehabilitation in SCI</a:t>
+            </a:r>
+          </a:p>
+        </p:txBody>
+      </p:sp>
+    </p:spTree>
+  </p:cSld>
+  <p:clrMapOvr>
+    <a:masterClrMapping/>
+  </p:clrMapOvr>
+</p:sld>
+</file>
+
+<file path=ppt/slides/slide25.xml><?xml version="1.0" encoding="utf-8"?>
+<p:sld xmlns:a="http://schemas.openxmlformats.org/drawingml/2006/main" xmlns:p="http://schemas.openxmlformats.org/presentationml/2006/main" xmlns:r="http://schemas.openxmlformats.org/officeDocument/2006/relationships">
+  <p:cSld>
+    <p:spTree>
+      <p:nvGrpSpPr>
+        <p:cNvPr id="1" name=""/>
+        <p:cNvGrpSpPr/>
+        <p:nvPr/>
+      </p:nvGrpSpPr>
+      <p:grpSpPr/>
+      <p:sp>
+        <p:nvSpPr>
+          <p:cNvPr id="2" name="Title 1"/>
+          <p:cNvSpPr>
+            <a:spLocks noGrp="1"/>
+          </p:cNvSpPr>
+          <p:nvPr>
+            <p:ph type="title"/>
+          </p:nvPr>
+        </p:nvSpPr>
+        <p:spPr/>
+        <p:txBody>
+          <a:bodyPr/>
+          <a:lstStyle/>
+          <a:p>
+            <a:r>
+              <a:t>Issues in Real Clinical Practice</a:t>
+            </a:r>
+          </a:p>
+        </p:txBody>
+      </p:sp>
+      <p:sp>
+        <p:nvSpPr>
+          <p:cNvPr id="3" name="Content Placeholder 2"/>
+          <p:cNvSpPr>
+            <a:spLocks noGrp="1"/>
+          </p:cNvSpPr>
+          <p:nvPr>
+            <p:ph idx="1"/>
+          </p:nvPr>
+        </p:nvSpPr>
+        <p:spPr/>
+        <p:txBody>
+          <a:bodyPr/>
+          <a:lstStyle/>
+          <a:p>
+            <a:pPr/>
+            <a:r>
+              <a:rPr b="1"/>
+              <a:t>Delayed Diagnosis</a:t>
+            </a:r>
+          </a:p>
+          <a:p>
+            <a:pPr lvl="2"/>
+            <a:r>
+              <a:t>Mean time from symptom onset to diagnosis of Parsonage-Turner: &gt;6 months in most series</a:t>
+            </a:r>
+          </a:p>
+          <a:p>
+            <a:pPr lvl="2"/>
+            <a:r>
+              <a:t>Diaphragm dysfunction frequently misattributed to cardiac, pulmonary, or deconditioning</a:t>
+            </a:r>
+          </a:p>
+          <a:p>
+            <a:pPr lvl="2"/>
+            <a:r>
+              <a:t>Phrenic NCS/EMG rarely requested in initial dyspnea workup</a:t>
+            </a:r>
+          </a:p>
+          <a:p>
+            <a:pPr/>
+            <a:r>
+              <a:rPr b="1"/>
+              <a:t>Lack of Standardized Workup Protocols</a:t>
+            </a:r>
+          </a:p>
+          <a:p>
+            <a:pPr lvl="2"/>
+            <a:r>
+              <a:t>No consensus on mandatory inclusion of sniff test, diaphragm ultrasound, or phrenic NCS</a:t>
+            </a:r>
+          </a:p>
+          <a:p>
+            <a:pPr lvl="2"/>
+            <a:r>
+              <a:t>Supine FVC — a simple, inexpensive test — is underutilized in clinical practice</a:t>
+            </a:r>
+          </a:p>
+          <a:p>
+            <a:pPr/>
+            <a:r>
+              <a:rPr b="1"/>
+              <a:t>Multi-Specialty Gaps</a:t>
+            </a:r>
+          </a:p>
+          <a:p>
+            <a:pPr lvl="2"/>
+            <a:r>
+              <a:t>Patients may see cardiology, pulmonology, neurology, or thoracic surgery in isolation</a:t>
+            </a:r>
+          </a:p>
+          <a:p>
+            <a:pPr lvl="2"/>
+            <a:r>
+              <a:t>No established multidisciplinary pathway for diaphragm dysfunction in most institutions</a:t>
+            </a:r>
+          </a:p>
+          <a:p>
+            <a:pPr/>
+            <a:r>
+              <a:rPr b="1"/>
+              <a:t>Surgical Expertise</a:t>
+            </a:r>
+          </a:p>
+          <a:p>
+            <a:pPr lvl="2"/>
+            <a:r>
+              <a:t>Diaphragm plication and phrenic nerve reconstruction performed at only a handful of centers</a:t>
+            </a:r>
+          </a:p>
+          <a:p>
+            <a:pPr lvl="2"/>
+            <a:r>
+              <a:t>Significant variability in technique and patient selection criteria</a:t>
+            </a:r>
+          </a:p>
+        </p:txBody>
+      </p:sp>
+      <p:sp>
+        <p:nvSpPr>
+          <p:cNvPr id="4" name="Text Placeholder 3"/>
+          <p:cNvSpPr>
+            <a:spLocks noGrp="1"/>
+          </p:cNvSpPr>
+          <p:nvPr>
+            <p:ph type="body" idx="13" sz="quarter"/>
+          </p:nvPr>
+        </p:nvSpPr>
+        <p:spPr/>
+        <p:txBody>
+          <a:bodyPr/>
+          <a:lstStyle/>
+          <a:p/>
+        </p:txBody>
+      </p:sp>
+    </p:spTree>
+  </p:cSld>
+  <p:clrMapOvr>
+    <a:masterClrMapping/>
+  </p:clrMapOvr>
+</p:sld>
+</file>
+
+<file path=ppt/slides/slide26.xml><?xml version="1.0" encoding="utf-8"?>
+<p:sld xmlns:a="http://schemas.openxmlformats.org/drawingml/2006/main" xmlns:p="http://schemas.openxmlformats.org/presentationml/2006/main" xmlns:r="http://schemas.openxmlformats.org/officeDocument/2006/relationships">
+  <p:cSld>
+    <p:spTree>
+      <p:nvGrpSpPr>
+        <p:cNvPr id="1" name=""/>
+        <p:cNvGrpSpPr/>
+        <p:nvPr/>
+      </p:nvGrpSpPr>
+      <p:grpSpPr/>
+      <p:sp>
+        <p:nvSpPr>
+          <p:cNvPr id="2" name="Title 1"/>
+          <p:cNvSpPr>
+            <a:spLocks noGrp="1"/>
+          </p:cNvSpPr>
+          <p:nvPr>
+            <p:ph type="title"/>
+          </p:nvPr>
+        </p:nvSpPr>
+        <p:spPr/>
+        <p:txBody>
+          <a:bodyPr/>
+          <a:lstStyle/>
+          <a:p>
+            <a:r>
+              <a:t>Barriers to Optimized Care</a:t>
+            </a:r>
+          </a:p>
+        </p:txBody>
+      </p:sp>
+      <p:sp>
+        <p:nvSpPr>
+          <p:cNvPr id="3" name="Content Placeholder 2"/>
+          <p:cNvSpPr>
+            <a:spLocks noGrp="1"/>
+          </p:cNvSpPr>
+          <p:nvPr>
+            <p:ph idx="1"/>
+          </p:nvPr>
+        </p:nvSpPr>
+        <p:spPr/>
+        <p:txBody>
+          <a:bodyPr/>
+          <a:lstStyle/>
+          <a:p>
+            <a:pPr/>
+            <a:r>
+              <a:rPr b="1"/>
+              <a:t>Provider Awareness</a:t>
+            </a:r>
+          </a:p>
+          <a:p>
+            <a:pPr lvl="2"/>
+            <a:r>
+              <a:t>Low awareness of phrenic-predominant PTS — often not in differential for unexplained dyspnea</a:t>
+            </a:r>
+          </a:p>
+          <a:p>
+            <a:pPr lvl="2"/>
+            <a:r>
+              <a:t>Phrenic NCS/EMG technically demanding; limited availability outside academic centers</a:t>
+            </a:r>
+          </a:p>
+          <a:p>
+            <a:pPr/>
+            <a:r>
+              <a:rPr b="1"/>
+              <a:t>Patient-Level Barriers</a:t>
+            </a:r>
+          </a:p>
+          <a:p>
+            <a:pPr lvl="2"/>
+            <a:r>
+              <a:t>Symptoms often insidious — patients adapt gradually and delay presentation</a:t>
+            </a:r>
+          </a:p>
+          <a:p>
+            <a:pPr lvl="2"/>
+            <a:r>
+              <a:t>Orthopnea may be attributed to obesity, GERD, or anxiety</a:t>
+            </a:r>
+          </a:p>
+          <a:p>
+            <a:pPr/>
+            <a:r>
+              <a:rPr b="1"/>
+              <a:t>Structural/System Barriers</a:t>
+            </a:r>
+          </a:p>
+          <a:p>
+            <a:pPr lvl="2"/>
+            <a:r>
+              <a:t>No ICD-10 billing code specifically for "phrenic neuropathy" — under-captured in administrative data</a:t>
+            </a:r>
+          </a:p>
+          <a:p>
+            <a:pPr lvl="2"/>
+            <a:r>
+              <a:t>Diaphragm pacing not covered by all payers for non-SCI indications</a:t>
+            </a:r>
+          </a:p>
+          <a:p>
+            <a:pPr lvl="2"/>
+            <a:r>
+              <a:t>Referral pathways to centers performing plication or nerve reconstruction are poorly defined</a:t>
+            </a:r>
+          </a:p>
+          <a:p>
+            <a:pPr/>
+            <a:r>
+              <a:rPr b="1"/>
+              <a:t>Evidence Barriers</a:t>
+            </a:r>
+          </a:p>
+          <a:p>
+            <a:pPr lvl="2"/>
+            <a:r>
+              <a:t>No randomized trials for most interventions; decision-making relies on case series and registry data</a:t>
+            </a:r>
+          </a:p>
+          <a:p>
+            <a:pPr lvl="2"/>
+            <a:r>
+              <a:t>Lack of validated patient-reported outcome measures specific to diaphragm dysfunction</a:t>
+            </a:r>
+          </a:p>
+        </p:txBody>
+      </p:sp>
+      <p:sp>
+        <p:nvSpPr>
+          <p:cNvPr id="4" name="Text Placeholder 3"/>
+          <p:cNvSpPr>
+            <a:spLocks noGrp="1"/>
+          </p:cNvSpPr>
+          <p:nvPr>
+            <p:ph type="body" idx="13" sz="quarter"/>
+          </p:nvPr>
+        </p:nvSpPr>
+        <p:spPr/>
+        <p:txBody>
+          <a:bodyPr/>
+          <a:lstStyle/>
+          <a:p/>
+        </p:txBody>
+      </p:sp>
+    </p:spTree>
+  </p:cSld>
+  <p:clrMapOvr>
+    <a:masterClrMapping/>
+  </p:clrMapOvr>
+</p:sld>
+</file>
+
+<file path=ppt/slides/slide27.xml><?xml version="1.0" encoding="utf-8"?>
+<p:sld xmlns:a="http://schemas.openxmlformats.org/drawingml/2006/main" xmlns:p="http://schemas.openxmlformats.org/presentationml/2006/main" xmlns:r="http://schemas.openxmlformats.org/officeDocument/2006/relationships">
+  <p:cSld>
+    <p:spTree>
+      <p:nvGrpSpPr>
+        <p:cNvPr id="1" name=""/>
+        <p:cNvGrpSpPr/>
+        <p:nvPr/>
+      </p:nvGrpSpPr>
+      <p:grpSpPr/>
+      <p:sp>
+        <p:nvSpPr>
+          <p:cNvPr id="2" name="Title 1"/>
+          <p:cNvSpPr>
+            <a:spLocks noGrp="1"/>
+          </p:cNvSpPr>
+          <p:nvPr>
+            <p:ph type="title"/>
+          </p:nvPr>
+        </p:nvSpPr>
+        <p:spPr/>
+        <p:txBody>
+          <a:bodyPr/>
+          <a:lstStyle/>
+          <a:p>
+            <a:r>
+              <a:t>Data Gaps</a:t>
+            </a:r>
+          </a:p>
+        </p:txBody>
+      </p:sp>
+      <p:sp>
+        <p:nvSpPr>
+          <p:cNvPr id="3" name="Content Placeholder 2"/>
+          <p:cNvSpPr>
+            <a:spLocks noGrp="1"/>
+          </p:cNvSpPr>
+          <p:nvPr>
+            <p:ph idx="1"/>
+          </p:nvPr>
+        </p:nvSpPr>
+        <p:spPr/>
+        <p:txBody>
+          <a:bodyPr/>
+          <a:lstStyle/>
+          <a:p>
+            <a:pPr/>
+            <a:r>
+              <a:rPr b="1"/>
+              <a:t>Epidemiology</a:t>
+            </a:r>
+          </a:p>
+          <a:p>
+            <a:pPr lvl="2"/>
+            <a:r>
+              <a:t>True incidence of phrenic neuropathy from all causes is unknown — no population-level registry</a:t>
+            </a:r>
+          </a:p>
+          <a:p>
+            <a:pPr lvl="2"/>
+            <a:r>
+              <a:t>Natural history beyond 3 years poorly characterized for most etiologies</a:t>
+            </a:r>
+          </a:p>
+          <a:p>
+            <a:pPr/>
+            <a:r>
+              <a:rPr b="1"/>
+              <a:t>Diagnostic Studies</a:t>
+            </a:r>
+          </a:p>
+          <a:p>
+            <a:pPr lvl="2"/>
+            <a:r>
+              <a:t>No validated clinical decision rule for when to perform phrenic NCS/EMG</a:t>
+            </a:r>
+          </a:p>
+          <a:p>
+            <a:pPr lvl="2"/>
+            <a:r>
+              <a:t>Optimal ultrasound thresholds and measurement protocols not standardized</a:t>
+            </a:r>
+          </a:p>
+          <a:p>
+            <a:pPr lvl="2"/>
+            <a:r>
+              <a:t>Comparative accuracy of sniff test vs. ultrasound vs. phrenic NCS not directly studied</a:t>
+            </a:r>
+          </a:p>
+          <a:p>
+            <a:pPr/>
+            <a:r>
+              <a:rPr b="1"/>
+              <a:t>Interventional Evidence</a:t>
+            </a:r>
+          </a:p>
+          <a:p>
+            <a:pPr lvl="2"/>
+            <a:r>
+              <a:t>No RCT comparing plication vs. observation vs. nerve reconstruction</a:t>
+            </a:r>
+          </a:p>
+          <a:p>
+            <a:pPr lvl="2"/>
+            <a:r>
+              <a:t>Optimal timing of plication (12 vs. 18 vs. 24 months) not established</a:t>
+            </a:r>
+          </a:p>
+          <a:p>
+            <a:pPr lvl="2"/>
+            <a:r>
+              <a:t>No prospective data on phrenic nerve reconstruction outcomes beyond case series</a:t>
+            </a:r>
+          </a:p>
+          <a:p>
+            <a:pPr/>
+            <a:r>
+              <a:rPr b="1"/>
+              <a:t>Emerging Areas</a:t>
+            </a:r>
+          </a:p>
+          <a:p>
+            <a:pPr lvl="2"/>
+            <a:r>
+              <a:t>Post-COVID phrenic neuropathy: prevalence, natural history, and treatment response unknown</a:t>
+            </a:r>
+          </a:p>
+          <a:p>
+            <a:pPr lvl="2"/>
+            <a:r>
+              <a:t>Role of IVIG in PTS: no adequately powered RCT</a:t>
+            </a:r>
+          </a:p>
+          <a:p>
+            <a:pPr lvl="2"/>
+            <a:r>
+              <a:t>Biomarkers of phrenic nerve regeneration: no validated serum or imaging markers</a:t>
+            </a:r>
+          </a:p>
+        </p:txBody>
+      </p:sp>
+      <p:sp>
+        <p:nvSpPr>
+          <p:cNvPr id="4" name="Text Placeholder 3"/>
+          <p:cNvSpPr>
+            <a:spLocks noGrp="1"/>
+          </p:cNvSpPr>
+          <p:nvPr>
+            <p:ph type="body" idx="13" sz="quarter"/>
+          </p:nvPr>
+        </p:nvSpPr>
+        <p:spPr/>
+        <p:txBody>
+          <a:bodyPr/>
+          <a:lstStyle/>
+          <a:p/>
+        </p:txBody>
+      </p:sp>
+    </p:spTree>
+  </p:cSld>
+  <p:clrMapOvr>
+    <a:masterClrMapping/>
+  </p:clrMapOvr>
+</p:sld>
+</file>
+
+<file path=ppt/slides/slide28.xml><?xml version="1.0" encoding="utf-8"?>
+<p:sld xmlns:a="http://schemas.openxmlformats.org/drawingml/2006/main" xmlns:p="http://schemas.openxmlformats.org/presentationml/2006/main" xmlns:r="http://schemas.openxmlformats.org/officeDocument/2006/relationships">
+  <p:cSld>
+    <p:spTree>
+      <p:nvGrpSpPr>
+        <p:cNvPr id="1" name=""/>
+        <p:cNvGrpSpPr/>
+        <p:nvPr/>
+      </p:nvGrpSpPr>
+      <p:grpSpPr/>
+      <p:sp>
+        <p:nvSpPr>
+          <p:cNvPr id="2" name="Title 1"/>
+          <p:cNvSpPr>
+            <a:spLocks noGrp="1"/>
+          </p:cNvSpPr>
+          <p:nvPr>
+            <p:ph type="title"/>
+          </p:nvPr>
+        </p:nvSpPr>
+        <p:spPr/>
+        <p:txBody>
+          <a:bodyPr/>
+          <a:lstStyle/>
+          <a:p>
+            <a:r>
+              <a:t>Our Group's Work Thus Far</a:t>
+            </a:r>
+          </a:p>
+        </p:txBody>
+      </p:sp>
+      <p:sp>
+        <p:nvSpPr>
+          <p:cNvPr id="3" name="Content Placeholder 2"/>
+          <p:cNvSpPr>
+            <a:spLocks noGrp="1"/>
+          </p:cNvSpPr>
+          <p:nvPr>
+            <p:ph idx="1"/>
+          </p:nvPr>
+        </p:nvSpPr>
+        <p:spPr/>
+        <p:txBody>
+          <a:bodyPr/>
+          <a:lstStyle/>
+          <a:p>
+            <a:pPr/>
+            <a:r>
+              <a:rPr b="1">
+                <a:solidFill>
+                  <a:srgbClr val="585858"/>
+                </a:solidFill>
+              </a:rPr>
+              <a:t>[To be completed by presenter]</a:t>
+            </a:r>
+          </a:p>
+          <a:p>
+            <a:pPr lvl="2"/>
+            <a:r>
+              <a:t>Institutional case series — number of patients, etiologies, procedures</a:t>
+            </a:r>
+          </a:p>
+          <a:p>
+            <a:pPr lvl="2"/>
+            <a:r>
+              <a:t>Outcomes data: FVC improvement after plication, recovery rates</a:t>
+            </a:r>
+          </a:p>
+          <a:p>
+            <a:pPr lvl="2"/>
+            <a:r>
+              <a:t>Any published or presented abstracts</a:t>
+            </a:r>
+          </a:p>
+          <a:p>
+            <a:pPr lvl="2"/>
+            <a:r>
+              <a:t>Collaborative or multi-institutional work</a:t>
+            </a:r>
+          </a:p>
+          <a:p>
+            <a:pPr lvl="2"/>
+            <a:r>
+              <a:t>Ongoing prospective studies or registry enrollment</a:t>
+            </a:r>
+          </a:p>
+        </p:txBody>
+      </p:sp>
+      <p:sp>
+        <p:nvSpPr>
+          <p:cNvPr id="4" name="Text Placeholder 3"/>
+          <p:cNvSpPr>
+            <a:spLocks noGrp="1"/>
+          </p:cNvSpPr>
+          <p:nvPr>
+            <p:ph type="body" idx="13" sz="quarter"/>
+          </p:nvPr>
+        </p:nvSpPr>
+        <p:spPr/>
+        <p:txBody>
+          <a:bodyPr/>
+          <a:lstStyle/>
+          <a:p/>
+        </p:txBody>
+      </p:sp>
+    </p:spTree>
+  </p:cSld>
+  <p:clrMapOvr>
+    <a:masterClrMapping/>
+  </p:clrMapOvr>
+</p:sld>
+</file>
+
+<file path=ppt/slides/slide29.xml><?xml version="1.0" encoding="utf-8"?>
+<p:sld xmlns:a="http://schemas.openxmlformats.org/drawingml/2006/main" xmlns:p="http://schemas.openxmlformats.org/presentationml/2006/main" xmlns:r="http://schemas.openxmlformats.org/officeDocument/2006/relationships">
+  <p:cSld>
+    <p:spTree>
+      <p:nvGrpSpPr>
+        <p:cNvPr id="1" name=""/>
+        <p:cNvGrpSpPr/>
+        <p:nvPr/>
+      </p:nvGrpSpPr>
+      <p:grpSpPr/>
+      <p:sp>
+        <p:nvSpPr>
+          <p:cNvPr id="2" name="Title 1"/>
+          <p:cNvSpPr>
+            <a:spLocks noGrp="1"/>
+          </p:cNvSpPr>
+          <p:nvPr>
+            <p:ph type="title"/>
+          </p:nvPr>
+        </p:nvSpPr>
+        <p:spPr/>
+        <p:txBody>
+          <a:bodyPr/>
+          <a:lstStyle/>
+          <a:p>
+            <a:r>
+              <a:t>Future Avenues and Current Research</a:t>
+            </a:r>
+          </a:p>
+        </p:txBody>
+      </p:sp>
+      <p:sp>
+        <p:nvSpPr>
+          <p:cNvPr id="3" name="Content Placeholder 2"/>
+          <p:cNvSpPr>
+            <a:spLocks noGrp="1"/>
+          </p:cNvSpPr>
+          <p:nvPr>
+            <p:ph idx="1"/>
+          </p:nvPr>
+        </p:nvSpPr>
+        <p:spPr/>
+        <p:txBody>
+          <a:bodyPr/>
+          <a:lstStyle/>
+          <a:p>
+            <a:pPr/>
+            <a:r>
+              <a:rPr b="1"/>
+              <a:t>Clinical &amp; Translational Priorities</a:t>
+            </a:r>
+          </a:p>
+          <a:p>
+            <a:pPr lvl="2"/>
+            <a:r>
+              <a:t>Prospective registry: standardized phenotyping, biobanking, and outcome tracking</a:t>
+            </a:r>
+          </a:p>
+          <a:p>
+            <a:pPr lvl="2"/>
+            <a:r>
+              <a:t>Multicenter RCT: plication vs. observation vs. nerve reconstruction with QOL endpoints</a:t>
+            </a:r>
+          </a:p>
+          <a:p>
+            <a:pPr lvl="2"/>
+            <a:r>
+              <a:t>Validated outcome measures: diaphragm-specific patient-reported outcomes instrument</a:t>
+            </a:r>
+          </a:p>
+          <a:p>
+            <a:pPr/>
+            <a:r>
+              <a:rPr b="1"/>
+              <a:t>Emerging Technologies</a:t>
+            </a:r>
+          </a:p>
+          <a:p>
+            <a:pPr lvl="2"/>
+            <a:r>
+              <a:t>Transcutaneous phrenic stimulation for non-invasive rehabilitation in SCI/PTS</a:t>
+            </a:r>
+          </a:p>
+          <a:p>
+            <a:pPr lvl="2"/>
+            <a:r>
+              <a:t>Nerve conduits and scaffold-guided axonal regeneration for phrenic nerve reconstruction</a:t>
+            </a:r>
+          </a:p>
+          <a:p>
+            <a:pPr lvl="2"/>
+            <a:r>
+              <a:t>AI-assisted diaphragm ultrasound analysis for automated dysfunction detection</a:t>
+            </a:r>
+          </a:p>
+          <a:p>
+            <a:pPr/>
+            <a:r>
+              <a:rPr b="1"/>
+              <a:t>Open Questions</a:t>
+            </a:r>
+          </a:p>
+          <a:p>
+            <a:pPr lvl="2"/>
+            <a:r>
+              <a:t>Can early IVIG alter the recovery trajectory in severe PTS?</a:t>
+            </a:r>
+          </a:p>
+          <a:p>
+            <a:pPr lvl="2"/>
+            <a:r>
+              <a:t>What is the optimal timing for nerve reconstruction vs. awaiting spontaneous recovery?</a:t>
+            </a:r>
+          </a:p>
+          <a:p>
+            <a:pPr lvl="2"/>
+            <a:r>
+              <a:t>Can biomarkers (NfL, CMAP amplitude decline rate) predict recovery in phrenic neuropathy?</a:t>
+            </a:r>
+          </a:p>
+          <a:p>
+            <a:pPr lvl="2"/>
+            <a:r>
+              <a:t>How significant is post-COVID phrenic neuropathy as a public health burden?</a:t>
+            </a:r>
+          </a:p>
+        </p:txBody>
+      </p:sp>
+      <p:sp>
+        <p:nvSpPr>
+          <p:cNvPr id="4" name="Text Placeholder 3"/>
+          <p:cNvSpPr>
+            <a:spLocks noGrp="1"/>
+          </p:cNvSpPr>
+          <p:nvPr>
+            <p:ph type="body" idx="13" sz="quarter"/>
+          </p:nvPr>
+        </p:nvSpPr>
+        <p:spPr/>
+        <p:txBody>
+          <a:bodyPr/>
+          <a:lstStyle/>
+          <a:p/>
         </p:txBody>
       </p:sp>
     </p:spTree>
@@ -9900,6 +13948,1126 @@
             <a:spLocks noGrp="1"/>
           </p:cNvSpPr>
           <p:nvPr>
+            <p:ph type="title"/>
+          </p:nvPr>
+        </p:nvSpPr>
+        <p:spPr/>
+        <p:txBody>
+          <a:bodyPr/>
+          <a:lstStyle/>
+          <a:p>
+            <a:r>
+              <a:t>Neural Pathway of Respiration</a:t>
+            </a:r>
+          </a:p>
+        </p:txBody>
+      </p:sp>
+      <p:sp>
+        <p:nvSpPr>
+          <p:cNvPr id="3" name="Text Placeholder 2"/>
+          <p:cNvSpPr>
+            <a:spLocks noGrp="1"/>
+          </p:cNvSpPr>
+          <p:nvPr>
+            <p:ph type="body" idx="14" sz="quarter"/>
+          </p:nvPr>
+        </p:nvSpPr>
+        <p:spPr/>
+        <p:txBody>
+          <a:bodyPr/>
+          <a:lstStyle/>
+          <a:p>
+            <a:r>
+              <a:t>From cortical drive to diaphragmatic contraction — dysfunction can arise at any level</a:t>
+            </a:r>
+          </a:p>
+        </p:txBody>
+      </p:sp>
+      <p:sp>
+        <p:nvSpPr>
+          <p:cNvPr id="4" name="Oval 3"/>
+          <p:cNvSpPr/>
+          <p:nvPr/>
+        </p:nvSpPr>
+        <p:spPr>
+          <a:xfrm>
+            <a:off x="596000" y="2200000"/>
+            <a:ext cx="1600000" cy="560000"/>
+          </a:xfrm>
+          <a:prstGeom prst="ellipse">
+            <a:avLst/>
+          </a:prstGeom>
+          <a:solidFill>
+            <a:srgbClr val="4E2A84"/>
+          </a:solidFill>
+          <a:ln>
+            <a:noFill/>
+          </a:ln>
+        </p:spPr>
+        <p:style>
+          <a:lnRef idx="1">
+            <a:schemeClr val="accent1"/>
+          </a:lnRef>
+          <a:fillRef idx="3">
+            <a:schemeClr val="accent1"/>
+          </a:fillRef>
+          <a:effectRef idx="2">
+            <a:schemeClr val="accent1"/>
+          </a:effectRef>
+          <a:fontRef idx="minor">
+            <a:schemeClr val="lt1"/>
+          </a:fontRef>
+        </p:style>
+        <p:txBody>
+          <a:bodyPr rtlCol="0" anchor="ctr" wrap="square" lIns="45720" rIns="45720"/>
+          <a:lstStyle/>
+          <a:p>
+            <a:pPr algn="ctr"/>
+            <a:r>
+              <a:rPr sz="1100" b="0">
+                <a:solidFill>
+                  <a:srgbClr val="FFFFFF"/>
+                </a:solidFill>
+              </a:rPr>
+              <a:t>Cerebral Cortex
+(Voluntary drive)</a:t>
+            </a:r>
+          </a:p>
+        </p:txBody>
+      </p:sp>
+      <p:cxnSp>
+        <p:nvCxnSpPr>
+          <p:cNvPr id="5" name="Connector 4"/>
+          <p:cNvCxnSpPr/>
+          <p:nvPr/>
+        </p:nvCxnSpPr>
+        <p:spPr>
+          <a:xfrm>
+            <a:off x="2336000" y="2480000"/>
+            <a:ext cx="0" cy="0"/>
+          </a:xfrm>
+          <a:prstGeom prst="line">
+            <a:avLst/>
+          </a:prstGeom>
+          <a:ln w="19050">
+            <a:solidFill>
+              <a:srgbClr val="585858"/>
+            </a:solidFill>
+            <a:headEnd type="arrow"/>
+            <a:tailEnd type="none"/>
+          </a:ln>
+        </p:spPr>
+        <p:style>
+          <a:lnRef idx="2">
+            <a:schemeClr val="accent1"/>
+          </a:lnRef>
+          <a:fillRef idx="0">
+            <a:schemeClr val="accent1"/>
+          </a:fillRef>
+          <a:effectRef idx="1">
+            <a:schemeClr val="accent1"/>
+          </a:effectRef>
+          <a:fontRef idx="minor">
+            <a:schemeClr val="tx1"/>
+          </a:fontRef>
+        </p:style>
+      </p:cxnSp>
+      <p:sp>
+        <p:nvSpPr>
+          <p:cNvPr id="6" name="Oval 5"/>
+          <p:cNvSpPr/>
+          <p:nvPr/>
+        </p:nvSpPr>
+        <p:spPr>
+          <a:xfrm>
+            <a:off x="2476000" y="2200000"/>
+            <a:ext cx="1600000" cy="560000"/>
+          </a:xfrm>
+          <a:prstGeom prst="ellipse">
+            <a:avLst/>
+          </a:prstGeom>
+          <a:solidFill>
+            <a:srgbClr val="00748C"/>
+          </a:solidFill>
+          <a:ln>
+            <a:noFill/>
+          </a:ln>
+        </p:spPr>
+        <p:style>
+          <a:lnRef idx="1">
+            <a:schemeClr val="accent1"/>
+          </a:lnRef>
+          <a:fillRef idx="3">
+            <a:schemeClr val="accent1"/>
+          </a:fillRef>
+          <a:effectRef idx="2">
+            <a:schemeClr val="accent1"/>
+          </a:effectRef>
+          <a:fontRef idx="minor">
+            <a:schemeClr val="lt1"/>
+          </a:fontRef>
+        </p:style>
+        <p:txBody>
+          <a:bodyPr rtlCol="0" anchor="ctr" wrap="square" lIns="45720" rIns="45720"/>
+          <a:lstStyle/>
+          <a:p>
+            <a:pPr algn="ctr"/>
+            <a:r>
+              <a:rPr sz="1100" b="0">
+                <a:solidFill>
+                  <a:srgbClr val="FFFFFF"/>
+                </a:solidFill>
+              </a:rPr>
+              <a:t>Brainstem
+(Pre-Bötzinger complex
+Automatic rhythm)</a:t>
+            </a:r>
+          </a:p>
+        </p:txBody>
+      </p:sp>
+      <p:cxnSp>
+        <p:nvCxnSpPr>
+          <p:cNvPr id="7" name="Connector 6"/>
+          <p:cNvCxnSpPr/>
+          <p:nvPr/>
+        </p:nvCxnSpPr>
+        <p:spPr>
+          <a:xfrm>
+            <a:off x="4216000" y="2480000"/>
+            <a:ext cx="0" cy="0"/>
+          </a:xfrm>
+          <a:prstGeom prst="line">
+            <a:avLst/>
+          </a:prstGeom>
+          <a:ln w="19050">
+            <a:solidFill>
+              <a:srgbClr val="585858"/>
+            </a:solidFill>
+            <a:headEnd type="arrow"/>
+            <a:tailEnd type="none"/>
+          </a:ln>
+        </p:spPr>
+        <p:style>
+          <a:lnRef idx="2">
+            <a:schemeClr val="accent1"/>
+          </a:lnRef>
+          <a:fillRef idx="0">
+            <a:schemeClr val="accent1"/>
+          </a:fillRef>
+          <a:effectRef idx="1">
+            <a:schemeClr val="accent1"/>
+          </a:effectRef>
+          <a:fontRef idx="minor">
+            <a:schemeClr val="tx1"/>
+          </a:fontRef>
+        </p:style>
+      </p:cxnSp>
+      <p:sp>
+        <p:nvSpPr>
+          <p:cNvPr id="8" name="Oval 7"/>
+          <p:cNvSpPr/>
+          <p:nvPr/>
+        </p:nvSpPr>
+        <p:spPr>
+          <a:xfrm>
+            <a:off x="4356000" y="2200000"/>
+            <a:ext cx="1600000" cy="560000"/>
+          </a:xfrm>
+          <a:prstGeom prst="ellipse">
+            <a:avLst/>
+          </a:prstGeom>
+          <a:solidFill>
+            <a:srgbClr val="00748C"/>
+          </a:solidFill>
+          <a:ln>
+            <a:noFill/>
+          </a:ln>
+        </p:spPr>
+        <p:style>
+          <a:lnRef idx="1">
+            <a:schemeClr val="accent1"/>
+          </a:lnRef>
+          <a:fillRef idx="3">
+            <a:schemeClr val="accent1"/>
+          </a:fillRef>
+          <a:effectRef idx="2">
+            <a:schemeClr val="accent1"/>
+          </a:effectRef>
+          <a:fontRef idx="minor">
+            <a:schemeClr val="lt1"/>
+          </a:fontRef>
+        </p:style>
+        <p:txBody>
+          <a:bodyPr rtlCol="0" anchor="ctr" wrap="square" lIns="45720" rIns="45720"/>
+          <a:lstStyle/>
+          <a:p>
+            <a:pPr algn="ctr"/>
+            <a:r>
+              <a:rPr sz="1100" b="0">
+                <a:solidFill>
+                  <a:srgbClr val="FFFFFF"/>
+                </a:solidFill>
+              </a:rPr>
+              <a:t>Cervical Spinal Cord
+C3 – C5
+(Phrenic motor neurons)</a:t>
+            </a:r>
+          </a:p>
+        </p:txBody>
+      </p:sp>
+      <p:cxnSp>
+        <p:nvCxnSpPr>
+          <p:cNvPr id="9" name="Connector 8"/>
+          <p:cNvCxnSpPr/>
+          <p:nvPr/>
+        </p:nvCxnSpPr>
+        <p:spPr>
+          <a:xfrm>
+            <a:off x="6096000" y="2480000"/>
+            <a:ext cx="0" cy="0"/>
+          </a:xfrm>
+          <a:prstGeom prst="line">
+            <a:avLst/>
+          </a:prstGeom>
+          <a:ln w="19050">
+            <a:solidFill>
+              <a:srgbClr val="585858"/>
+            </a:solidFill>
+            <a:headEnd type="arrow"/>
+            <a:tailEnd type="none"/>
+          </a:ln>
+        </p:spPr>
+        <p:style>
+          <a:lnRef idx="2">
+            <a:schemeClr val="accent1"/>
+          </a:lnRef>
+          <a:fillRef idx="0">
+            <a:schemeClr val="accent1"/>
+          </a:fillRef>
+          <a:effectRef idx="1">
+            <a:schemeClr val="accent1"/>
+          </a:effectRef>
+          <a:fontRef idx="minor">
+            <a:schemeClr val="tx1"/>
+          </a:fontRef>
+        </p:style>
+      </p:cxnSp>
+      <p:sp>
+        <p:nvSpPr>
+          <p:cNvPr id="10" name="Oval 9"/>
+          <p:cNvSpPr/>
+          <p:nvPr/>
+        </p:nvSpPr>
+        <p:spPr>
+          <a:xfrm>
+            <a:off x="6236000" y="2200000"/>
+            <a:ext cx="1600000" cy="560000"/>
+          </a:xfrm>
+          <a:prstGeom prst="ellipse">
+            <a:avLst/>
+          </a:prstGeom>
+          <a:solidFill>
+            <a:srgbClr val="4E2A84"/>
+          </a:solidFill>
+          <a:ln>
+            <a:noFill/>
+          </a:ln>
+        </p:spPr>
+        <p:style>
+          <a:lnRef idx="1">
+            <a:schemeClr val="accent1"/>
+          </a:lnRef>
+          <a:fillRef idx="3">
+            <a:schemeClr val="accent1"/>
+          </a:fillRef>
+          <a:effectRef idx="2">
+            <a:schemeClr val="accent1"/>
+          </a:effectRef>
+          <a:fontRef idx="minor">
+            <a:schemeClr val="lt1"/>
+          </a:fontRef>
+        </p:style>
+        <p:txBody>
+          <a:bodyPr rtlCol="0" anchor="ctr" wrap="square" lIns="45720" rIns="45720"/>
+          <a:lstStyle/>
+          <a:p>
+            <a:pPr algn="ctr"/>
+            <a:r>
+              <a:rPr sz="1100" b="0">
+                <a:solidFill>
+                  <a:srgbClr val="FFFFFF"/>
+                </a:solidFill>
+              </a:rPr>
+              <a:t>Phrenic Nerve
+(Motor axons)</a:t>
+            </a:r>
+          </a:p>
+        </p:txBody>
+      </p:sp>
+      <p:cxnSp>
+        <p:nvCxnSpPr>
+          <p:cNvPr id="11" name="Connector 10"/>
+          <p:cNvCxnSpPr/>
+          <p:nvPr/>
+        </p:nvCxnSpPr>
+        <p:spPr>
+          <a:xfrm>
+            <a:off x="7976000" y="2480000"/>
+            <a:ext cx="0" cy="0"/>
+          </a:xfrm>
+          <a:prstGeom prst="line">
+            <a:avLst/>
+          </a:prstGeom>
+          <a:ln w="19050">
+            <a:solidFill>
+              <a:srgbClr val="585858"/>
+            </a:solidFill>
+            <a:headEnd type="arrow"/>
+            <a:tailEnd type="none"/>
+          </a:ln>
+        </p:spPr>
+        <p:style>
+          <a:lnRef idx="2">
+            <a:schemeClr val="accent1"/>
+          </a:lnRef>
+          <a:fillRef idx="0">
+            <a:schemeClr val="accent1"/>
+          </a:fillRef>
+          <a:effectRef idx="1">
+            <a:schemeClr val="accent1"/>
+          </a:effectRef>
+          <a:fontRef idx="minor">
+            <a:schemeClr val="tx1"/>
+          </a:fontRef>
+        </p:style>
+      </p:cxnSp>
+      <p:sp>
+        <p:nvSpPr>
+          <p:cNvPr id="12" name="Oval 11"/>
+          <p:cNvSpPr/>
+          <p:nvPr/>
+        </p:nvSpPr>
+        <p:spPr>
+          <a:xfrm>
+            <a:off x="8116000" y="2200000"/>
+            <a:ext cx="1600000" cy="560000"/>
+          </a:xfrm>
+          <a:prstGeom prst="ellipse">
+            <a:avLst/>
+          </a:prstGeom>
+          <a:solidFill>
+            <a:srgbClr val="00748C"/>
+          </a:solidFill>
+          <a:ln>
+            <a:noFill/>
+          </a:ln>
+        </p:spPr>
+        <p:style>
+          <a:lnRef idx="1">
+            <a:schemeClr val="accent1"/>
+          </a:lnRef>
+          <a:fillRef idx="3">
+            <a:schemeClr val="accent1"/>
+          </a:fillRef>
+          <a:effectRef idx="2">
+            <a:schemeClr val="accent1"/>
+          </a:effectRef>
+          <a:fontRef idx="minor">
+            <a:schemeClr val="lt1"/>
+          </a:fontRef>
+        </p:style>
+        <p:txBody>
+          <a:bodyPr rtlCol="0" anchor="ctr" wrap="square" lIns="45720" rIns="45720"/>
+          <a:lstStyle/>
+          <a:p>
+            <a:pPr algn="ctr"/>
+            <a:r>
+              <a:rPr sz="1100" b="0">
+                <a:solidFill>
+                  <a:srgbClr val="FFFFFF"/>
+                </a:solidFill>
+              </a:rPr>
+              <a:t>Neuromuscular
+Junction
+(AChR)</a:t>
+            </a:r>
+          </a:p>
+        </p:txBody>
+      </p:sp>
+      <p:cxnSp>
+        <p:nvCxnSpPr>
+          <p:cNvPr id="13" name="Connector 12"/>
+          <p:cNvCxnSpPr/>
+          <p:nvPr/>
+        </p:nvCxnSpPr>
+        <p:spPr>
+          <a:xfrm>
+            <a:off x="9856000" y="2480000"/>
+            <a:ext cx="0" cy="0"/>
+          </a:xfrm>
+          <a:prstGeom prst="line">
+            <a:avLst/>
+          </a:prstGeom>
+          <a:ln w="19050">
+            <a:solidFill>
+              <a:srgbClr val="585858"/>
+            </a:solidFill>
+            <a:headEnd type="arrow"/>
+            <a:tailEnd type="none"/>
+          </a:ln>
+        </p:spPr>
+        <p:style>
+          <a:lnRef idx="2">
+            <a:schemeClr val="accent1"/>
+          </a:lnRef>
+          <a:fillRef idx="0">
+            <a:schemeClr val="accent1"/>
+          </a:fillRef>
+          <a:effectRef idx="1">
+            <a:schemeClr val="accent1"/>
+          </a:effectRef>
+          <a:fontRef idx="minor">
+            <a:schemeClr val="tx1"/>
+          </a:fontRef>
+        </p:style>
+      </p:cxnSp>
+      <p:sp>
+        <p:nvSpPr>
+          <p:cNvPr id="14" name="Oval 13"/>
+          <p:cNvSpPr/>
+          <p:nvPr/>
+        </p:nvSpPr>
+        <p:spPr>
+          <a:xfrm>
+            <a:off x="9996000" y="2200000"/>
+            <a:ext cx="1600000" cy="560000"/>
+          </a:xfrm>
+          <a:prstGeom prst="ellipse">
+            <a:avLst/>
+          </a:prstGeom>
+          <a:solidFill>
+            <a:srgbClr val="4E2A84"/>
+          </a:solidFill>
+          <a:ln>
+            <a:noFill/>
+          </a:ln>
+        </p:spPr>
+        <p:style>
+          <a:lnRef idx="1">
+            <a:schemeClr val="accent1"/>
+          </a:lnRef>
+          <a:fillRef idx="3">
+            <a:schemeClr val="accent1"/>
+          </a:fillRef>
+          <a:effectRef idx="2">
+            <a:schemeClr val="accent1"/>
+          </a:effectRef>
+          <a:fontRef idx="minor">
+            <a:schemeClr val="lt1"/>
+          </a:fontRef>
+        </p:style>
+        <p:txBody>
+          <a:bodyPr rtlCol="0" anchor="ctr" wrap="square" lIns="45720" rIns="45720"/>
+          <a:lstStyle/>
+          <a:p>
+            <a:pPr algn="ctr"/>
+            <a:r>
+              <a:rPr sz="1100" b="0">
+                <a:solidFill>
+                  <a:srgbClr val="FFFFFF"/>
+                </a:solidFill>
+              </a:rPr>
+              <a:t>Diaphragm
+Muscle
+(Contraction)</a:t>
+            </a:r>
+          </a:p>
+        </p:txBody>
+      </p:sp>
+      <p:sp>
+        <p:nvSpPr>
+          <p:cNvPr id="15" name="TextBox 14"/>
+          <p:cNvSpPr txBox="1"/>
+          <p:nvPr/>
+        </p:nvSpPr>
+        <p:spPr>
+          <a:xfrm>
+            <a:off x="596000" y="2840000"/>
+            <a:ext cx="1600000" cy="600000"/>
+          </a:xfrm>
+          <a:prstGeom prst="rect">
+            <a:avLst/>
+          </a:prstGeom>
+          <a:noFill/>
+        </p:spPr>
+        <p:txBody>
+          <a:bodyPr wrap="square">
+            <a:spAutoFit/>
+          </a:bodyPr>
+          <a:lstStyle/>
+          <a:p>
+            <a:pPr algn="ctr"/>
+            <a:r>
+              <a:rPr sz="900" b="0">
+                <a:solidFill>
+                  <a:srgbClr val="585858"/>
+                </a:solidFill>
+              </a:rPr>
+              <a:t>Stroke, ALS
+(UMN)</a:t>
+            </a:r>
+          </a:p>
+        </p:txBody>
+      </p:sp>
+      <p:sp>
+        <p:nvSpPr>
+          <p:cNvPr id="16" name="TextBox 15"/>
+          <p:cNvSpPr txBox="1"/>
+          <p:nvPr/>
+        </p:nvSpPr>
+        <p:spPr>
+          <a:xfrm>
+            <a:off x="2476000" y="2840000"/>
+            <a:ext cx="1600000" cy="600000"/>
+          </a:xfrm>
+          <a:prstGeom prst="rect">
+            <a:avLst/>
+          </a:prstGeom>
+          <a:noFill/>
+        </p:spPr>
+        <p:txBody>
+          <a:bodyPr wrap="square">
+            <a:spAutoFit/>
+          </a:bodyPr>
+          <a:lstStyle/>
+          <a:p>
+            <a:pPr algn="ctr"/>
+            <a:r>
+              <a:rPr sz="900" b="0">
+                <a:solidFill>
+                  <a:srgbClr val="585858"/>
+                </a:solidFill>
+              </a:rPr>
+              <a:t>Ondine's curse
+(CCHS)</a:t>
+            </a:r>
+          </a:p>
+        </p:txBody>
+      </p:sp>
+      <p:sp>
+        <p:nvSpPr>
+          <p:cNvPr id="17" name="TextBox 16"/>
+          <p:cNvSpPr txBox="1"/>
+          <p:nvPr/>
+        </p:nvSpPr>
+        <p:spPr>
+          <a:xfrm>
+            <a:off x="4356000" y="2840000"/>
+            <a:ext cx="1600000" cy="600000"/>
+          </a:xfrm>
+          <a:prstGeom prst="rect">
+            <a:avLst/>
+          </a:prstGeom>
+          <a:noFill/>
+        </p:spPr>
+        <p:txBody>
+          <a:bodyPr wrap="square">
+            <a:spAutoFit/>
+          </a:bodyPr>
+          <a:lstStyle/>
+          <a:p>
+            <a:pPr algn="ctr"/>
+            <a:r>
+              <a:rPr sz="900" b="0">
+                <a:solidFill>
+                  <a:srgbClr val="585858"/>
+                </a:solidFill>
+              </a:rPr>
+              <a:t>SCI, myelopathy
+disc herniation</a:t>
+            </a:r>
+          </a:p>
+        </p:txBody>
+      </p:sp>
+      <p:sp>
+        <p:nvSpPr>
+          <p:cNvPr id="18" name="TextBox 17"/>
+          <p:cNvSpPr txBox="1"/>
+          <p:nvPr/>
+        </p:nvSpPr>
+        <p:spPr>
+          <a:xfrm>
+            <a:off x="6236000" y="2840000"/>
+            <a:ext cx="1600000" cy="600000"/>
+          </a:xfrm>
+          <a:prstGeom prst="rect">
+            <a:avLst/>
+          </a:prstGeom>
+          <a:noFill/>
+        </p:spPr>
+        <p:txBody>
+          <a:bodyPr wrap="square">
+            <a:spAutoFit/>
+          </a:bodyPr>
+          <a:lstStyle/>
+          <a:p>
+            <a:pPr algn="ctr"/>
+            <a:r>
+              <a:rPr sz="900" b="0">
+                <a:solidFill>
+                  <a:srgbClr val="585858"/>
+                </a:solidFill>
+              </a:rPr>
+              <a:t>Iatrogenic injury
+PTS, radiation</a:t>
+            </a:r>
+          </a:p>
+        </p:txBody>
+      </p:sp>
+      <p:sp>
+        <p:nvSpPr>
+          <p:cNvPr id="19" name="TextBox 18"/>
+          <p:cNvSpPr txBox="1"/>
+          <p:nvPr/>
+        </p:nvSpPr>
+        <p:spPr>
+          <a:xfrm>
+            <a:off x="8116000" y="2840000"/>
+            <a:ext cx="1600000" cy="600000"/>
+          </a:xfrm>
+          <a:prstGeom prst="rect">
+            <a:avLst/>
+          </a:prstGeom>
+          <a:noFill/>
+        </p:spPr>
+        <p:txBody>
+          <a:bodyPr wrap="square">
+            <a:spAutoFit/>
+          </a:bodyPr>
+          <a:lstStyle/>
+          <a:p>
+            <a:pPr algn="ctr"/>
+            <a:r>
+              <a:rPr sz="900" b="0">
+                <a:solidFill>
+                  <a:srgbClr val="585858"/>
+                </a:solidFill>
+              </a:rPr>
+              <a:t>Myasthenia gravis
+Lambert-Eaton</a:t>
+            </a:r>
+          </a:p>
+        </p:txBody>
+      </p:sp>
+      <p:sp>
+        <p:nvSpPr>
+          <p:cNvPr id="20" name="TextBox 19"/>
+          <p:cNvSpPr txBox="1"/>
+          <p:nvPr/>
+        </p:nvSpPr>
+        <p:spPr>
+          <a:xfrm>
+            <a:off x="9996000" y="2840000"/>
+            <a:ext cx="1600000" cy="600000"/>
+          </a:xfrm>
+          <a:prstGeom prst="rect">
+            <a:avLst/>
+          </a:prstGeom>
+          <a:noFill/>
+        </p:spPr>
+        <p:txBody>
+          <a:bodyPr wrap="square">
+            <a:spAutoFit/>
+          </a:bodyPr>
+          <a:lstStyle/>
+          <a:p>
+            <a:pPr algn="ctr"/>
+            <a:r>
+              <a:rPr sz="900" b="0">
+                <a:solidFill>
+                  <a:srgbClr val="585858"/>
+                </a:solidFill>
+              </a:rPr>
+              <a:t>Myopathy
+Pompe, dystrophies</a:t>
+            </a:r>
+          </a:p>
+        </p:txBody>
+      </p:sp>
+    </p:spTree>
+  </p:cSld>
+  <p:clrMapOvr>
+    <a:masterClrMapping/>
+  </p:clrMapOvr>
+</p:sld>
+</file>
+
+<file path=ppt/slides/slide30.xml><?xml version="1.0" encoding="utf-8"?>
+<p:sld xmlns:a="http://schemas.openxmlformats.org/drawingml/2006/main" xmlns:p="http://schemas.openxmlformats.org/presentationml/2006/main" xmlns:r="http://schemas.openxmlformats.org/officeDocument/2006/relationships">
+  <p:cSld>
+    <p:spTree>
+      <p:nvGrpSpPr>
+        <p:cNvPr id="1" name=""/>
+        <p:cNvGrpSpPr/>
+        <p:nvPr/>
+      </p:nvGrpSpPr>
+      <p:grpSpPr/>
+      <p:sp>
+        <p:nvSpPr>
+          <p:cNvPr id="2" name="Title 1"/>
+          <p:cNvSpPr>
+            <a:spLocks noGrp="1"/>
+          </p:cNvSpPr>
+          <p:nvPr>
+            <p:ph type="title"/>
+          </p:nvPr>
+        </p:nvSpPr>
+        <p:spPr/>
+        <p:txBody>
+          <a:bodyPr/>
+          <a:lstStyle/>
+          <a:p>
+            <a:r>
+              <a:t>Summary: Key Takeaways</a:t>
+            </a:r>
+          </a:p>
+        </p:txBody>
+      </p:sp>
+      <p:sp>
+        <p:nvSpPr>
+          <p:cNvPr id="3" name="Content Placeholder 2"/>
+          <p:cNvSpPr>
+            <a:spLocks noGrp="1"/>
+          </p:cNvSpPr>
+          <p:nvPr>
+            <p:ph idx="1"/>
+          </p:nvPr>
+        </p:nvSpPr>
+        <p:spPr/>
+        <p:txBody>
+          <a:bodyPr/>
+          <a:lstStyle/>
+          <a:p>
+            <a:pPr/>
+            <a:r>
+              <a:rPr b="1"/>
+              <a:t>1  Know the full neural pathway</a:t>
+            </a:r>
+          </a:p>
+          <a:p>
+            <a:pPr lvl="2"/>
+            <a:r>
+              <a:t>Dysfunction can arise from cortex to muscle — the etiology determines the treatment</a:t>
+            </a:r>
+          </a:p>
+          <a:p>
+            <a:pPr/>
+            <a:r>
+              <a:rPr b="1"/>
+              <a:t>2  Organize the differential by mechanism</a:t>
+            </a:r>
+          </a:p>
+          <a:p>
+            <a:pPr lvl="2"/>
+            <a:r>
+              <a:t>Neuromuscular vs. autoimmune/inflammatory vs. structural/physical</a:t>
+            </a:r>
+          </a:p>
+          <a:p>
+            <a:pPr lvl="2"/>
+            <a:r>
+              <a:t>Always ask about prior cardiac, thoracic, and cervical spine surgery (iatrogenic is #1)</a:t>
+            </a:r>
+          </a:p>
+          <a:p>
+            <a:pPr/>
+            <a:r>
+              <a:rPr b="1"/>
+              <a:t>3  Use functional testing systematically</a:t>
+            </a:r>
+          </a:p>
+          <a:p>
+            <a:pPr lvl="2"/>
+            <a:r>
+              <a:t>Supine FVC drop, sniff test, diaphragm ultrasound, phrenic NCS/EMG</a:t>
+            </a:r>
+          </a:p>
+          <a:p>
+            <a:pPr/>
+            <a:r>
+              <a:rPr b="1"/>
+              <a:t>4  Treat the cause; then optimize reserve</a:t>
+            </a:r>
+          </a:p>
+          <a:p>
+            <a:pPr lvl="2"/>
+            <a:r>
+              <a:t>NIV, pulmonary rehab, and airway clearance before surgical intervention</a:t>
+            </a:r>
+          </a:p>
+          <a:p>
+            <a:pPr/>
+            <a:r>
+              <a:rPr b="1"/>
+              <a:t>5  Match the intervention to the patient</a:t>
+            </a:r>
+          </a:p>
+          <a:p>
+            <a:pPr lvl="2"/>
+            <a:r>
+              <a:t>Plication: unilateral, no expected recovery, symptoms limiting QOL</a:t>
+            </a:r>
+          </a:p>
+          <a:p>
+            <a:pPr lvl="2"/>
+            <a:r>
+              <a:t>Pacing: intact LMN (SCI); avoid in ALS outside trials</a:t>
+            </a:r>
+          </a:p>
+          <a:p>
+            <a:pPr lvl="2"/>
+            <a:r>
+              <a:t>Nerve reconstruction: early, within 6–12 months of injury</a:t>
+            </a:r>
+          </a:p>
+          <a:p>
+            <a:pPr/>
+            <a:r>
+              <a:rPr b="1"/>
+              <a:t>6  Recognize the evidence gaps — they are substantial</a:t>
+            </a:r>
+          </a:p>
+          <a:p>
+            <a:pPr lvl="2"/>
+            <a:r>
+              <a:t>No RCTs; no standardized registries; emerging technologies need rigorous evaluation</a:t>
+            </a:r>
+          </a:p>
+        </p:txBody>
+      </p:sp>
+      <p:sp>
+        <p:nvSpPr>
+          <p:cNvPr id="4" name="Text Placeholder 3"/>
+          <p:cNvSpPr>
+            <a:spLocks noGrp="1"/>
+          </p:cNvSpPr>
+          <p:nvPr>
+            <p:ph type="body" idx="13" sz="quarter"/>
+          </p:nvPr>
+        </p:nvSpPr>
+        <p:spPr/>
+        <p:txBody>
+          <a:bodyPr/>
+          <a:lstStyle/>
+          <a:p>
+            <a:r>
+              <a:t>A systematic approach to a diagnosis that is often delayed or missed</a:t>
+            </a:r>
+          </a:p>
+        </p:txBody>
+      </p:sp>
+    </p:spTree>
+  </p:cSld>
+  <p:clrMapOvr>
+    <a:masterClrMapping/>
+  </p:clrMapOvr>
+</p:sld>
+</file>
+
+<file path=ppt/slides/slide31.xml><?xml version="1.0" encoding="utf-8"?>
+<p:sld xmlns:a="http://schemas.openxmlformats.org/drawingml/2006/main" xmlns:p="http://schemas.openxmlformats.org/presentationml/2006/main" xmlns:r="http://schemas.openxmlformats.org/officeDocument/2006/relationships">
+  <p:cSld>
+    <p:spTree>
+      <p:nvGrpSpPr>
+        <p:cNvPr id="1" name=""/>
+        <p:cNvGrpSpPr/>
+        <p:nvPr/>
+      </p:nvGrpSpPr>
+      <p:grpSpPr/>
+      <p:sp>
+        <p:nvSpPr>
+          <p:cNvPr id="2" name="Title 1"/>
+          <p:cNvSpPr>
+            <a:spLocks noGrp="1"/>
+          </p:cNvSpPr>
+          <p:nvPr>
+            <p:ph type="title"/>
+          </p:nvPr>
+        </p:nvSpPr>
+        <p:spPr/>
+        <p:txBody>
+          <a:bodyPr/>
+          <a:lstStyle/>
+          <a:p>
+            <a:r>
+              <a:t>Selected References</a:t>
+            </a:r>
+          </a:p>
+        </p:txBody>
+      </p:sp>
+      <p:sp>
+        <p:nvSpPr>
+          <p:cNvPr id="3" name="Content Placeholder 2"/>
+          <p:cNvSpPr>
+            <a:spLocks noGrp="1"/>
+          </p:cNvSpPr>
+          <p:nvPr>
+            <p:ph idx="1"/>
+          </p:nvPr>
+        </p:nvSpPr>
+        <p:spPr/>
+        <p:txBody>
+          <a:bodyPr/>
+          <a:lstStyle/>
+          <a:p>
+            <a:pPr lvl="2"/>
+            <a:r>
+              <a:rPr sz="900"/>
+              <a:t>van Alfen N, van Engelen BG. Clinical spectrum of neuralgic amyotrophy. Brain. 2006;129:438-450.</a:t>
+            </a:r>
+          </a:p>
+          <a:p>
+            <a:pPr lvl="2"/>
+            <a:r>
+              <a:rPr sz="900"/>
+              <a:t>Fogarty MJ, Mantilla CB, Sieck GC. Motor Control of Diaphragm Muscle. Physiology. 2018;33:113-126.</a:t>
+            </a:r>
+          </a:p>
+          <a:p>
+            <a:pPr lvl="2"/>
+            <a:r>
+              <a:rPr sz="900"/>
+              <a:t>Gibson GJ. Diaphragmatic paresis: pathophysiology, clinical features. Thorax. 1989;44:960-970.</a:t>
+            </a:r>
+          </a:p>
+          <a:p>
+            <a:pPr lvl="2"/>
+            <a:r>
+              <a:rPr sz="900"/>
+              <a:t>Laghi FA, Tobin MJ. Disorders of the respiratory muscles. Am J Respir Crit Care Med. 2003;168:10-48.</a:t>
+            </a:r>
+          </a:p>
+          <a:p>
+            <a:pPr lvl="2"/>
+            <a:r>
+              <a:rPr sz="900"/>
+              <a:t>Dimopoulou I et al. Phrenic nerve dysfunction after cardiac operations. Chest. 1998;113:8-14.</a:t>
+            </a:r>
+          </a:p>
+          <a:p>
+            <a:pPr lvl="2"/>
+            <a:r>
+              <a:rPr sz="900"/>
+              <a:t>Goligher EC et al. MV-induced Diaphragm Atrophy. Am J Respir Crit Care Med. 2018;197:204-213.</a:t>
+            </a:r>
+          </a:p>
+          <a:p>
+            <a:pPr lvl="2"/>
+            <a:r>
+              <a:rPr sz="900"/>
+              <a:t>Demoule A et al. Diaphragm dysfunction on ICU admission. Intensive Care Med. 2013;39:1285-1294.</a:t>
+            </a:r>
+          </a:p>
+          <a:p>
+            <a:pPr lvl="2"/>
+            <a:r>
+              <a:rPr sz="900"/>
+              <a:t>Higgs SM et al. Diaphragmatic plication for unilateral paralysis. J Heart Lung Transplant. 2002;21:1279-1285.</a:t>
+            </a:r>
+          </a:p>
+          <a:p>
+            <a:pPr lvl="2"/>
+            <a:r>
+              <a:rPr sz="900"/>
+              <a:t>Wright CD et al. Diaphragm plication: 10-year experience. Ann Thorac Surg. 2012;94:925-929.</a:t>
+            </a:r>
+          </a:p>
+          <a:p>
+            <a:pPr lvl="2"/>
+            <a:r>
+              <a:rPr sz="900"/>
+              <a:t>DiMarco AF. Phrenic nerve stimulation in SCI. Respir Physiol Neurobiol. 2009;169:200-209.</a:t>
+            </a:r>
+          </a:p>
+          <a:p>
+            <a:pPr lvl="2"/>
+            <a:r>
+              <a:rPr sz="900"/>
+              <a:t>Gonzalez-Bermejo J et al. DiPALS (VITALS) trial. Lancet Neurol. 2016;15:565-574.</a:t>
+            </a:r>
+          </a:p>
+          <a:p>
+            <a:pPr lvl="2"/>
+            <a:r>
+              <a:rPr sz="900"/>
+              <a:t>Kaufman MR et al. Nerve reconstruction for phrenic paralysis. Plast Reconstr Surg. 2014;134:570e-578e.</a:t>
+            </a:r>
+          </a:p>
+          <a:p>
+            <a:pPr lvl="2"/>
+            <a:r>
+              <a:rPr sz="900"/>
+              <a:t>Bourke SC et al. NIV for ALS — RCT. Lancet Neurol. 2006;5:140-147.</a:t>
+            </a:r>
+          </a:p>
+          <a:p>
+            <a:pPr lvl="2"/>
+            <a:r>
+              <a:rPr sz="900"/>
+              <a:t>Feldman JL et al. Breathing: rhythmicity. Annu Rev Neurosci. 2003;26:239-266.</a:t>
+            </a:r>
+          </a:p>
+          <a:p>
+            <a:pPr lvl="2"/>
+            <a:r>
+              <a:rPr sz="900"/>
+              <a:t>Summerhill EM et al. Monitoring recovery with diaphragm ultrasound. Chest. 2008;133:737-743.</a:t>
+            </a:r>
+          </a:p>
+        </p:txBody>
+      </p:sp>
+      <p:sp>
+        <p:nvSpPr>
+          <p:cNvPr id="4" name="Text Placeholder 3"/>
+          <p:cNvSpPr>
+            <a:spLocks noGrp="1"/>
+          </p:cNvSpPr>
+          <p:nvPr>
+            <p:ph type="body" idx="13" sz="quarter"/>
+          </p:nvPr>
+        </p:nvSpPr>
+        <p:spPr/>
+        <p:txBody>
+          <a:bodyPr/>
+          <a:lstStyle/>
+          <a:p/>
+        </p:txBody>
+      </p:sp>
+    </p:spTree>
+  </p:cSld>
+  <p:clrMapOvr>
+    <a:masterClrMapping/>
+  </p:clrMapOvr>
+</p:sld>
+</file>
+
+<file path=ppt/slides/slide32.xml><?xml version="1.0" encoding="utf-8"?>
+<p:sld xmlns:a="http://schemas.openxmlformats.org/drawingml/2006/main" xmlns:p="http://schemas.openxmlformats.org/presentationml/2006/main" xmlns:r="http://schemas.openxmlformats.org/officeDocument/2006/relationships">
+  <p:cSld>
+    <p:spTree>
+      <p:nvGrpSpPr>
+        <p:cNvPr id="1" name=""/>
+        <p:cNvGrpSpPr/>
+        <p:nvPr/>
+      </p:nvGrpSpPr>
+      <p:grpSpPr/>
+      <p:sp>
+        <p:nvSpPr>
+          <p:cNvPr id="2" name="Title 1"/>
+          <p:cNvSpPr>
+            <a:spLocks noGrp="1"/>
+          </p:cNvSpPr>
+          <p:nvPr>
             <p:ph type="ctrTitle"/>
           </p:nvPr>
         </p:nvSpPr>
@@ -9909,28 +15077,7 @@
           <a:lstStyle/>
           <a:p>
             <a:r>
-              <a:t>Anatomy &amp; Physiology</a:t>
-            </a:r>
-          </a:p>
-        </p:txBody>
-      </p:sp>
-      <p:sp>
-        <p:nvSpPr>
-          <p:cNvPr id="3" name="Subtitle 2"/>
-          <p:cNvSpPr>
-            <a:spLocks noGrp="1"/>
-          </p:cNvSpPr>
-          <p:nvPr>
-            <p:ph type="subTitle" idx="1"/>
-          </p:nvPr>
-        </p:nvSpPr>
-        <p:spPr/>
-        <p:txBody>
-          <a:bodyPr/>
-          <a:lstStyle/>
-          <a:p>
-            <a:r>
-              <a:t>The phrenic nerve–diaphragm axis: structure, function, and vulnerability</a:t>
+              <a:t>Thank You</a:t>
             </a:r>
           </a:p>
         </p:txBody>
@@ -9960,7 +15107,7 @@
             <a:spLocks noGrp="1"/>
           </p:cNvSpPr>
           <p:nvPr>
-            <p:ph type="title"/>
+            <p:ph type="ctrTitle"/>
           </p:nvPr>
         </p:nvSpPr>
         <p:spPr/>
@@ -9969,19 +15116,19 @@
           <a:lstStyle/>
           <a:p>
             <a:r>
-              <a:t>Phrenic Nerve Anatomy</a:t>
-            </a:r>
-          </a:p>
-        </p:txBody>
-      </p:sp>
-      <p:sp>
-        <p:nvSpPr>
-          <p:cNvPr id="3" name="Content Placeholder 2"/>
-          <p:cNvSpPr>
-            <a:spLocks noGrp="1"/>
-          </p:cNvSpPr>
-          <p:nvPr>
-            <p:ph idx="1"/>
+              <a:t>Anatomy &amp; Physiology</a:t>
+            </a:r>
+          </a:p>
+        </p:txBody>
+      </p:sp>
+      <p:sp>
+        <p:nvSpPr>
+          <p:cNvPr id="3" name="Subtitle 2"/>
+          <p:cNvSpPr>
+            <a:spLocks noGrp="1"/>
+          </p:cNvSpPr>
+          <p:nvPr>
+            <p:ph type="subTitle" idx="1"/>
           </p:nvPr>
         </p:nvSpPr>
         <p:spPr/>
@@ -9989,152 +15136,8 @@
           <a:bodyPr/>
           <a:lstStyle/>
           <a:p>
-            <a:pPr/>
-            <a:r>
-              <a:rPr b="1"/>
-              <a:t>Origin &amp; Course</a:t>
-            </a:r>
-          </a:p>
-          <a:p>
-            <a:pPr lvl="2"/>
-            <a:r>
-              <a:t>Arises from ventral rami of C3, C4, C5 ("C3, 4, 5 keeps the diaphragm alive")</a:t>
-            </a:r>
-          </a:p>
-          <a:p>
-            <a:pPr lvl="2"/>
-            <a:r>
-              <a:t>Descends through the neck, crosses anterior scalene muscle</a:t>
-            </a:r>
-          </a:p>
-          <a:p>
-            <a:pPr lvl="2"/>
-            <a:r>
-              <a:t>Enters the thorax, travels along the pericardium to the diaphragm</a:t>
-            </a:r>
-          </a:p>
-          <a:p>
-            <a:pPr lvl="2"/>
-            <a:r>
-              <a:t>Right phrenic: shorter, passes lateral to SVC and IVC</a:t>
-            </a:r>
-          </a:p>
-          <a:p>
-            <a:pPr lvl="2"/>
-            <a:r>
-              <a:t>Left phrenic: longer, crosses aortic arch and pericardium</a:t>
-            </a:r>
-          </a:p>
-          <a:p>
-            <a:pPr/>
-            <a:r>
-              <a:rPr b="1"/>
-              <a:t>Terminal Branches</a:t>
-            </a:r>
-          </a:p>
-          <a:p>
-            <a:pPr lvl="2"/>
-            <a:r>
-              <a:t>Sternal, anterolateral, posterolateral, and crural branches</a:t>
-            </a:r>
-          </a:p>
-          <a:p>
-            <a:pPr lvl="2"/>
-            <a:r>
-              <a:t>Also carries sensory fibers from pericardium, mediastinal pleura, and diaphragmatic peritoneum</a:t>
-            </a:r>
-          </a:p>
-        </p:txBody>
-      </p:sp>
-      <p:sp>
-        <p:nvSpPr>
-          <p:cNvPr id="4" name="Text Placeholder 3"/>
-          <p:cNvSpPr>
-            <a:spLocks noGrp="1"/>
-          </p:cNvSpPr>
-          <p:nvPr>
-            <p:ph type="body" idx="13" sz="quarter"/>
-          </p:nvPr>
-        </p:nvSpPr>
-        <p:spPr/>
-        <p:txBody>
-          <a:bodyPr/>
-          <a:lstStyle/>
-          <a:p>
-            <a:r>
-              <a:t>The sole motor supply of the diaphragm — a long, vulnerable nerve</a:t>
-            </a:r>
-          </a:p>
-        </p:txBody>
-      </p:sp>
-      <p:sp>
-        <p:nvSpPr>
-          <p:cNvPr id="5" name="Content Placeholder 4"/>
-          <p:cNvSpPr>
-            <a:spLocks noGrp="1"/>
-          </p:cNvSpPr>
-          <p:nvPr>
-            <p:ph idx="14"/>
-          </p:nvPr>
-        </p:nvSpPr>
-        <p:spPr/>
-        <p:txBody>
-          <a:bodyPr/>
-          <a:lstStyle/>
-          <a:p>
-            <a:pPr/>
-            <a:r>
-              <a:rPr b="1"/>
-              <a:t>Vulnerability Points</a:t>
-            </a:r>
-          </a:p>
-          <a:p>
-            <a:pPr lvl="2"/>
-            <a:r>
-              <a:t>Neck: anterior scalene procedures, deep cervical biopsy</a:t>
-            </a:r>
-          </a:p>
-          <a:p>
-            <a:pPr lvl="2"/>
-            <a:r>
-              <a:t>Thoracic inlet: subclavian/internal jugular central lines, cervical rib</a:t>
-            </a:r>
-          </a:p>
-          <a:p>
-            <a:pPr lvl="2"/>
-            <a:r>
-              <a:t>Mediastinum: cardiac surgery (cold cardioplegia), mediastinal masses</a:t>
-            </a:r>
-          </a:p>
-          <a:p>
-            <a:pPr lvl="2"/>
-            <a:r>
-              <a:t>Pericardium: pericardial dissection during cardiac surgery</a:t>
-            </a:r>
-          </a:p>
-          <a:p>
-            <a:pPr/>
-            <a:r>
-              <a:rPr b="1"/>
-              <a:t>Physiologic Role</a:t>
-            </a:r>
-          </a:p>
-          <a:p>
-            <a:pPr lvl="2"/>
-            <a:r>
-              <a:t>Sole motor innervation of the diaphragm — accessory muscles cannot fully compensate</a:t>
-            </a:r>
-          </a:p>
-          <a:p>
-            <a:pPr lvl="2"/>
-            <a:r>
-              <a:t>Bilateral injury → respiratory failure requiring ventilatory support</a:t>
-            </a:r>
-          </a:p>
-          <a:p>
-            <a:pPr lvl="2"/>
-            <a:r>
-              <a:t>Unilateral injury → reduced FVC ~25%, typically well-tolerated in healthy adults</a:t>
+            <a:r>
+              <a:t>The phrenic nerve–diaphragm axis: structure, function, and vulnerability</a:t>
             </a:r>
           </a:p>
         </p:txBody>
@@ -10173,7 +15176,7 @@
           <a:lstStyle/>
           <a:p>
             <a:r>
-              <a:t>Diaphragm Physiology and the Impact of Paralysis</a:t>
+              <a:t>The Phrenic Nerve: Physiologic Role</a:t>
             </a:r>
           </a:p>
         </p:txBody>
@@ -10196,93 +15199,69 @@
             <a:pPr/>
             <a:r>
               <a:rPr b="1"/>
-              <a:t>Normal Diaphragm Function</a:t>
-            </a:r>
-          </a:p>
-          <a:p>
-            <a:pPr lvl="2"/>
-            <a:r>
-              <a:t>Primary muscle of inspiration — responsible for ~70% of tidal volume at rest</a:t>
-            </a:r>
-          </a:p>
-          <a:p>
-            <a:pPr lvl="2"/>
-            <a:r>
-              <a:t>Contraction lowers the dome, increasing thoracic volume and creating negative pressure</a:t>
-            </a:r>
-          </a:p>
-          <a:p>
-            <a:pPr lvl="2"/>
-            <a:r>
-              <a:t>Assists in coughing, sneezing, Valsalva, and defecation</a:t>
-            </a:r>
-          </a:p>
-          <a:p>
-            <a:pPr lvl="2"/>
-            <a:r>
-              <a:t>Maintains pressure gradient between thorax and abdomen</a:t>
+              <a:t>Motor Function</a:t>
+            </a:r>
+          </a:p>
+          <a:p>
+            <a:pPr lvl="2"/>
+            <a:r>
+              <a:t>Sole motor innervation of the diaphragm — accessory respiratory muscles cannot fully substitute</a:t>
+            </a:r>
+          </a:p>
+          <a:p>
+            <a:pPr lvl="2"/>
+            <a:r>
+              <a:t>Unilateral loss: FVC falls ~20–30% upright, ~40–50% supine; typically compensated in healthy adults</a:t>
+            </a:r>
+          </a:p>
+          <a:p>
+            <a:pPr lvl="2"/>
+            <a:r>
+              <a:t>Bilateral loss: acute respiratory failure requiring ventilatory support in virtually all patients</a:t>
             </a:r>
           </a:p>
           <a:p>
             <a:pPr/>
             <a:r>
               <a:rPr b="1"/>
-              <a:t>Unilateral Paralysis</a:t>
-            </a:r>
-          </a:p>
-          <a:p>
-            <a:pPr lvl="2"/>
-            <a:r>
-              <a:t>Paradoxical upward movement on affected side during inspiration</a:t>
-            </a:r>
-          </a:p>
-          <a:p>
-            <a:pPr lvl="2"/>
-            <a:r>
-              <a:t>FVC decreases 20–30% upright; 40–50% in supine (due to abdominal organ weight)</a:t>
-            </a:r>
-          </a:p>
-          <a:p>
-            <a:pPr lvl="2"/>
-            <a:r>
-              <a:t>Compensated by accessory muscles; often asymptomatic in otherwise healthy adults</a:t>
-            </a:r>
-          </a:p>
-          <a:p>
-            <a:pPr lvl="2"/>
-            <a:r>
-              <a:t>Symptomatic with any reduction in pulmonary reserve (obesity, COPD, cardiac disease)</a:t>
+              <a:t>Sensory Function</a:t>
+            </a:r>
+          </a:p>
+          <a:p>
+            <a:pPr lvl="2"/>
+            <a:r>
+              <a:t>Carries sensory afferents from the pericardium, mediastinal pleura, and diaphragmatic peritoneum</a:t>
+            </a:r>
+          </a:p>
+          <a:p>
+            <a:pPr lvl="2"/>
+            <a:r>
+              <a:t>Phrenic irritation → ipsilateral shoulder-tip pain (referred via C3–C5 dermatome)</a:t>
             </a:r>
           </a:p>
           <a:p>
             <a:pPr/>
             <a:r>
               <a:rPr b="1"/>
-              <a:t>Bilateral Paralysis</a:t>
-            </a:r>
-          </a:p>
-          <a:p>
-            <a:pPr lvl="2"/>
-            <a:r>
-              <a:t>Severe orthopnea and dyspnea on minimal exertion</a:t>
-            </a:r>
-          </a:p>
-          <a:p>
-            <a:pPr lvl="2"/>
-            <a:r>
-              <a:t>FVC drops 50% or more in supine position</a:t>
-            </a:r>
-          </a:p>
-          <a:p>
-            <a:pPr lvl="2"/>
-            <a:r>
-              <a:t>Nocturnal hypoventilation, sleep apnea, daytime hypercapnia</a:t>
-            </a:r>
-          </a:p>
-          <a:p>
-            <a:pPr lvl="2"/>
-            <a:r>
-              <a:t>Often requires non-invasive or invasive ventilatory support</a:t>
+              <a:t>Additional Roles</a:t>
+            </a:r>
+          </a:p>
+          <a:p>
+            <a:pPr lvl="2"/>
+            <a:r>
+              <a:t>Contributes to cough, Valsalva, parturition, and defecation via abdominal pressure generation</a:t>
+            </a:r>
+          </a:p>
+          <a:p>
+            <a:pPr lvl="2"/>
+            <a:r>
+              <a:t>Maintains thoraco-abdominal pressure gradient critical for venous return and lymphatic flow</a:t>
+            </a:r>
+          </a:p>
+          <a:p>
+            <a:pPr lvl="2"/>
+            <a:r>
+              <a:t>Phrenic motor neurons also receive input from central pattern generators and cortical voluntary drive</a:t>
             </a:r>
           </a:p>
         </p:txBody>
@@ -10303,7 +15282,7 @@
           <a:lstStyle/>
           <a:p>
             <a:r>
-              <a:t>Understanding compensation and decompensation</a:t>
+              <a:t>The sole motor supply of the diaphragm — no redundancy</a:t>
             </a:r>
           </a:p>
         </p:txBody>
@@ -10333,7 +15312,7 @@
             <a:spLocks noGrp="1"/>
           </p:cNvSpPr>
           <p:nvPr>
-            <p:ph type="ctrTitle"/>
+            <p:ph type="title"/>
           </p:nvPr>
         </p:nvSpPr>
         <p:spPr/>
@@ -10342,19 +15321,19 @@
           <a:lstStyle/>
           <a:p>
             <a:r>
-              <a:t>Non-Traumatic Etiologies</a:t>
-            </a:r>
-          </a:p>
-        </p:txBody>
-      </p:sp>
-      <p:sp>
-        <p:nvSpPr>
-          <p:cNvPr id="3" name="Subtitle 2"/>
-          <p:cNvSpPr>
-            <a:spLocks noGrp="1"/>
-          </p:cNvSpPr>
-          <p:nvPr>
-            <p:ph type="subTitle" idx="1"/>
+              <a:t>Phrenic Nerve Anatomy &amp; Vulnerability</a:t>
+            </a:r>
+          </a:p>
+        </p:txBody>
+      </p:sp>
+      <p:sp>
+        <p:nvSpPr>
+          <p:cNvPr id="3" name="Content Placeholder 2"/>
+          <p:cNvSpPr>
+            <a:spLocks noGrp="1"/>
+          </p:cNvSpPr>
+          <p:nvPr>
+            <p:ph idx="1"/>
           </p:nvPr>
         </p:nvSpPr>
         <p:spPr/>
@@ -10362,8 +15341,579 @@
           <a:bodyPr/>
           <a:lstStyle/>
           <a:p>
-            <a:r>
-              <a:t>A broad spectrum from iatrogenic nerve injury to systemic neuromuscular disease</a:t>
+            <a:pPr/>
+            <a:r>
+              <a:rPr b="1"/>
+              <a:t>Origin &amp; Course</a:t>
+            </a:r>
+          </a:p>
+          <a:p>
+            <a:pPr lvl="2"/>
+            <a:r>
+              <a:t>"C3, 4, 5 keeps the diaphragm alive" — ventral rami of C3, C4, C5</a:t>
+            </a:r>
+          </a:p>
+          <a:p>
+            <a:pPr lvl="2"/>
+            <a:r>
+              <a:t>Crosses anterior scalene → enters thorax lateral to subclavian vessels</a:t>
+            </a:r>
+          </a:p>
+          <a:p>
+            <a:pPr lvl="2"/>
+            <a:r>
+              <a:t>Right: shorter, travels beside SVC and IVC to right hemidiaphragm</a:t>
+            </a:r>
+          </a:p>
+          <a:p>
+            <a:pPr lvl="2"/>
+            <a:r>
+              <a:t>Left: longer, crosses aortic arch, left subclavian artery, and pericardium</a:t>
+            </a:r>
+          </a:p>
+          <a:p>
+            <a:pPr lvl="2"/>
+            <a:r>
+              <a:t>Terminal branches: sternal, anterolateral, posterolateral, crural</a:t>
+            </a:r>
+          </a:p>
+          <a:p>
+            <a:pPr/>
+            <a:r>
+              <a:rPr b="1"/>
+              <a:t>Vulnerability Points</a:t>
+            </a:r>
+          </a:p>
+          <a:p>
+            <a:pPr lvl="2"/>
+            <a:r>
+              <a:t>① Scalene region: deep cervical biopsy, block procedures, subclavian lines</a:t>
+            </a:r>
+          </a:p>
+          <a:p>
+            <a:pPr lvl="2"/>
+            <a:r>
+              <a:t>② Thoracic inlet: subclavian/IJ central lines, cervical rib, Pancoast tumors</a:t>
+            </a:r>
+          </a:p>
+          <a:p>
+            <a:pPr lvl="2"/>
+            <a:r>
+              <a:t>③ Pericardium / mediastinum: cardiac surgery, cryoablation for AF</a:t>
+            </a:r>
+          </a:p>
+          <a:p>
+            <a:pPr lvl="2"/>
+            <a:r>
+              <a:t>④ Aortic arch (left): thoracic aortic aneurysm, mediastinal dissection</a:t>
+            </a:r>
+          </a:p>
+        </p:txBody>
+      </p:sp>
+      <p:sp>
+        <p:nvSpPr>
+          <p:cNvPr id="4" name="Text Placeholder 3"/>
+          <p:cNvSpPr>
+            <a:spLocks noGrp="1"/>
+          </p:cNvSpPr>
+          <p:nvPr>
+            <p:ph type="body" idx="13" sz="quarter"/>
+          </p:nvPr>
+        </p:nvSpPr>
+        <p:spPr/>
+        <p:txBody>
+          <a:bodyPr/>
+          <a:lstStyle/>
+          <a:p>
+            <a:r>
+              <a:t>Arises C3–C4–C5 — long mediastinal course creates multiple injury sites</a:t>
+            </a:r>
+          </a:p>
+        </p:txBody>
+      </p:sp>
+      <p:sp>
+        <p:nvSpPr>
+          <p:cNvPr id="5" name="Content Placeholder 4"/>
+          <p:cNvSpPr>
+            <a:spLocks noGrp="1"/>
+          </p:cNvSpPr>
+          <p:nvPr>
+            <p:ph idx="14"/>
+          </p:nvPr>
+        </p:nvSpPr>
+        <p:spPr/>
+        <p:txBody>
+          <a:bodyPr/>
+          <a:lstStyle/>
+          <a:p>
+            <a:pPr/>
+            <a:r>
+              <a:rPr b="1"/>
+              <a:t>Clinical Pearl</a:t>
+            </a:r>
+          </a:p>
+          <a:p>
+            <a:pPr lvl="2"/>
+            <a:r>
+              <a:t>The left phrenic is more commonly injured after cardiac surgery due to its proximity to the left pericardium and left IMA harvest field</a:t>
+            </a:r>
+          </a:p>
+          <a:p>
+            <a:pPr lvl="2"/>
+            <a:r>
+              <a:t>The right phrenic is more commonly affected by mediastinal lymphadenopathy (right paratracheal nodes)</a:t>
+            </a:r>
+          </a:p>
+        </p:txBody>
+      </p:sp>
+      <p:sp>
+        <p:nvSpPr>
+          <p:cNvPr id="6" name="Oval 5"/>
+          <p:cNvSpPr/>
+          <p:nvPr/>
+        </p:nvSpPr>
+        <p:spPr>
+          <a:xfrm>
+            <a:off x="7800000" y="1200000"/>
+            <a:ext cx="2000000" cy="420000"/>
+          </a:xfrm>
+          <a:prstGeom prst="ellipse">
+            <a:avLst/>
+          </a:prstGeom>
+          <a:solidFill>
+            <a:srgbClr val="4E2A84"/>
+          </a:solidFill>
+          <a:ln>
+            <a:noFill/>
+          </a:ln>
+        </p:spPr>
+        <p:style>
+          <a:lnRef idx="1">
+            <a:schemeClr val="accent1"/>
+          </a:lnRef>
+          <a:fillRef idx="3">
+            <a:schemeClr val="accent1"/>
+          </a:fillRef>
+          <a:effectRef idx="2">
+            <a:schemeClr val="accent1"/>
+          </a:effectRef>
+          <a:fontRef idx="minor">
+            <a:schemeClr val="lt1"/>
+          </a:fontRef>
+        </p:style>
+        <p:txBody>
+          <a:bodyPr rtlCol="0" anchor="ctr" wrap="square" lIns="45720" rIns="45720"/>
+          <a:lstStyle/>
+          <a:p>
+            <a:pPr algn="ctr"/>
+            <a:r>
+              <a:rPr sz="1000" b="1">
+                <a:solidFill>
+                  <a:srgbClr val="FFFFFF"/>
+                </a:solidFill>
+              </a:rPr>
+              <a:t>Brainstem / C3-C5</a:t>
+            </a:r>
+          </a:p>
+        </p:txBody>
+      </p:sp>
+      <p:sp>
+        <p:nvSpPr>
+          <p:cNvPr id="7" name="Oval 6"/>
+          <p:cNvSpPr/>
+          <p:nvPr/>
+        </p:nvSpPr>
+        <p:spPr>
+          <a:xfrm>
+            <a:off x="7300000" y="1900000"/>
+            <a:ext cx="2800000" cy="380000"/>
+          </a:xfrm>
+          <a:prstGeom prst="ellipse">
+            <a:avLst/>
+          </a:prstGeom>
+          <a:solidFill>
+            <a:srgbClr val="00748C"/>
+          </a:solidFill>
+          <a:ln>
+            <a:noFill/>
+          </a:ln>
+        </p:spPr>
+        <p:style>
+          <a:lnRef idx="1">
+            <a:schemeClr val="accent1"/>
+          </a:lnRef>
+          <a:fillRef idx="3">
+            <a:schemeClr val="accent1"/>
+          </a:fillRef>
+          <a:effectRef idx="2">
+            <a:schemeClr val="accent1"/>
+          </a:effectRef>
+          <a:fontRef idx="minor">
+            <a:schemeClr val="lt1"/>
+          </a:fontRef>
+        </p:style>
+        <p:txBody>
+          <a:bodyPr rtlCol="0" anchor="ctr" wrap="square" lIns="45720" rIns="45720"/>
+          <a:lstStyle/>
+          <a:p>
+            <a:pPr algn="ctr"/>
+            <a:r>
+              <a:rPr sz="1000" b="0">
+                <a:solidFill>
+                  <a:srgbClr val="FFFFFF"/>
+                </a:solidFill>
+              </a:rPr>
+              <a:t>① Anterior Scalene / Thoracic Inlet</a:t>
+            </a:r>
+          </a:p>
+        </p:txBody>
+      </p:sp>
+      <p:sp>
+        <p:nvSpPr>
+          <p:cNvPr id="8" name="Oval 7"/>
+          <p:cNvSpPr/>
+          <p:nvPr/>
+        </p:nvSpPr>
+        <p:spPr>
+          <a:xfrm>
+            <a:off x="7400000" y="2550000"/>
+            <a:ext cx="2600000" cy="380000"/>
+          </a:xfrm>
+          <a:prstGeom prst="ellipse">
+            <a:avLst/>
+          </a:prstGeom>
+          <a:solidFill>
+            <a:srgbClr val="00748C"/>
+          </a:solidFill>
+          <a:ln>
+            <a:noFill/>
+          </a:ln>
+        </p:spPr>
+        <p:style>
+          <a:lnRef idx="1">
+            <a:schemeClr val="accent1"/>
+          </a:lnRef>
+          <a:fillRef idx="3">
+            <a:schemeClr val="accent1"/>
+          </a:fillRef>
+          <a:effectRef idx="2">
+            <a:schemeClr val="accent1"/>
+          </a:effectRef>
+          <a:fontRef idx="minor">
+            <a:schemeClr val="lt1"/>
+          </a:fontRef>
+        </p:style>
+        <p:txBody>
+          <a:bodyPr rtlCol="0" anchor="ctr" wrap="square" lIns="45720" rIns="45720"/>
+          <a:lstStyle/>
+          <a:p>
+            <a:pPr algn="ctr"/>
+            <a:r>
+              <a:rPr sz="1000" b="0">
+                <a:solidFill>
+                  <a:srgbClr val="FFFFFF"/>
+                </a:solidFill>
+              </a:rPr>
+              <a:t>② Pericardium / Mediastinum</a:t>
+            </a:r>
+          </a:p>
+        </p:txBody>
+      </p:sp>
+      <p:sp>
+        <p:nvSpPr>
+          <p:cNvPr id="9" name="Oval 8"/>
+          <p:cNvSpPr/>
+          <p:nvPr/>
+        </p:nvSpPr>
+        <p:spPr>
+          <a:xfrm>
+            <a:off x="7100000" y="3200000"/>
+            <a:ext cx="1800000" cy="380000"/>
+          </a:xfrm>
+          <a:prstGeom prst="ellipse">
+            <a:avLst/>
+          </a:prstGeom>
+          <a:solidFill>
+            <a:srgbClr val="585858"/>
+          </a:solidFill>
+          <a:ln>
+            <a:noFill/>
+          </a:ln>
+        </p:spPr>
+        <p:style>
+          <a:lnRef idx="1">
+            <a:schemeClr val="accent1"/>
+          </a:lnRef>
+          <a:fillRef idx="3">
+            <a:schemeClr val="accent1"/>
+          </a:fillRef>
+          <a:effectRef idx="2">
+            <a:schemeClr val="accent1"/>
+          </a:effectRef>
+          <a:fontRef idx="minor">
+            <a:schemeClr val="lt1"/>
+          </a:fontRef>
+        </p:style>
+        <p:txBody>
+          <a:bodyPr rtlCol="0" anchor="ctr" wrap="square" lIns="45720" rIns="45720"/>
+          <a:lstStyle/>
+          <a:p>
+            <a:pPr algn="ctr"/>
+            <a:r>
+              <a:rPr sz="1000" b="0">
+                <a:solidFill>
+                  <a:srgbClr val="FFFFFF"/>
+                </a:solidFill>
+              </a:rPr>
+              <a:t>③ Aortic Arch (L)</a:t>
+            </a:r>
+          </a:p>
+        </p:txBody>
+      </p:sp>
+      <p:sp>
+        <p:nvSpPr>
+          <p:cNvPr id="10" name="Oval 9"/>
+          <p:cNvSpPr/>
+          <p:nvPr/>
+        </p:nvSpPr>
+        <p:spPr>
+          <a:xfrm>
+            <a:off x="9300000" y="3200000"/>
+            <a:ext cx="1800000" cy="380000"/>
+          </a:xfrm>
+          <a:prstGeom prst="ellipse">
+            <a:avLst/>
+          </a:prstGeom>
+          <a:solidFill>
+            <a:srgbClr val="585858"/>
+          </a:solidFill>
+          <a:ln>
+            <a:noFill/>
+          </a:ln>
+        </p:spPr>
+        <p:style>
+          <a:lnRef idx="1">
+            <a:schemeClr val="accent1"/>
+          </a:lnRef>
+          <a:fillRef idx="3">
+            <a:schemeClr val="accent1"/>
+          </a:fillRef>
+          <a:effectRef idx="2">
+            <a:schemeClr val="accent1"/>
+          </a:effectRef>
+          <a:fontRef idx="minor">
+            <a:schemeClr val="lt1"/>
+          </a:fontRef>
+        </p:style>
+        <p:txBody>
+          <a:bodyPr rtlCol="0" anchor="ctr" wrap="square" lIns="45720" rIns="45720"/>
+          <a:lstStyle/>
+          <a:p>
+            <a:pPr algn="ctr"/>
+            <a:r>
+              <a:rPr sz="1000" b="0">
+                <a:solidFill>
+                  <a:srgbClr val="FFFFFF"/>
+                </a:solidFill>
+              </a:rPr>
+              <a:t>④ IVC/SVC (R)</a:t>
+            </a:r>
+          </a:p>
+        </p:txBody>
+      </p:sp>
+      <p:sp>
+        <p:nvSpPr>
+          <p:cNvPr id="11" name="Oval 10"/>
+          <p:cNvSpPr/>
+          <p:nvPr/>
+        </p:nvSpPr>
+        <p:spPr>
+          <a:xfrm>
+            <a:off x="7300000" y="3900000"/>
+            <a:ext cx="3200000" cy="420000"/>
+          </a:xfrm>
+          <a:prstGeom prst="ellipse">
+            <a:avLst/>
+          </a:prstGeom>
+          <a:solidFill>
+            <a:srgbClr val="4E2A84"/>
+          </a:solidFill>
+          <a:ln>
+            <a:noFill/>
+          </a:ln>
+        </p:spPr>
+        <p:style>
+          <a:lnRef idx="1">
+            <a:schemeClr val="accent1"/>
+          </a:lnRef>
+          <a:fillRef idx="3">
+            <a:schemeClr val="accent1"/>
+          </a:fillRef>
+          <a:effectRef idx="2">
+            <a:schemeClr val="accent1"/>
+          </a:effectRef>
+          <a:fontRef idx="minor">
+            <a:schemeClr val="lt1"/>
+          </a:fontRef>
+        </p:style>
+        <p:txBody>
+          <a:bodyPr rtlCol="0" anchor="ctr" wrap="square" lIns="45720" rIns="45720"/>
+          <a:lstStyle/>
+          <a:p>
+            <a:pPr algn="ctr"/>
+            <a:r>
+              <a:rPr sz="1100" b="1">
+                <a:solidFill>
+                  <a:srgbClr val="FFFFFF"/>
+                </a:solidFill>
+              </a:rPr>
+              <a:t>Diaphragm</a:t>
+            </a:r>
+          </a:p>
+        </p:txBody>
+      </p:sp>
+      <p:cxnSp>
+        <p:nvCxnSpPr>
+          <p:cNvPr id="12" name="Connector 11"/>
+          <p:cNvCxnSpPr/>
+          <p:nvPr/>
+        </p:nvCxnSpPr>
+        <p:spPr>
+          <a:xfrm>
+            <a:off x="8800000" y="1620000"/>
+            <a:ext cx="0" cy="280000"/>
+          </a:xfrm>
+          <a:prstGeom prst="line">
+            <a:avLst/>
+          </a:prstGeom>
+          <a:ln w="19050">
+            <a:solidFill>
+              <a:srgbClr val="4E2A84"/>
+            </a:solidFill>
+            <a:headEnd type="arrow"/>
+            <a:tailEnd type="none"/>
+          </a:ln>
+        </p:spPr>
+        <p:style>
+          <a:lnRef idx="2">
+            <a:schemeClr val="accent1"/>
+          </a:lnRef>
+          <a:fillRef idx="0">
+            <a:schemeClr val="accent1"/>
+          </a:fillRef>
+          <a:effectRef idx="1">
+            <a:schemeClr val="accent1"/>
+          </a:effectRef>
+          <a:fontRef idx="minor">
+            <a:schemeClr val="tx1"/>
+          </a:fontRef>
+        </p:style>
+      </p:cxnSp>
+      <p:cxnSp>
+        <p:nvCxnSpPr>
+          <p:cNvPr id="13" name="Connector 12"/>
+          <p:cNvCxnSpPr/>
+          <p:nvPr/>
+        </p:nvCxnSpPr>
+        <p:spPr>
+          <a:xfrm>
+            <a:off x="8800000" y="2280000"/>
+            <a:ext cx="0" cy="280000"/>
+          </a:xfrm>
+          <a:prstGeom prst="line">
+            <a:avLst/>
+          </a:prstGeom>
+          <a:ln w="19050">
+            <a:solidFill>
+              <a:srgbClr val="4E2A84"/>
+            </a:solidFill>
+            <a:headEnd type="arrow"/>
+            <a:tailEnd type="none"/>
+          </a:ln>
+        </p:spPr>
+        <p:style>
+          <a:lnRef idx="2">
+            <a:schemeClr val="accent1"/>
+          </a:lnRef>
+          <a:fillRef idx="0">
+            <a:schemeClr val="accent1"/>
+          </a:fillRef>
+          <a:effectRef idx="1">
+            <a:schemeClr val="accent1"/>
+          </a:effectRef>
+          <a:fontRef idx="minor">
+            <a:schemeClr val="tx1"/>
+          </a:fontRef>
+        </p:style>
+      </p:cxnSp>
+      <p:cxnSp>
+        <p:nvCxnSpPr>
+          <p:cNvPr id="14" name="Connector 13"/>
+          <p:cNvCxnSpPr/>
+          <p:nvPr/>
+        </p:nvCxnSpPr>
+        <p:spPr>
+          <a:xfrm>
+            <a:off x="8800000" y="2930000"/>
+            <a:ext cx="0" cy="280000"/>
+          </a:xfrm>
+          <a:prstGeom prst="line">
+            <a:avLst/>
+          </a:prstGeom>
+          <a:ln w="19050">
+            <a:solidFill>
+              <a:srgbClr val="4E2A84"/>
+            </a:solidFill>
+            <a:headEnd type="arrow"/>
+            <a:tailEnd type="none"/>
+          </a:ln>
+        </p:spPr>
+        <p:style>
+          <a:lnRef idx="2">
+            <a:schemeClr val="accent1"/>
+          </a:lnRef>
+          <a:fillRef idx="0">
+            <a:schemeClr val="accent1"/>
+          </a:fillRef>
+          <a:effectRef idx="1">
+            <a:schemeClr val="accent1"/>
+          </a:effectRef>
+          <a:fontRef idx="minor">
+            <a:schemeClr val="tx1"/>
+          </a:fontRef>
+        </p:style>
+      </p:cxnSp>
+      <p:sp>
+        <p:nvSpPr>
+          <p:cNvPr id="15" name="TextBox 14"/>
+          <p:cNvSpPr txBox="1"/>
+          <p:nvPr/>
+        </p:nvSpPr>
+        <p:spPr>
+          <a:xfrm>
+            <a:off x="6900000" y="4400000"/>
+            <a:ext cx="4800000" cy="400000"/>
+          </a:xfrm>
+          <a:prstGeom prst="rect">
+            <a:avLst/>
+          </a:prstGeom>
+          <a:noFill/>
+        </p:spPr>
+        <p:txBody>
+          <a:bodyPr wrap="square">
+            <a:spAutoFit/>
+          </a:bodyPr>
+          <a:lstStyle/>
+          <a:p>
+            <a:pPr algn="ctr"/>
+            <a:r>
+              <a:rPr sz="900" b="0">
+                <a:solidFill>
+                  <a:srgbClr val="585858"/>
+                </a:solidFill>
+              </a:rPr>
+              <a:t>Phrenic nerve length: ~30 cm (R) / ~35 cm (L)
+Right shorter; left more vulnerable to mediastinal disease</a:t>
             </a:r>
           </a:p>
         </p:txBody>
@@ -10402,7 +15952,7 @@
           <a:lstStyle/>
           <a:p>
             <a:r>
-              <a:t>Causes of Non-Traumatic Diaphragm Dysfunction</a:t>
+              <a:t>Diaphragm Physiology and the Impact of Paralysis</a:t>
             </a:r>
           </a:p>
         </p:txBody>
@@ -10425,55 +15975,69 @@
             <a:pPr/>
             <a:r>
               <a:rPr b="1"/>
-              <a:t>Neurological</a:t>
-            </a:r>
-          </a:p>
-          <a:p>
-            <a:pPr lvl="2"/>
-            <a:r>
-              <a:t>Phrenic nerve palsy (iatrogenic)</a:t>
-            </a:r>
-          </a:p>
-          <a:p>
-            <a:pPr lvl="2"/>
-            <a:r>
-              <a:t>Parsonage-Turner syndrome</a:t>
-            </a:r>
-          </a:p>
-          <a:p>
-            <a:pPr lvl="2"/>
-            <a:r>
-              <a:t>Cervical spinal cord injury</a:t>
-            </a:r>
-          </a:p>
-          <a:p>
-            <a:pPr lvl="2"/>
-            <a:r>
-              <a:t>Cervical myelopathy/stenosis</a:t>
-            </a:r>
-          </a:p>
-          <a:p>
-            <a:pPr lvl="2"/>
-            <a:r>
-              <a:t>Viral phrenic neuritis</a:t>
-            </a:r>
-          </a:p>
-          <a:p>
-            <a:pPr lvl="2"/>
-            <a:r>
-              <a:t>Post-COVID phrenic neuropathy</a:t>
-            </a:r>
-          </a:p>
-          <a:p>
-            <a:pPr lvl="2"/>
-            <a:r>
-              <a:t>Cervical disc herniation (C3–C5)</a:t>
-            </a:r>
-          </a:p>
-          <a:p>
-            <a:pPr lvl="2"/>
-            <a:r>
-              <a:t>Radiation-induced phrenic neuropathy</a:t>
+              <a:t>Normal Function</a:t>
+            </a:r>
+          </a:p>
+          <a:p>
+            <a:pPr lvl="2"/>
+            <a:r>
+              <a:t>Primary muscle of inspiration — ~70% of tidal volume at rest</a:t>
+            </a:r>
+          </a:p>
+          <a:p>
+            <a:pPr lvl="2"/>
+            <a:r>
+              <a:t>Contraction lowers dome, increases thoracic volume, creates negative intrathoracic pressure</a:t>
+            </a:r>
+          </a:p>
+          <a:p>
+            <a:pPr/>
+            <a:r>
+              <a:rPr b="1"/>
+              <a:t>Unilateral Paralysis</a:t>
+            </a:r>
+          </a:p>
+          <a:p>
+            <a:pPr lvl="2"/>
+            <a:r>
+              <a:t>Paradoxical upward movement on affected side during inspiration</a:t>
+            </a:r>
+          </a:p>
+          <a:p>
+            <a:pPr lvl="2"/>
+            <a:r>
+              <a:t>FVC: ↓20–30% upright; ↓40–50% supine (gravitational visceral shift)</a:t>
+            </a:r>
+          </a:p>
+          <a:p>
+            <a:pPr lvl="2"/>
+            <a:r>
+              <a:t>Often asymptomatic in otherwise healthy adults; symptomatic with any comorbidity</a:t>
+            </a:r>
+          </a:p>
+          <a:p>
+            <a:pPr/>
+            <a:r>
+              <a:rPr b="1"/>
+              <a:t>Bilateral Paralysis</a:t>
+            </a:r>
+          </a:p>
+          <a:p>
+            <a:pPr lvl="2"/>
+            <a:r>
+              <a:t>Severe orthopnea; FVC ↓50%+ supine vs. upright</a:t>
+            </a:r>
+          </a:p>
+          <a:p>
+            <a:pPr lvl="2"/>
+            <a:r>
+              <a:t>Nocturnal hypoventilation → morning headache, hypersomnolence, hypercapnia</a:t>
+            </a:r>
+          </a:p>
+          <a:p>
+            <a:pPr lvl="2"/>
+            <a:r>
+              <a:t>Typically requires NIV or ventilatory support</a:t>
             </a:r>
           </a:p>
         </p:txBody>
@@ -10494,143 +16058,7 @@
           <a:lstStyle/>
           <a:p>
             <a:r>
-              <a:t>Organized by mechanism: neurological, neuromuscular, and structural</a:t>
-            </a:r>
-          </a:p>
-        </p:txBody>
-      </p:sp>
-      <p:sp>
-        <p:nvSpPr>
-          <p:cNvPr id="5" name="Content Placeholder 4"/>
-          <p:cNvSpPr>
-            <a:spLocks noGrp="1"/>
-          </p:cNvSpPr>
-          <p:nvPr>
-            <p:ph idx="14"/>
-          </p:nvPr>
-        </p:nvSpPr>
-        <p:spPr/>
-        <p:txBody>
-          <a:bodyPr/>
-          <a:lstStyle/>
-          <a:p>
-            <a:pPr/>
-            <a:r>
-              <a:rPr b="1"/>
-              <a:t>Neuromuscular Disorders</a:t>
-            </a:r>
-          </a:p>
-          <a:p>
-            <a:pPr lvl="2"/>
-            <a:r>
-              <a:t>ALS (amyotrophic lateral sclerosis)</a:t>
-            </a:r>
-          </a:p>
-          <a:p>
-            <a:pPr lvl="2"/>
-            <a:r>
-              <a:t>Myasthenia gravis</a:t>
-            </a:r>
-          </a:p>
-          <a:p>
-            <a:pPr lvl="2"/>
-            <a:r>
-              <a:t>Duchenne / Becker muscular dystrophy</a:t>
-            </a:r>
-          </a:p>
-          <a:p>
-            <a:pPr lvl="2"/>
-            <a:r>
-              <a:t>Limb-girdle muscular dystrophy</a:t>
-            </a:r>
-          </a:p>
-          <a:p>
-            <a:pPr lvl="2"/>
-            <a:r>
-              <a:t>Pompe disease (acid maltase deficiency)</a:t>
-            </a:r>
-          </a:p>
-          <a:p>
-            <a:pPr lvl="2"/>
-            <a:r>
-              <a:t>Critical illness polyneuropathy/myopathy</a:t>
-            </a:r>
-          </a:p>
-          <a:p>
-            <a:pPr lvl="2"/>
-            <a:r>
-              <a:t>Guillain-Barré syndrome</a:t>
-            </a:r>
-          </a:p>
-          <a:p>
-            <a:pPr lvl="2"/>
-            <a:r>
-              <a:t>Mitochondrial myopathies</a:t>
-            </a:r>
-          </a:p>
-        </p:txBody>
-      </p:sp>
-      <p:sp>
-        <p:nvSpPr>
-          <p:cNvPr id="6" name="Content Placeholder 5"/>
-          <p:cNvSpPr>
-            <a:spLocks noGrp="1"/>
-          </p:cNvSpPr>
-          <p:nvPr>
-            <p:ph idx="15"/>
-          </p:nvPr>
-        </p:nvSpPr>
-        <p:spPr/>
-        <p:txBody>
-          <a:bodyPr/>
-          <a:lstStyle/>
-          <a:p>
-            <a:pPr/>
-            <a:r>
-              <a:rPr b="1"/>
-              <a:t>Compressive / Structural</a:t>
-            </a:r>
-          </a:p>
-          <a:p>
-            <a:pPr lvl="2"/>
-            <a:r>
-              <a:t>Mediastinal tumors or lymphadenopathy</a:t>
-            </a:r>
-          </a:p>
-          <a:p>
-            <a:pPr lvl="2"/>
-            <a:r>
-              <a:t>Thoracic aortic aneurysm</a:t>
-            </a:r>
-          </a:p>
-          <a:p>
-            <a:pPr lvl="2"/>
-            <a:r>
-              <a:t>Substernal thyroid goiter</a:t>
-            </a:r>
-          </a:p>
-          <a:p>
-            <a:pPr lvl="2"/>
-            <a:r>
-              <a:t>Pericardial effusion / mass</a:t>
-            </a:r>
-          </a:p>
-          <a:p>
-            <a:pPr lvl="2"/>
-            <a:r>
-              <a:t>Lung cancer (Pancoast, central)</a:t>
-            </a:r>
-          </a:p>
-          <a:p>
-            <a:pPr lvl="2"/>
-            <a:r>
-              <a:t>Cervical rib / thoracic outlet syndrome</a:t>
-            </a:r>
-          </a:p>
-          <a:p>
-            <a:pPr lvl="2"/>
-            <a:r>
-              <a:t>Idiopathic (10–20% of unilateral cases)</a:t>
+              <a:t>Understanding compensation and decompensation</a:t>
             </a:r>
           </a:p>
         </p:txBody>
@@ -10660,7 +16088,7 @@
             <a:spLocks noGrp="1"/>
           </p:cNvSpPr>
           <p:nvPr>
-            <p:ph type="title"/>
+            <p:ph type="ctrTitle"/>
           </p:nvPr>
         </p:nvSpPr>
         <p:spPr/>
@@ -10669,19 +16097,19 @@
           <a:lstStyle/>
           <a:p>
             <a:r>
-              <a:t>Iatrogenic Phrenic Nerve Injury</a:t>
-            </a:r>
-          </a:p>
-        </p:txBody>
-      </p:sp>
-      <p:sp>
-        <p:nvSpPr>
-          <p:cNvPr id="3" name="Content Placeholder 2"/>
-          <p:cNvSpPr>
-            <a:spLocks noGrp="1"/>
-          </p:cNvSpPr>
-          <p:nvPr>
-            <p:ph idx="1"/>
+              <a:t>Non-Traumatic Etiologies</a:t>
+            </a:r>
+          </a:p>
+        </p:txBody>
+      </p:sp>
+      <p:sp>
+        <p:nvSpPr>
+          <p:cNvPr id="3" name="Subtitle 2"/>
+          <p:cNvSpPr>
+            <a:spLocks noGrp="1"/>
+          </p:cNvSpPr>
+          <p:nvPr>
+            <p:ph type="subTitle" idx="1"/>
           </p:nvPr>
         </p:nvSpPr>
         <p:spPr/>
@@ -10689,170 +16117,8 @@
           <a:bodyPr/>
           <a:lstStyle/>
           <a:p>
-            <a:pPr/>
-            <a:r>
-              <a:rPr b="1"/>
-              <a:t>Cardiac Surgery</a:t>
-            </a:r>
-          </a:p>
-          <a:p>
-            <a:pPr lvl="2"/>
-            <a:r>
-              <a:t>Incidence: 0.3–9.7% after CABG or valve surgery</a:t>
-            </a:r>
-          </a:p>
-          <a:p>
-            <a:pPr lvl="2"/>
-            <a:r>
-              <a:t>Cold cardioplegia/ice slush causes thermal injury to phrenic nerve along pericardium</a:t>
-            </a:r>
-          </a:p>
-          <a:p>
-            <a:pPr lvl="2"/>
-            <a:r>
-              <a:t>Internal mammary artery harvest: direct traction or devascularization injury</a:t>
-            </a:r>
-          </a:p>
-          <a:p>
-            <a:pPr lvl="2"/>
-            <a:r>
-              <a:t>Left side more commonly affected due to left IMA harvest</a:t>
-            </a:r>
-          </a:p>
-          <a:p>
-            <a:pPr lvl="2"/>
-            <a:r>
-              <a:t>Recovery in 6–12 months in most; persistent paralysis ~1–2%</a:t>
-            </a:r>
-          </a:p>
-          <a:p>
-            <a:pPr/>
-            <a:r>
-              <a:rPr b="1"/>
-              <a:t>Central Line / Procedures</a:t>
-            </a:r>
-          </a:p>
-          <a:p>
-            <a:pPr lvl="2"/>
-            <a:r>
-              <a:t>Subclavian/internal jugular catheterization: nerve runs in close proximity</a:t>
-            </a:r>
-          </a:p>
-          <a:p>
-            <a:pPr lvl="2"/>
-            <a:r>
-              <a:t>Anterior scalene block, stellate ganglion block, brachial plexus block</a:t>
-            </a:r>
-          </a:p>
-          <a:p>
-            <a:pPr lvl="2"/>
-            <a:r>
-              <a:t>Cryoablation for AF: phrenic injury in 0.4–11% of procedures</a:t>
-            </a:r>
-          </a:p>
-        </p:txBody>
-      </p:sp>
-      <p:sp>
-        <p:nvSpPr>
-          <p:cNvPr id="4" name="Text Placeholder 3"/>
-          <p:cNvSpPr>
-            <a:spLocks noGrp="1"/>
-          </p:cNvSpPr>
-          <p:nvPr>
-            <p:ph type="body" idx="13" sz="quarter"/>
-          </p:nvPr>
-        </p:nvSpPr>
-        <p:spPr/>
-        <p:txBody>
-          <a:bodyPr/>
-          <a:lstStyle/>
-          <a:p>
-            <a:r>
-              <a:t>The most common identifiable cause of acquired phrenic palsy</a:t>
-            </a:r>
-          </a:p>
-        </p:txBody>
-      </p:sp>
-      <p:sp>
-        <p:nvSpPr>
-          <p:cNvPr id="5" name="Content Placeholder 4"/>
-          <p:cNvSpPr>
-            <a:spLocks noGrp="1"/>
-          </p:cNvSpPr>
-          <p:nvPr>
-            <p:ph idx="14"/>
-          </p:nvPr>
-        </p:nvSpPr>
-        <p:spPr/>
-        <p:txBody>
-          <a:bodyPr/>
-          <a:lstStyle/>
-          <a:p>
-            <a:pPr/>
-            <a:r>
-              <a:rPr b="1"/>
-              <a:t>Other Surgical Causes</a:t>
-            </a:r>
-          </a:p>
-          <a:p>
-            <a:pPr lvl="2"/>
-            <a:r>
-              <a:t>Cervical spine surgery (C3–C5 level): direct nerve trauma or retraction</a:t>
-            </a:r>
-          </a:p>
-          <a:p>
-            <a:pPr lvl="2"/>
-            <a:r>
-              <a:t>Thoracic surgery: lobectomy, pneumonectomy, mediastinal dissection</a:t>
-            </a:r>
-          </a:p>
-          <a:p>
-            <a:pPr lvl="2"/>
-            <a:r>
-              <a:t>Esophagectomy: extensive mediastinal dissection</a:t>
-            </a:r>
-          </a:p>
-          <a:p>
-            <a:pPr lvl="2"/>
-            <a:r>
-              <a:t>Thyroidectomy / neck dissection involving deep structures</a:t>
-            </a:r>
-          </a:p>
-          <a:p>
-            <a:pPr lvl="2"/>
-            <a:r>
-              <a:t>Pediatric congenital heart surgery (distinct from adult)</a:t>
-            </a:r>
-          </a:p>
-          <a:p>
-            <a:pPr/>
-            <a:r>
-              <a:rPr b="1"/>
-              <a:t>Radiation Therapy</a:t>
-            </a:r>
-          </a:p>
-          <a:p>
-            <a:pPr lvl="2"/>
-            <a:r>
-              <a:t>Delayed onset: months to years after treatment</a:t>
-            </a:r>
-          </a:p>
-          <a:p>
-            <a:pPr lvl="2"/>
-            <a:r>
-              <a:t>Fields involving mediastinum, neck, or thoracic inlet</a:t>
-            </a:r>
-          </a:p>
-          <a:p>
-            <a:pPr lvl="2"/>
-            <a:r>
-              <a:t>Radiation fibrosis causes progressive, often irreversible phrenic neuropathy</a:t>
-            </a:r>
-          </a:p>
-          <a:p>
-            <a:pPr lvl="2"/>
-            <a:r>
-              <a:t>Lymphoma, lung cancer, breast cancer RT most commonly implicated</a:t>
+            <a:r>
+              <a:t>Organized by mechanism: neuromuscular, autoimmune/inflammatory, and structural/physical</a:t>
             </a:r>
           </a:p>
         </p:txBody>
@@ -10891,7 +16157,7 @@
           <a:lstStyle/>
           <a:p>
             <a:r>
-              <a:t>Parsonage-Turner Syndrome (Neuralgic Amyotrophy)</a:t>
+              <a:t>Causes of Non-Traumatic Diaphragm Dysfunction</a:t>
             </a:r>
           </a:p>
         </p:txBody>
@@ -10914,180 +16180,212 @@
             <a:pPr/>
             <a:r>
               <a:rPr b="1"/>
-              <a:t>Definition &amp; Epidemiology</a:t>
-            </a:r>
-          </a:p>
-          <a:p>
-            <a:pPr lvl="2"/>
-            <a:r>
-              <a:t>Idiopathic inflammatory brachial plexus neuropathy; incidence ~1–3/100,000/year</a:t>
-            </a:r>
-          </a:p>
-          <a:p>
-            <a:pPr lvl="2"/>
-            <a:r>
-              <a:t>Phrenic nerve involvement in ~7% of PTS cases; bilateral in ~7% of those</a:t>
-            </a:r>
-          </a:p>
-          <a:p>
-            <a:pPr lvl="2"/>
-            <a:r>
-              <a:t>Hereditary form (HNPP): SEPT9 gene mutation — more frequent phrenic involvement</a:t>
-            </a:r>
-          </a:p>
+              <a:t>Neuromuscular</a:t>
+            </a:r>
+          </a:p>
+          <a:p>
+            <a:pPr lvl="2"/>
+            <a:r>
+              <a:t>ALS (amyotrophic lateral sclerosis)</a:t>
+            </a:r>
+          </a:p>
+          <a:p>
+            <a:pPr lvl="2"/>
+            <a:r>
+              <a:t>Duchenne / Becker / Limb-girdle MD</a:t>
+            </a:r>
+          </a:p>
+          <a:p>
+            <a:pPr lvl="2"/>
+            <a:r>
+              <a:t>Pompe disease (acid maltase deficiency)</a:t>
+            </a:r>
+          </a:p>
+          <a:p>
+            <a:pPr lvl="2"/>
+            <a:r>
+              <a:t>Mitochondrial myopathies</a:t>
+            </a:r>
+          </a:p>
+          <a:p>
+            <a:pPr lvl="2"/>
+            <a:r>
+              <a:t>Critical illness myopathy (CIM)</a:t>
+            </a:r>
+          </a:p>
+          <a:p>
+            <a:pPr lvl="2"/>
+            <a:r>
+              <a:t>Ventilator-induced diaphragm dysfunction</a:t>
+            </a:r>
+          </a:p>
+          <a:p>
+            <a:pPr lvl="2"/>
+            <a:r>
+              <a:t>Cervical SCI (C3–C5)</a:t>
+            </a:r>
+          </a:p>
+          <a:p>
+            <a:pPr lvl="2"/>
+            <a:r>
+              <a:t>Cervical myelopathy / disc herniation</a:t>
+            </a:r>
+          </a:p>
+        </p:txBody>
+      </p:sp>
+      <p:sp>
+        <p:nvSpPr>
+          <p:cNvPr id="4" name="Text Placeholder 3"/>
+          <p:cNvSpPr>
+            <a:spLocks noGrp="1"/>
+          </p:cNvSpPr>
+          <p:nvPr>
+            <p:ph type="body" idx="13" sz="quarter"/>
+          </p:nvPr>
+        </p:nvSpPr>
+        <p:spPr/>
+        <p:txBody>
+          <a:bodyPr/>
+          <a:lstStyle/>
+          <a:p>
+            <a:r>
+              <a:t>Organized by mechanism</a:t>
+            </a:r>
+          </a:p>
+        </p:txBody>
+      </p:sp>
+      <p:sp>
+        <p:nvSpPr>
+          <p:cNvPr id="5" name="Content Placeholder 4"/>
+          <p:cNvSpPr>
+            <a:spLocks noGrp="1"/>
+          </p:cNvSpPr>
+          <p:nvPr>
+            <p:ph idx="14"/>
+          </p:nvPr>
+        </p:nvSpPr>
+        <p:spPr/>
+        <p:txBody>
+          <a:bodyPr/>
+          <a:lstStyle/>
           <a:p>
             <a:pPr/>
             <a:r>
               <a:rPr b="1"/>
-              <a:t>Pathophysiology</a:t>
-            </a:r>
-          </a:p>
-          <a:p>
-            <a:pPr lvl="2"/>
-            <a:r>
-              <a:t>Immune-mediated focal demyelination and axonal degeneration of peripheral nerves</a:t>
-            </a:r>
-          </a:p>
-          <a:p>
-            <a:pPr lvl="2"/>
-            <a:r>
-              <a:t>Triggers: viral illness (EBV, CMV, COVID-19), surgery, vaccination, intense exercise</a:t>
-            </a:r>
-          </a:p>
+              <a:t>Autoimmune / Inflammatory</a:t>
+            </a:r>
+          </a:p>
+          <a:p>
+            <a:pPr lvl="2"/>
+            <a:r>
+              <a:t>Parsonage-Turner syndrome (neuralgic amyotrophy)</a:t>
+            </a:r>
+          </a:p>
+          <a:p>
+            <a:pPr lvl="2"/>
+            <a:r>
+              <a:t>Myasthenia gravis</a:t>
+            </a:r>
+          </a:p>
+          <a:p>
+            <a:pPr lvl="2"/>
+            <a:r>
+              <a:t>Lambert-Eaton myasthenic syndrome</a:t>
+            </a:r>
+          </a:p>
+          <a:p>
+            <a:pPr lvl="2"/>
+            <a:r>
+              <a:t>Guillain-Barré syndrome</a:t>
+            </a:r>
+          </a:p>
+          <a:p>
+            <a:pPr lvl="2"/>
+            <a:r>
+              <a:t>CIDP (chronic inflammatory demyelinating polyneuropathy)</a:t>
+            </a:r>
+          </a:p>
+          <a:p>
+            <a:pPr lvl="2"/>
+            <a:r>
+              <a:t>Viral phrenic neuritis (EBV, CMV, COVID-19)</a:t>
+            </a:r>
+          </a:p>
+          <a:p>
+            <a:pPr lvl="2"/>
+            <a:r>
+              <a:t>Vasculitis (PAN, SLE)</a:t>
+            </a:r>
+          </a:p>
+        </p:txBody>
+      </p:sp>
+      <p:sp>
+        <p:nvSpPr>
+          <p:cNvPr id="6" name="Content Placeholder 5"/>
+          <p:cNvSpPr>
+            <a:spLocks noGrp="1"/>
+          </p:cNvSpPr>
+          <p:nvPr>
+            <p:ph idx="15"/>
+          </p:nvPr>
+        </p:nvSpPr>
+        <p:spPr/>
+        <p:txBody>
+          <a:bodyPr/>
+          <a:lstStyle/>
           <a:p>
             <a:pPr/>
             <a:r>
               <a:rPr b="1"/>
-              <a:t>Clinical Presentation</a:t>
-            </a:r>
-          </a:p>
-          <a:p>
-            <a:pPr lvl="2"/>
-            <a:r>
-              <a:t>Classic: acute severe shoulder/arm pain followed by progressive weakness and atrophy</a:t>
-            </a:r>
-          </a:p>
-          <a:p>
-            <a:pPr lvl="2"/>
-            <a:r>
-              <a:t>Phrenic-predominant variant: dyspnea without significant arm pain (commonly missed)</a:t>
-            </a:r>
-          </a:p>
-          <a:p>
-            <a:pPr lvl="2"/>
-            <a:r>
-              <a:t>Unilateral diaphragm paralysis → severe exertional dyspnea, orthopnea</a:t>
-            </a:r>
-          </a:p>
-          <a:p>
-            <a:pPr lvl="2"/>
-            <a:r>
-              <a:t>May mimic cardiac disease, pulmonary embolism, or unexplained dyspnea</a:t>
-            </a:r>
-          </a:p>
-        </p:txBody>
-      </p:sp>
-      <p:sp>
-        <p:nvSpPr>
-          <p:cNvPr id="4" name="Text Placeholder 3"/>
-          <p:cNvSpPr>
-            <a:spLocks noGrp="1"/>
-          </p:cNvSpPr>
-          <p:nvPr>
-            <p:ph type="body" idx="13" sz="quarter"/>
-          </p:nvPr>
-        </p:nvSpPr>
-        <p:spPr/>
-        <p:txBody>
-          <a:bodyPr/>
-          <a:lstStyle/>
-          <a:p>
-            <a:r>
-              <a:t>An underrecognized cause of phrenic neuropathy and diaphragm paralysis</a:t>
-            </a:r>
-          </a:p>
-        </p:txBody>
-      </p:sp>
-      <p:sp>
-        <p:nvSpPr>
-          <p:cNvPr id="5" name="Content Placeholder 4"/>
-          <p:cNvSpPr>
-            <a:spLocks noGrp="1"/>
-          </p:cNvSpPr>
-          <p:nvPr>
-            <p:ph idx="14"/>
-          </p:nvPr>
-        </p:nvSpPr>
-        <p:spPr/>
-        <p:txBody>
-          <a:bodyPr/>
-          <a:lstStyle/>
-          <a:p>
-            <a:pPr/>
-            <a:r>
-              <a:rPr b="1"/>
-              <a:t>Diagnosis</a:t>
-            </a:r>
-          </a:p>
-          <a:p>
-            <a:pPr lvl="2"/>
-            <a:r>
-              <a:t>CXR: elevated hemidiaphragm (may be only finding)</a:t>
-            </a:r>
-          </a:p>
-          <a:p>
-            <a:pPr lvl="2"/>
-            <a:r>
-              <a:t>Fluoroscopic sniff test: paradoxical diaphragm movement</a:t>
-            </a:r>
-          </a:p>
-          <a:p>
-            <a:pPr lvl="2"/>
-            <a:r>
-              <a:t>MRI brachial plexus: "hourglass" nerve constriction, T2 signal change in affected muscles</a:t>
-            </a:r>
-          </a:p>
-          <a:p>
-            <a:pPr lvl="2"/>
-            <a:r>
-              <a:t>Nerve conduction study: absent or reduced CMAP of phrenic nerve</a:t>
-            </a:r>
-          </a:p>
-          <a:p>
-            <a:pPr lvl="2"/>
-            <a:r>
-              <a:t>EMG: denervation changes in diaphragm (fibrillations, positive sharp waves)</a:t>
-            </a:r>
-          </a:p>
-          <a:p>
-            <a:pPr/>
-            <a:r>
-              <a:rPr b="1"/>
-              <a:t>Prognosis &amp; Treatment</a:t>
-            </a:r>
-          </a:p>
-          <a:p>
-            <a:pPr lvl="2"/>
-            <a:r>
-              <a:t>Natural recovery in 70–80% over 2–3 years (axonal regrowth ~1 mm/day)</a:t>
-            </a:r>
-          </a:p>
-          <a:p>
-            <a:pPr lvl="2"/>
-            <a:r>
-              <a:t>High-dose corticosteroids: may shorten acute pain phase, uncertain effect on recovery</a:t>
-            </a:r>
-          </a:p>
-          <a:p>
-            <a:pPr lvl="2"/>
-            <a:r>
-              <a:t>IVIG and immunotherapy: emerging evidence for severe or non-recovering cases</a:t>
-            </a:r>
-          </a:p>
-          <a:p>
-            <a:pPr lvl="2"/>
-            <a:r>
-              <a:t>Diaphragm plication: consider if no recovery after 18–24 months of observation</a:t>
+              <a:t>Structural / Physical</a:t>
+            </a:r>
+          </a:p>
+          <a:p>
+            <a:pPr lvl="2"/>
+            <a:r>
+              <a:t>Iatrogenic phrenic nerve injury (cardiac surgery, cryoablation, central lines)</a:t>
+            </a:r>
+          </a:p>
+          <a:p>
+            <a:pPr lvl="2"/>
+            <a:r>
+              <a:t>Radiation-induced phrenic neuropathy</a:t>
+            </a:r>
+          </a:p>
+          <a:p>
+            <a:pPr lvl="2"/>
+            <a:r>
+              <a:t>Mediastinal tumor / lymphadenopathy</a:t>
+            </a:r>
+          </a:p>
+          <a:p>
+            <a:pPr lvl="2"/>
+            <a:r>
+              <a:t>Thoracic aortic aneurysm</a:t>
+            </a:r>
+          </a:p>
+          <a:p>
+            <a:pPr lvl="2"/>
+            <a:r>
+              <a:t>Substernal goiter / thyroid mass</a:t>
+            </a:r>
+          </a:p>
+          <a:p>
+            <a:pPr lvl="2"/>
+            <a:r>
+              <a:t>Cervical rib / thoracic outlet syndrome</a:t>
+            </a:r>
+          </a:p>
+          <a:p>
+            <a:pPr lvl="2"/>
+            <a:r>
+              <a:t>Lung cancer (Pancoast, central)</a:t>
+            </a:r>
+          </a:p>
+          <a:p>
+            <a:pPr lvl="2"/>
+            <a:r>
+              <a:t>Idiopathic (~10–20% unilateral cases)</a:t>
             </a:r>
           </a:p>
         </p:txBody>
